--- a/Output_local/holding/figs/Figs_1.13.23.pptx
+++ b/Output_local/holding/figs/Figs_1.13.23.pptx
@@ -5,14 +5,28 @@
     <p:sldMasterId id="2147483648" r:id="rId1"/>
   </p:sldMasterIdLst>
   <p:sldIdLst>
-    <p:sldId id="256" r:id="rId2"/>
-    <p:sldId id="257" r:id="rId3"/>
-    <p:sldId id="258" r:id="rId4"/>
-    <p:sldId id="259" r:id="rId5"/>
-    <p:sldId id="260" r:id="rId6"/>
-    <p:sldId id="263" r:id="rId7"/>
-    <p:sldId id="261" r:id="rId8"/>
-    <p:sldId id="262" r:id="rId9"/>
+    <p:sldId id="274" r:id="rId2"/>
+    <p:sldId id="267" r:id="rId3"/>
+    <p:sldId id="256" r:id="rId4"/>
+    <p:sldId id="257" r:id="rId5"/>
+    <p:sldId id="258" r:id="rId6"/>
+    <p:sldId id="259" r:id="rId7"/>
+    <p:sldId id="260" r:id="rId8"/>
+    <p:sldId id="263" r:id="rId9"/>
+    <p:sldId id="270" r:id="rId10"/>
+    <p:sldId id="261" r:id="rId11"/>
+    <p:sldId id="262" r:id="rId12"/>
+    <p:sldId id="269" r:id="rId13"/>
+    <p:sldId id="264" r:id="rId14"/>
+    <p:sldId id="265" r:id="rId15"/>
+    <p:sldId id="266" r:id="rId16"/>
+    <p:sldId id="271" r:id="rId17"/>
+    <p:sldId id="272" r:id="rId18"/>
+    <p:sldId id="273" r:id="rId19"/>
+    <p:sldId id="275" r:id="rId20"/>
+    <p:sldId id="276" r:id="rId21"/>
+    <p:sldId id="277" r:id="rId22"/>
+    <p:sldId id="278" r:id="rId23"/>
   </p:sldIdLst>
   <p:sldSz cx="12192000" cy="6858000"/>
   <p:notesSz cx="6858000" cy="9144000"/>
@@ -111,7 +125,58 @@
       </a:defRPr>
     </a:lvl9pPr>
   </p:defaultTextStyle>
+  <p:extLst>
+    <p:ext uri="{EFAFB233-063F-42B5-8137-9DF3F51BA10A}">
+      <p15:sldGuideLst xmlns:p15="http://schemas.microsoft.com/office/powerpoint/2012/main"/>
+    </p:ext>
+  </p:extLst>
 </p:presentation>
+</file>
+
+<file path=ppt/authors.xml><?xml version="1.0" encoding="utf-8"?>
+<p188:authorLst xmlns:a="http://schemas.openxmlformats.org/drawingml/2006/main" xmlns:r="http://schemas.openxmlformats.org/officeDocument/2006/relationships" xmlns:p188="http://schemas.microsoft.com/office/powerpoint/2018/8/main">
+  <p188:author id="{607F2619-DB8B-9395-83D2-05BB721BD830}" name="Gina Lamka" initials="GL" userId="Gina Lamka" providerId="None"/>
+</p188:authorLst>
+</file>
+
+<file path=ppt/comments/modernComment_112_ADDA7F43.xml><?xml version="1.0" encoding="utf-8"?>
+<p188:cmLst xmlns:a="http://schemas.openxmlformats.org/drawingml/2006/main" xmlns:r="http://schemas.openxmlformats.org/officeDocument/2006/relationships" xmlns:p188="http://schemas.microsoft.com/office/powerpoint/2018/8/main">
+  <p188:cm id="{530536E0-2C8C-4959-A70E-FF6A43998D4D}" authorId="{607F2619-DB8B-9395-83D2-05BB721BD830}" created="2023-01-17T20:34:31.151">
+    <ac:txMkLst xmlns:ac="http://schemas.microsoft.com/office/drawing/2013/main/command">
+      <pc:docMk xmlns:pc="http://schemas.microsoft.com/office/powerpoint/2013/main/command"/>
+      <pc:sldMk xmlns:pc="http://schemas.microsoft.com/office/powerpoint/2013/main/command" cId="2916777795" sldId="274"/>
+      <ac:spMk id="3" creationId="{9C901562-E012-7B11-0EC3-1DB25125E018}"/>
+      <ac:txMk cp="1705" len="1">
+        <ac:context len="2376" hash="269027806"/>
+      </ac:txMk>
+    </ac:txMkLst>
+    <p188:pos x="7074417" y="3920608"/>
+    <p188:replyLst>
+      <p188:reply id="{82BD0115-C924-4F01-ADD1-32CCB8255434}" authorId="{607F2619-DB8B-9395-83D2-05BB721BD830}" created="2023-01-17T20:41:10.900">
+        <p188:txBody>
+          <a:bodyPr/>
+          <a:lstStyle/>
+          <a:p>
+            <a:r>
+              <a:rPr lang="en-US"/>
+              <a:t>Note: the pop crashes when N is less than 10 (probs want to increase it)</a:t>
+            </a:r>
+          </a:p>
+        </p188:txBody>
+      </p188:reply>
+    </p188:replyLst>
+    <p188:txBody>
+      <a:bodyPr/>
+      <a:lstStyle/>
+      <a:p>
+        <a:r>
+          <a:rPr lang="en-US"/>
+          <a:t>This is something I am newly looking into -- populations only crash when r0 is small</a:t>
+        </a:r>
+      </a:p>
+    </p188:txBody>
+  </p188:cm>
+</p188:cmLst>
 </file>
 
 <file path=ppt/slideLayouts/slideLayout1.xml><?xml version="1.0" encoding="utf-8"?>
@@ -261,7 +326,7 @@
           <a:p>
             <a:fld id="{7A4046AA-27C9-44E6-A581-156BA02D08E8}" type="datetimeFigureOut">
               <a:rPr lang="en-US" smtClean="0"/>
-              <a:t>1/13/2023</a:t>
+              <a:t>1/17/2023</a:t>
             </a:fld>
             <a:endParaRPr lang="en-US"/>
           </a:p>
@@ -459,7 +524,7 @@
           <a:p>
             <a:fld id="{7A4046AA-27C9-44E6-A581-156BA02D08E8}" type="datetimeFigureOut">
               <a:rPr lang="en-US" smtClean="0"/>
-              <a:t>1/13/2023</a:t>
+              <a:t>1/17/2023</a:t>
             </a:fld>
             <a:endParaRPr lang="en-US"/>
           </a:p>
@@ -667,7 +732,7 @@
           <a:p>
             <a:fld id="{7A4046AA-27C9-44E6-A581-156BA02D08E8}" type="datetimeFigureOut">
               <a:rPr lang="en-US" smtClean="0"/>
-              <a:t>1/13/2023</a:t>
+              <a:t>1/17/2023</a:t>
             </a:fld>
             <a:endParaRPr lang="en-US"/>
           </a:p>
@@ -865,7 +930,7 @@
           <a:p>
             <a:fld id="{7A4046AA-27C9-44E6-A581-156BA02D08E8}" type="datetimeFigureOut">
               <a:rPr lang="en-US" smtClean="0"/>
-              <a:t>1/13/2023</a:t>
+              <a:t>1/17/2023</a:t>
             </a:fld>
             <a:endParaRPr lang="en-US"/>
           </a:p>
@@ -1140,7 +1205,7 @@
           <a:p>
             <a:fld id="{7A4046AA-27C9-44E6-A581-156BA02D08E8}" type="datetimeFigureOut">
               <a:rPr lang="en-US" smtClean="0"/>
-              <a:t>1/13/2023</a:t>
+              <a:t>1/17/2023</a:t>
             </a:fld>
             <a:endParaRPr lang="en-US"/>
           </a:p>
@@ -1405,7 +1470,7 @@
           <a:p>
             <a:fld id="{7A4046AA-27C9-44E6-A581-156BA02D08E8}" type="datetimeFigureOut">
               <a:rPr lang="en-US" smtClean="0"/>
-              <a:t>1/13/2023</a:t>
+              <a:t>1/17/2023</a:t>
             </a:fld>
             <a:endParaRPr lang="en-US"/>
           </a:p>
@@ -1817,7 +1882,7 @@
           <a:p>
             <a:fld id="{7A4046AA-27C9-44E6-A581-156BA02D08E8}" type="datetimeFigureOut">
               <a:rPr lang="en-US" smtClean="0"/>
-              <a:t>1/13/2023</a:t>
+              <a:t>1/17/2023</a:t>
             </a:fld>
             <a:endParaRPr lang="en-US"/>
           </a:p>
@@ -1958,7 +2023,7 @@
           <a:p>
             <a:fld id="{7A4046AA-27C9-44E6-A581-156BA02D08E8}" type="datetimeFigureOut">
               <a:rPr lang="en-US" smtClean="0"/>
-              <a:t>1/13/2023</a:t>
+              <a:t>1/17/2023</a:t>
             </a:fld>
             <a:endParaRPr lang="en-US"/>
           </a:p>
@@ -2071,7 +2136,7 @@
           <a:p>
             <a:fld id="{7A4046AA-27C9-44E6-A581-156BA02D08E8}" type="datetimeFigureOut">
               <a:rPr lang="en-US" smtClean="0"/>
-              <a:t>1/13/2023</a:t>
+              <a:t>1/17/2023</a:t>
             </a:fld>
             <a:endParaRPr lang="en-US"/>
           </a:p>
@@ -2382,7 +2447,7 @@
           <a:p>
             <a:fld id="{7A4046AA-27C9-44E6-A581-156BA02D08E8}" type="datetimeFigureOut">
               <a:rPr lang="en-US" smtClean="0"/>
-              <a:t>1/13/2023</a:t>
+              <a:t>1/17/2023</a:t>
             </a:fld>
             <a:endParaRPr lang="en-US"/>
           </a:p>
@@ -2670,7 +2735,7 @@
           <a:p>
             <a:fld id="{7A4046AA-27C9-44E6-A581-156BA02D08E8}" type="datetimeFigureOut">
               <a:rPr lang="en-US" smtClean="0"/>
-              <a:t>1/13/2023</a:t>
+              <a:t>1/17/2023</a:t>
             </a:fld>
             <a:endParaRPr lang="en-US"/>
           </a:p>
@@ -2911,7 +2976,7 @@
           <a:p>
             <a:fld id="{7A4046AA-27C9-44E6-A581-156BA02D08E8}" type="datetimeFigureOut">
               <a:rPr lang="en-US" smtClean="0"/>
-              <a:t>1/13/2023</a:t>
+              <a:t>1/17/2023</a:t>
             </a:fld>
             <a:endParaRPr lang="en-US"/>
           </a:p>
@@ -3328,229 +3393,158 @@
           <a:chExt cx="0" cy="0"/>
         </a:xfrm>
       </p:grpSpPr>
-      <p:pic>
-        <p:nvPicPr>
-          <p:cNvPr id="5" name="Picture 4">
-            <a:extLst>
-              <a:ext uri="{FF2B5EF4-FFF2-40B4-BE49-F238E27FC236}">
-                <a16:creationId xmlns:a16="http://schemas.microsoft.com/office/drawing/2014/main" id="{173C8D7F-B12A-D5E9-9AAB-BC7A4BE88998}"/>
-              </a:ext>
-            </a:extLst>
-          </p:cNvPr>
-          <p:cNvPicPr>
-            <a:picLocks noChangeAspect="1"/>
-          </p:cNvPicPr>
-          <p:nvPr/>
-        </p:nvPicPr>
-        <p:blipFill>
-          <a:blip r:embed="rId2"/>
-          <a:stretch>
-            <a:fillRect/>
-          </a:stretch>
-        </p:blipFill>
-        <p:spPr>
-          <a:xfrm>
-            <a:off x="399854" y="0"/>
-            <a:ext cx="3040084" cy="2769287"/>
-          </a:xfrm>
-          <a:prstGeom prst="rect">
-            <a:avLst/>
-          </a:prstGeom>
-        </p:spPr>
-      </p:pic>
-      <p:pic>
-        <p:nvPicPr>
-          <p:cNvPr id="7" name="Picture 6">
-            <a:extLst>
-              <a:ext uri="{FF2B5EF4-FFF2-40B4-BE49-F238E27FC236}">
-                <a16:creationId xmlns:a16="http://schemas.microsoft.com/office/drawing/2014/main" id="{2DB353C8-23B8-EB76-FC15-3340F47B886B}"/>
-              </a:ext>
-            </a:extLst>
-          </p:cNvPr>
-          <p:cNvPicPr>
-            <a:picLocks noChangeAspect="1"/>
-          </p:cNvPicPr>
-          <p:nvPr/>
-        </p:nvPicPr>
-        <p:blipFill>
-          <a:blip r:embed="rId3"/>
-          <a:stretch>
-            <a:fillRect/>
-          </a:stretch>
-        </p:blipFill>
-        <p:spPr>
-          <a:xfrm>
-            <a:off x="3439938" y="0"/>
-            <a:ext cx="3173653" cy="2890958"/>
-          </a:xfrm>
-          <a:prstGeom prst="rect">
-            <a:avLst/>
-          </a:prstGeom>
-        </p:spPr>
-      </p:pic>
-      <p:pic>
-        <p:nvPicPr>
-          <p:cNvPr id="9" name="Picture 8">
-            <a:extLst>
-              <a:ext uri="{FF2B5EF4-FFF2-40B4-BE49-F238E27FC236}">
-                <a16:creationId xmlns:a16="http://schemas.microsoft.com/office/drawing/2014/main" id="{02978D2B-6FF3-CEF7-8139-636E824F864A}"/>
-              </a:ext>
-            </a:extLst>
-          </p:cNvPr>
-          <p:cNvPicPr>
-            <a:picLocks noChangeAspect="1"/>
-          </p:cNvPicPr>
-          <p:nvPr/>
-        </p:nvPicPr>
-        <p:blipFill>
-          <a:blip r:embed="rId4"/>
-          <a:stretch>
-            <a:fillRect/>
-          </a:stretch>
-        </p:blipFill>
-        <p:spPr>
-          <a:xfrm>
-            <a:off x="6613591" y="0"/>
-            <a:ext cx="3045980" cy="2774658"/>
-          </a:xfrm>
-          <a:prstGeom prst="rect">
-            <a:avLst/>
-          </a:prstGeom>
-        </p:spPr>
-      </p:pic>
-      <p:pic>
-        <p:nvPicPr>
-          <p:cNvPr id="11" name="Picture 10">
-            <a:extLst>
-              <a:ext uri="{FF2B5EF4-FFF2-40B4-BE49-F238E27FC236}">
-                <a16:creationId xmlns:a16="http://schemas.microsoft.com/office/drawing/2014/main" id="{90C49A02-36C8-8FA7-E2A7-9CA6C8E47EAC}"/>
-              </a:ext>
-            </a:extLst>
-          </p:cNvPr>
-          <p:cNvPicPr>
-            <a:picLocks noChangeAspect="1"/>
-          </p:cNvPicPr>
-          <p:nvPr/>
-        </p:nvPicPr>
-        <p:blipFill>
-          <a:blip r:embed="rId5"/>
-          <a:stretch>
-            <a:fillRect/>
-          </a:stretch>
-        </p:blipFill>
-        <p:spPr>
-          <a:xfrm>
-            <a:off x="6741264" y="2890958"/>
-            <a:ext cx="2912411" cy="2652987"/>
-          </a:xfrm>
-          <a:prstGeom prst="rect">
-            <a:avLst/>
-          </a:prstGeom>
-        </p:spPr>
-      </p:pic>
-      <p:pic>
-        <p:nvPicPr>
-          <p:cNvPr id="13" name="Picture 12">
-            <a:extLst>
-              <a:ext uri="{FF2B5EF4-FFF2-40B4-BE49-F238E27FC236}">
-                <a16:creationId xmlns:a16="http://schemas.microsoft.com/office/drawing/2014/main" id="{B9B46CF7-4055-1363-5ECB-58550ECE98DD}"/>
-              </a:ext>
-            </a:extLst>
-          </p:cNvPr>
-          <p:cNvPicPr>
-            <a:picLocks noChangeAspect="1"/>
-          </p:cNvPicPr>
-          <p:nvPr/>
-        </p:nvPicPr>
-        <p:blipFill>
-          <a:blip r:embed="rId6"/>
-          <a:stretch>
-            <a:fillRect/>
-          </a:stretch>
-        </p:blipFill>
-        <p:spPr>
-          <a:xfrm>
-            <a:off x="471351" y="2769287"/>
-            <a:ext cx="2897091" cy="2639031"/>
-          </a:xfrm>
-          <a:prstGeom prst="rect">
-            <a:avLst/>
-          </a:prstGeom>
-        </p:spPr>
-      </p:pic>
-      <p:pic>
-        <p:nvPicPr>
-          <p:cNvPr id="15" name="Picture 14">
-            <a:extLst>
-              <a:ext uri="{FF2B5EF4-FFF2-40B4-BE49-F238E27FC236}">
-                <a16:creationId xmlns:a16="http://schemas.microsoft.com/office/drawing/2014/main" id="{212CA119-9165-0234-9CE6-4E66832E23A9}"/>
-              </a:ext>
-            </a:extLst>
-          </p:cNvPr>
-          <p:cNvPicPr>
-            <a:picLocks noChangeAspect="1"/>
-          </p:cNvPicPr>
-          <p:nvPr/>
-        </p:nvPicPr>
-        <p:blipFill>
-          <a:blip r:embed="rId7"/>
-          <a:stretch>
-            <a:fillRect/>
-          </a:stretch>
-        </p:blipFill>
-        <p:spPr>
-          <a:xfrm>
-            <a:off x="3496115" y="2769287"/>
-            <a:ext cx="3045980" cy="2774657"/>
-          </a:xfrm>
-          <a:prstGeom prst="rect">
-            <a:avLst/>
-          </a:prstGeom>
-        </p:spPr>
-      </p:pic>
-      <p:pic>
-        <p:nvPicPr>
-          <p:cNvPr id="16" name="Picture 15">
-            <a:extLst>
-              <a:ext uri="{FF2B5EF4-FFF2-40B4-BE49-F238E27FC236}">
-                <a16:creationId xmlns:a16="http://schemas.microsoft.com/office/drawing/2014/main" id="{18871582-34A8-2955-0009-9D90CDD922A7}"/>
-              </a:ext>
-            </a:extLst>
-          </p:cNvPr>
-          <p:cNvPicPr>
-            <a:picLocks noChangeAspect="1"/>
-          </p:cNvPicPr>
-          <p:nvPr/>
-        </p:nvPicPr>
-        <p:blipFill rotWithShape="1">
-          <a:blip r:embed="rId8"/>
-          <a:srcRect l="22563" t="32944" r="14469" b="37688"/>
-          <a:stretch/>
-        </p:blipFill>
-        <p:spPr>
-          <a:xfrm>
-            <a:off x="10179699" y="5940344"/>
-            <a:ext cx="1922106" cy="816580"/>
-          </a:xfrm>
-          <a:prstGeom prst="rect">
-            <a:avLst/>
-          </a:prstGeom>
-        </p:spPr>
-      </p:pic>
+      <p:sp>
+        <p:nvSpPr>
+          <p:cNvPr id="3" name="Content Placeholder 2">
+            <a:extLst>
+              <a:ext uri="{FF2B5EF4-FFF2-40B4-BE49-F238E27FC236}">
+                <a16:creationId xmlns:a16="http://schemas.microsoft.com/office/drawing/2014/main" id="{9C901562-E012-7B11-0EC3-1DB25125E018}"/>
+              </a:ext>
+            </a:extLst>
+          </p:cNvPr>
+          <p:cNvSpPr>
+            <a:spLocks noGrp="1"/>
+          </p:cNvSpPr>
+          <p:nvPr>
+            <p:ph idx="1"/>
+          </p:nvPr>
+        </p:nvSpPr>
+        <p:spPr>
+          <a:xfrm>
+            <a:off x="581025" y="768350"/>
+            <a:ext cx="10515600" cy="4351338"/>
+          </a:xfrm>
+        </p:spPr>
+        <p:txBody>
+          <a:bodyPr>
+            <a:normAutofit fontScale="25000" lnSpcReduction="20000"/>
+          </a:bodyPr>
+          <a:lstStyle/>
+          <a:p>
+            <a:pPr marL="0" indent="0" algn="just">
+              <a:buNone/>
+            </a:pPr>
+            <a:r>
+              <a:rPr lang="en-US" sz="8000" dirty="0"/>
+              <a:t>To understand these </a:t>
+            </a:r>
+            <a:r>
+              <a:rPr lang="en-US" sz="8000" u="sng" dirty="0"/>
+              <a:t>long-term effects of migration</a:t>
+            </a:r>
+            <a:r>
+              <a:rPr lang="en-US" sz="8000" dirty="0"/>
+              <a:t>, we developed an agent-based model that uses genetic diversity and gene flow to determine fitness in small populations. These populations were modeled such that our results will provide insight into how populations persist in the face of stochastic and anthropogenic ecosystem change. Specifically, we examined </a:t>
+            </a:r>
+            <a:r>
+              <a:rPr lang="en-US" sz="8000" u="sng" dirty="0"/>
+              <a:t>how dispersal can mitigate the effects of small populations and inbreeding, and the genetic implications of limited gene flow on these effects</a:t>
+            </a:r>
+            <a:r>
+              <a:rPr lang="en-US" sz="8000" dirty="0"/>
+              <a:t>. Within our simulations, we examined trends following migration events to address three specific  questions: </a:t>
+            </a:r>
+            <a:r>
+              <a:rPr lang="en-US" sz="8000" b="1" dirty="0"/>
+              <a:t>1. Does the increase in genetic variants provided to a population via migration provide a long term influence on individual and population fitness?</a:t>
+            </a:r>
+            <a:r>
+              <a:rPr lang="en-US" sz="8000" dirty="0"/>
+              <a:t> We hypothesized that </a:t>
+            </a:r>
+            <a:r>
+              <a:rPr lang="en-US" sz="8000" dirty="0">
+                <a:solidFill>
+                  <a:schemeClr val="accent1"/>
+                </a:solidFill>
+              </a:rPr>
+              <a:t>extremely small populations will retain more of the migrant-related genetic variants than populations with more moderate population crashes due to the population growth potential in extremely small populations</a:t>
+            </a:r>
+            <a:r>
+              <a:rPr lang="en-US" sz="8000" dirty="0"/>
+              <a:t>. </a:t>
+            </a:r>
+            <a:r>
+              <a:rPr lang="en-US" sz="8000" b="1" dirty="0"/>
+              <a:t>2. Do migrants with particularly high fitness affect the receiving population’s long-term stability more so than migrants with moderate or low lifetime fitness? </a:t>
+            </a:r>
+            <a:r>
+              <a:rPr lang="en-US" sz="8000" dirty="0"/>
+              <a:t>We hypothesize that </a:t>
+            </a:r>
+            <a:r>
+              <a:rPr lang="en-US" sz="8000" dirty="0">
+                <a:solidFill>
+                  <a:schemeClr val="accent1"/>
+                </a:solidFill>
+              </a:rPr>
+              <a:t>migrants with high fitness may result in more unstable populations long-term than migrants with lower fitness, since high fitness individuals may cause inbreeding to increase as offspring from high fitness individuals reproduce. </a:t>
+            </a:r>
+            <a:r>
+              <a:rPr lang="en-US" sz="8000" b="1" dirty="0"/>
+              <a:t>3. Do differences in species lifespan or fecundity influence long term population viability when migrations occur?  </a:t>
+            </a:r>
+            <a:r>
+              <a:rPr lang="en-US" sz="8000" dirty="0"/>
+              <a:t>We hypothesize that species with </a:t>
+            </a:r>
+            <a:r>
+              <a:rPr lang="en-US" sz="8000" dirty="0">
+                <a:solidFill>
+                  <a:schemeClr val="accent1"/>
+                </a:solidFill>
+              </a:rPr>
+              <a:t>longer lifespans and lower fecundity will have smaller magnitude of population effects compared to species with shorter lifespans and higher fecundity.</a:t>
+            </a:r>
+            <a:r>
+              <a:rPr lang="en-US" sz="8000" dirty="0"/>
+              <a:t> </a:t>
+            </a:r>
+            <a:r>
+              <a:rPr lang="en-US" sz="8000" b="1" dirty="0">
+                <a:solidFill>
+                  <a:schemeClr val="accent2"/>
+                </a:solidFill>
+              </a:rPr>
+              <a:t>4. Does the long-term viability of the receiving population vary with population growth rate?</a:t>
+            </a:r>
+            <a:r>
+              <a:rPr lang="en-US" sz="8000" dirty="0">
+                <a:solidFill>
+                  <a:schemeClr val="accent2"/>
+                </a:solidFill>
+              </a:rPr>
+              <a:t> We hypothesized that migrants will minimally affect the viability of the population in the absence of positive population growth. </a:t>
+            </a:r>
+            <a:r>
+              <a:rPr lang="en-US" sz="8000" dirty="0"/>
+              <a:t>We considered the effects of changes on the number of individuals in the population, the genetic diversity within the population, and the reproductive success of individuals following immigration events as well as the proportion of simulated populations that persisted after migration ceased. These aims will support future considerations of promoting migration (via corridors or translocations) when managing species on the brink of extinction.</a:t>
+            </a:r>
+          </a:p>
+          <a:p>
+            <a:endParaRPr lang="en-US" dirty="0"/>
+          </a:p>
+        </p:txBody>
+      </p:sp>
     </p:spTree>
     <p:extLst>
       <p:ext uri="{BB962C8B-B14F-4D97-AF65-F5344CB8AC3E}">
-        <p14:creationId xmlns:p14="http://schemas.microsoft.com/office/powerpoint/2010/main" val="2353459140"/>
+        <p14:creationId xmlns:p14="http://schemas.microsoft.com/office/powerpoint/2010/main" val="2916777795"/>
       </p:ext>
     </p:extLst>
   </p:cSld>
   <p:clrMapOvr>
     <a:masterClrMapping/>
   </p:clrMapOvr>
+  <p:extLst>
+    <p:ext uri="{6950BFC3-D8DA-4A85-94F7-54DA5524770B}">
+      <p188:commentRel xmlns:p188="http://schemas.microsoft.com/office/powerpoint/2018/8/main" r:id="rId2"/>
+    </p:ext>
+  </p:extLst>
 </p:sld>
 </file>
 
-<file path=ppt/slides/slide2.xml><?xml version="1.0" encoding="utf-8"?>
+<file path=ppt/slides/slide10.xml><?xml version="1.0" encoding="utf-8"?>
 <p:sld xmlns:a="http://schemas.openxmlformats.org/drawingml/2006/main" xmlns:r="http://schemas.openxmlformats.org/officeDocument/2006/relationships" xmlns:p="http://schemas.openxmlformats.org/presentationml/2006/main">
   <p:cSld>
     <p:spTree>
@@ -3569,10 +3563,10 @@
       </p:grpSpPr>
       <p:pic>
         <p:nvPicPr>
-          <p:cNvPr id="3" name="Picture 2">
-            <a:extLst>
-              <a:ext uri="{FF2B5EF4-FFF2-40B4-BE49-F238E27FC236}">
-                <a16:creationId xmlns:a16="http://schemas.microsoft.com/office/drawing/2014/main" id="{FDC505D7-2109-7704-A659-4A9086A526FC}"/>
+          <p:cNvPr id="6" name="Picture 5">
+            <a:extLst>
+              <a:ext uri="{FF2B5EF4-FFF2-40B4-BE49-F238E27FC236}">
+                <a16:creationId xmlns:a16="http://schemas.microsoft.com/office/drawing/2014/main" id="{B02C091A-C1AF-D67A-34EB-5FD129FEA040}"/>
               </a:ext>
             </a:extLst>
           </p:cNvPr>
@@ -3589,8 +3583,8 @@
         </p:blipFill>
         <p:spPr>
           <a:xfrm>
-            <a:off x="385858" y="0"/>
-            <a:ext cx="3402371" cy="3099303"/>
+            <a:off x="101221" y="216944"/>
+            <a:ext cx="3085850" cy="2810976"/>
           </a:xfrm>
           <a:prstGeom prst="rect">
             <a:avLst/>
@@ -3599,10 +3593,10 @@
       </p:pic>
       <p:pic>
         <p:nvPicPr>
-          <p:cNvPr id="5" name="Picture 4">
-            <a:extLst>
-              <a:ext uri="{FF2B5EF4-FFF2-40B4-BE49-F238E27FC236}">
-                <a16:creationId xmlns:a16="http://schemas.microsoft.com/office/drawing/2014/main" id="{02EDD040-A732-7F5C-1773-0523388CBA49}"/>
+          <p:cNvPr id="8" name="Picture 7">
+            <a:extLst>
+              <a:ext uri="{FF2B5EF4-FFF2-40B4-BE49-F238E27FC236}">
+                <a16:creationId xmlns:a16="http://schemas.microsoft.com/office/drawing/2014/main" id="{E679AA16-4D14-DD56-44BA-12E9739E5EBC}"/>
               </a:ext>
             </a:extLst>
           </p:cNvPr>
@@ -3619,8 +3613,8 @@
         </p:blipFill>
         <p:spPr>
           <a:xfrm>
-            <a:off x="3959482" y="0"/>
-            <a:ext cx="3486347" cy="3175798"/>
+            <a:off x="6062635" y="159850"/>
+            <a:ext cx="3085850" cy="2810976"/>
           </a:xfrm>
           <a:prstGeom prst="rect">
             <a:avLst/>
@@ -3629,10 +3623,10 @@
       </p:pic>
       <p:pic>
         <p:nvPicPr>
-          <p:cNvPr id="7" name="Picture 6">
-            <a:extLst>
-              <a:ext uri="{FF2B5EF4-FFF2-40B4-BE49-F238E27FC236}">
-                <a16:creationId xmlns:a16="http://schemas.microsoft.com/office/drawing/2014/main" id="{15B063A0-6E5A-4B32-AEAA-3EDDF9D9B135}"/>
+          <p:cNvPr id="10" name="Picture 9">
+            <a:extLst>
+              <a:ext uri="{FF2B5EF4-FFF2-40B4-BE49-F238E27FC236}">
+                <a16:creationId xmlns:a16="http://schemas.microsoft.com/office/drawing/2014/main" id="{76F7A0B8-D825-7708-CDF3-76E3C2E204D2}"/>
               </a:ext>
             </a:extLst>
           </p:cNvPr>
@@ -3649,8 +3643,8 @@
         </p:blipFill>
         <p:spPr>
           <a:xfrm>
-            <a:off x="7729049" y="114742"/>
-            <a:ext cx="3360385" cy="3061056"/>
+            <a:off x="9106150" y="231487"/>
+            <a:ext cx="3085850" cy="2810976"/>
           </a:xfrm>
           <a:prstGeom prst="rect">
             <a:avLst/>
@@ -3659,10 +3653,10 @@
       </p:pic>
       <p:pic>
         <p:nvPicPr>
-          <p:cNvPr id="9" name="Picture 8">
-            <a:extLst>
-              <a:ext uri="{FF2B5EF4-FFF2-40B4-BE49-F238E27FC236}">
-                <a16:creationId xmlns:a16="http://schemas.microsoft.com/office/drawing/2014/main" id="{B42EDEC3-A03B-85B1-6AAF-8D3821A9DB0B}"/>
+          <p:cNvPr id="12" name="Picture 11">
+            <a:extLst>
+              <a:ext uri="{FF2B5EF4-FFF2-40B4-BE49-F238E27FC236}">
+                <a16:creationId xmlns:a16="http://schemas.microsoft.com/office/drawing/2014/main" id="{03648B68-A2BD-7D8C-3533-8E5844C448EA}"/>
               </a:ext>
             </a:extLst>
           </p:cNvPr>
@@ -3679,8 +3673,8 @@
         </p:blipFill>
         <p:spPr>
           <a:xfrm>
-            <a:off x="7729049" y="3175798"/>
-            <a:ext cx="3486347" cy="3175798"/>
+            <a:off x="-24625" y="3099676"/>
+            <a:ext cx="3337542" cy="3040248"/>
           </a:xfrm>
           <a:prstGeom prst="rect">
             <a:avLst/>
@@ -3689,10 +3683,10 @@
       </p:pic>
       <p:pic>
         <p:nvPicPr>
-          <p:cNvPr id="11" name="Picture 10">
-            <a:extLst>
-              <a:ext uri="{FF2B5EF4-FFF2-40B4-BE49-F238E27FC236}">
-                <a16:creationId xmlns:a16="http://schemas.microsoft.com/office/drawing/2014/main" id="{6CCD64E4-A21D-C561-8FE9-3A25CBB1A48A}"/>
+          <p:cNvPr id="14" name="Picture 13">
+            <a:extLst>
+              <a:ext uri="{FF2B5EF4-FFF2-40B4-BE49-F238E27FC236}">
+                <a16:creationId xmlns:a16="http://schemas.microsoft.com/office/drawing/2014/main" id="{5EA65173-CED7-96B8-FB89-E37ABA640B82}"/>
               </a:ext>
             </a:extLst>
           </p:cNvPr>
@@ -3709,8 +3703,8 @@
         </p:blipFill>
         <p:spPr>
           <a:xfrm>
-            <a:off x="275639" y="3099303"/>
-            <a:ext cx="3557881" cy="3240961"/>
+            <a:off x="3019120" y="3171432"/>
+            <a:ext cx="3337542" cy="3040248"/>
           </a:xfrm>
           <a:prstGeom prst="rect">
             <a:avLst/>
@@ -3719,10 +3713,10 @@
       </p:pic>
       <p:pic>
         <p:nvPicPr>
-          <p:cNvPr id="13" name="Picture 12">
-            <a:extLst>
-              <a:ext uri="{FF2B5EF4-FFF2-40B4-BE49-F238E27FC236}">
-                <a16:creationId xmlns:a16="http://schemas.microsoft.com/office/drawing/2014/main" id="{5834FD35-203D-4BCC-9E55-9CB92AFD47B4}"/>
+          <p:cNvPr id="16" name="Picture 15">
+            <a:extLst>
+              <a:ext uri="{FF2B5EF4-FFF2-40B4-BE49-F238E27FC236}">
+                <a16:creationId xmlns:a16="http://schemas.microsoft.com/office/drawing/2014/main" id="{63725E5F-1A27-6B90-B945-D2098461936F}"/>
               </a:ext>
             </a:extLst>
           </p:cNvPr>
@@ -3739,8 +3733,8 @@
         </p:blipFill>
         <p:spPr>
           <a:xfrm>
-            <a:off x="3943739" y="3099303"/>
-            <a:ext cx="3557881" cy="3240961"/>
+            <a:off x="6062635" y="3254304"/>
+            <a:ext cx="2998044" cy="2730991"/>
           </a:xfrm>
           <a:prstGeom prst="rect">
             <a:avLst/>
@@ -3749,10 +3743,40 @@
       </p:pic>
       <p:pic>
         <p:nvPicPr>
-          <p:cNvPr id="14" name="Picture 13">
-            <a:extLst>
-              <a:ext uri="{FF2B5EF4-FFF2-40B4-BE49-F238E27FC236}">
-                <a16:creationId xmlns:a16="http://schemas.microsoft.com/office/drawing/2014/main" id="{2F54AA45-170A-00DF-9A34-FEB447CD168E}"/>
+          <p:cNvPr id="18" name="Picture 17">
+            <a:extLst>
+              <a:ext uri="{FF2B5EF4-FFF2-40B4-BE49-F238E27FC236}">
+                <a16:creationId xmlns:a16="http://schemas.microsoft.com/office/drawing/2014/main" id="{4A034FD8-BCD7-EBD4-5DC8-9A3BD18DA721}"/>
+              </a:ext>
+            </a:extLst>
+          </p:cNvPr>
+          <p:cNvPicPr>
+            <a:picLocks noChangeAspect="1"/>
+          </p:cNvPicPr>
+          <p:nvPr/>
+        </p:nvPicPr>
+        <p:blipFill>
+          <a:blip r:embed="rId8"/>
+          <a:stretch>
+            <a:fillRect/>
+          </a:stretch>
+        </p:blipFill>
+        <p:spPr>
+          <a:xfrm>
+            <a:off x="9172880" y="3364797"/>
+            <a:ext cx="2876746" cy="2620498"/>
+          </a:xfrm>
+          <a:prstGeom prst="rect">
+            <a:avLst/>
+          </a:prstGeom>
+        </p:spPr>
+      </p:pic>
+      <p:pic>
+        <p:nvPicPr>
+          <p:cNvPr id="19" name="Picture 18">
+            <a:extLst>
+              <a:ext uri="{FF2B5EF4-FFF2-40B4-BE49-F238E27FC236}">
+                <a16:creationId xmlns:a16="http://schemas.microsoft.com/office/drawing/2014/main" id="{6BC8D311-3647-7B64-C985-B26816A36977}"/>
               </a:ext>
             </a:extLst>
           </p:cNvPr>
@@ -3762,7 +3786,7 @@
           <p:nvPr/>
         </p:nvPicPr>
         <p:blipFill rotWithShape="1">
-          <a:blip r:embed="rId8"/>
+          <a:blip r:embed="rId9"/>
           <a:srcRect l="22563" t="32944" r="14469" b="37688"/>
           <a:stretch/>
         </p:blipFill>
@@ -3770,6 +3794,567 @@
           <a:xfrm>
             <a:off x="10179699" y="5940344"/>
             <a:ext cx="1922106" cy="816580"/>
+          </a:xfrm>
+          <a:prstGeom prst="rect">
+            <a:avLst/>
+          </a:prstGeom>
+        </p:spPr>
+      </p:pic>
+      <p:pic>
+        <p:nvPicPr>
+          <p:cNvPr id="5" name="Picture 4">
+            <a:extLst>
+              <a:ext uri="{FF2B5EF4-FFF2-40B4-BE49-F238E27FC236}">
+                <a16:creationId xmlns:a16="http://schemas.microsoft.com/office/drawing/2014/main" id="{E28453C8-0A35-A7AD-48C5-42CA02D23CBE}"/>
+              </a:ext>
+            </a:extLst>
+          </p:cNvPr>
+          <p:cNvPicPr>
+            <a:picLocks noChangeAspect="1"/>
+          </p:cNvPicPr>
+          <p:nvPr/>
+        </p:nvPicPr>
+        <p:blipFill>
+          <a:blip r:embed="rId10"/>
+          <a:stretch>
+            <a:fillRect/>
+          </a:stretch>
+        </p:blipFill>
+        <p:spPr>
+          <a:xfrm>
+            <a:off x="3019120" y="174273"/>
+            <a:ext cx="3211466" cy="2925403"/>
+          </a:xfrm>
+          <a:prstGeom prst="rect">
+            <a:avLst/>
+          </a:prstGeom>
+        </p:spPr>
+      </p:pic>
+      <p:sp>
+        <p:nvSpPr>
+          <p:cNvPr id="2" name="TextBox 1">
+            <a:extLst>
+              <a:ext uri="{FF2B5EF4-FFF2-40B4-BE49-F238E27FC236}">
+                <a16:creationId xmlns:a16="http://schemas.microsoft.com/office/drawing/2014/main" id="{9759FD57-235B-ABB0-7760-C09D7D34F3A7}"/>
+              </a:ext>
+            </a:extLst>
+          </p:cNvPr>
+          <p:cNvSpPr txBox="1"/>
+          <p:nvPr/>
+        </p:nvSpPr>
+        <p:spPr>
+          <a:xfrm>
+            <a:off x="2142912" y="145188"/>
+            <a:ext cx="8427500" cy="369332"/>
+          </a:xfrm>
+          <a:prstGeom prst="rect">
+            <a:avLst/>
+          </a:prstGeom>
+          <a:noFill/>
+        </p:spPr>
+        <p:txBody>
+          <a:bodyPr wrap="none" rtlCol="0">
+            <a:spAutoFit/>
+          </a:bodyPr>
+          <a:lstStyle/>
+          <a:p>
+            <a:r>
+              <a:rPr lang="en-US" dirty="0"/>
+              <a:t>Reproductive output values among migration rates when simulating an </a:t>
+            </a:r>
+            <a:r>
+              <a:rPr lang="en-US" b="1" u="sng" dirty="0"/>
+              <a:t>endangered pop </a:t>
+            </a:r>
+          </a:p>
+        </p:txBody>
+      </p:sp>
+    </p:spTree>
+    <p:extLst>
+      <p:ext uri="{BB962C8B-B14F-4D97-AF65-F5344CB8AC3E}">
+        <p14:creationId xmlns:p14="http://schemas.microsoft.com/office/powerpoint/2010/main" val="1294883326"/>
+      </p:ext>
+    </p:extLst>
+  </p:cSld>
+  <p:clrMapOvr>
+    <a:masterClrMapping/>
+  </p:clrMapOvr>
+</p:sld>
+</file>
+
+<file path=ppt/slides/slide11.xml><?xml version="1.0" encoding="utf-8"?>
+<p:sld xmlns:a="http://schemas.openxmlformats.org/drawingml/2006/main" xmlns:r="http://schemas.openxmlformats.org/officeDocument/2006/relationships" xmlns:p="http://schemas.openxmlformats.org/presentationml/2006/main">
+  <p:cSld>
+    <p:spTree>
+      <p:nvGrpSpPr>
+        <p:cNvPr id="1" name=""/>
+        <p:cNvGrpSpPr/>
+        <p:nvPr/>
+      </p:nvGrpSpPr>
+      <p:grpSpPr>
+        <a:xfrm>
+          <a:off x="0" y="0"/>
+          <a:ext cx="0" cy="0"/>
+          <a:chOff x="0" y="0"/>
+          <a:chExt cx="0" cy="0"/>
+        </a:xfrm>
+      </p:grpSpPr>
+      <p:pic>
+        <p:nvPicPr>
+          <p:cNvPr id="5" name="Picture 4">
+            <a:extLst>
+              <a:ext uri="{FF2B5EF4-FFF2-40B4-BE49-F238E27FC236}">
+                <a16:creationId xmlns:a16="http://schemas.microsoft.com/office/drawing/2014/main" id="{0292E4DA-4BF0-AEDD-CD4B-1451D8BA1BBA}"/>
+              </a:ext>
+            </a:extLst>
+          </p:cNvPr>
+          <p:cNvPicPr>
+            <a:picLocks noChangeAspect="1"/>
+          </p:cNvPicPr>
+          <p:nvPr/>
+        </p:nvPicPr>
+        <p:blipFill>
+          <a:blip r:embed="rId2"/>
+          <a:stretch>
+            <a:fillRect/>
+          </a:stretch>
+        </p:blipFill>
+        <p:spPr>
+          <a:xfrm>
+            <a:off x="3174490" y="118797"/>
+            <a:ext cx="3333732" cy="3036778"/>
+          </a:xfrm>
+          <a:prstGeom prst="rect">
+            <a:avLst/>
+          </a:prstGeom>
+        </p:spPr>
+      </p:pic>
+      <p:pic>
+        <p:nvPicPr>
+          <p:cNvPr id="6" name="Picture 5">
+            <a:extLst>
+              <a:ext uri="{FF2B5EF4-FFF2-40B4-BE49-F238E27FC236}">
+                <a16:creationId xmlns:a16="http://schemas.microsoft.com/office/drawing/2014/main" id="{5D396BE4-00AD-0BBC-2D6D-AC0DBBF520B1}"/>
+              </a:ext>
+            </a:extLst>
+          </p:cNvPr>
+          <p:cNvPicPr>
+            <a:picLocks noChangeAspect="1"/>
+          </p:cNvPicPr>
+          <p:nvPr/>
+        </p:nvPicPr>
+        <p:blipFill>
+          <a:blip r:embed="rId3"/>
+          <a:stretch>
+            <a:fillRect/>
+          </a:stretch>
+        </p:blipFill>
+        <p:spPr>
+          <a:xfrm>
+            <a:off x="283220" y="139959"/>
+            <a:ext cx="3072905" cy="2799184"/>
+          </a:xfrm>
+          <a:prstGeom prst="rect">
+            <a:avLst/>
+          </a:prstGeom>
+        </p:spPr>
+      </p:pic>
+      <p:pic>
+        <p:nvPicPr>
+          <p:cNvPr id="8" name="Picture 7">
+            <a:extLst>
+              <a:ext uri="{FF2B5EF4-FFF2-40B4-BE49-F238E27FC236}">
+                <a16:creationId xmlns:a16="http://schemas.microsoft.com/office/drawing/2014/main" id="{E7C2AA32-FCA2-6D0D-03EC-F7EE63E313B5}"/>
+              </a:ext>
+            </a:extLst>
+          </p:cNvPr>
+          <p:cNvPicPr>
+            <a:picLocks noChangeAspect="1"/>
+          </p:cNvPicPr>
+          <p:nvPr/>
+        </p:nvPicPr>
+        <p:blipFill>
+          <a:blip r:embed="rId4"/>
+          <a:stretch>
+            <a:fillRect/>
+          </a:stretch>
+        </p:blipFill>
+        <p:spPr>
+          <a:xfrm>
+            <a:off x="6326586" y="118797"/>
+            <a:ext cx="3072905" cy="2799184"/>
+          </a:xfrm>
+          <a:prstGeom prst="rect">
+            <a:avLst/>
+          </a:prstGeom>
+        </p:spPr>
+      </p:pic>
+      <p:pic>
+        <p:nvPicPr>
+          <p:cNvPr id="10" name="Picture 9">
+            <a:extLst>
+              <a:ext uri="{FF2B5EF4-FFF2-40B4-BE49-F238E27FC236}">
+                <a16:creationId xmlns:a16="http://schemas.microsoft.com/office/drawing/2014/main" id="{B5B33ACA-DD70-A2B8-A7B1-48A8E1D4AFD1}"/>
+              </a:ext>
+            </a:extLst>
+          </p:cNvPr>
+          <p:cNvPicPr>
+            <a:picLocks noChangeAspect="1"/>
+          </p:cNvPicPr>
+          <p:nvPr/>
+        </p:nvPicPr>
+        <p:blipFill>
+          <a:blip r:embed="rId5"/>
+          <a:stretch>
+            <a:fillRect/>
+          </a:stretch>
+        </p:blipFill>
+        <p:spPr>
+          <a:xfrm>
+            <a:off x="9203286" y="139959"/>
+            <a:ext cx="3187767" cy="2903815"/>
+          </a:xfrm>
+          <a:prstGeom prst="rect">
+            <a:avLst/>
+          </a:prstGeom>
+        </p:spPr>
+      </p:pic>
+      <p:pic>
+        <p:nvPicPr>
+          <p:cNvPr id="12" name="Picture 11">
+            <a:extLst>
+              <a:ext uri="{FF2B5EF4-FFF2-40B4-BE49-F238E27FC236}">
+                <a16:creationId xmlns:a16="http://schemas.microsoft.com/office/drawing/2014/main" id="{4843947D-2C0A-25D5-E38B-F6A4D616C3A6}"/>
+              </a:ext>
+            </a:extLst>
+          </p:cNvPr>
+          <p:cNvPicPr>
+            <a:picLocks noChangeAspect="1"/>
+          </p:cNvPicPr>
+          <p:nvPr/>
+        </p:nvPicPr>
+        <p:blipFill>
+          <a:blip r:embed="rId6"/>
+          <a:stretch>
+            <a:fillRect/>
+          </a:stretch>
+        </p:blipFill>
+        <p:spPr>
+          <a:xfrm>
+            <a:off x="59661" y="3261002"/>
+            <a:ext cx="3520021" cy="3206473"/>
+          </a:xfrm>
+          <a:prstGeom prst="rect">
+            <a:avLst/>
+          </a:prstGeom>
+        </p:spPr>
+      </p:pic>
+      <p:pic>
+        <p:nvPicPr>
+          <p:cNvPr id="14" name="Picture 13">
+            <a:extLst>
+              <a:ext uri="{FF2B5EF4-FFF2-40B4-BE49-F238E27FC236}">
+                <a16:creationId xmlns:a16="http://schemas.microsoft.com/office/drawing/2014/main" id="{32EF84C7-E011-5179-C5DE-2132F0B65D95}"/>
+              </a:ext>
+            </a:extLst>
+          </p:cNvPr>
+          <p:cNvPicPr>
+            <a:picLocks noChangeAspect="1"/>
+          </p:cNvPicPr>
+          <p:nvPr/>
+        </p:nvPicPr>
+        <p:blipFill>
+          <a:blip r:embed="rId7"/>
+          <a:stretch>
+            <a:fillRect/>
+          </a:stretch>
+        </p:blipFill>
+        <p:spPr>
+          <a:xfrm>
+            <a:off x="3356125" y="3384827"/>
+            <a:ext cx="3072905" cy="2799184"/>
+          </a:xfrm>
+          <a:prstGeom prst="rect">
+            <a:avLst/>
+          </a:prstGeom>
+        </p:spPr>
+      </p:pic>
+      <p:pic>
+        <p:nvPicPr>
+          <p:cNvPr id="16" name="Picture 15">
+            <a:extLst>
+              <a:ext uri="{FF2B5EF4-FFF2-40B4-BE49-F238E27FC236}">
+                <a16:creationId xmlns:a16="http://schemas.microsoft.com/office/drawing/2014/main" id="{EFF7FFAA-4E32-C01A-0698-F17D55546CD6}"/>
+              </a:ext>
+            </a:extLst>
+          </p:cNvPr>
+          <p:cNvPicPr>
+            <a:picLocks noChangeAspect="1"/>
+          </p:cNvPicPr>
+          <p:nvPr/>
+        </p:nvPicPr>
+        <p:blipFill>
+          <a:blip r:embed="rId8"/>
+          <a:stretch>
+            <a:fillRect/>
+          </a:stretch>
+        </p:blipFill>
+        <p:spPr>
+          <a:xfrm>
+            <a:off x="6326586" y="3266030"/>
+            <a:ext cx="3072905" cy="2799184"/>
+          </a:xfrm>
+          <a:prstGeom prst="rect">
+            <a:avLst/>
+          </a:prstGeom>
+        </p:spPr>
+      </p:pic>
+      <p:pic>
+        <p:nvPicPr>
+          <p:cNvPr id="18" name="Picture 17">
+            <a:extLst>
+              <a:ext uri="{FF2B5EF4-FFF2-40B4-BE49-F238E27FC236}">
+                <a16:creationId xmlns:a16="http://schemas.microsoft.com/office/drawing/2014/main" id="{BE878FB9-C207-8D67-0778-9678464821E3}"/>
+              </a:ext>
+            </a:extLst>
+          </p:cNvPr>
+          <p:cNvPicPr>
+            <a:picLocks noChangeAspect="1"/>
+          </p:cNvPicPr>
+          <p:nvPr/>
+        </p:nvPicPr>
+        <p:blipFill>
+          <a:blip r:embed="rId9"/>
+          <a:stretch>
+            <a:fillRect/>
+          </a:stretch>
+        </p:blipFill>
+        <p:spPr>
+          <a:xfrm>
+            <a:off x="9314708" y="3429000"/>
+            <a:ext cx="3157688" cy="2876415"/>
+          </a:xfrm>
+          <a:prstGeom prst="rect">
+            <a:avLst/>
+          </a:prstGeom>
+        </p:spPr>
+      </p:pic>
+      <p:pic>
+        <p:nvPicPr>
+          <p:cNvPr id="19" name="Picture 18">
+            <a:extLst>
+              <a:ext uri="{FF2B5EF4-FFF2-40B4-BE49-F238E27FC236}">
+                <a16:creationId xmlns:a16="http://schemas.microsoft.com/office/drawing/2014/main" id="{CC4D351B-D62C-3A23-FA21-CD4FE597A8B4}"/>
+              </a:ext>
+            </a:extLst>
+          </p:cNvPr>
+          <p:cNvPicPr>
+            <a:picLocks noChangeAspect="1"/>
+          </p:cNvPicPr>
+          <p:nvPr/>
+        </p:nvPicPr>
+        <p:blipFill rotWithShape="1">
+          <a:blip r:embed="rId10"/>
+          <a:srcRect l="22563" t="32944" r="14469" b="37688"/>
+          <a:stretch/>
+        </p:blipFill>
+        <p:spPr>
+          <a:xfrm>
+            <a:off x="10179699" y="5940344"/>
+            <a:ext cx="1922106" cy="816580"/>
+          </a:xfrm>
+          <a:prstGeom prst="rect">
+            <a:avLst/>
+          </a:prstGeom>
+        </p:spPr>
+      </p:pic>
+      <p:sp>
+        <p:nvSpPr>
+          <p:cNvPr id="2" name="TextBox 1">
+            <a:extLst>
+              <a:ext uri="{FF2B5EF4-FFF2-40B4-BE49-F238E27FC236}">
+                <a16:creationId xmlns:a16="http://schemas.microsoft.com/office/drawing/2014/main" id="{BE8E07AA-275D-716E-A031-C87FCC657993}"/>
+              </a:ext>
+            </a:extLst>
+          </p:cNvPr>
+          <p:cNvSpPr txBox="1"/>
+          <p:nvPr/>
+        </p:nvSpPr>
+        <p:spPr>
+          <a:xfrm>
+            <a:off x="1456886" y="21193"/>
+            <a:ext cx="9188606" cy="369332"/>
+          </a:xfrm>
+          <a:prstGeom prst="rect">
+            <a:avLst/>
+          </a:prstGeom>
+          <a:noFill/>
+        </p:spPr>
+        <p:txBody>
+          <a:bodyPr wrap="none" rtlCol="0">
+            <a:spAutoFit/>
+          </a:bodyPr>
+          <a:lstStyle/>
+          <a:p>
+            <a:r>
+              <a:rPr lang="en-US" dirty="0"/>
+              <a:t>Reproductive output values among migration rates when simulating a </a:t>
+            </a:r>
+            <a:r>
+              <a:rPr lang="en-US" b="1" u="sng" dirty="0"/>
+              <a:t>critically endangered pop </a:t>
+            </a:r>
+          </a:p>
+        </p:txBody>
+      </p:sp>
+    </p:spTree>
+    <p:extLst>
+      <p:ext uri="{BB962C8B-B14F-4D97-AF65-F5344CB8AC3E}">
+        <p14:creationId xmlns:p14="http://schemas.microsoft.com/office/powerpoint/2010/main" val="1198945810"/>
+      </p:ext>
+    </p:extLst>
+  </p:cSld>
+  <p:clrMapOvr>
+    <a:masterClrMapping/>
+  </p:clrMapOvr>
+</p:sld>
+</file>
+
+<file path=ppt/slides/slide12.xml><?xml version="1.0" encoding="utf-8"?>
+<p:sld xmlns:a="http://schemas.openxmlformats.org/drawingml/2006/main" xmlns:r="http://schemas.openxmlformats.org/officeDocument/2006/relationships" xmlns:p="http://schemas.openxmlformats.org/presentationml/2006/main">
+  <p:cSld>
+    <p:spTree>
+      <p:nvGrpSpPr>
+        <p:cNvPr id="1" name=""/>
+        <p:cNvGrpSpPr/>
+        <p:nvPr/>
+      </p:nvGrpSpPr>
+      <p:grpSpPr>
+        <a:xfrm>
+          <a:off x="0" y="0"/>
+          <a:ext cx="0" cy="0"/>
+          <a:chOff x="0" y="0"/>
+          <a:chExt cx="0" cy="0"/>
+        </a:xfrm>
+      </p:grpSpPr>
+      <p:sp>
+        <p:nvSpPr>
+          <p:cNvPr id="2" name="Title 1">
+            <a:extLst>
+              <a:ext uri="{FF2B5EF4-FFF2-40B4-BE49-F238E27FC236}">
+                <a16:creationId xmlns:a16="http://schemas.microsoft.com/office/drawing/2014/main" id="{84005282-AC25-ED2F-0A5C-8E3DDD076F1D}"/>
+              </a:ext>
+            </a:extLst>
+          </p:cNvPr>
+          <p:cNvSpPr>
+            <a:spLocks noGrp="1"/>
+          </p:cNvSpPr>
+          <p:nvPr>
+            <p:ph type="title"/>
+          </p:nvPr>
+        </p:nvSpPr>
+        <p:spPr/>
+        <p:txBody>
+          <a:bodyPr/>
+          <a:lstStyle/>
+          <a:p>
+            <a:r>
+              <a:rPr lang="en-US" dirty="0"/>
+              <a:t>Results</a:t>
+            </a:r>
+          </a:p>
+        </p:txBody>
+      </p:sp>
+      <p:sp>
+        <p:nvSpPr>
+          <p:cNvPr id="3" name="Content Placeholder 2">
+            <a:extLst>
+              <a:ext uri="{FF2B5EF4-FFF2-40B4-BE49-F238E27FC236}">
+                <a16:creationId xmlns:a16="http://schemas.microsoft.com/office/drawing/2014/main" id="{CE029B89-5990-0B4E-3ACC-2EC89F37A914}"/>
+              </a:ext>
+            </a:extLst>
+          </p:cNvPr>
+          <p:cNvSpPr>
+            <a:spLocks noGrp="1"/>
+          </p:cNvSpPr>
+          <p:nvPr>
+            <p:ph idx="1"/>
+          </p:nvPr>
+        </p:nvSpPr>
+        <p:spPr/>
+        <p:txBody>
+          <a:bodyPr/>
+          <a:lstStyle/>
+          <a:p>
+            <a:pPr marL="0" indent="0">
+              <a:buNone/>
+            </a:pPr>
+            <a:r>
+              <a:rPr lang="en-US" dirty="0"/>
+              <a:t>____ varies due to Ne but *maybe* not migration rate</a:t>
+            </a:r>
+          </a:p>
+          <a:p>
+            <a:pPr marL="0" indent="0">
+              <a:buNone/>
+            </a:pPr>
+            <a:r>
+              <a:rPr lang="en-US" dirty="0"/>
+              <a:t>	- variation in LRS at start and end of bottleneck</a:t>
+            </a:r>
+          </a:p>
+          <a:p>
+            <a:pPr marL="0" indent="0">
+              <a:buNone/>
+            </a:pPr>
+            <a:r>
+              <a:rPr lang="en-US" dirty="0"/>
+              <a:t>____ varies due to Ne and migration rate</a:t>
+            </a:r>
+          </a:p>
+          <a:p>
+            <a:pPr marL="0" indent="0">
+              <a:buNone/>
+            </a:pPr>
+            <a:r>
+              <a:rPr lang="en-US" dirty="0"/>
+              <a:t>	- LRS</a:t>
+            </a:r>
+          </a:p>
+          <a:p>
+            <a:pPr marL="0" indent="0">
+              <a:buNone/>
+            </a:pPr>
+            <a:r>
+              <a:rPr lang="en-US" dirty="0"/>
+              <a:t>	- RRS</a:t>
+            </a:r>
+          </a:p>
+        </p:txBody>
+      </p:sp>
+      <p:pic>
+        <p:nvPicPr>
+          <p:cNvPr id="5" name="Picture 4">
+            <a:extLst>
+              <a:ext uri="{FF2B5EF4-FFF2-40B4-BE49-F238E27FC236}">
+                <a16:creationId xmlns:a16="http://schemas.microsoft.com/office/drawing/2014/main" id="{8B4C2AF4-9A51-B081-1682-5B74C0B6E8F9}"/>
+              </a:ext>
+            </a:extLst>
+          </p:cNvPr>
+          <p:cNvPicPr>
+            <a:picLocks noChangeAspect="1"/>
+          </p:cNvPicPr>
+          <p:nvPr/>
+        </p:nvPicPr>
+        <p:blipFill rotWithShape="1">
+          <a:blip r:embed="rId2"/>
+          <a:srcRect l="22563" t="32944" r="14469" b="37688"/>
+          <a:stretch/>
+        </p:blipFill>
+        <p:spPr>
+          <a:xfrm>
+            <a:off x="8498632" y="230188"/>
+            <a:ext cx="2855168" cy="1212979"/>
           </a:xfrm>
           <a:prstGeom prst="rect">
             <a:avLst/>
@@ -3779,7 +4364,3079 @@
     </p:spTree>
     <p:extLst>
       <p:ext uri="{BB962C8B-B14F-4D97-AF65-F5344CB8AC3E}">
-        <p14:creationId xmlns:p14="http://schemas.microsoft.com/office/powerpoint/2010/main" val="2154627674"/>
+        <p14:creationId xmlns:p14="http://schemas.microsoft.com/office/powerpoint/2010/main" val="3731986451"/>
+      </p:ext>
+    </p:extLst>
+  </p:cSld>
+  <p:clrMapOvr>
+    <a:masterClrMapping/>
+  </p:clrMapOvr>
+</p:sld>
+</file>
+
+<file path=ppt/slides/slide13.xml><?xml version="1.0" encoding="utf-8"?>
+<p:sld xmlns:a="http://schemas.openxmlformats.org/drawingml/2006/main" xmlns:r="http://schemas.openxmlformats.org/officeDocument/2006/relationships" xmlns:p="http://schemas.openxmlformats.org/presentationml/2006/main">
+  <p:cSld>
+    <p:bg>
+      <p:bgPr>
+        <a:solidFill>
+          <a:schemeClr val="tx1"/>
+        </a:solidFill>
+        <a:effectLst/>
+      </p:bgPr>
+    </p:bg>
+    <p:spTree>
+      <p:nvGrpSpPr>
+        <p:cNvPr id="1" name=""/>
+        <p:cNvGrpSpPr/>
+        <p:nvPr/>
+      </p:nvGrpSpPr>
+      <p:grpSpPr>
+        <a:xfrm>
+          <a:off x="0" y="0"/>
+          <a:ext cx="0" cy="0"/>
+          <a:chOff x="0" y="0"/>
+          <a:chExt cx="0" cy="0"/>
+        </a:xfrm>
+      </p:grpSpPr>
+      <p:sp>
+        <p:nvSpPr>
+          <p:cNvPr id="4" name="Title 1">
+            <a:extLst>
+              <a:ext uri="{FF2B5EF4-FFF2-40B4-BE49-F238E27FC236}">
+                <a16:creationId xmlns:a16="http://schemas.microsoft.com/office/drawing/2014/main" id="{1926D374-9667-7185-B1D3-C23E0087ABBB}"/>
+              </a:ext>
+            </a:extLst>
+          </p:cNvPr>
+          <p:cNvSpPr txBox="1">
+            <a:spLocks/>
+          </p:cNvSpPr>
+          <p:nvPr/>
+        </p:nvSpPr>
+        <p:spPr>
+          <a:xfrm>
+            <a:off x="838200" y="1906542"/>
+            <a:ext cx="10515600" cy="1325563"/>
+          </a:xfrm>
+          <a:prstGeom prst="rect">
+            <a:avLst/>
+          </a:prstGeom>
+        </p:spPr>
+        <p:txBody>
+          <a:bodyPr vert="horz" lIns="91440" tIns="45720" rIns="91440" bIns="45720" rtlCol="0" anchor="ctr">
+            <a:noAutofit/>
+          </a:bodyPr>
+          <a:lstStyle>
+            <a:lvl1pPr algn="l" defTabSz="914400" rtl="0" eaLnBrk="1" latinLnBrk="0" hangingPunct="1">
+              <a:lnSpc>
+                <a:spcPct val="90000"/>
+              </a:lnSpc>
+              <a:spcBef>
+                <a:spcPct val="0"/>
+              </a:spcBef>
+              <a:buNone/>
+              <a:defRPr sz="4400" kern="1200">
+                <a:solidFill>
+                  <a:schemeClr val="tx1"/>
+                </a:solidFill>
+                <a:latin typeface="+mj-lt"/>
+                <a:ea typeface="+mj-ea"/>
+                <a:cs typeface="+mj-cs"/>
+              </a:defRPr>
+            </a:lvl1pPr>
+          </a:lstStyle>
+          <a:p>
+            <a:pPr algn="ctr"/>
+            <a:r>
+              <a:rPr lang="en-US" sz="5000" dirty="0">
+                <a:solidFill>
+                  <a:schemeClr val="bg1"/>
+                </a:solidFill>
+              </a:rPr>
+              <a:t>Comparison between the minor allele frequency in the source population and various migration rates</a:t>
+            </a:r>
+          </a:p>
+        </p:txBody>
+      </p:sp>
+    </p:spTree>
+    <p:extLst>
+      <p:ext uri="{BB962C8B-B14F-4D97-AF65-F5344CB8AC3E}">
+        <p14:creationId xmlns:p14="http://schemas.microsoft.com/office/powerpoint/2010/main" val="4239235631"/>
+      </p:ext>
+    </p:extLst>
+  </p:cSld>
+  <p:clrMapOvr>
+    <a:masterClrMapping/>
+  </p:clrMapOvr>
+</p:sld>
+</file>
+
+<file path=ppt/slides/slide14.xml><?xml version="1.0" encoding="utf-8"?>
+<p:sld xmlns:a="http://schemas.openxmlformats.org/drawingml/2006/main" xmlns:r="http://schemas.openxmlformats.org/officeDocument/2006/relationships" xmlns:p="http://schemas.openxmlformats.org/presentationml/2006/main">
+  <p:cSld>
+    <p:spTree>
+      <p:nvGrpSpPr>
+        <p:cNvPr id="1" name=""/>
+        <p:cNvGrpSpPr/>
+        <p:nvPr/>
+      </p:nvGrpSpPr>
+      <p:grpSpPr>
+        <a:xfrm>
+          <a:off x="0" y="0"/>
+          <a:ext cx="0" cy="0"/>
+          <a:chOff x="0" y="0"/>
+          <a:chExt cx="0" cy="0"/>
+        </a:xfrm>
+      </p:grpSpPr>
+      <p:pic>
+        <p:nvPicPr>
+          <p:cNvPr id="5" name="Picture 4">
+            <a:extLst>
+              <a:ext uri="{FF2B5EF4-FFF2-40B4-BE49-F238E27FC236}">
+                <a16:creationId xmlns:a16="http://schemas.microsoft.com/office/drawing/2014/main" id="{B72E790C-B4A5-4810-B686-3808058AA535}"/>
+              </a:ext>
+            </a:extLst>
+          </p:cNvPr>
+          <p:cNvPicPr>
+            <a:picLocks noChangeAspect="1"/>
+          </p:cNvPicPr>
+          <p:nvPr/>
+        </p:nvPicPr>
+        <p:blipFill>
+          <a:blip r:embed="rId2"/>
+          <a:stretch>
+            <a:fillRect/>
+          </a:stretch>
+        </p:blipFill>
+        <p:spPr>
+          <a:xfrm>
+            <a:off x="45347" y="1776652"/>
+            <a:ext cx="2969817" cy="2705279"/>
+          </a:xfrm>
+          <a:prstGeom prst="rect">
+            <a:avLst/>
+          </a:prstGeom>
+        </p:spPr>
+      </p:pic>
+      <p:pic>
+        <p:nvPicPr>
+          <p:cNvPr id="13" name="Picture 12">
+            <a:extLst>
+              <a:ext uri="{FF2B5EF4-FFF2-40B4-BE49-F238E27FC236}">
+                <a16:creationId xmlns:a16="http://schemas.microsoft.com/office/drawing/2014/main" id="{544A7DAF-2187-A335-35D0-F3E0C7BD5435}"/>
+              </a:ext>
+            </a:extLst>
+          </p:cNvPr>
+          <p:cNvPicPr>
+            <a:picLocks noChangeAspect="1"/>
+          </p:cNvPicPr>
+          <p:nvPr/>
+        </p:nvPicPr>
+        <p:blipFill>
+          <a:blip r:embed="rId3"/>
+          <a:stretch>
+            <a:fillRect/>
+          </a:stretch>
+        </p:blipFill>
+        <p:spPr>
+          <a:xfrm>
+            <a:off x="2872322" y="3207310"/>
+            <a:ext cx="3050738" cy="2778992"/>
+          </a:xfrm>
+          <a:prstGeom prst="rect">
+            <a:avLst/>
+          </a:prstGeom>
+        </p:spPr>
+      </p:pic>
+      <p:pic>
+        <p:nvPicPr>
+          <p:cNvPr id="15" name="Picture 14">
+            <a:extLst>
+              <a:ext uri="{FF2B5EF4-FFF2-40B4-BE49-F238E27FC236}">
+                <a16:creationId xmlns:a16="http://schemas.microsoft.com/office/drawing/2014/main" id="{7AFED9BB-4CE5-BE47-EBD9-A77FFCEFB5BB}"/>
+              </a:ext>
+            </a:extLst>
+          </p:cNvPr>
+          <p:cNvPicPr>
+            <a:picLocks noChangeAspect="1"/>
+          </p:cNvPicPr>
+          <p:nvPr/>
+        </p:nvPicPr>
+        <p:blipFill>
+          <a:blip r:embed="rId4"/>
+          <a:stretch>
+            <a:fillRect/>
+          </a:stretch>
+        </p:blipFill>
+        <p:spPr>
+          <a:xfrm>
+            <a:off x="6002300" y="3207310"/>
+            <a:ext cx="3050738" cy="2778992"/>
+          </a:xfrm>
+          <a:prstGeom prst="rect">
+            <a:avLst/>
+          </a:prstGeom>
+        </p:spPr>
+      </p:pic>
+      <p:pic>
+        <p:nvPicPr>
+          <p:cNvPr id="17" name="Picture 16">
+            <a:extLst>
+              <a:ext uri="{FF2B5EF4-FFF2-40B4-BE49-F238E27FC236}">
+                <a16:creationId xmlns:a16="http://schemas.microsoft.com/office/drawing/2014/main" id="{2C77F28E-3A09-2779-CE5C-016AFF9C1A5A}"/>
+              </a:ext>
+            </a:extLst>
+          </p:cNvPr>
+          <p:cNvPicPr>
+            <a:picLocks noChangeAspect="1"/>
+          </p:cNvPicPr>
+          <p:nvPr/>
+        </p:nvPicPr>
+        <p:blipFill>
+          <a:blip r:embed="rId5"/>
+          <a:stretch>
+            <a:fillRect/>
+          </a:stretch>
+        </p:blipFill>
+        <p:spPr>
+          <a:xfrm>
+            <a:off x="8965214" y="3213228"/>
+            <a:ext cx="3050738" cy="2778992"/>
+          </a:xfrm>
+          <a:prstGeom prst="rect">
+            <a:avLst/>
+          </a:prstGeom>
+        </p:spPr>
+      </p:pic>
+      <p:pic>
+        <p:nvPicPr>
+          <p:cNvPr id="19" name="Picture 18">
+            <a:extLst>
+              <a:ext uri="{FF2B5EF4-FFF2-40B4-BE49-F238E27FC236}">
+                <a16:creationId xmlns:a16="http://schemas.microsoft.com/office/drawing/2014/main" id="{53ACA6F1-A753-DB04-C6BA-1BDF38033AE2}"/>
+              </a:ext>
+            </a:extLst>
+          </p:cNvPr>
+          <p:cNvPicPr>
+            <a:picLocks noChangeAspect="1"/>
+          </p:cNvPicPr>
+          <p:nvPr/>
+        </p:nvPicPr>
+        <p:blipFill>
+          <a:blip r:embed="rId6"/>
+          <a:stretch>
+            <a:fillRect/>
+          </a:stretch>
+        </p:blipFill>
+        <p:spPr>
+          <a:xfrm>
+            <a:off x="2868030" y="547324"/>
+            <a:ext cx="3050738" cy="2778992"/>
+          </a:xfrm>
+          <a:prstGeom prst="rect">
+            <a:avLst/>
+          </a:prstGeom>
+        </p:spPr>
+      </p:pic>
+      <p:pic>
+        <p:nvPicPr>
+          <p:cNvPr id="21" name="Picture 20">
+            <a:extLst>
+              <a:ext uri="{FF2B5EF4-FFF2-40B4-BE49-F238E27FC236}">
+                <a16:creationId xmlns:a16="http://schemas.microsoft.com/office/drawing/2014/main" id="{2C373BE8-7F6E-2864-91BB-1AAEB37727C9}"/>
+              </a:ext>
+            </a:extLst>
+          </p:cNvPr>
+          <p:cNvPicPr>
+            <a:picLocks noChangeAspect="1"/>
+          </p:cNvPicPr>
+          <p:nvPr/>
+        </p:nvPicPr>
+        <p:blipFill>
+          <a:blip r:embed="rId7"/>
+          <a:stretch>
+            <a:fillRect/>
+          </a:stretch>
+        </p:blipFill>
+        <p:spPr>
+          <a:xfrm>
+            <a:off x="6011971" y="547324"/>
+            <a:ext cx="3050738" cy="2778992"/>
+          </a:xfrm>
+          <a:prstGeom prst="rect">
+            <a:avLst/>
+          </a:prstGeom>
+        </p:spPr>
+      </p:pic>
+      <p:pic>
+        <p:nvPicPr>
+          <p:cNvPr id="23" name="Picture 22">
+            <a:extLst>
+              <a:ext uri="{FF2B5EF4-FFF2-40B4-BE49-F238E27FC236}">
+                <a16:creationId xmlns:a16="http://schemas.microsoft.com/office/drawing/2014/main" id="{6A1C41AD-6692-4763-89FB-B0F226DCD584}"/>
+              </a:ext>
+            </a:extLst>
+          </p:cNvPr>
+          <p:cNvPicPr>
+            <a:picLocks noChangeAspect="1"/>
+          </p:cNvPicPr>
+          <p:nvPr/>
+        </p:nvPicPr>
+        <p:blipFill>
+          <a:blip r:embed="rId8"/>
+          <a:stretch>
+            <a:fillRect/>
+          </a:stretch>
+        </p:blipFill>
+        <p:spPr>
+          <a:xfrm>
+            <a:off x="8965214" y="547324"/>
+            <a:ext cx="3050738" cy="2778992"/>
+          </a:xfrm>
+          <a:prstGeom prst="rect">
+            <a:avLst/>
+          </a:prstGeom>
+        </p:spPr>
+      </p:pic>
+      <p:sp>
+        <p:nvSpPr>
+          <p:cNvPr id="24" name="Rectangle 23">
+            <a:extLst>
+              <a:ext uri="{FF2B5EF4-FFF2-40B4-BE49-F238E27FC236}">
+                <a16:creationId xmlns:a16="http://schemas.microsoft.com/office/drawing/2014/main" id="{D32E4331-23A3-AAAF-1053-AEA396967C73}"/>
+              </a:ext>
+            </a:extLst>
+          </p:cNvPr>
+          <p:cNvSpPr/>
+          <p:nvPr/>
+        </p:nvSpPr>
+        <p:spPr>
+          <a:xfrm>
+            <a:off x="3156504" y="547324"/>
+            <a:ext cx="2621038" cy="400110"/>
+          </a:xfrm>
+          <a:prstGeom prst="rect">
+            <a:avLst/>
+          </a:prstGeom>
+          <a:noFill/>
+        </p:spPr>
+        <p:txBody>
+          <a:bodyPr wrap="none" lIns="91440" tIns="45720" rIns="91440" bIns="45720">
+            <a:spAutoFit/>
+          </a:bodyPr>
+          <a:lstStyle/>
+          <a:p>
+            <a:pPr algn="ctr"/>
+            <a:r>
+              <a:rPr lang="en-US" sz="2000" b="0" cap="none" spc="0" dirty="0">
+                <a:ln w="0"/>
+                <a:solidFill>
+                  <a:schemeClr val="tx1"/>
+                </a:solidFill>
+                <a:effectLst>
+                  <a:outerShdw blurRad="38100" dist="19050" dir="2700000" algn="tl" rotWithShape="0">
+                    <a:schemeClr val="dk1">
+                      <a:alpha val="40000"/>
+                    </a:schemeClr>
+                  </a:outerShdw>
+                </a:effectLst>
+              </a:rPr>
+              <a:t>Minor allel</a:t>
+            </a:r>
+            <a:r>
+              <a:rPr lang="en-US" sz="2000" dirty="0">
+                <a:ln w="0"/>
+                <a:effectLst>
+                  <a:outerShdw blurRad="38100" dist="19050" dir="2700000" algn="tl" rotWithShape="0">
+                    <a:schemeClr val="dk1">
+                      <a:alpha val="40000"/>
+                    </a:schemeClr>
+                  </a:outerShdw>
+                </a:effectLst>
+              </a:rPr>
+              <a:t>e </a:t>
+            </a:r>
+            <a:r>
+              <a:rPr lang="en-US" sz="2000" dirty="0" err="1">
+                <a:ln w="0"/>
+                <a:effectLst>
+                  <a:outerShdw blurRad="38100" dist="19050" dir="2700000" algn="tl" rotWithShape="0">
+                    <a:schemeClr val="dk1">
+                      <a:alpha val="40000"/>
+                    </a:schemeClr>
+                  </a:outerShdw>
+                </a:effectLst>
+              </a:rPr>
+              <a:t>freq</a:t>
+            </a:r>
+            <a:r>
+              <a:rPr lang="en-US" sz="2000" dirty="0">
+                <a:ln w="0"/>
+                <a:effectLst>
+                  <a:outerShdw blurRad="38100" dist="19050" dir="2700000" algn="tl" rotWithShape="0">
+                    <a:schemeClr val="dk1">
+                      <a:alpha val="40000"/>
+                    </a:schemeClr>
+                  </a:outerShdw>
+                </a:effectLst>
+              </a:rPr>
+              <a:t> = 0.07</a:t>
+            </a:r>
+            <a:endParaRPr lang="en-US" sz="2000" b="0" cap="none" spc="0" dirty="0">
+              <a:ln w="0"/>
+              <a:solidFill>
+                <a:schemeClr val="tx1"/>
+              </a:solidFill>
+              <a:effectLst>
+                <a:outerShdw blurRad="38100" dist="19050" dir="2700000" algn="tl" rotWithShape="0">
+                  <a:schemeClr val="dk1">
+                    <a:alpha val="40000"/>
+                  </a:schemeClr>
+                </a:outerShdw>
+              </a:effectLst>
+            </a:endParaRPr>
+          </a:p>
+        </p:txBody>
+      </p:sp>
+      <p:sp>
+        <p:nvSpPr>
+          <p:cNvPr id="25" name="Rectangle 24">
+            <a:extLst>
+              <a:ext uri="{FF2B5EF4-FFF2-40B4-BE49-F238E27FC236}">
+                <a16:creationId xmlns:a16="http://schemas.microsoft.com/office/drawing/2014/main" id="{3C697FE8-A952-3B3D-3673-066491CD1D58}"/>
+              </a:ext>
+            </a:extLst>
+          </p:cNvPr>
+          <p:cNvSpPr/>
+          <p:nvPr/>
+        </p:nvSpPr>
+        <p:spPr>
+          <a:xfrm>
+            <a:off x="3158007" y="3236474"/>
+            <a:ext cx="2621039" cy="400110"/>
+          </a:xfrm>
+          <a:prstGeom prst="rect">
+            <a:avLst/>
+          </a:prstGeom>
+          <a:noFill/>
+        </p:spPr>
+        <p:txBody>
+          <a:bodyPr wrap="none" lIns="91440" tIns="45720" rIns="91440" bIns="45720">
+            <a:spAutoFit/>
+          </a:bodyPr>
+          <a:lstStyle/>
+          <a:p>
+            <a:pPr algn="ctr"/>
+            <a:r>
+              <a:rPr lang="en-US" sz="2000" b="0" cap="none" spc="0" dirty="0">
+                <a:ln w="0"/>
+                <a:solidFill>
+                  <a:schemeClr val="tx1"/>
+                </a:solidFill>
+                <a:effectLst>
+                  <a:outerShdw blurRad="38100" dist="19050" dir="2700000" algn="tl" rotWithShape="0">
+                    <a:schemeClr val="dk1">
+                      <a:alpha val="40000"/>
+                    </a:schemeClr>
+                  </a:outerShdw>
+                </a:effectLst>
+              </a:rPr>
+              <a:t>Minor allel</a:t>
+            </a:r>
+            <a:r>
+              <a:rPr lang="en-US" sz="2000" dirty="0">
+                <a:ln w="0"/>
+                <a:effectLst>
+                  <a:outerShdw blurRad="38100" dist="19050" dir="2700000" algn="tl" rotWithShape="0">
+                    <a:schemeClr val="dk1">
+                      <a:alpha val="40000"/>
+                    </a:schemeClr>
+                  </a:outerShdw>
+                </a:effectLst>
+              </a:rPr>
+              <a:t>e </a:t>
+            </a:r>
+            <a:r>
+              <a:rPr lang="en-US" sz="2000" dirty="0" err="1">
+                <a:ln w="0"/>
+                <a:effectLst>
+                  <a:outerShdw blurRad="38100" dist="19050" dir="2700000" algn="tl" rotWithShape="0">
+                    <a:schemeClr val="dk1">
+                      <a:alpha val="40000"/>
+                    </a:schemeClr>
+                  </a:outerShdw>
+                </a:effectLst>
+              </a:rPr>
+              <a:t>freq</a:t>
+            </a:r>
+            <a:r>
+              <a:rPr lang="en-US" sz="2000" dirty="0">
+                <a:ln w="0"/>
+                <a:effectLst>
+                  <a:outerShdw blurRad="38100" dist="19050" dir="2700000" algn="tl" rotWithShape="0">
+                    <a:schemeClr val="dk1">
+                      <a:alpha val="40000"/>
+                    </a:schemeClr>
+                  </a:outerShdw>
+                </a:effectLst>
+              </a:rPr>
+              <a:t> = 0.45</a:t>
+            </a:r>
+            <a:endParaRPr lang="en-US" sz="2000" b="0" cap="none" spc="0" dirty="0">
+              <a:ln w="0"/>
+              <a:solidFill>
+                <a:schemeClr val="tx1"/>
+              </a:solidFill>
+              <a:effectLst>
+                <a:outerShdw blurRad="38100" dist="19050" dir="2700000" algn="tl" rotWithShape="0">
+                  <a:schemeClr val="dk1">
+                    <a:alpha val="40000"/>
+                  </a:schemeClr>
+                </a:outerShdw>
+              </a:effectLst>
+            </a:endParaRPr>
+          </a:p>
+        </p:txBody>
+      </p:sp>
+      <p:pic>
+        <p:nvPicPr>
+          <p:cNvPr id="27" name="Picture 26">
+            <a:extLst>
+              <a:ext uri="{FF2B5EF4-FFF2-40B4-BE49-F238E27FC236}">
+                <a16:creationId xmlns:a16="http://schemas.microsoft.com/office/drawing/2014/main" id="{246BEEED-5E0B-9C6B-431D-53C13871D5EB}"/>
+              </a:ext>
+            </a:extLst>
+          </p:cNvPr>
+          <p:cNvPicPr>
+            <a:picLocks noChangeAspect="1"/>
+          </p:cNvPicPr>
+          <p:nvPr/>
+        </p:nvPicPr>
+        <p:blipFill>
+          <a:blip r:embed="rId9"/>
+          <a:stretch>
+            <a:fillRect/>
+          </a:stretch>
+        </p:blipFill>
+        <p:spPr>
+          <a:xfrm>
+            <a:off x="360017" y="659025"/>
+            <a:ext cx="2712955" cy="1005927"/>
+          </a:xfrm>
+          <a:prstGeom prst="rect">
+            <a:avLst/>
+          </a:prstGeom>
+        </p:spPr>
+      </p:pic>
+      <p:sp>
+        <p:nvSpPr>
+          <p:cNvPr id="28" name="TextBox 27">
+            <a:extLst>
+              <a:ext uri="{FF2B5EF4-FFF2-40B4-BE49-F238E27FC236}">
+                <a16:creationId xmlns:a16="http://schemas.microsoft.com/office/drawing/2014/main" id="{DE8F401F-09D7-876F-0F6C-3488E3C1C613}"/>
+              </a:ext>
+            </a:extLst>
+          </p:cNvPr>
+          <p:cNvSpPr txBox="1"/>
+          <p:nvPr/>
+        </p:nvSpPr>
+        <p:spPr>
+          <a:xfrm>
+            <a:off x="1716494" y="30127"/>
+            <a:ext cx="9862828" cy="369332"/>
+          </a:xfrm>
+          <a:prstGeom prst="rect">
+            <a:avLst/>
+          </a:prstGeom>
+          <a:noFill/>
+        </p:spPr>
+        <p:txBody>
+          <a:bodyPr wrap="none" rtlCol="0">
+            <a:spAutoFit/>
+          </a:bodyPr>
+          <a:lstStyle/>
+          <a:p>
+            <a:r>
+              <a:rPr lang="en-US" dirty="0"/>
+              <a:t>output values among migration rates when simulating a </a:t>
+            </a:r>
+            <a:r>
+              <a:rPr lang="en-US" b="1" u="sng" dirty="0"/>
+              <a:t>pop right at the cusp of becoming endangered </a:t>
+            </a:r>
+          </a:p>
+        </p:txBody>
+      </p:sp>
+    </p:spTree>
+    <p:extLst>
+      <p:ext uri="{BB962C8B-B14F-4D97-AF65-F5344CB8AC3E}">
+        <p14:creationId xmlns:p14="http://schemas.microsoft.com/office/powerpoint/2010/main" val="1295411860"/>
+      </p:ext>
+    </p:extLst>
+  </p:cSld>
+  <p:clrMapOvr>
+    <a:masterClrMapping/>
+  </p:clrMapOvr>
+</p:sld>
+</file>
+
+<file path=ppt/slides/slide15.xml><?xml version="1.0" encoding="utf-8"?>
+<p:sld xmlns:a="http://schemas.openxmlformats.org/drawingml/2006/main" xmlns:r="http://schemas.openxmlformats.org/officeDocument/2006/relationships" xmlns:p="http://schemas.openxmlformats.org/presentationml/2006/main">
+  <p:cSld>
+    <p:spTree>
+      <p:nvGrpSpPr>
+        <p:cNvPr id="1" name=""/>
+        <p:cNvGrpSpPr/>
+        <p:nvPr/>
+      </p:nvGrpSpPr>
+      <p:grpSpPr>
+        <a:xfrm>
+          <a:off x="0" y="0"/>
+          <a:ext cx="0" cy="0"/>
+          <a:chOff x="0" y="0"/>
+          <a:chExt cx="0" cy="0"/>
+        </a:xfrm>
+      </p:grpSpPr>
+      <p:pic>
+        <p:nvPicPr>
+          <p:cNvPr id="5" name="Picture 4">
+            <a:extLst>
+              <a:ext uri="{FF2B5EF4-FFF2-40B4-BE49-F238E27FC236}">
+                <a16:creationId xmlns:a16="http://schemas.microsoft.com/office/drawing/2014/main" id="{B72E790C-B4A5-4810-B686-3808058AA535}"/>
+              </a:ext>
+            </a:extLst>
+          </p:cNvPr>
+          <p:cNvPicPr>
+            <a:picLocks noChangeAspect="1"/>
+          </p:cNvPicPr>
+          <p:nvPr/>
+        </p:nvPicPr>
+        <p:blipFill>
+          <a:blip r:embed="rId2"/>
+          <a:stretch>
+            <a:fillRect/>
+          </a:stretch>
+        </p:blipFill>
+        <p:spPr>
+          <a:xfrm>
+            <a:off x="45347" y="1776652"/>
+            <a:ext cx="2969817" cy="2705279"/>
+          </a:xfrm>
+          <a:prstGeom prst="rect">
+            <a:avLst/>
+          </a:prstGeom>
+        </p:spPr>
+      </p:pic>
+      <p:sp>
+        <p:nvSpPr>
+          <p:cNvPr id="24" name="Rectangle 23">
+            <a:extLst>
+              <a:ext uri="{FF2B5EF4-FFF2-40B4-BE49-F238E27FC236}">
+                <a16:creationId xmlns:a16="http://schemas.microsoft.com/office/drawing/2014/main" id="{D32E4331-23A3-AAAF-1053-AEA396967C73}"/>
+              </a:ext>
+            </a:extLst>
+          </p:cNvPr>
+          <p:cNvSpPr/>
+          <p:nvPr/>
+        </p:nvSpPr>
+        <p:spPr>
+          <a:xfrm>
+            <a:off x="3156504" y="351543"/>
+            <a:ext cx="2621038" cy="400110"/>
+          </a:xfrm>
+          <a:prstGeom prst="rect">
+            <a:avLst/>
+          </a:prstGeom>
+          <a:noFill/>
+        </p:spPr>
+        <p:txBody>
+          <a:bodyPr wrap="none" lIns="91440" tIns="45720" rIns="91440" bIns="45720">
+            <a:spAutoFit/>
+          </a:bodyPr>
+          <a:lstStyle/>
+          <a:p>
+            <a:pPr algn="ctr"/>
+            <a:r>
+              <a:rPr lang="en-US" sz="2000" b="0" cap="none" spc="0" dirty="0">
+                <a:ln w="0"/>
+                <a:solidFill>
+                  <a:schemeClr val="tx1"/>
+                </a:solidFill>
+                <a:effectLst>
+                  <a:outerShdw blurRad="38100" dist="19050" dir="2700000" algn="tl" rotWithShape="0">
+                    <a:schemeClr val="dk1">
+                      <a:alpha val="40000"/>
+                    </a:schemeClr>
+                  </a:outerShdw>
+                </a:effectLst>
+              </a:rPr>
+              <a:t>Minor allel</a:t>
+            </a:r>
+            <a:r>
+              <a:rPr lang="en-US" sz="2000" dirty="0">
+                <a:ln w="0"/>
+                <a:effectLst>
+                  <a:outerShdw blurRad="38100" dist="19050" dir="2700000" algn="tl" rotWithShape="0">
+                    <a:schemeClr val="dk1">
+                      <a:alpha val="40000"/>
+                    </a:schemeClr>
+                  </a:outerShdw>
+                </a:effectLst>
+              </a:rPr>
+              <a:t>e </a:t>
+            </a:r>
+            <a:r>
+              <a:rPr lang="en-US" sz="2000" dirty="0" err="1">
+                <a:ln w="0"/>
+                <a:effectLst>
+                  <a:outerShdw blurRad="38100" dist="19050" dir="2700000" algn="tl" rotWithShape="0">
+                    <a:schemeClr val="dk1">
+                      <a:alpha val="40000"/>
+                    </a:schemeClr>
+                  </a:outerShdw>
+                </a:effectLst>
+              </a:rPr>
+              <a:t>freq</a:t>
+            </a:r>
+            <a:r>
+              <a:rPr lang="en-US" sz="2000" dirty="0">
+                <a:ln w="0"/>
+                <a:effectLst>
+                  <a:outerShdw blurRad="38100" dist="19050" dir="2700000" algn="tl" rotWithShape="0">
+                    <a:schemeClr val="dk1">
+                      <a:alpha val="40000"/>
+                    </a:schemeClr>
+                  </a:outerShdw>
+                </a:effectLst>
+              </a:rPr>
+              <a:t> = 0.07</a:t>
+            </a:r>
+            <a:endParaRPr lang="en-US" sz="2000" b="0" cap="none" spc="0" dirty="0">
+              <a:ln w="0"/>
+              <a:solidFill>
+                <a:schemeClr val="tx1"/>
+              </a:solidFill>
+              <a:effectLst>
+                <a:outerShdw blurRad="38100" dist="19050" dir="2700000" algn="tl" rotWithShape="0">
+                  <a:schemeClr val="dk1">
+                    <a:alpha val="40000"/>
+                  </a:schemeClr>
+                </a:outerShdw>
+              </a:effectLst>
+            </a:endParaRPr>
+          </a:p>
+        </p:txBody>
+      </p:sp>
+      <p:sp>
+        <p:nvSpPr>
+          <p:cNvPr id="25" name="Rectangle 24">
+            <a:extLst>
+              <a:ext uri="{FF2B5EF4-FFF2-40B4-BE49-F238E27FC236}">
+                <a16:creationId xmlns:a16="http://schemas.microsoft.com/office/drawing/2014/main" id="{3C697FE8-A952-3B3D-3673-066491CD1D58}"/>
+              </a:ext>
+            </a:extLst>
+          </p:cNvPr>
+          <p:cNvSpPr/>
+          <p:nvPr/>
+        </p:nvSpPr>
+        <p:spPr>
+          <a:xfrm>
+            <a:off x="3156504" y="3257194"/>
+            <a:ext cx="2621039" cy="400110"/>
+          </a:xfrm>
+          <a:prstGeom prst="rect">
+            <a:avLst/>
+          </a:prstGeom>
+          <a:noFill/>
+        </p:spPr>
+        <p:txBody>
+          <a:bodyPr wrap="none" lIns="91440" tIns="45720" rIns="91440" bIns="45720">
+            <a:spAutoFit/>
+          </a:bodyPr>
+          <a:lstStyle/>
+          <a:p>
+            <a:pPr algn="ctr"/>
+            <a:r>
+              <a:rPr lang="en-US" sz="2000" b="0" cap="none" spc="0" dirty="0">
+                <a:ln w="0"/>
+                <a:solidFill>
+                  <a:schemeClr val="tx1"/>
+                </a:solidFill>
+                <a:effectLst>
+                  <a:outerShdw blurRad="38100" dist="19050" dir="2700000" algn="tl" rotWithShape="0">
+                    <a:schemeClr val="dk1">
+                      <a:alpha val="40000"/>
+                    </a:schemeClr>
+                  </a:outerShdw>
+                </a:effectLst>
+              </a:rPr>
+              <a:t>Minor allel</a:t>
+            </a:r>
+            <a:r>
+              <a:rPr lang="en-US" sz="2000" dirty="0">
+                <a:ln w="0"/>
+                <a:effectLst>
+                  <a:outerShdw blurRad="38100" dist="19050" dir="2700000" algn="tl" rotWithShape="0">
+                    <a:schemeClr val="dk1">
+                      <a:alpha val="40000"/>
+                    </a:schemeClr>
+                  </a:outerShdw>
+                </a:effectLst>
+              </a:rPr>
+              <a:t>e </a:t>
+            </a:r>
+            <a:r>
+              <a:rPr lang="en-US" sz="2000" dirty="0" err="1">
+                <a:ln w="0"/>
+                <a:effectLst>
+                  <a:outerShdw blurRad="38100" dist="19050" dir="2700000" algn="tl" rotWithShape="0">
+                    <a:schemeClr val="dk1">
+                      <a:alpha val="40000"/>
+                    </a:schemeClr>
+                  </a:outerShdw>
+                </a:effectLst>
+              </a:rPr>
+              <a:t>freq</a:t>
+            </a:r>
+            <a:r>
+              <a:rPr lang="en-US" sz="2000" dirty="0">
+                <a:ln w="0"/>
+                <a:effectLst>
+                  <a:outerShdw blurRad="38100" dist="19050" dir="2700000" algn="tl" rotWithShape="0">
+                    <a:schemeClr val="dk1">
+                      <a:alpha val="40000"/>
+                    </a:schemeClr>
+                  </a:outerShdw>
+                </a:effectLst>
+              </a:rPr>
+              <a:t> = 0.45</a:t>
+            </a:r>
+            <a:endParaRPr lang="en-US" sz="2000" b="0" cap="none" spc="0" dirty="0">
+              <a:ln w="0"/>
+              <a:solidFill>
+                <a:schemeClr val="tx1"/>
+              </a:solidFill>
+              <a:effectLst>
+                <a:outerShdw blurRad="38100" dist="19050" dir="2700000" algn="tl" rotWithShape="0">
+                  <a:schemeClr val="dk1">
+                    <a:alpha val="40000"/>
+                  </a:schemeClr>
+                </a:outerShdw>
+              </a:effectLst>
+            </a:endParaRPr>
+          </a:p>
+        </p:txBody>
+      </p:sp>
+      <p:pic>
+        <p:nvPicPr>
+          <p:cNvPr id="3" name="Picture 2">
+            <a:extLst>
+              <a:ext uri="{FF2B5EF4-FFF2-40B4-BE49-F238E27FC236}">
+                <a16:creationId xmlns:a16="http://schemas.microsoft.com/office/drawing/2014/main" id="{5ED99366-0554-47EA-A00F-9E5A347CB49A}"/>
+              </a:ext>
+            </a:extLst>
+          </p:cNvPr>
+          <p:cNvPicPr>
+            <a:picLocks noChangeAspect="1"/>
+          </p:cNvPicPr>
+          <p:nvPr/>
+        </p:nvPicPr>
+        <p:blipFill>
+          <a:blip r:embed="rId3"/>
+          <a:stretch>
+            <a:fillRect/>
+          </a:stretch>
+        </p:blipFill>
+        <p:spPr>
+          <a:xfrm>
+            <a:off x="3015164" y="3636584"/>
+            <a:ext cx="2727802" cy="2484821"/>
+          </a:xfrm>
+          <a:prstGeom prst="rect">
+            <a:avLst/>
+          </a:prstGeom>
+        </p:spPr>
+      </p:pic>
+      <p:pic>
+        <p:nvPicPr>
+          <p:cNvPr id="6" name="Picture 5">
+            <a:extLst>
+              <a:ext uri="{FF2B5EF4-FFF2-40B4-BE49-F238E27FC236}">
+                <a16:creationId xmlns:a16="http://schemas.microsoft.com/office/drawing/2014/main" id="{F2C687D9-949E-112F-D2C9-996BB24374C1}"/>
+              </a:ext>
+            </a:extLst>
+          </p:cNvPr>
+          <p:cNvPicPr>
+            <a:picLocks noChangeAspect="1"/>
+          </p:cNvPicPr>
+          <p:nvPr/>
+        </p:nvPicPr>
+        <p:blipFill>
+          <a:blip r:embed="rId4"/>
+          <a:stretch>
+            <a:fillRect/>
+          </a:stretch>
+        </p:blipFill>
+        <p:spPr>
+          <a:xfrm>
+            <a:off x="5777542" y="3636583"/>
+            <a:ext cx="2727802" cy="2484821"/>
+          </a:xfrm>
+          <a:prstGeom prst="rect">
+            <a:avLst/>
+          </a:prstGeom>
+        </p:spPr>
+      </p:pic>
+      <p:pic>
+        <p:nvPicPr>
+          <p:cNvPr id="8" name="Picture 7">
+            <a:extLst>
+              <a:ext uri="{FF2B5EF4-FFF2-40B4-BE49-F238E27FC236}">
+                <a16:creationId xmlns:a16="http://schemas.microsoft.com/office/drawing/2014/main" id="{DE91437B-E0E2-71B7-FEBE-9842862CE930}"/>
+              </a:ext>
+            </a:extLst>
+          </p:cNvPr>
+          <p:cNvPicPr>
+            <a:picLocks noChangeAspect="1"/>
+          </p:cNvPicPr>
+          <p:nvPr/>
+        </p:nvPicPr>
+        <p:blipFill>
+          <a:blip r:embed="rId5"/>
+          <a:stretch>
+            <a:fillRect/>
+          </a:stretch>
+        </p:blipFill>
+        <p:spPr>
+          <a:xfrm>
+            <a:off x="3014090" y="747379"/>
+            <a:ext cx="2728447" cy="2485409"/>
+          </a:xfrm>
+          <a:prstGeom prst="rect">
+            <a:avLst/>
+          </a:prstGeom>
+        </p:spPr>
+      </p:pic>
+      <p:pic>
+        <p:nvPicPr>
+          <p:cNvPr id="10" name="Picture 9">
+            <a:extLst>
+              <a:ext uri="{FF2B5EF4-FFF2-40B4-BE49-F238E27FC236}">
+                <a16:creationId xmlns:a16="http://schemas.microsoft.com/office/drawing/2014/main" id="{EA824376-A8C1-6C46-0D80-0D9B0A629666}"/>
+              </a:ext>
+            </a:extLst>
+          </p:cNvPr>
+          <p:cNvPicPr>
+            <a:picLocks noChangeAspect="1"/>
+          </p:cNvPicPr>
+          <p:nvPr/>
+        </p:nvPicPr>
+        <p:blipFill>
+          <a:blip r:embed="rId6"/>
+          <a:stretch>
+            <a:fillRect/>
+          </a:stretch>
+        </p:blipFill>
+        <p:spPr>
+          <a:xfrm>
+            <a:off x="5742537" y="772373"/>
+            <a:ext cx="2727802" cy="2484821"/>
+          </a:xfrm>
+          <a:prstGeom prst="rect">
+            <a:avLst/>
+          </a:prstGeom>
+        </p:spPr>
+      </p:pic>
+      <p:pic>
+        <p:nvPicPr>
+          <p:cNvPr id="12" name="Picture 11">
+            <a:extLst>
+              <a:ext uri="{FF2B5EF4-FFF2-40B4-BE49-F238E27FC236}">
+                <a16:creationId xmlns:a16="http://schemas.microsoft.com/office/drawing/2014/main" id="{9F96D893-3B9D-6F4D-4329-49EE50047CFA}"/>
+              </a:ext>
+            </a:extLst>
+          </p:cNvPr>
+          <p:cNvPicPr>
+            <a:picLocks noChangeAspect="1"/>
+          </p:cNvPicPr>
+          <p:nvPr/>
+        </p:nvPicPr>
+        <p:blipFill>
+          <a:blip r:embed="rId7"/>
+          <a:stretch>
+            <a:fillRect/>
+          </a:stretch>
+        </p:blipFill>
+        <p:spPr>
+          <a:xfrm>
+            <a:off x="443549" y="853915"/>
+            <a:ext cx="2712955" cy="1005927"/>
+          </a:xfrm>
+          <a:prstGeom prst="rect">
+            <a:avLst/>
+          </a:prstGeom>
+        </p:spPr>
+      </p:pic>
+      <p:sp>
+        <p:nvSpPr>
+          <p:cNvPr id="14" name="TextBox 13">
+            <a:extLst>
+              <a:ext uri="{FF2B5EF4-FFF2-40B4-BE49-F238E27FC236}">
+                <a16:creationId xmlns:a16="http://schemas.microsoft.com/office/drawing/2014/main" id="{94B68CF1-F00E-073B-FD86-307C042A6348}"/>
+              </a:ext>
+            </a:extLst>
+          </p:cNvPr>
+          <p:cNvSpPr txBox="1"/>
+          <p:nvPr/>
+        </p:nvSpPr>
+        <p:spPr>
+          <a:xfrm>
+            <a:off x="860471" y="23651"/>
+            <a:ext cx="11107977" cy="369332"/>
+          </a:xfrm>
+          <a:prstGeom prst="rect">
+            <a:avLst/>
+          </a:prstGeom>
+          <a:noFill/>
+        </p:spPr>
+        <p:txBody>
+          <a:bodyPr wrap="none" rtlCol="0">
+            <a:spAutoFit/>
+          </a:bodyPr>
+          <a:lstStyle/>
+          <a:p>
+            <a:r>
+              <a:rPr lang="en-US" dirty="0"/>
+              <a:t>Reproductive output values among migration rates when simulating a </a:t>
+            </a:r>
+            <a:r>
+              <a:rPr lang="en-US" b="1" u="sng" dirty="0"/>
+              <a:t>pop right at the cusp of becoming endangered </a:t>
+            </a:r>
+          </a:p>
+        </p:txBody>
+      </p:sp>
+    </p:spTree>
+    <p:extLst>
+      <p:ext uri="{BB962C8B-B14F-4D97-AF65-F5344CB8AC3E}">
+        <p14:creationId xmlns:p14="http://schemas.microsoft.com/office/powerpoint/2010/main" val="3936691855"/>
+      </p:ext>
+    </p:extLst>
+  </p:cSld>
+  <p:clrMapOvr>
+    <a:masterClrMapping/>
+  </p:clrMapOvr>
+</p:sld>
+</file>
+
+<file path=ppt/slides/slide16.xml><?xml version="1.0" encoding="utf-8"?>
+<p:sld xmlns:a="http://schemas.openxmlformats.org/drawingml/2006/main" xmlns:r="http://schemas.openxmlformats.org/officeDocument/2006/relationships" xmlns:p="http://schemas.openxmlformats.org/presentationml/2006/main">
+  <p:cSld>
+    <p:spTree>
+      <p:nvGrpSpPr>
+        <p:cNvPr id="1" name=""/>
+        <p:cNvGrpSpPr/>
+        <p:nvPr/>
+      </p:nvGrpSpPr>
+      <p:grpSpPr>
+        <a:xfrm>
+          <a:off x="0" y="0"/>
+          <a:ext cx="0" cy="0"/>
+          <a:chOff x="0" y="0"/>
+          <a:chExt cx="0" cy="0"/>
+        </a:xfrm>
+      </p:grpSpPr>
+      <p:sp>
+        <p:nvSpPr>
+          <p:cNvPr id="2" name="Title 1">
+            <a:extLst>
+              <a:ext uri="{FF2B5EF4-FFF2-40B4-BE49-F238E27FC236}">
+                <a16:creationId xmlns:a16="http://schemas.microsoft.com/office/drawing/2014/main" id="{84005282-AC25-ED2F-0A5C-8E3DDD076F1D}"/>
+              </a:ext>
+            </a:extLst>
+          </p:cNvPr>
+          <p:cNvSpPr>
+            <a:spLocks noGrp="1"/>
+          </p:cNvSpPr>
+          <p:nvPr>
+            <p:ph type="title"/>
+          </p:nvPr>
+        </p:nvSpPr>
+        <p:spPr/>
+        <p:txBody>
+          <a:bodyPr/>
+          <a:lstStyle/>
+          <a:p>
+            <a:r>
+              <a:rPr lang="en-US" dirty="0"/>
+              <a:t>Results</a:t>
+            </a:r>
+          </a:p>
+        </p:txBody>
+      </p:sp>
+      <p:sp>
+        <p:nvSpPr>
+          <p:cNvPr id="3" name="Content Placeholder 2">
+            <a:extLst>
+              <a:ext uri="{FF2B5EF4-FFF2-40B4-BE49-F238E27FC236}">
+                <a16:creationId xmlns:a16="http://schemas.microsoft.com/office/drawing/2014/main" id="{CE029B89-5990-0B4E-3ACC-2EC89F37A914}"/>
+              </a:ext>
+            </a:extLst>
+          </p:cNvPr>
+          <p:cNvSpPr>
+            <a:spLocks noGrp="1"/>
+          </p:cNvSpPr>
+          <p:nvPr>
+            <p:ph idx="1"/>
+          </p:nvPr>
+        </p:nvSpPr>
+        <p:spPr/>
+        <p:txBody>
+          <a:bodyPr/>
+          <a:lstStyle/>
+          <a:p>
+            <a:pPr marL="0" indent="0">
+              <a:buNone/>
+            </a:pPr>
+            <a:r>
+              <a:rPr lang="en-US" dirty="0"/>
+              <a:t>____ varies due to migration rate but not minor allele frequency </a:t>
+            </a:r>
+          </a:p>
+          <a:p>
+            <a:pPr marL="0" indent="0">
+              <a:buNone/>
+            </a:pPr>
+            <a:r>
+              <a:rPr lang="en-US" dirty="0"/>
+              <a:t>	- Ho</a:t>
+            </a:r>
+          </a:p>
+          <a:p>
+            <a:pPr marL="0" indent="0">
+              <a:buNone/>
+            </a:pPr>
+            <a:r>
+              <a:rPr lang="en-US" dirty="0"/>
+              <a:t>	- </a:t>
+            </a:r>
+            <a:r>
+              <a:rPr lang="en-US" dirty="0" err="1"/>
+              <a:t>Fst</a:t>
+            </a:r>
+            <a:endParaRPr lang="en-US" dirty="0"/>
+          </a:p>
+          <a:p>
+            <a:pPr marL="0" indent="0">
+              <a:buNone/>
+            </a:pPr>
+            <a:r>
+              <a:rPr lang="en-US" dirty="0"/>
+              <a:t>	- proportion migrant SNPs </a:t>
+            </a:r>
+            <a:r>
+              <a:rPr lang="en-US" sz="1800" dirty="0"/>
+              <a:t>*may be slightly different when 1 </a:t>
+            </a:r>
+            <a:r>
+              <a:rPr lang="en-US" sz="1800" dirty="0" err="1"/>
+              <a:t>mig</a:t>
+            </a:r>
+            <a:r>
+              <a:rPr lang="en-US" sz="1800" dirty="0"/>
+              <a:t> per gen</a:t>
+            </a:r>
+            <a:endParaRPr lang="en-US" dirty="0"/>
+          </a:p>
+          <a:p>
+            <a:pPr marL="0" indent="0">
+              <a:buNone/>
+            </a:pPr>
+            <a:r>
+              <a:rPr lang="en-US" dirty="0"/>
+              <a:t>____ varies due to minor allele frequency and migration rate</a:t>
+            </a:r>
+          </a:p>
+          <a:p>
+            <a:pPr marL="0" indent="0">
+              <a:buNone/>
+            </a:pPr>
+            <a:r>
+              <a:rPr lang="en-US" dirty="0"/>
+              <a:t>	- LRS</a:t>
+            </a:r>
+          </a:p>
+          <a:p>
+            <a:pPr marL="0" indent="0">
+              <a:buNone/>
+            </a:pPr>
+            <a:r>
+              <a:rPr lang="en-US" dirty="0"/>
+              <a:t>	- RRS</a:t>
+            </a:r>
+          </a:p>
+        </p:txBody>
+      </p:sp>
+      <p:pic>
+        <p:nvPicPr>
+          <p:cNvPr id="5" name="Picture 4">
+            <a:extLst>
+              <a:ext uri="{FF2B5EF4-FFF2-40B4-BE49-F238E27FC236}">
+                <a16:creationId xmlns:a16="http://schemas.microsoft.com/office/drawing/2014/main" id="{8B4C2AF4-9A51-B081-1682-5B74C0B6E8F9}"/>
+              </a:ext>
+            </a:extLst>
+          </p:cNvPr>
+          <p:cNvPicPr>
+            <a:picLocks noChangeAspect="1"/>
+          </p:cNvPicPr>
+          <p:nvPr/>
+        </p:nvPicPr>
+        <p:blipFill rotWithShape="1">
+          <a:blip r:embed="rId2"/>
+          <a:srcRect l="22563" t="32944" r="14469" b="37688"/>
+          <a:stretch/>
+        </p:blipFill>
+        <p:spPr>
+          <a:xfrm>
+            <a:off x="8498632" y="230188"/>
+            <a:ext cx="2855168" cy="1212979"/>
+          </a:xfrm>
+          <a:prstGeom prst="rect">
+            <a:avLst/>
+          </a:prstGeom>
+        </p:spPr>
+      </p:pic>
+      <p:pic>
+        <p:nvPicPr>
+          <p:cNvPr id="6" name="Picture 5">
+            <a:extLst>
+              <a:ext uri="{FF2B5EF4-FFF2-40B4-BE49-F238E27FC236}">
+                <a16:creationId xmlns:a16="http://schemas.microsoft.com/office/drawing/2014/main" id="{1B8B9158-DD03-2C2E-D869-17C8BC3CD456}"/>
+              </a:ext>
+            </a:extLst>
+          </p:cNvPr>
+          <p:cNvPicPr>
+            <a:picLocks noChangeAspect="1"/>
+          </p:cNvPicPr>
+          <p:nvPr/>
+        </p:nvPicPr>
+        <p:blipFill>
+          <a:blip r:embed="rId3"/>
+          <a:stretch>
+            <a:fillRect/>
+          </a:stretch>
+        </p:blipFill>
+        <p:spPr>
+          <a:xfrm>
+            <a:off x="8294779" y="322281"/>
+            <a:ext cx="213378" cy="1066892"/>
+          </a:xfrm>
+          <a:prstGeom prst="rect">
+            <a:avLst/>
+          </a:prstGeom>
+        </p:spPr>
+      </p:pic>
+    </p:spTree>
+    <p:extLst>
+      <p:ext uri="{BB962C8B-B14F-4D97-AF65-F5344CB8AC3E}">
+        <p14:creationId xmlns:p14="http://schemas.microsoft.com/office/powerpoint/2010/main" val="2861275589"/>
+      </p:ext>
+    </p:extLst>
+  </p:cSld>
+  <p:clrMapOvr>
+    <a:masterClrMapping/>
+  </p:clrMapOvr>
+</p:sld>
+</file>
+
+<file path=ppt/slides/slide17.xml><?xml version="1.0" encoding="utf-8"?>
+<p:sld xmlns:a="http://schemas.openxmlformats.org/drawingml/2006/main" xmlns:r="http://schemas.openxmlformats.org/officeDocument/2006/relationships" xmlns:p="http://schemas.openxmlformats.org/presentationml/2006/main">
+  <p:cSld>
+    <p:bg>
+      <p:bgPr>
+        <a:solidFill>
+          <a:schemeClr val="tx1"/>
+        </a:solidFill>
+        <a:effectLst/>
+      </p:bgPr>
+    </p:bg>
+    <p:spTree>
+      <p:nvGrpSpPr>
+        <p:cNvPr id="1" name=""/>
+        <p:cNvGrpSpPr/>
+        <p:nvPr/>
+      </p:nvGrpSpPr>
+      <p:grpSpPr>
+        <a:xfrm>
+          <a:off x="0" y="0"/>
+          <a:ext cx="0" cy="0"/>
+          <a:chOff x="0" y="0"/>
+          <a:chExt cx="0" cy="0"/>
+        </a:xfrm>
+      </p:grpSpPr>
+      <p:sp>
+        <p:nvSpPr>
+          <p:cNvPr id="4" name="Title 1">
+            <a:extLst>
+              <a:ext uri="{FF2B5EF4-FFF2-40B4-BE49-F238E27FC236}">
+                <a16:creationId xmlns:a16="http://schemas.microsoft.com/office/drawing/2014/main" id="{1926D374-9667-7185-B1D3-C23E0087ABBB}"/>
+              </a:ext>
+            </a:extLst>
+          </p:cNvPr>
+          <p:cNvSpPr txBox="1">
+            <a:spLocks/>
+          </p:cNvSpPr>
+          <p:nvPr/>
+        </p:nvSpPr>
+        <p:spPr>
+          <a:xfrm>
+            <a:off x="838200" y="1906542"/>
+            <a:ext cx="10515600" cy="1325563"/>
+          </a:xfrm>
+          <a:prstGeom prst="rect">
+            <a:avLst/>
+          </a:prstGeom>
+        </p:spPr>
+        <p:txBody>
+          <a:bodyPr vert="horz" lIns="91440" tIns="45720" rIns="91440" bIns="45720" rtlCol="0" anchor="ctr">
+            <a:noAutofit/>
+          </a:bodyPr>
+          <a:lstStyle>
+            <a:lvl1pPr algn="l" defTabSz="914400" rtl="0" eaLnBrk="1" latinLnBrk="0" hangingPunct="1">
+              <a:lnSpc>
+                <a:spcPct val="90000"/>
+              </a:lnSpc>
+              <a:spcBef>
+                <a:spcPct val="0"/>
+              </a:spcBef>
+              <a:buNone/>
+              <a:defRPr sz="4400" kern="1200">
+                <a:solidFill>
+                  <a:schemeClr val="tx1"/>
+                </a:solidFill>
+                <a:latin typeface="+mj-lt"/>
+                <a:ea typeface="+mj-ea"/>
+                <a:cs typeface="+mj-cs"/>
+              </a:defRPr>
+            </a:lvl1pPr>
+          </a:lstStyle>
+          <a:p>
+            <a:pPr algn="ctr"/>
+            <a:r>
+              <a:rPr lang="en-US" sz="5000" dirty="0">
+                <a:solidFill>
+                  <a:schemeClr val="accent2"/>
+                </a:solidFill>
+                <a:highlight>
+                  <a:srgbClr val="808080"/>
+                </a:highlight>
+              </a:rPr>
+              <a:t>Up Next:</a:t>
+            </a:r>
+          </a:p>
+          <a:p>
+            <a:pPr algn="ctr"/>
+            <a:endParaRPr lang="en-US" sz="5000" dirty="0">
+              <a:solidFill>
+                <a:schemeClr val="bg1"/>
+              </a:solidFill>
+            </a:endParaRPr>
+          </a:p>
+          <a:p>
+            <a:pPr algn="ctr"/>
+            <a:r>
+              <a:rPr lang="en-US" sz="5000" dirty="0">
+                <a:solidFill>
+                  <a:schemeClr val="accent2"/>
+                </a:solidFill>
+              </a:rPr>
+              <a:t>Comparison between the population growth rate, maximum age and fecundity, the minor allele frequency in the source population, and various migration rates</a:t>
+            </a:r>
+          </a:p>
+        </p:txBody>
+      </p:sp>
+    </p:spTree>
+    <p:extLst>
+      <p:ext uri="{BB962C8B-B14F-4D97-AF65-F5344CB8AC3E}">
+        <p14:creationId xmlns:p14="http://schemas.microsoft.com/office/powerpoint/2010/main" val="3749513160"/>
+      </p:ext>
+    </p:extLst>
+  </p:cSld>
+  <p:clrMapOvr>
+    <a:masterClrMapping/>
+  </p:clrMapOvr>
+</p:sld>
+</file>
+
+<file path=ppt/slides/slide18.xml><?xml version="1.0" encoding="utf-8"?>
+<p:sld xmlns:a="http://schemas.openxmlformats.org/drawingml/2006/main" xmlns:r="http://schemas.openxmlformats.org/officeDocument/2006/relationships" xmlns:p="http://schemas.openxmlformats.org/presentationml/2006/main">
+  <p:cSld>
+    <p:spTree>
+      <p:nvGrpSpPr>
+        <p:cNvPr id="1" name=""/>
+        <p:cNvGrpSpPr/>
+        <p:nvPr/>
+      </p:nvGrpSpPr>
+      <p:grpSpPr>
+        <a:xfrm>
+          <a:off x="0" y="0"/>
+          <a:ext cx="0" cy="0"/>
+          <a:chOff x="0" y="0"/>
+          <a:chExt cx="0" cy="0"/>
+        </a:xfrm>
+      </p:grpSpPr>
+      <p:sp>
+        <p:nvSpPr>
+          <p:cNvPr id="2" name="Title 1">
+            <a:extLst>
+              <a:ext uri="{FF2B5EF4-FFF2-40B4-BE49-F238E27FC236}">
+                <a16:creationId xmlns:a16="http://schemas.microsoft.com/office/drawing/2014/main" id="{1626DB6B-6699-B3C4-66E1-E4755C15C94C}"/>
+              </a:ext>
+            </a:extLst>
+          </p:cNvPr>
+          <p:cNvSpPr>
+            <a:spLocks noGrp="1"/>
+          </p:cNvSpPr>
+          <p:nvPr>
+            <p:ph type="title"/>
+          </p:nvPr>
+        </p:nvSpPr>
+        <p:spPr/>
+        <p:txBody>
+          <a:bodyPr/>
+          <a:lstStyle/>
+          <a:p>
+            <a:r>
+              <a:rPr lang="en-US" dirty="0"/>
+              <a:t>Results table</a:t>
+            </a:r>
+          </a:p>
+        </p:txBody>
+      </p:sp>
+      <p:graphicFrame>
+        <p:nvGraphicFramePr>
+          <p:cNvPr id="7" name="Table 7">
+            <a:extLst>
+              <a:ext uri="{FF2B5EF4-FFF2-40B4-BE49-F238E27FC236}">
+                <a16:creationId xmlns:a16="http://schemas.microsoft.com/office/drawing/2014/main" id="{5E1AAC85-5C8F-AE02-7341-09673470E4DE}"/>
+              </a:ext>
+            </a:extLst>
+          </p:cNvPr>
+          <p:cNvGraphicFramePr>
+            <a:graphicFrameLocks noGrp="1"/>
+          </p:cNvGraphicFramePr>
+          <p:nvPr>
+            <p:ph idx="1"/>
+            <p:extLst>
+              <p:ext uri="{D42A27DB-BD31-4B8C-83A1-F6EECF244321}">
+                <p14:modId xmlns:p14="http://schemas.microsoft.com/office/powerpoint/2010/main" val="1771332541"/>
+              </p:ext>
+            </p:extLst>
+          </p:nvPr>
+        </p:nvGraphicFramePr>
+        <p:xfrm>
+          <a:off x="838200" y="1825625"/>
+          <a:ext cx="10515603" cy="4521200"/>
+        </p:xfrm>
+        <a:graphic>
+          <a:graphicData uri="http://schemas.openxmlformats.org/drawingml/2006/table">
+            <a:tbl>
+              <a:tblPr firstRow="1" bandRow="1">
+                <a:tableStyleId>{5C22544A-7EE6-4342-B048-85BDC9FD1C3A}</a:tableStyleId>
+              </a:tblPr>
+              <a:tblGrid>
+                <a:gridCol w="1502229">
+                  <a:extLst>
+                    <a:ext uri="{9D8B030D-6E8A-4147-A177-3AD203B41FA5}">
+                      <a16:colId xmlns:a16="http://schemas.microsoft.com/office/drawing/2014/main" val="36796140"/>
+                    </a:ext>
+                  </a:extLst>
+                </a:gridCol>
+                <a:gridCol w="1502229">
+                  <a:extLst>
+                    <a:ext uri="{9D8B030D-6E8A-4147-A177-3AD203B41FA5}">
+                      <a16:colId xmlns:a16="http://schemas.microsoft.com/office/drawing/2014/main" val="465893353"/>
+                    </a:ext>
+                  </a:extLst>
+                </a:gridCol>
+                <a:gridCol w="1502229">
+                  <a:extLst>
+                    <a:ext uri="{9D8B030D-6E8A-4147-A177-3AD203B41FA5}">
+                      <a16:colId xmlns:a16="http://schemas.microsoft.com/office/drawing/2014/main" val="2153789574"/>
+                    </a:ext>
+                  </a:extLst>
+                </a:gridCol>
+                <a:gridCol w="1502229">
+                  <a:extLst>
+                    <a:ext uri="{9D8B030D-6E8A-4147-A177-3AD203B41FA5}">
+                      <a16:colId xmlns:a16="http://schemas.microsoft.com/office/drawing/2014/main" val="84697164"/>
+                    </a:ext>
+                  </a:extLst>
+                </a:gridCol>
+                <a:gridCol w="1502229">
+                  <a:extLst>
+                    <a:ext uri="{9D8B030D-6E8A-4147-A177-3AD203B41FA5}">
+                      <a16:colId xmlns:a16="http://schemas.microsoft.com/office/drawing/2014/main" val="735214634"/>
+                    </a:ext>
+                  </a:extLst>
+                </a:gridCol>
+                <a:gridCol w="1502229">
+                  <a:extLst>
+                    <a:ext uri="{9D8B030D-6E8A-4147-A177-3AD203B41FA5}">
+                      <a16:colId xmlns:a16="http://schemas.microsoft.com/office/drawing/2014/main" val="2877017212"/>
+                    </a:ext>
+                  </a:extLst>
+                </a:gridCol>
+                <a:gridCol w="1502229">
+                  <a:extLst>
+                    <a:ext uri="{9D8B030D-6E8A-4147-A177-3AD203B41FA5}">
+                      <a16:colId xmlns:a16="http://schemas.microsoft.com/office/drawing/2014/main" val="4172139166"/>
+                    </a:ext>
+                  </a:extLst>
+                </a:gridCol>
+              </a:tblGrid>
+              <a:tr h="370840">
+                <a:tc>
+                  <a:txBody>
+                    <a:bodyPr/>
+                    <a:lstStyle/>
+                    <a:p>
+                      <a:endParaRPr lang="en-US"/>
+                    </a:p>
+                  </a:txBody>
+                  <a:tcPr/>
+                </a:tc>
+                <a:tc>
+                  <a:txBody>
+                    <a:bodyPr/>
+                    <a:lstStyle/>
+                    <a:p>
+                      <a:r>
+                        <a:rPr lang="en-US" dirty="0"/>
+                        <a:t>Ne</a:t>
+                      </a:r>
+                    </a:p>
+                  </a:txBody>
+                  <a:tcPr/>
+                </a:tc>
+                <a:tc>
+                  <a:txBody>
+                    <a:bodyPr/>
+                    <a:lstStyle/>
+                    <a:p>
+                      <a:r>
+                        <a:rPr lang="en-US" dirty="0"/>
+                        <a:t>Migration rate</a:t>
+                      </a:r>
+                    </a:p>
+                  </a:txBody>
+                  <a:tcPr/>
+                </a:tc>
+                <a:tc>
+                  <a:txBody>
+                    <a:bodyPr/>
+                    <a:lstStyle/>
+                    <a:p>
+                      <a:r>
+                        <a:rPr lang="en-US" sz="1600" dirty="0"/>
+                        <a:t>Minor allele </a:t>
+                      </a:r>
+                      <a:r>
+                        <a:rPr lang="en-US" sz="1600" dirty="0" err="1"/>
+                        <a:t>freq</a:t>
+                      </a:r>
+                      <a:endParaRPr lang="en-US" sz="1600" dirty="0"/>
+                    </a:p>
+                  </a:txBody>
+                  <a:tcPr/>
+                </a:tc>
+                <a:tc>
+                  <a:txBody>
+                    <a:bodyPr/>
+                    <a:lstStyle/>
+                    <a:p>
+                      <a:r>
+                        <a:rPr lang="en-US" dirty="0"/>
+                        <a:t>Growth rate (r0)</a:t>
+                      </a:r>
+                    </a:p>
+                  </a:txBody>
+                  <a:tcPr/>
+                </a:tc>
+                <a:tc>
+                  <a:txBody>
+                    <a:bodyPr/>
+                    <a:lstStyle/>
+                    <a:p>
+                      <a:r>
+                        <a:rPr lang="en-US" dirty="0"/>
+                        <a:t>Lifespan</a:t>
+                      </a:r>
+                    </a:p>
+                  </a:txBody>
+                  <a:tcPr/>
+                </a:tc>
+                <a:tc>
+                  <a:txBody>
+                    <a:bodyPr/>
+                    <a:lstStyle/>
+                    <a:p>
+                      <a:r>
+                        <a:rPr lang="en-US" dirty="0"/>
+                        <a:t>Fecundity</a:t>
+                      </a:r>
+                    </a:p>
+                  </a:txBody>
+                  <a:tcPr/>
+                </a:tc>
+                <a:extLst>
+                  <a:ext uri="{0D108BD9-81ED-4DB2-BD59-A6C34878D82A}">
+                    <a16:rowId xmlns:a16="http://schemas.microsoft.com/office/drawing/2014/main" val="640327661"/>
+                  </a:ext>
+                </a:extLst>
+              </a:tr>
+              <a:tr h="370840">
+                <a:tc>
+                  <a:txBody>
+                    <a:bodyPr/>
+                    <a:lstStyle/>
+                    <a:p>
+                      <a:r>
+                        <a:rPr lang="en-US" dirty="0"/>
+                        <a:t>Ho</a:t>
+                      </a:r>
+                    </a:p>
+                  </a:txBody>
+                  <a:tcPr/>
+                </a:tc>
+                <a:tc>
+                  <a:txBody>
+                    <a:bodyPr/>
+                    <a:lstStyle/>
+                    <a:p>
+                      <a:r>
+                        <a:rPr lang="en-US" dirty="0"/>
+                        <a:t>X</a:t>
+                      </a:r>
+                    </a:p>
+                  </a:txBody>
+                  <a:tcPr/>
+                </a:tc>
+                <a:tc>
+                  <a:txBody>
+                    <a:bodyPr/>
+                    <a:lstStyle/>
+                    <a:p>
+                      <a:r>
+                        <a:rPr lang="en-US" dirty="0"/>
+                        <a:t>X</a:t>
+                      </a:r>
+                    </a:p>
+                  </a:txBody>
+                  <a:tcPr/>
+                </a:tc>
+                <a:tc>
+                  <a:txBody>
+                    <a:bodyPr/>
+                    <a:lstStyle/>
+                    <a:p>
+                      <a:endParaRPr lang="en-US"/>
+                    </a:p>
+                  </a:txBody>
+                  <a:tcPr/>
+                </a:tc>
+                <a:tc>
+                  <a:txBody>
+                    <a:bodyPr/>
+                    <a:lstStyle/>
+                    <a:p>
+                      <a:endParaRPr lang="en-US"/>
+                    </a:p>
+                  </a:txBody>
+                  <a:tcPr/>
+                </a:tc>
+                <a:tc>
+                  <a:txBody>
+                    <a:bodyPr/>
+                    <a:lstStyle/>
+                    <a:p>
+                      <a:endParaRPr lang="en-US"/>
+                    </a:p>
+                  </a:txBody>
+                  <a:tcPr/>
+                </a:tc>
+                <a:tc>
+                  <a:txBody>
+                    <a:bodyPr/>
+                    <a:lstStyle/>
+                    <a:p>
+                      <a:endParaRPr lang="en-US"/>
+                    </a:p>
+                  </a:txBody>
+                  <a:tcPr/>
+                </a:tc>
+                <a:extLst>
+                  <a:ext uri="{0D108BD9-81ED-4DB2-BD59-A6C34878D82A}">
+                    <a16:rowId xmlns:a16="http://schemas.microsoft.com/office/drawing/2014/main" val="1849552592"/>
+                  </a:ext>
+                </a:extLst>
+              </a:tr>
+              <a:tr h="370840">
+                <a:tc>
+                  <a:txBody>
+                    <a:bodyPr/>
+                    <a:lstStyle/>
+                    <a:p>
+                      <a:r>
+                        <a:rPr lang="en-US" dirty="0" err="1"/>
+                        <a:t>Fst</a:t>
+                      </a:r>
+                      <a:endParaRPr lang="en-US" dirty="0"/>
+                    </a:p>
+                  </a:txBody>
+                  <a:tcPr/>
+                </a:tc>
+                <a:tc>
+                  <a:txBody>
+                    <a:bodyPr/>
+                    <a:lstStyle/>
+                    <a:p>
+                      <a:r>
+                        <a:rPr lang="en-US" dirty="0"/>
+                        <a:t>X</a:t>
+                      </a:r>
+                    </a:p>
+                  </a:txBody>
+                  <a:tcPr/>
+                </a:tc>
+                <a:tc>
+                  <a:txBody>
+                    <a:bodyPr/>
+                    <a:lstStyle/>
+                    <a:p>
+                      <a:r>
+                        <a:rPr lang="en-US" dirty="0"/>
+                        <a:t>X</a:t>
+                      </a:r>
+                    </a:p>
+                  </a:txBody>
+                  <a:tcPr/>
+                </a:tc>
+                <a:tc>
+                  <a:txBody>
+                    <a:bodyPr/>
+                    <a:lstStyle/>
+                    <a:p>
+                      <a:endParaRPr lang="en-US" dirty="0"/>
+                    </a:p>
+                  </a:txBody>
+                  <a:tcPr/>
+                </a:tc>
+                <a:tc>
+                  <a:txBody>
+                    <a:bodyPr/>
+                    <a:lstStyle/>
+                    <a:p>
+                      <a:endParaRPr lang="en-US"/>
+                    </a:p>
+                  </a:txBody>
+                  <a:tcPr/>
+                </a:tc>
+                <a:tc>
+                  <a:txBody>
+                    <a:bodyPr/>
+                    <a:lstStyle/>
+                    <a:p>
+                      <a:endParaRPr lang="en-US"/>
+                    </a:p>
+                  </a:txBody>
+                  <a:tcPr/>
+                </a:tc>
+                <a:tc>
+                  <a:txBody>
+                    <a:bodyPr/>
+                    <a:lstStyle/>
+                    <a:p>
+                      <a:endParaRPr lang="en-US"/>
+                    </a:p>
+                  </a:txBody>
+                  <a:tcPr/>
+                </a:tc>
+                <a:extLst>
+                  <a:ext uri="{0D108BD9-81ED-4DB2-BD59-A6C34878D82A}">
+                    <a16:rowId xmlns:a16="http://schemas.microsoft.com/office/drawing/2014/main" val="1092630376"/>
+                  </a:ext>
+                </a:extLst>
+              </a:tr>
+              <a:tr h="370840">
+                <a:tc>
+                  <a:txBody>
+                    <a:bodyPr/>
+                    <a:lstStyle/>
+                    <a:p>
+                      <a:r>
+                        <a:rPr lang="en-US" dirty="0" err="1"/>
+                        <a:t>Fis</a:t>
+                      </a:r>
+                      <a:endParaRPr lang="en-US" dirty="0"/>
+                    </a:p>
+                  </a:txBody>
+                  <a:tcPr/>
+                </a:tc>
+                <a:tc>
+                  <a:txBody>
+                    <a:bodyPr/>
+                    <a:lstStyle/>
+                    <a:p>
+                      <a:r>
+                        <a:rPr lang="en-US" dirty="0"/>
+                        <a:t>X </a:t>
+                      </a:r>
+                      <a:r>
+                        <a:rPr lang="en-US" sz="600" dirty="0"/>
+                        <a:t>*except right after migrants introduced</a:t>
+                      </a:r>
+                      <a:endParaRPr lang="en-US" dirty="0"/>
+                    </a:p>
+                  </a:txBody>
+                  <a:tcPr/>
+                </a:tc>
+                <a:tc>
+                  <a:txBody>
+                    <a:bodyPr/>
+                    <a:lstStyle/>
+                    <a:p>
+                      <a:endParaRPr lang="en-US"/>
+                    </a:p>
+                  </a:txBody>
+                  <a:tcPr/>
+                </a:tc>
+                <a:tc>
+                  <a:txBody>
+                    <a:bodyPr/>
+                    <a:lstStyle/>
+                    <a:p>
+                      <a:endParaRPr lang="en-US"/>
+                    </a:p>
+                  </a:txBody>
+                  <a:tcPr/>
+                </a:tc>
+                <a:tc>
+                  <a:txBody>
+                    <a:bodyPr/>
+                    <a:lstStyle/>
+                    <a:p>
+                      <a:endParaRPr lang="en-US"/>
+                    </a:p>
+                  </a:txBody>
+                  <a:tcPr/>
+                </a:tc>
+                <a:tc>
+                  <a:txBody>
+                    <a:bodyPr/>
+                    <a:lstStyle/>
+                    <a:p>
+                      <a:endParaRPr lang="en-US"/>
+                    </a:p>
+                  </a:txBody>
+                  <a:tcPr/>
+                </a:tc>
+                <a:tc>
+                  <a:txBody>
+                    <a:bodyPr/>
+                    <a:lstStyle/>
+                    <a:p>
+                      <a:endParaRPr lang="en-US"/>
+                    </a:p>
+                  </a:txBody>
+                  <a:tcPr/>
+                </a:tc>
+                <a:extLst>
+                  <a:ext uri="{0D108BD9-81ED-4DB2-BD59-A6C34878D82A}">
+                    <a16:rowId xmlns:a16="http://schemas.microsoft.com/office/drawing/2014/main" val="1487313018"/>
+                  </a:ext>
+                </a:extLst>
+              </a:tr>
+              <a:tr h="370840">
+                <a:tc>
+                  <a:txBody>
+                    <a:bodyPr/>
+                    <a:lstStyle/>
+                    <a:p>
+                      <a:r>
+                        <a:rPr lang="en-US" dirty="0"/>
+                        <a:t>Sex ratio</a:t>
+                      </a:r>
+                    </a:p>
+                  </a:txBody>
+                  <a:tcPr/>
+                </a:tc>
+                <a:tc>
+                  <a:txBody>
+                    <a:bodyPr/>
+                    <a:lstStyle/>
+                    <a:p>
+                      <a:r>
+                        <a:rPr lang="en-US" dirty="0"/>
+                        <a:t>X </a:t>
+                      </a:r>
+                      <a:r>
+                        <a:rPr lang="en-US" sz="900" dirty="0"/>
+                        <a:t>*during bottleneck</a:t>
+                      </a:r>
+                      <a:endParaRPr lang="en-US" dirty="0"/>
+                    </a:p>
+                  </a:txBody>
+                  <a:tcPr/>
+                </a:tc>
+                <a:tc>
+                  <a:txBody>
+                    <a:bodyPr/>
+                    <a:lstStyle/>
+                    <a:p>
+                      <a:endParaRPr lang="en-US"/>
+                    </a:p>
+                  </a:txBody>
+                  <a:tcPr/>
+                </a:tc>
+                <a:tc>
+                  <a:txBody>
+                    <a:bodyPr/>
+                    <a:lstStyle/>
+                    <a:p>
+                      <a:endParaRPr lang="en-US"/>
+                    </a:p>
+                  </a:txBody>
+                  <a:tcPr/>
+                </a:tc>
+                <a:tc>
+                  <a:txBody>
+                    <a:bodyPr/>
+                    <a:lstStyle/>
+                    <a:p>
+                      <a:endParaRPr lang="en-US"/>
+                    </a:p>
+                  </a:txBody>
+                  <a:tcPr/>
+                </a:tc>
+                <a:tc>
+                  <a:txBody>
+                    <a:bodyPr/>
+                    <a:lstStyle/>
+                    <a:p>
+                      <a:endParaRPr lang="en-US"/>
+                    </a:p>
+                  </a:txBody>
+                  <a:tcPr/>
+                </a:tc>
+                <a:tc>
+                  <a:txBody>
+                    <a:bodyPr/>
+                    <a:lstStyle/>
+                    <a:p>
+                      <a:endParaRPr lang="en-US"/>
+                    </a:p>
+                  </a:txBody>
+                  <a:tcPr/>
+                </a:tc>
+                <a:extLst>
+                  <a:ext uri="{0D108BD9-81ED-4DB2-BD59-A6C34878D82A}">
+                    <a16:rowId xmlns:a16="http://schemas.microsoft.com/office/drawing/2014/main" val="695656984"/>
+                  </a:ext>
+                </a:extLst>
+              </a:tr>
+              <a:tr h="370840">
+                <a:tc>
+                  <a:txBody>
+                    <a:bodyPr/>
+                    <a:lstStyle/>
+                    <a:p>
+                      <a:r>
+                        <a:rPr lang="en-US" sz="1200" dirty="0"/>
+                        <a:t>Proportion migrant alleles </a:t>
+                      </a:r>
+                    </a:p>
+                  </a:txBody>
+                  <a:tcPr/>
+                </a:tc>
+                <a:tc>
+                  <a:txBody>
+                    <a:bodyPr/>
+                    <a:lstStyle/>
+                    <a:p>
+                      <a:r>
+                        <a:rPr lang="en-US" dirty="0"/>
+                        <a:t>X</a:t>
+                      </a:r>
+                    </a:p>
+                  </a:txBody>
+                  <a:tcPr/>
+                </a:tc>
+                <a:tc>
+                  <a:txBody>
+                    <a:bodyPr/>
+                    <a:lstStyle/>
+                    <a:p>
+                      <a:pPr marL="0" marR="0" lvl="0" indent="0" algn="l" defTabSz="914400" rtl="0" eaLnBrk="1" fontAlgn="auto" latinLnBrk="0" hangingPunct="1">
+                        <a:lnSpc>
+                          <a:spcPct val="100000"/>
+                        </a:lnSpc>
+                        <a:spcBef>
+                          <a:spcPts val="0"/>
+                        </a:spcBef>
+                        <a:spcAft>
+                          <a:spcPts val="0"/>
+                        </a:spcAft>
+                        <a:buClrTx/>
+                        <a:buSzTx/>
+                        <a:buFontTx/>
+                        <a:buNone/>
+                        <a:tabLst/>
+                        <a:defRPr/>
+                      </a:pPr>
+                      <a:r>
+                        <a:rPr lang="en-US" dirty="0"/>
+                        <a:t>X </a:t>
+                      </a:r>
+                      <a:r>
+                        <a:rPr lang="en-US" sz="800" dirty="0"/>
+                        <a:t>*mostly when 1 </a:t>
+                      </a:r>
+                      <a:r>
+                        <a:rPr lang="en-US" sz="800" dirty="0" err="1"/>
+                        <a:t>mig</a:t>
+                      </a:r>
+                      <a:r>
+                        <a:rPr lang="en-US" sz="800" dirty="0"/>
+                        <a:t>/gen</a:t>
+                      </a:r>
+                      <a:endParaRPr lang="en-US" sz="1800" dirty="0"/>
+                    </a:p>
+                  </a:txBody>
+                  <a:tcPr/>
+                </a:tc>
+                <a:tc>
+                  <a:txBody>
+                    <a:bodyPr/>
+                    <a:lstStyle/>
+                    <a:p>
+                      <a:pPr marL="0" marR="0" lvl="0" indent="0" algn="l" defTabSz="914400" rtl="0" eaLnBrk="1" fontAlgn="auto" latinLnBrk="0" hangingPunct="1">
+                        <a:lnSpc>
+                          <a:spcPct val="100000"/>
+                        </a:lnSpc>
+                        <a:spcBef>
+                          <a:spcPts val="0"/>
+                        </a:spcBef>
+                        <a:spcAft>
+                          <a:spcPts val="0"/>
+                        </a:spcAft>
+                        <a:buClrTx/>
+                        <a:buSzTx/>
+                        <a:buFontTx/>
+                        <a:buNone/>
+                        <a:tabLst/>
+                        <a:defRPr/>
+                      </a:pPr>
+                      <a:r>
+                        <a:rPr lang="en-US" sz="1000" dirty="0"/>
+                        <a:t>*may be slightly different when 1 </a:t>
+                      </a:r>
+                      <a:r>
+                        <a:rPr lang="en-US" sz="1000" dirty="0" err="1"/>
+                        <a:t>mig</a:t>
+                      </a:r>
+                      <a:r>
+                        <a:rPr lang="en-US" sz="1000" dirty="0"/>
+                        <a:t>/gen</a:t>
+                      </a:r>
+                    </a:p>
+                  </a:txBody>
+                  <a:tcPr/>
+                </a:tc>
+                <a:tc>
+                  <a:txBody>
+                    <a:bodyPr/>
+                    <a:lstStyle/>
+                    <a:p>
+                      <a:endParaRPr lang="en-US"/>
+                    </a:p>
+                  </a:txBody>
+                  <a:tcPr/>
+                </a:tc>
+                <a:tc>
+                  <a:txBody>
+                    <a:bodyPr/>
+                    <a:lstStyle/>
+                    <a:p>
+                      <a:endParaRPr lang="en-US"/>
+                    </a:p>
+                  </a:txBody>
+                  <a:tcPr/>
+                </a:tc>
+                <a:tc>
+                  <a:txBody>
+                    <a:bodyPr/>
+                    <a:lstStyle/>
+                    <a:p>
+                      <a:endParaRPr lang="en-US"/>
+                    </a:p>
+                  </a:txBody>
+                  <a:tcPr/>
+                </a:tc>
+                <a:extLst>
+                  <a:ext uri="{0D108BD9-81ED-4DB2-BD59-A6C34878D82A}">
+                    <a16:rowId xmlns:a16="http://schemas.microsoft.com/office/drawing/2014/main" val="2937712162"/>
+                  </a:ext>
+                </a:extLst>
+              </a:tr>
+              <a:tr h="370840">
+                <a:tc>
+                  <a:txBody>
+                    <a:bodyPr/>
+                    <a:lstStyle/>
+                    <a:p>
+                      <a:r>
+                        <a:rPr lang="en-US" dirty="0"/>
+                        <a:t>LRS</a:t>
+                      </a:r>
+                    </a:p>
+                  </a:txBody>
+                  <a:tcPr/>
+                </a:tc>
+                <a:tc>
+                  <a:txBody>
+                    <a:bodyPr/>
+                    <a:lstStyle/>
+                    <a:p>
+                      <a:r>
+                        <a:rPr lang="en-US" dirty="0"/>
+                        <a:t>X</a:t>
+                      </a:r>
+                    </a:p>
+                  </a:txBody>
+                  <a:tcPr/>
+                </a:tc>
+                <a:tc>
+                  <a:txBody>
+                    <a:bodyPr/>
+                    <a:lstStyle/>
+                    <a:p>
+                      <a:r>
+                        <a:rPr lang="en-US" dirty="0"/>
+                        <a:t>X</a:t>
+                      </a:r>
+                    </a:p>
+                  </a:txBody>
+                  <a:tcPr/>
+                </a:tc>
+                <a:tc>
+                  <a:txBody>
+                    <a:bodyPr/>
+                    <a:lstStyle/>
+                    <a:p>
+                      <a:r>
+                        <a:rPr lang="en-US" dirty="0"/>
+                        <a:t>X</a:t>
+                      </a:r>
+                    </a:p>
+                  </a:txBody>
+                  <a:tcPr/>
+                </a:tc>
+                <a:tc>
+                  <a:txBody>
+                    <a:bodyPr/>
+                    <a:lstStyle/>
+                    <a:p>
+                      <a:endParaRPr lang="en-US"/>
+                    </a:p>
+                  </a:txBody>
+                  <a:tcPr/>
+                </a:tc>
+                <a:tc>
+                  <a:txBody>
+                    <a:bodyPr/>
+                    <a:lstStyle/>
+                    <a:p>
+                      <a:endParaRPr lang="en-US"/>
+                    </a:p>
+                  </a:txBody>
+                  <a:tcPr/>
+                </a:tc>
+                <a:tc>
+                  <a:txBody>
+                    <a:bodyPr/>
+                    <a:lstStyle/>
+                    <a:p>
+                      <a:endParaRPr lang="en-US"/>
+                    </a:p>
+                  </a:txBody>
+                  <a:tcPr/>
+                </a:tc>
+                <a:extLst>
+                  <a:ext uri="{0D108BD9-81ED-4DB2-BD59-A6C34878D82A}">
+                    <a16:rowId xmlns:a16="http://schemas.microsoft.com/office/drawing/2014/main" val="3618788274"/>
+                  </a:ext>
+                </a:extLst>
+              </a:tr>
+              <a:tr h="370840">
+                <a:tc>
+                  <a:txBody>
+                    <a:bodyPr/>
+                    <a:lstStyle/>
+                    <a:p>
+                      <a:r>
+                        <a:rPr lang="en-US" sz="1600" dirty="0"/>
+                        <a:t>Variation in LRS</a:t>
+                      </a:r>
+                    </a:p>
+                  </a:txBody>
+                  <a:tcPr/>
+                </a:tc>
+                <a:tc>
+                  <a:txBody>
+                    <a:bodyPr/>
+                    <a:lstStyle/>
+                    <a:p>
+                      <a:r>
+                        <a:rPr lang="en-US" dirty="0"/>
+                        <a:t>X</a:t>
+                      </a:r>
+                    </a:p>
+                  </a:txBody>
+                  <a:tcPr/>
+                </a:tc>
+                <a:tc>
+                  <a:txBody>
+                    <a:bodyPr/>
+                    <a:lstStyle/>
+                    <a:p>
+                      <a:r>
+                        <a:rPr lang="en-US" sz="800" dirty="0"/>
+                        <a:t>*maybe* not migration rate</a:t>
+                      </a:r>
+                      <a:endParaRPr lang="en-US" dirty="0"/>
+                    </a:p>
+                  </a:txBody>
+                  <a:tcPr/>
+                </a:tc>
+                <a:tc>
+                  <a:txBody>
+                    <a:bodyPr/>
+                    <a:lstStyle/>
+                    <a:p>
+                      <a:endParaRPr lang="en-US"/>
+                    </a:p>
+                  </a:txBody>
+                  <a:tcPr/>
+                </a:tc>
+                <a:tc>
+                  <a:txBody>
+                    <a:bodyPr/>
+                    <a:lstStyle/>
+                    <a:p>
+                      <a:endParaRPr lang="en-US"/>
+                    </a:p>
+                  </a:txBody>
+                  <a:tcPr/>
+                </a:tc>
+                <a:tc>
+                  <a:txBody>
+                    <a:bodyPr/>
+                    <a:lstStyle/>
+                    <a:p>
+                      <a:endParaRPr lang="en-US"/>
+                    </a:p>
+                  </a:txBody>
+                  <a:tcPr/>
+                </a:tc>
+                <a:tc>
+                  <a:txBody>
+                    <a:bodyPr/>
+                    <a:lstStyle/>
+                    <a:p>
+                      <a:endParaRPr lang="en-US"/>
+                    </a:p>
+                  </a:txBody>
+                  <a:tcPr/>
+                </a:tc>
+                <a:extLst>
+                  <a:ext uri="{0D108BD9-81ED-4DB2-BD59-A6C34878D82A}">
+                    <a16:rowId xmlns:a16="http://schemas.microsoft.com/office/drawing/2014/main" val="3215957644"/>
+                  </a:ext>
+                </a:extLst>
+              </a:tr>
+              <a:tr h="370840">
+                <a:tc>
+                  <a:txBody>
+                    <a:bodyPr/>
+                    <a:lstStyle/>
+                    <a:p>
+                      <a:r>
+                        <a:rPr lang="en-US" dirty="0"/>
+                        <a:t>RRS</a:t>
+                      </a:r>
+                    </a:p>
+                  </a:txBody>
+                  <a:tcPr/>
+                </a:tc>
+                <a:tc>
+                  <a:txBody>
+                    <a:bodyPr/>
+                    <a:lstStyle/>
+                    <a:p>
+                      <a:r>
+                        <a:rPr lang="en-US" dirty="0"/>
+                        <a:t>X</a:t>
+                      </a:r>
+                    </a:p>
+                  </a:txBody>
+                  <a:tcPr/>
+                </a:tc>
+                <a:tc>
+                  <a:txBody>
+                    <a:bodyPr/>
+                    <a:lstStyle/>
+                    <a:p>
+                      <a:r>
+                        <a:rPr lang="en-US" dirty="0"/>
+                        <a:t>X</a:t>
+                      </a:r>
+                    </a:p>
+                  </a:txBody>
+                  <a:tcPr/>
+                </a:tc>
+                <a:tc>
+                  <a:txBody>
+                    <a:bodyPr/>
+                    <a:lstStyle/>
+                    <a:p>
+                      <a:r>
+                        <a:rPr lang="en-US" dirty="0"/>
+                        <a:t>X</a:t>
+                      </a:r>
+                    </a:p>
+                  </a:txBody>
+                  <a:tcPr/>
+                </a:tc>
+                <a:tc>
+                  <a:txBody>
+                    <a:bodyPr/>
+                    <a:lstStyle/>
+                    <a:p>
+                      <a:endParaRPr lang="en-US"/>
+                    </a:p>
+                  </a:txBody>
+                  <a:tcPr/>
+                </a:tc>
+                <a:tc>
+                  <a:txBody>
+                    <a:bodyPr/>
+                    <a:lstStyle/>
+                    <a:p>
+                      <a:endParaRPr lang="en-US"/>
+                    </a:p>
+                  </a:txBody>
+                  <a:tcPr/>
+                </a:tc>
+                <a:tc>
+                  <a:txBody>
+                    <a:bodyPr/>
+                    <a:lstStyle/>
+                    <a:p>
+                      <a:endParaRPr lang="en-US"/>
+                    </a:p>
+                  </a:txBody>
+                  <a:tcPr/>
+                </a:tc>
+                <a:extLst>
+                  <a:ext uri="{0D108BD9-81ED-4DB2-BD59-A6C34878D82A}">
+                    <a16:rowId xmlns:a16="http://schemas.microsoft.com/office/drawing/2014/main" val="111650733"/>
+                  </a:ext>
+                </a:extLst>
+              </a:tr>
+              <a:tr h="370840">
+                <a:tc>
+                  <a:txBody>
+                    <a:bodyPr/>
+                    <a:lstStyle/>
+                    <a:p>
+                      <a:endParaRPr lang="en-US"/>
+                    </a:p>
+                  </a:txBody>
+                  <a:tcPr/>
+                </a:tc>
+                <a:tc>
+                  <a:txBody>
+                    <a:bodyPr/>
+                    <a:lstStyle/>
+                    <a:p>
+                      <a:endParaRPr lang="en-US"/>
+                    </a:p>
+                  </a:txBody>
+                  <a:tcPr/>
+                </a:tc>
+                <a:tc>
+                  <a:txBody>
+                    <a:bodyPr/>
+                    <a:lstStyle/>
+                    <a:p>
+                      <a:endParaRPr lang="en-US"/>
+                    </a:p>
+                  </a:txBody>
+                  <a:tcPr/>
+                </a:tc>
+                <a:tc>
+                  <a:txBody>
+                    <a:bodyPr/>
+                    <a:lstStyle/>
+                    <a:p>
+                      <a:endParaRPr lang="en-US"/>
+                    </a:p>
+                  </a:txBody>
+                  <a:tcPr/>
+                </a:tc>
+                <a:tc>
+                  <a:txBody>
+                    <a:bodyPr/>
+                    <a:lstStyle/>
+                    <a:p>
+                      <a:endParaRPr lang="en-US"/>
+                    </a:p>
+                  </a:txBody>
+                  <a:tcPr/>
+                </a:tc>
+                <a:tc>
+                  <a:txBody>
+                    <a:bodyPr/>
+                    <a:lstStyle/>
+                    <a:p>
+                      <a:endParaRPr lang="en-US"/>
+                    </a:p>
+                  </a:txBody>
+                  <a:tcPr/>
+                </a:tc>
+                <a:tc>
+                  <a:txBody>
+                    <a:bodyPr/>
+                    <a:lstStyle/>
+                    <a:p>
+                      <a:endParaRPr lang="en-US"/>
+                    </a:p>
+                  </a:txBody>
+                  <a:tcPr/>
+                </a:tc>
+                <a:extLst>
+                  <a:ext uri="{0D108BD9-81ED-4DB2-BD59-A6C34878D82A}">
+                    <a16:rowId xmlns:a16="http://schemas.microsoft.com/office/drawing/2014/main" val="3326773654"/>
+                  </a:ext>
+                </a:extLst>
+              </a:tr>
+              <a:tr h="370840">
+                <a:tc>
+                  <a:txBody>
+                    <a:bodyPr/>
+                    <a:lstStyle/>
+                    <a:p>
+                      <a:endParaRPr lang="en-US"/>
+                    </a:p>
+                  </a:txBody>
+                  <a:tcPr/>
+                </a:tc>
+                <a:tc>
+                  <a:txBody>
+                    <a:bodyPr/>
+                    <a:lstStyle/>
+                    <a:p>
+                      <a:endParaRPr lang="en-US"/>
+                    </a:p>
+                  </a:txBody>
+                  <a:tcPr/>
+                </a:tc>
+                <a:tc>
+                  <a:txBody>
+                    <a:bodyPr/>
+                    <a:lstStyle/>
+                    <a:p>
+                      <a:endParaRPr lang="en-US"/>
+                    </a:p>
+                  </a:txBody>
+                  <a:tcPr/>
+                </a:tc>
+                <a:tc>
+                  <a:txBody>
+                    <a:bodyPr/>
+                    <a:lstStyle/>
+                    <a:p>
+                      <a:endParaRPr lang="en-US"/>
+                    </a:p>
+                  </a:txBody>
+                  <a:tcPr/>
+                </a:tc>
+                <a:tc>
+                  <a:txBody>
+                    <a:bodyPr/>
+                    <a:lstStyle/>
+                    <a:p>
+                      <a:endParaRPr lang="en-US"/>
+                    </a:p>
+                  </a:txBody>
+                  <a:tcPr/>
+                </a:tc>
+                <a:tc>
+                  <a:txBody>
+                    <a:bodyPr/>
+                    <a:lstStyle/>
+                    <a:p>
+                      <a:endParaRPr lang="en-US" dirty="0"/>
+                    </a:p>
+                  </a:txBody>
+                  <a:tcPr/>
+                </a:tc>
+                <a:tc>
+                  <a:txBody>
+                    <a:bodyPr/>
+                    <a:lstStyle/>
+                    <a:p>
+                      <a:endParaRPr lang="en-US" dirty="0"/>
+                    </a:p>
+                  </a:txBody>
+                  <a:tcPr/>
+                </a:tc>
+                <a:extLst>
+                  <a:ext uri="{0D108BD9-81ED-4DB2-BD59-A6C34878D82A}">
+                    <a16:rowId xmlns:a16="http://schemas.microsoft.com/office/drawing/2014/main" val="4034882515"/>
+                  </a:ext>
+                </a:extLst>
+              </a:tr>
+            </a:tbl>
+          </a:graphicData>
+        </a:graphic>
+      </p:graphicFrame>
+    </p:spTree>
+    <p:extLst>
+      <p:ext uri="{BB962C8B-B14F-4D97-AF65-F5344CB8AC3E}">
+        <p14:creationId xmlns:p14="http://schemas.microsoft.com/office/powerpoint/2010/main" val="805121725"/>
+      </p:ext>
+    </p:extLst>
+  </p:cSld>
+  <p:clrMapOvr>
+    <a:masterClrMapping/>
+  </p:clrMapOvr>
+</p:sld>
+</file>
+
+<file path=ppt/slides/slide19.xml><?xml version="1.0" encoding="utf-8"?>
+<p:sld xmlns:a="http://schemas.openxmlformats.org/drawingml/2006/main" xmlns:r="http://schemas.openxmlformats.org/officeDocument/2006/relationships" xmlns:p="http://schemas.openxmlformats.org/presentationml/2006/main">
+  <p:cSld>
+    <p:spTree>
+      <p:nvGrpSpPr>
+        <p:cNvPr id="1" name=""/>
+        <p:cNvGrpSpPr/>
+        <p:nvPr/>
+      </p:nvGrpSpPr>
+      <p:grpSpPr>
+        <a:xfrm>
+          <a:off x="0" y="0"/>
+          <a:ext cx="0" cy="0"/>
+          <a:chOff x="0" y="0"/>
+          <a:chExt cx="0" cy="0"/>
+        </a:xfrm>
+      </p:grpSpPr>
+      <p:sp>
+        <p:nvSpPr>
+          <p:cNvPr id="2" name="Title 1">
+            <a:extLst>
+              <a:ext uri="{FF2B5EF4-FFF2-40B4-BE49-F238E27FC236}">
+                <a16:creationId xmlns:a16="http://schemas.microsoft.com/office/drawing/2014/main" id="{4541B357-1BED-5B88-4B07-7558E7DE3EDF}"/>
+              </a:ext>
+            </a:extLst>
+          </p:cNvPr>
+          <p:cNvSpPr>
+            <a:spLocks noGrp="1"/>
+          </p:cNvSpPr>
+          <p:nvPr>
+            <p:ph type="title"/>
+          </p:nvPr>
+        </p:nvSpPr>
+        <p:spPr/>
+        <p:txBody>
+          <a:bodyPr/>
+          <a:lstStyle/>
+          <a:p>
+            <a:r>
+              <a:rPr lang="en-US" dirty="0"/>
+              <a:t>Conclusions</a:t>
+            </a:r>
+          </a:p>
+        </p:txBody>
+      </p:sp>
+      <p:sp>
+        <p:nvSpPr>
+          <p:cNvPr id="3" name="Content Placeholder 2">
+            <a:extLst>
+              <a:ext uri="{FF2B5EF4-FFF2-40B4-BE49-F238E27FC236}">
+                <a16:creationId xmlns:a16="http://schemas.microsoft.com/office/drawing/2014/main" id="{86D14108-4042-8CBE-543E-ABB4388565F5}"/>
+              </a:ext>
+            </a:extLst>
+          </p:cNvPr>
+          <p:cNvSpPr>
+            <a:spLocks noGrp="1"/>
+          </p:cNvSpPr>
+          <p:nvPr>
+            <p:ph idx="1"/>
+          </p:nvPr>
+        </p:nvSpPr>
+        <p:spPr/>
+        <p:txBody>
+          <a:bodyPr>
+            <a:normAutofit fontScale="92500" lnSpcReduction="10000"/>
+          </a:bodyPr>
+          <a:lstStyle/>
+          <a:p>
+            <a:r>
+              <a:rPr lang="en-US" b="1" dirty="0"/>
+              <a:t>1. Does the increase in genetic variants provided to a population via  migration provide a long term influence on individual and population fitness?</a:t>
+            </a:r>
+            <a:r>
+              <a:rPr lang="en-US" dirty="0"/>
+              <a:t> We hypothesized that extremely small populations will retain more of the migrant-related genetic variants than populations with more moderate population crashes due to the population growth potential in extremely small populations.</a:t>
+            </a:r>
+          </a:p>
+          <a:p>
+            <a:endParaRPr lang="en-US" dirty="0"/>
+          </a:p>
+          <a:p>
+            <a:r>
+              <a:rPr lang="en-US" dirty="0">
+                <a:solidFill>
+                  <a:srgbClr val="FF0000"/>
+                </a:solidFill>
+              </a:rPr>
+              <a:t>The proportion of migrant SNPs retained in the population was greater in smaller populations when there was one migrant per generation. Additionally, small populations diverged from the original population and lost heterozygosity at a faster rate than larger populations at all migration rates.</a:t>
+            </a:r>
+          </a:p>
+        </p:txBody>
+      </p:sp>
+    </p:spTree>
+    <p:extLst>
+      <p:ext uri="{BB962C8B-B14F-4D97-AF65-F5344CB8AC3E}">
+        <p14:creationId xmlns:p14="http://schemas.microsoft.com/office/powerpoint/2010/main" val="4080773754"/>
+      </p:ext>
+    </p:extLst>
+  </p:cSld>
+  <p:clrMapOvr>
+    <a:masterClrMapping/>
+  </p:clrMapOvr>
+</p:sld>
+</file>
+
+<file path=ppt/slides/slide2.xml><?xml version="1.0" encoding="utf-8"?>
+<p:sld xmlns:a="http://schemas.openxmlformats.org/drawingml/2006/main" xmlns:r="http://schemas.openxmlformats.org/officeDocument/2006/relationships" xmlns:p="http://schemas.openxmlformats.org/presentationml/2006/main">
+  <p:cSld>
+    <p:bg>
+      <p:bgPr>
+        <a:solidFill>
+          <a:schemeClr val="tx1"/>
+        </a:solidFill>
+        <a:effectLst/>
+      </p:bgPr>
+    </p:bg>
+    <p:spTree>
+      <p:nvGrpSpPr>
+        <p:cNvPr id="1" name=""/>
+        <p:cNvGrpSpPr/>
+        <p:nvPr/>
+      </p:nvGrpSpPr>
+      <p:grpSpPr>
+        <a:xfrm>
+          <a:off x="0" y="0"/>
+          <a:ext cx="0" cy="0"/>
+          <a:chOff x="0" y="0"/>
+          <a:chExt cx="0" cy="0"/>
+        </a:xfrm>
+      </p:grpSpPr>
+      <p:sp>
+        <p:nvSpPr>
+          <p:cNvPr id="2" name="Title 1">
+            <a:extLst>
+              <a:ext uri="{FF2B5EF4-FFF2-40B4-BE49-F238E27FC236}">
+                <a16:creationId xmlns:a16="http://schemas.microsoft.com/office/drawing/2014/main" id="{4262B07B-7B80-E718-3ED5-A237AD031900}"/>
+              </a:ext>
+            </a:extLst>
+          </p:cNvPr>
+          <p:cNvSpPr>
+            <a:spLocks noGrp="1"/>
+          </p:cNvSpPr>
+          <p:nvPr>
+            <p:ph type="title"/>
+          </p:nvPr>
+        </p:nvSpPr>
+        <p:spPr>
+          <a:xfrm>
+            <a:off x="838200" y="1906542"/>
+            <a:ext cx="10515600" cy="1325563"/>
+          </a:xfrm>
+        </p:spPr>
+        <p:txBody>
+          <a:bodyPr>
+            <a:noAutofit/>
+          </a:bodyPr>
+          <a:lstStyle/>
+          <a:p>
+            <a:pPr algn="ctr"/>
+            <a:r>
+              <a:rPr lang="en-US" sz="5000" dirty="0">
+                <a:solidFill>
+                  <a:schemeClr val="bg1"/>
+                </a:solidFill>
+              </a:rPr>
+              <a:t>Comparison between the dropped population size (during the bottleneck) and various migration rates</a:t>
+            </a:r>
+          </a:p>
+        </p:txBody>
+      </p:sp>
+      <p:pic>
+        <p:nvPicPr>
+          <p:cNvPr id="4" name="Picture 3">
+            <a:extLst>
+              <a:ext uri="{FF2B5EF4-FFF2-40B4-BE49-F238E27FC236}">
+                <a16:creationId xmlns:a16="http://schemas.microsoft.com/office/drawing/2014/main" id="{A4A9A888-89C6-20D3-29A3-328855473207}"/>
+              </a:ext>
+            </a:extLst>
+          </p:cNvPr>
+          <p:cNvPicPr>
+            <a:picLocks noChangeAspect="1"/>
+          </p:cNvPicPr>
+          <p:nvPr/>
+        </p:nvPicPr>
+        <p:blipFill rotWithShape="1">
+          <a:blip r:embed="rId2"/>
+          <a:srcRect l="22563" t="32944" r="14469" b="37688"/>
+          <a:stretch/>
+        </p:blipFill>
+        <p:spPr>
+          <a:xfrm>
+            <a:off x="8045252" y="5033554"/>
+            <a:ext cx="4056553" cy="1723370"/>
+          </a:xfrm>
+          <a:prstGeom prst="rect">
+            <a:avLst/>
+          </a:prstGeom>
+        </p:spPr>
+      </p:pic>
+    </p:spTree>
+    <p:extLst>
+      <p:ext uri="{BB962C8B-B14F-4D97-AF65-F5344CB8AC3E}">
+        <p14:creationId xmlns:p14="http://schemas.microsoft.com/office/powerpoint/2010/main" val="473485054"/>
+      </p:ext>
+    </p:extLst>
+  </p:cSld>
+  <p:clrMapOvr>
+    <a:masterClrMapping/>
+  </p:clrMapOvr>
+</p:sld>
+</file>
+
+<file path=ppt/slides/slide20.xml><?xml version="1.0" encoding="utf-8"?>
+<p:sld xmlns:a="http://schemas.openxmlformats.org/drawingml/2006/main" xmlns:r="http://schemas.openxmlformats.org/officeDocument/2006/relationships" xmlns:p="http://schemas.openxmlformats.org/presentationml/2006/main">
+  <p:cSld>
+    <p:spTree>
+      <p:nvGrpSpPr>
+        <p:cNvPr id="1" name=""/>
+        <p:cNvGrpSpPr/>
+        <p:nvPr/>
+      </p:nvGrpSpPr>
+      <p:grpSpPr>
+        <a:xfrm>
+          <a:off x="0" y="0"/>
+          <a:ext cx="0" cy="0"/>
+          <a:chOff x="0" y="0"/>
+          <a:chExt cx="0" cy="0"/>
+        </a:xfrm>
+      </p:grpSpPr>
+      <p:sp>
+        <p:nvSpPr>
+          <p:cNvPr id="2" name="Title 1">
+            <a:extLst>
+              <a:ext uri="{FF2B5EF4-FFF2-40B4-BE49-F238E27FC236}">
+                <a16:creationId xmlns:a16="http://schemas.microsoft.com/office/drawing/2014/main" id="{4541B357-1BED-5B88-4B07-7558E7DE3EDF}"/>
+              </a:ext>
+            </a:extLst>
+          </p:cNvPr>
+          <p:cNvSpPr>
+            <a:spLocks noGrp="1"/>
+          </p:cNvSpPr>
+          <p:nvPr>
+            <p:ph type="title"/>
+          </p:nvPr>
+        </p:nvSpPr>
+        <p:spPr/>
+        <p:txBody>
+          <a:bodyPr/>
+          <a:lstStyle/>
+          <a:p>
+            <a:r>
+              <a:rPr lang="en-US" dirty="0"/>
+              <a:t>Conclusions</a:t>
+            </a:r>
+          </a:p>
+        </p:txBody>
+      </p:sp>
+      <p:sp>
+        <p:nvSpPr>
+          <p:cNvPr id="3" name="Content Placeholder 2">
+            <a:extLst>
+              <a:ext uri="{FF2B5EF4-FFF2-40B4-BE49-F238E27FC236}">
+                <a16:creationId xmlns:a16="http://schemas.microsoft.com/office/drawing/2014/main" id="{86D14108-4042-8CBE-543E-ABB4388565F5}"/>
+              </a:ext>
+            </a:extLst>
+          </p:cNvPr>
+          <p:cNvSpPr>
+            <a:spLocks noGrp="1"/>
+          </p:cNvSpPr>
+          <p:nvPr>
+            <p:ph idx="1"/>
+          </p:nvPr>
+        </p:nvSpPr>
+        <p:spPr/>
+        <p:txBody>
+          <a:bodyPr>
+            <a:normAutofit/>
+          </a:bodyPr>
+          <a:lstStyle/>
+          <a:p>
+            <a:r>
+              <a:rPr lang="en-US" b="1" dirty="0"/>
+              <a:t>2. Do migrants with particularly high fitness affect the receiving population’s long-term stability more so than migrants with moderate or low lifetime fitness? </a:t>
+            </a:r>
+            <a:r>
+              <a:rPr lang="en-US" dirty="0"/>
+              <a:t>We hypothesize that migrants with high fitness may result in more unstable populations long-term than migrants with lower fitness, since high fitness individuals may cause inbreeding to increase as offspring from high fitness individuals reproduce.</a:t>
+            </a:r>
+          </a:p>
+          <a:p>
+            <a:r>
+              <a:rPr lang="en-US" dirty="0">
+                <a:solidFill>
+                  <a:srgbClr val="FF0000"/>
+                </a:solidFill>
+              </a:rPr>
+              <a:t>LRS and RRS were higher in populations where migrants had a lower minor allele frequency (aka lower heterozygosity) with no change in inbreeding values.</a:t>
+            </a:r>
+          </a:p>
+        </p:txBody>
+      </p:sp>
+    </p:spTree>
+    <p:extLst>
+      <p:ext uri="{BB962C8B-B14F-4D97-AF65-F5344CB8AC3E}">
+        <p14:creationId xmlns:p14="http://schemas.microsoft.com/office/powerpoint/2010/main" val="3320240485"/>
+      </p:ext>
+    </p:extLst>
+  </p:cSld>
+  <p:clrMapOvr>
+    <a:masterClrMapping/>
+  </p:clrMapOvr>
+</p:sld>
+</file>
+
+<file path=ppt/slides/slide21.xml><?xml version="1.0" encoding="utf-8"?>
+<p:sld xmlns:a="http://schemas.openxmlformats.org/drawingml/2006/main" xmlns:r="http://schemas.openxmlformats.org/officeDocument/2006/relationships" xmlns:p="http://schemas.openxmlformats.org/presentationml/2006/main">
+  <p:cSld>
+    <p:spTree>
+      <p:nvGrpSpPr>
+        <p:cNvPr id="1" name=""/>
+        <p:cNvGrpSpPr/>
+        <p:nvPr/>
+      </p:nvGrpSpPr>
+      <p:grpSpPr>
+        <a:xfrm>
+          <a:off x="0" y="0"/>
+          <a:ext cx="0" cy="0"/>
+          <a:chOff x="0" y="0"/>
+          <a:chExt cx="0" cy="0"/>
+        </a:xfrm>
+      </p:grpSpPr>
+      <p:sp>
+        <p:nvSpPr>
+          <p:cNvPr id="2" name="Title 1">
+            <a:extLst>
+              <a:ext uri="{FF2B5EF4-FFF2-40B4-BE49-F238E27FC236}">
+                <a16:creationId xmlns:a16="http://schemas.microsoft.com/office/drawing/2014/main" id="{4541B357-1BED-5B88-4B07-7558E7DE3EDF}"/>
+              </a:ext>
+            </a:extLst>
+          </p:cNvPr>
+          <p:cNvSpPr>
+            <a:spLocks noGrp="1"/>
+          </p:cNvSpPr>
+          <p:nvPr>
+            <p:ph type="title"/>
+          </p:nvPr>
+        </p:nvSpPr>
+        <p:spPr/>
+        <p:txBody>
+          <a:bodyPr/>
+          <a:lstStyle/>
+          <a:p>
+            <a:r>
+              <a:rPr lang="en-US" dirty="0"/>
+              <a:t>Conclusions</a:t>
+            </a:r>
+          </a:p>
+        </p:txBody>
+      </p:sp>
+      <p:sp>
+        <p:nvSpPr>
+          <p:cNvPr id="3" name="Content Placeholder 2">
+            <a:extLst>
+              <a:ext uri="{FF2B5EF4-FFF2-40B4-BE49-F238E27FC236}">
+                <a16:creationId xmlns:a16="http://schemas.microsoft.com/office/drawing/2014/main" id="{86D14108-4042-8CBE-543E-ABB4388565F5}"/>
+              </a:ext>
+            </a:extLst>
+          </p:cNvPr>
+          <p:cNvSpPr>
+            <a:spLocks noGrp="1"/>
+          </p:cNvSpPr>
+          <p:nvPr>
+            <p:ph idx="1"/>
+          </p:nvPr>
+        </p:nvSpPr>
+        <p:spPr/>
+        <p:txBody>
+          <a:bodyPr>
+            <a:normAutofit/>
+          </a:bodyPr>
+          <a:lstStyle/>
+          <a:p>
+            <a:r>
+              <a:rPr lang="en-US" b="1" dirty="0"/>
+              <a:t>3. Do differences in species lifespan or fecundity influence long term population viability when migrations occur?  </a:t>
+            </a:r>
+            <a:r>
+              <a:rPr lang="en-US" dirty="0"/>
+              <a:t>We hypothesize that species with longer lifespans and lower fecundity will have smaller magnitude of population effects compared to species with shorter lifespans and higher fecundity. </a:t>
+            </a:r>
+          </a:p>
+          <a:p>
+            <a:r>
+              <a:rPr lang="en-US" dirty="0">
+                <a:solidFill>
+                  <a:srgbClr val="FF0000"/>
+                </a:solidFill>
+              </a:rPr>
+              <a:t>TBD</a:t>
+            </a:r>
+          </a:p>
+        </p:txBody>
+      </p:sp>
+    </p:spTree>
+    <p:extLst>
+      <p:ext uri="{BB962C8B-B14F-4D97-AF65-F5344CB8AC3E}">
+        <p14:creationId xmlns:p14="http://schemas.microsoft.com/office/powerpoint/2010/main" val="1282194740"/>
+      </p:ext>
+    </p:extLst>
+  </p:cSld>
+  <p:clrMapOvr>
+    <a:masterClrMapping/>
+  </p:clrMapOvr>
+</p:sld>
+</file>
+
+<file path=ppt/slides/slide22.xml><?xml version="1.0" encoding="utf-8"?>
+<p:sld xmlns:a="http://schemas.openxmlformats.org/drawingml/2006/main" xmlns:r="http://schemas.openxmlformats.org/officeDocument/2006/relationships" xmlns:p="http://schemas.openxmlformats.org/presentationml/2006/main">
+  <p:cSld>
+    <p:spTree>
+      <p:nvGrpSpPr>
+        <p:cNvPr id="1" name=""/>
+        <p:cNvGrpSpPr/>
+        <p:nvPr/>
+      </p:nvGrpSpPr>
+      <p:grpSpPr>
+        <a:xfrm>
+          <a:off x="0" y="0"/>
+          <a:ext cx="0" cy="0"/>
+          <a:chOff x="0" y="0"/>
+          <a:chExt cx="0" cy="0"/>
+        </a:xfrm>
+      </p:grpSpPr>
+      <p:sp>
+        <p:nvSpPr>
+          <p:cNvPr id="2" name="Title 1">
+            <a:extLst>
+              <a:ext uri="{FF2B5EF4-FFF2-40B4-BE49-F238E27FC236}">
+                <a16:creationId xmlns:a16="http://schemas.microsoft.com/office/drawing/2014/main" id="{4541B357-1BED-5B88-4B07-7558E7DE3EDF}"/>
+              </a:ext>
+            </a:extLst>
+          </p:cNvPr>
+          <p:cNvSpPr>
+            <a:spLocks noGrp="1"/>
+          </p:cNvSpPr>
+          <p:nvPr>
+            <p:ph type="title"/>
+          </p:nvPr>
+        </p:nvSpPr>
+        <p:spPr/>
+        <p:txBody>
+          <a:bodyPr/>
+          <a:lstStyle/>
+          <a:p>
+            <a:r>
+              <a:rPr lang="en-US" dirty="0"/>
+              <a:t>Conclusions</a:t>
+            </a:r>
+          </a:p>
+        </p:txBody>
+      </p:sp>
+      <p:sp>
+        <p:nvSpPr>
+          <p:cNvPr id="3" name="Content Placeholder 2">
+            <a:extLst>
+              <a:ext uri="{FF2B5EF4-FFF2-40B4-BE49-F238E27FC236}">
+                <a16:creationId xmlns:a16="http://schemas.microsoft.com/office/drawing/2014/main" id="{86D14108-4042-8CBE-543E-ABB4388565F5}"/>
+              </a:ext>
+            </a:extLst>
+          </p:cNvPr>
+          <p:cNvSpPr>
+            <a:spLocks noGrp="1"/>
+          </p:cNvSpPr>
+          <p:nvPr>
+            <p:ph idx="1"/>
+          </p:nvPr>
+        </p:nvSpPr>
+        <p:spPr/>
+        <p:txBody>
+          <a:bodyPr>
+            <a:normAutofit/>
+          </a:bodyPr>
+          <a:lstStyle/>
+          <a:p>
+            <a:r>
+              <a:rPr lang="en-US" b="1" dirty="0"/>
+              <a:t>4. Does the long-term viability of the receiving population vary with population growth rate?</a:t>
+            </a:r>
+            <a:r>
+              <a:rPr lang="en-US" dirty="0"/>
+              <a:t> We hypothesized that migrants will minimally affect the viability of the population in the absence of positive population growth. </a:t>
+            </a:r>
+          </a:p>
+          <a:p>
+            <a:endParaRPr lang="en-US" dirty="0"/>
+          </a:p>
+          <a:p>
+            <a:r>
+              <a:rPr lang="en-US" dirty="0">
+                <a:solidFill>
+                  <a:srgbClr val="FF0000"/>
+                </a:solidFill>
+              </a:rPr>
+              <a:t>TBD</a:t>
+            </a:r>
+          </a:p>
+        </p:txBody>
+      </p:sp>
+    </p:spTree>
+    <p:extLst>
+      <p:ext uri="{BB962C8B-B14F-4D97-AF65-F5344CB8AC3E}">
+        <p14:creationId xmlns:p14="http://schemas.microsoft.com/office/powerpoint/2010/main" val="1461967429"/>
       </p:ext>
     </p:extLst>
   </p:cSld>
@@ -3808,10 +7465,10 @@
       </p:grpSpPr>
       <p:pic>
         <p:nvPicPr>
-          <p:cNvPr id="3" name="Picture 2">
-            <a:extLst>
-              <a:ext uri="{FF2B5EF4-FFF2-40B4-BE49-F238E27FC236}">
-                <a16:creationId xmlns:a16="http://schemas.microsoft.com/office/drawing/2014/main" id="{7A3E169F-CBBA-B518-5F2A-35456768E36E}"/>
+          <p:cNvPr id="5" name="Picture 4">
+            <a:extLst>
+              <a:ext uri="{FF2B5EF4-FFF2-40B4-BE49-F238E27FC236}">
+                <a16:creationId xmlns:a16="http://schemas.microsoft.com/office/drawing/2014/main" id="{173C8D7F-B12A-D5E9-9AAB-BC7A4BE88998}"/>
               </a:ext>
             </a:extLst>
           </p:cNvPr>
@@ -3828,8 +7485,8 @@
         </p:blipFill>
         <p:spPr>
           <a:xfrm>
-            <a:off x="283220" y="139959"/>
-            <a:ext cx="3072905" cy="2799184"/>
+            <a:off x="399854" y="0"/>
+            <a:ext cx="3040084" cy="2769287"/>
           </a:xfrm>
           <a:prstGeom prst="rect">
             <a:avLst/>
@@ -3838,10 +7495,10 @@
       </p:pic>
       <p:pic>
         <p:nvPicPr>
-          <p:cNvPr id="5" name="Picture 4">
-            <a:extLst>
-              <a:ext uri="{FF2B5EF4-FFF2-40B4-BE49-F238E27FC236}">
-                <a16:creationId xmlns:a16="http://schemas.microsoft.com/office/drawing/2014/main" id="{3E1D03DC-3211-869A-2BFC-020AD7293159}"/>
+          <p:cNvPr id="7" name="Picture 6">
+            <a:extLst>
+              <a:ext uri="{FF2B5EF4-FFF2-40B4-BE49-F238E27FC236}">
+                <a16:creationId xmlns:a16="http://schemas.microsoft.com/office/drawing/2014/main" id="{2DB353C8-23B8-EB76-FC15-3340F47B886B}"/>
               </a:ext>
             </a:extLst>
           </p:cNvPr>
@@ -3858,8 +7515,8 @@
         </p:blipFill>
         <p:spPr>
           <a:xfrm>
-            <a:off x="3356125" y="97971"/>
-            <a:ext cx="3165092" cy="2883159"/>
+            <a:off x="3439938" y="0"/>
+            <a:ext cx="3173653" cy="2890958"/>
           </a:xfrm>
           <a:prstGeom prst="rect">
             <a:avLst/>
@@ -3868,10 +7525,10 @@
       </p:pic>
       <p:pic>
         <p:nvPicPr>
-          <p:cNvPr id="7" name="Picture 6">
-            <a:extLst>
-              <a:ext uri="{FF2B5EF4-FFF2-40B4-BE49-F238E27FC236}">
-                <a16:creationId xmlns:a16="http://schemas.microsoft.com/office/drawing/2014/main" id="{EF3B2B16-58BA-2520-2368-9697113CDF78}"/>
+          <p:cNvPr id="9" name="Picture 8">
+            <a:extLst>
+              <a:ext uri="{FF2B5EF4-FFF2-40B4-BE49-F238E27FC236}">
+                <a16:creationId xmlns:a16="http://schemas.microsoft.com/office/drawing/2014/main" id="{02978D2B-6FF3-CEF7-8139-636E824F864A}"/>
               </a:ext>
             </a:extLst>
           </p:cNvPr>
@@ -3888,65 +7545,20 @@
         </p:blipFill>
         <p:spPr>
           <a:xfrm>
-            <a:off x="6521218" y="0"/>
-            <a:ext cx="3406554" cy="3103113"/>
+            <a:off x="6613591" y="0"/>
+            <a:ext cx="3045980" cy="2774658"/>
           </a:xfrm>
           <a:prstGeom prst="rect">
             <a:avLst/>
           </a:prstGeom>
         </p:spPr>
       </p:pic>
-      <p:sp>
-        <p:nvSpPr>
-          <p:cNvPr id="8" name="AutoShape 8">
-            <a:extLst>
-              <a:ext uri="{FF2B5EF4-FFF2-40B4-BE49-F238E27FC236}">
-                <a16:creationId xmlns:a16="http://schemas.microsoft.com/office/drawing/2014/main" id="{CA5B3FCC-46A6-3460-EC08-48C64786F368}"/>
-              </a:ext>
-            </a:extLst>
-          </p:cNvPr>
-          <p:cNvSpPr>
-            <a:spLocks noChangeAspect="1" noChangeArrowheads="1"/>
-          </p:cNvSpPr>
-          <p:nvPr/>
-        </p:nvSpPr>
-        <p:spPr bwMode="auto">
-          <a:xfrm>
-            <a:off x="5943600" y="3276600"/>
-            <a:ext cx="304800" cy="304800"/>
-          </a:xfrm>
-          <a:prstGeom prst="rect">
-            <a:avLst/>
-          </a:prstGeom>
-          <a:noFill/>
-          <a:extLst>
-            <a:ext uri="{909E8E84-426E-40DD-AFC4-6F175D3DCCD1}">
-              <a14:hiddenFill xmlns:a14="http://schemas.microsoft.com/office/drawing/2010/main">
-                <a:solidFill>
-                  <a:srgbClr val="FFFFFF"/>
-                </a:solidFill>
-              </a14:hiddenFill>
-            </a:ext>
-          </a:extLst>
-        </p:spPr>
-        <p:txBody>
-          <a:bodyPr vert="horz" wrap="square" lIns="91440" tIns="45720" rIns="91440" bIns="45720" numCol="1" anchor="t" anchorCtr="0" compatLnSpc="1">
-            <a:prstTxWarp prst="textNoShape">
-              <a:avLst/>
-            </a:prstTxWarp>
-          </a:bodyPr>
-          <a:lstStyle/>
-          <a:p>
-            <a:endParaRPr lang="en-US"/>
-          </a:p>
-        </p:txBody>
-      </p:sp>
       <p:pic>
         <p:nvPicPr>
-          <p:cNvPr id="10" name="Picture 9">
-            <a:extLst>
-              <a:ext uri="{FF2B5EF4-FFF2-40B4-BE49-F238E27FC236}">
-                <a16:creationId xmlns:a16="http://schemas.microsoft.com/office/drawing/2014/main" id="{B37638B0-D714-EC0C-62B7-5EC13626666B}"/>
+          <p:cNvPr id="11" name="Picture 10">
+            <a:extLst>
+              <a:ext uri="{FF2B5EF4-FFF2-40B4-BE49-F238E27FC236}">
+                <a16:creationId xmlns:a16="http://schemas.microsoft.com/office/drawing/2014/main" id="{90C49A02-36C8-8FA7-E2A7-9CA6C8E47EAC}"/>
               </a:ext>
             </a:extLst>
           </p:cNvPr>
@@ -3963,8 +7575,8 @@
         </p:blipFill>
         <p:spPr>
           <a:xfrm>
-            <a:off x="6620985" y="3276600"/>
-            <a:ext cx="3306787" cy="3012233"/>
+            <a:off x="6741264" y="2890958"/>
+            <a:ext cx="2912411" cy="2652987"/>
           </a:xfrm>
           <a:prstGeom prst="rect">
             <a:avLst/>
@@ -3973,10 +7585,10 @@
       </p:pic>
       <p:pic>
         <p:nvPicPr>
-          <p:cNvPr id="12" name="Picture 11">
-            <a:extLst>
-              <a:ext uri="{FF2B5EF4-FFF2-40B4-BE49-F238E27FC236}">
-                <a16:creationId xmlns:a16="http://schemas.microsoft.com/office/drawing/2014/main" id="{0AD02ADE-7C61-B36F-8973-63F8B24D76E3}"/>
+          <p:cNvPr id="13" name="Picture 12">
+            <a:extLst>
+              <a:ext uri="{FF2B5EF4-FFF2-40B4-BE49-F238E27FC236}">
+                <a16:creationId xmlns:a16="http://schemas.microsoft.com/office/drawing/2014/main" id="{B9B46CF7-4055-1363-5ECB-58550ECE98DD}"/>
               </a:ext>
             </a:extLst>
           </p:cNvPr>
@@ -3993,8 +7605,8 @@
         </p:blipFill>
         <p:spPr>
           <a:xfrm>
-            <a:off x="191033" y="3276600"/>
-            <a:ext cx="3165092" cy="2883159"/>
+            <a:off x="471351" y="2769287"/>
+            <a:ext cx="2897091" cy="2639031"/>
           </a:xfrm>
           <a:prstGeom prst="rect">
             <a:avLst/>
@@ -4003,10 +7615,10 @@
       </p:pic>
       <p:pic>
         <p:nvPicPr>
-          <p:cNvPr id="14" name="Picture 13">
-            <a:extLst>
-              <a:ext uri="{FF2B5EF4-FFF2-40B4-BE49-F238E27FC236}">
-                <a16:creationId xmlns:a16="http://schemas.microsoft.com/office/drawing/2014/main" id="{3A7BFB42-5063-DAD0-F706-6013D44BF509}"/>
+          <p:cNvPr id="15" name="Picture 14">
+            <a:extLst>
+              <a:ext uri="{FF2B5EF4-FFF2-40B4-BE49-F238E27FC236}">
+                <a16:creationId xmlns:a16="http://schemas.microsoft.com/office/drawing/2014/main" id="{212CA119-9165-0234-9CE6-4E66832E23A9}"/>
               </a:ext>
             </a:extLst>
           </p:cNvPr>
@@ -4023,8 +7635,8 @@
         </p:blipFill>
         <p:spPr>
           <a:xfrm>
-            <a:off x="3335162" y="3212062"/>
-            <a:ext cx="3306787" cy="3012233"/>
+            <a:off x="3496115" y="2769287"/>
+            <a:ext cx="3045980" cy="2774657"/>
           </a:xfrm>
           <a:prstGeom prst="rect">
             <a:avLst/>
@@ -4033,10 +7645,10 @@
       </p:pic>
       <p:pic>
         <p:nvPicPr>
-          <p:cNvPr id="15" name="Picture 14">
-            <a:extLst>
-              <a:ext uri="{FF2B5EF4-FFF2-40B4-BE49-F238E27FC236}">
-                <a16:creationId xmlns:a16="http://schemas.microsoft.com/office/drawing/2014/main" id="{131E1586-0FAA-BBF5-7F51-E587D0AE8305}"/>
+          <p:cNvPr id="16" name="Picture 15">
+            <a:extLst>
+              <a:ext uri="{FF2B5EF4-FFF2-40B4-BE49-F238E27FC236}">
+                <a16:creationId xmlns:a16="http://schemas.microsoft.com/office/drawing/2014/main" id="{18871582-34A8-2955-0009-9D90CDD922A7}"/>
               </a:ext>
             </a:extLst>
           </p:cNvPr>
@@ -4060,10 +7672,49 @@
           </a:prstGeom>
         </p:spPr>
       </p:pic>
+      <p:sp>
+        <p:nvSpPr>
+          <p:cNvPr id="2" name="TextBox 1">
+            <a:extLst>
+              <a:ext uri="{FF2B5EF4-FFF2-40B4-BE49-F238E27FC236}">
+                <a16:creationId xmlns:a16="http://schemas.microsoft.com/office/drawing/2014/main" id="{E155A4AE-8EA6-C1A4-7588-E2570998C61E}"/>
+              </a:ext>
+            </a:extLst>
+          </p:cNvPr>
+          <p:cNvSpPr txBox="1"/>
+          <p:nvPr/>
+        </p:nvSpPr>
+        <p:spPr>
+          <a:xfrm>
+            <a:off x="1852654" y="13990"/>
+            <a:ext cx="6924460" cy="369332"/>
+          </a:xfrm>
+          <a:prstGeom prst="rect">
+            <a:avLst/>
+          </a:prstGeom>
+          <a:noFill/>
+        </p:spPr>
+        <p:txBody>
+          <a:bodyPr wrap="none" rtlCol="0">
+            <a:spAutoFit/>
+          </a:bodyPr>
+          <a:lstStyle/>
+          <a:p>
+            <a:r>
+              <a:rPr lang="en-US" dirty="0"/>
+              <a:t>output values among migration rates when simulating a </a:t>
+            </a:r>
+            <a:r>
+              <a:rPr lang="en-US" b="1" u="sng" dirty="0"/>
+              <a:t>vulnerable pop </a:t>
+            </a:r>
+          </a:p>
+        </p:txBody>
+      </p:sp>
     </p:spTree>
     <p:extLst>
       <p:ext uri="{BB962C8B-B14F-4D97-AF65-F5344CB8AC3E}">
-        <p14:creationId xmlns:p14="http://schemas.microsoft.com/office/powerpoint/2010/main" val="2609512054"/>
+        <p14:creationId xmlns:p14="http://schemas.microsoft.com/office/powerpoint/2010/main" val="2353459140"/>
       </p:ext>
     </p:extLst>
   </p:cSld>
@@ -4090,138 +7741,192 @@
           <a:chExt cx="0" cy="0"/>
         </a:xfrm>
       </p:grpSpPr>
-      <p:sp>
-        <p:nvSpPr>
-          <p:cNvPr id="2" name="Title 1">
-            <a:extLst>
-              <a:ext uri="{FF2B5EF4-FFF2-40B4-BE49-F238E27FC236}">
-                <a16:creationId xmlns:a16="http://schemas.microsoft.com/office/drawing/2014/main" id="{84005282-AC25-ED2F-0A5C-8E3DDD076F1D}"/>
-              </a:ext>
-            </a:extLst>
-          </p:cNvPr>
-          <p:cNvSpPr>
-            <a:spLocks noGrp="1"/>
-          </p:cNvSpPr>
-          <p:nvPr>
-            <p:ph type="title"/>
-          </p:nvPr>
-        </p:nvSpPr>
-        <p:spPr/>
-        <p:txBody>
-          <a:bodyPr/>
-          <a:lstStyle/>
-          <a:p>
-            <a:r>
-              <a:rPr lang="en-US" dirty="0"/>
-              <a:t>Conclusions</a:t>
-            </a:r>
-          </a:p>
-        </p:txBody>
-      </p:sp>
-      <p:sp>
-        <p:nvSpPr>
-          <p:cNvPr id="3" name="Content Placeholder 2">
-            <a:extLst>
-              <a:ext uri="{FF2B5EF4-FFF2-40B4-BE49-F238E27FC236}">
-                <a16:creationId xmlns:a16="http://schemas.microsoft.com/office/drawing/2014/main" id="{CE029B89-5990-0B4E-3ACC-2EC89F37A914}"/>
-              </a:ext>
-            </a:extLst>
-          </p:cNvPr>
-          <p:cNvSpPr>
-            <a:spLocks noGrp="1"/>
-          </p:cNvSpPr>
-          <p:nvPr>
-            <p:ph idx="1"/>
-          </p:nvPr>
-        </p:nvSpPr>
-        <p:spPr/>
-        <p:txBody>
-          <a:bodyPr/>
-          <a:lstStyle/>
-          <a:p>
-            <a:pPr marL="0" indent="0">
-              <a:buNone/>
-            </a:pPr>
-            <a:r>
-              <a:rPr lang="en-US" dirty="0"/>
-              <a:t>____ varies due to Ne but not migration rate</a:t>
-            </a:r>
-          </a:p>
-          <a:p>
-            <a:pPr marL="0" indent="0">
-              <a:buNone/>
-            </a:pPr>
-            <a:r>
-              <a:rPr lang="en-US" dirty="0"/>
-              <a:t>	- F</a:t>
-            </a:r>
-            <a:r>
-              <a:rPr lang="en-US" sz="1600" dirty="0"/>
-              <a:t>IS        *except right after migrants introduced</a:t>
-            </a:r>
-          </a:p>
-          <a:p>
-            <a:pPr marL="0" indent="0">
-              <a:buNone/>
-            </a:pPr>
-            <a:r>
-              <a:rPr lang="en-US" sz="1600" dirty="0"/>
-              <a:t>	</a:t>
-            </a:r>
-            <a:r>
-              <a:rPr lang="en-US" dirty="0"/>
-              <a:t>- sex ratio</a:t>
-            </a:r>
-          </a:p>
-          <a:p>
-            <a:pPr marL="0" indent="0">
-              <a:buNone/>
-            </a:pPr>
-            <a:r>
-              <a:rPr lang="en-US" dirty="0"/>
-              <a:t>____ varies due to Ne and migration rate</a:t>
-            </a:r>
-          </a:p>
-          <a:p>
-            <a:pPr marL="0" indent="0">
-              <a:buNone/>
-            </a:pPr>
-            <a:r>
-              <a:rPr lang="en-US" dirty="0"/>
-              <a:t>	- Ho</a:t>
-            </a:r>
-          </a:p>
-          <a:p>
-            <a:pPr marL="0" indent="0">
-              <a:buNone/>
-            </a:pPr>
-            <a:r>
-              <a:rPr lang="en-US" dirty="0"/>
-              <a:t>	- F</a:t>
-            </a:r>
-            <a:r>
-              <a:rPr lang="en-US" sz="1600" dirty="0"/>
-              <a:t>ST</a:t>
-            </a:r>
-            <a:endParaRPr lang="en-US" dirty="0"/>
-          </a:p>
-          <a:p>
-            <a:pPr marL="0" indent="0">
-              <a:buNone/>
-            </a:pPr>
-            <a:r>
-              <a:rPr lang="en-US" dirty="0"/>
-              <a:t>	- migrant SNPs</a:t>
-            </a:r>
-          </a:p>
-        </p:txBody>
-      </p:sp>
+      <p:pic>
+        <p:nvPicPr>
+          <p:cNvPr id="3" name="Picture 2">
+            <a:extLst>
+              <a:ext uri="{FF2B5EF4-FFF2-40B4-BE49-F238E27FC236}">
+                <a16:creationId xmlns:a16="http://schemas.microsoft.com/office/drawing/2014/main" id="{FDC505D7-2109-7704-A659-4A9086A526FC}"/>
+              </a:ext>
+            </a:extLst>
+          </p:cNvPr>
+          <p:cNvPicPr>
+            <a:picLocks noChangeAspect="1"/>
+          </p:cNvPicPr>
+          <p:nvPr/>
+        </p:nvPicPr>
+        <p:blipFill>
+          <a:blip r:embed="rId2"/>
+          <a:stretch>
+            <a:fillRect/>
+          </a:stretch>
+        </p:blipFill>
+        <p:spPr>
+          <a:xfrm>
+            <a:off x="385858" y="0"/>
+            <a:ext cx="3402371" cy="3099303"/>
+          </a:xfrm>
+          <a:prstGeom prst="rect">
+            <a:avLst/>
+          </a:prstGeom>
+        </p:spPr>
+      </p:pic>
       <p:pic>
         <p:nvPicPr>
           <p:cNvPr id="5" name="Picture 4">
             <a:extLst>
               <a:ext uri="{FF2B5EF4-FFF2-40B4-BE49-F238E27FC236}">
-                <a16:creationId xmlns:a16="http://schemas.microsoft.com/office/drawing/2014/main" id="{8B4C2AF4-9A51-B081-1682-5B74C0B6E8F9}"/>
+                <a16:creationId xmlns:a16="http://schemas.microsoft.com/office/drawing/2014/main" id="{02EDD040-A732-7F5C-1773-0523388CBA49}"/>
+              </a:ext>
+            </a:extLst>
+          </p:cNvPr>
+          <p:cNvPicPr>
+            <a:picLocks noChangeAspect="1"/>
+          </p:cNvPicPr>
+          <p:nvPr/>
+        </p:nvPicPr>
+        <p:blipFill>
+          <a:blip r:embed="rId3"/>
+          <a:stretch>
+            <a:fillRect/>
+          </a:stretch>
+        </p:blipFill>
+        <p:spPr>
+          <a:xfrm>
+            <a:off x="3959482" y="0"/>
+            <a:ext cx="3486347" cy="3175798"/>
+          </a:xfrm>
+          <a:prstGeom prst="rect">
+            <a:avLst/>
+          </a:prstGeom>
+        </p:spPr>
+      </p:pic>
+      <p:pic>
+        <p:nvPicPr>
+          <p:cNvPr id="7" name="Picture 6">
+            <a:extLst>
+              <a:ext uri="{FF2B5EF4-FFF2-40B4-BE49-F238E27FC236}">
+                <a16:creationId xmlns:a16="http://schemas.microsoft.com/office/drawing/2014/main" id="{15B063A0-6E5A-4B32-AEAA-3EDDF9D9B135}"/>
+              </a:ext>
+            </a:extLst>
+          </p:cNvPr>
+          <p:cNvPicPr>
+            <a:picLocks noChangeAspect="1"/>
+          </p:cNvPicPr>
+          <p:nvPr/>
+        </p:nvPicPr>
+        <p:blipFill>
+          <a:blip r:embed="rId4"/>
+          <a:stretch>
+            <a:fillRect/>
+          </a:stretch>
+        </p:blipFill>
+        <p:spPr>
+          <a:xfrm>
+            <a:off x="7729049" y="114742"/>
+            <a:ext cx="3360385" cy="3061056"/>
+          </a:xfrm>
+          <a:prstGeom prst="rect">
+            <a:avLst/>
+          </a:prstGeom>
+        </p:spPr>
+      </p:pic>
+      <p:pic>
+        <p:nvPicPr>
+          <p:cNvPr id="9" name="Picture 8">
+            <a:extLst>
+              <a:ext uri="{FF2B5EF4-FFF2-40B4-BE49-F238E27FC236}">
+                <a16:creationId xmlns:a16="http://schemas.microsoft.com/office/drawing/2014/main" id="{B42EDEC3-A03B-85B1-6AAF-8D3821A9DB0B}"/>
+              </a:ext>
+            </a:extLst>
+          </p:cNvPr>
+          <p:cNvPicPr>
+            <a:picLocks noChangeAspect="1"/>
+          </p:cNvPicPr>
+          <p:nvPr/>
+        </p:nvPicPr>
+        <p:blipFill>
+          <a:blip r:embed="rId5"/>
+          <a:stretch>
+            <a:fillRect/>
+          </a:stretch>
+        </p:blipFill>
+        <p:spPr>
+          <a:xfrm>
+            <a:off x="7729049" y="3175798"/>
+            <a:ext cx="3486347" cy="3175798"/>
+          </a:xfrm>
+          <a:prstGeom prst="rect">
+            <a:avLst/>
+          </a:prstGeom>
+        </p:spPr>
+      </p:pic>
+      <p:pic>
+        <p:nvPicPr>
+          <p:cNvPr id="11" name="Picture 10">
+            <a:extLst>
+              <a:ext uri="{FF2B5EF4-FFF2-40B4-BE49-F238E27FC236}">
+                <a16:creationId xmlns:a16="http://schemas.microsoft.com/office/drawing/2014/main" id="{6CCD64E4-A21D-C561-8FE9-3A25CBB1A48A}"/>
+              </a:ext>
+            </a:extLst>
+          </p:cNvPr>
+          <p:cNvPicPr>
+            <a:picLocks noChangeAspect="1"/>
+          </p:cNvPicPr>
+          <p:nvPr/>
+        </p:nvPicPr>
+        <p:blipFill>
+          <a:blip r:embed="rId6"/>
+          <a:stretch>
+            <a:fillRect/>
+          </a:stretch>
+        </p:blipFill>
+        <p:spPr>
+          <a:xfrm>
+            <a:off x="275639" y="3099303"/>
+            <a:ext cx="3557881" cy="3240961"/>
+          </a:xfrm>
+          <a:prstGeom prst="rect">
+            <a:avLst/>
+          </a:prstGeom>
+        </p:spPr>
+      </p:pic>
+      <p:pic>
+        <p:nvPicPr>
+          <p:cNvPr id="13" name="Picture 12">
+            <a:extLst>
+              <a:ext uri="{FF2B5EF4-FFF2-40B4-BE49-F238E27FC236}">
+                <a16:creationId xmlns:a16="http://schemas.microsoft.com/office/drawing/2014/main" id="{5834FD35-203D-4BCC-9E55-9CB92AFD47B4}"/>
+              </a:ext>
+            </a:extLst>
+          </p:cNvPr>
+          <p:cNvPicPr>
+            <a:picLocks noChangeAspect="1"/>
+          </p:cNvPicPr>
+          <p:nvPr/>
+        </p:nvPicPr>
+        <p:blipFill>
+          <a:blip r:embed="rId7"/>
+          <a:stretch>
+            <a:fillRect/>
+          </a:stretch>
+        </p:blipFill>
+        <p:spPr>
+          <a:xfrm>
+            <a:off x="3943739" y="3099303"/>
+            <a:ext cx="3557881" cy="3240961"/>
+          </a:xfrm>
+          <a:prstGeom prst="rect">
+            <a:avLst/>
+          </a:prstGeom>
+        </p:spPr>
+      </p:pic>
+      <p:pic>
+        <p:nvPicPr>
+          <p:cNvPr id="14" name="Picture 13">
+            <a:extLst>
+              <a:ext uri="{FF2B5EF4-FFF2-40B4-BE49-F238E27FC236}">
+                <a16:creationId xmlns:a16="http://schemas.microsoft.com/office/drawing/2014/main" id="{2F54AA45-170A-00DF-9A34-FEB447CD168E}"/>
               </a:ext>
             </a:extLst>
           </p:cNvPr>
@@ -4231,24 +7936,63 @@
           <p:nvPr/>
         </p:nvPicPr>
         <p:blipFill rotWithShape="1">
-          <a:blip r:embed="rId2"/>
+          <a:blip r:embed="rId8"/>
           <a:srcRect l="22563" t="32944" r="14469" b="37688"/>
           <a:stretch/>
         </p:blipFill>
         <p:spPr>
           <a:xfrm>
-            <a:off x="8677469" y="1511559"/>
-            <a:ext cx="2855168" cy="1212979"/>
+            <a:off x="10179699" y="5940344"/>
+            <a:ext cx="1922106" cy="816580"/>
           </a:xfrm>
           <a:prstGeom prst="rect">
             <a:avLst/>
           </a:prstGeom>
         </p:spPr>
       </p:pic>
+      <p:sp>
+        <p:nvSpPr>
+          <p:cNvPr id="2" name="TextBox 1">
+            <a:extLst>
+              <a:ext uri="{FF2B5EF4-FFF2-40B4-BE49-F238E27FC236}">
+                <a16:creationId xmlns:a16="http://schemas.microsoft.com/office/drawing/2014/main" id="{BF1282DE-A2CC-A72E-9350-31A36A1EA386}"/>
+              </a:ext>
+            </a:extLst>
+          </p:cNvPr>
+          <p:cNvSpPr txBox="1"/>
+          <p:nvPr/>
+        </p:nvSpPr>
+        <p:spPr>
+          <a:xfrm>
+            <a:off x="2633770" y="0"/>
+            <a:ext cx="7182351" cy="369332"/>
+          </a:xfrm>
+          <a:prstGeom prst="rect">
+            <a:avLst/>
+          </a:prstGeom>
+          <a:noFill/>
+        </p:spPr>
+        <p:txBody>
+          <a:bodyPr wrap="none" rtlCol="0">
+            <a:spAutoFit/>
+          </a:bodyPr>
+          <a:lstStyle/>
+          <a:p>
+            <a:r>
+              <a:rPr lang="en-US" dirty="0"/>
+              <a:t>output values among migration rates when simulating an </a:t>
+            </a:r>
+            <a:r>
+              <a:rPr lang="en-US" b="1" u="sng" dirty="0"/>
+              <a:t>endangered pop </a:t>
+            </a:r>
+          </a:p>
+        </p:txBody>
+      </p:sp>
     </p:spTree>
     <p:extLst>
       <p:ext uri="{BB962C8B-B14F-4D97-AF65-F5344CB8AC3E}">
-        <p14:creationId xmlns:p14="http://schemas.microsoft.com/office/powerpoint/2010/main" val="2977935564"/>
+        <p14:creationId xmlns:p14="http://schemas.microsoft.com/office/powerpoint/2010/main" val="2154627674"/>
       </p:ext>
     </p:extLst>
   </p:cSld>
@@ -4277,10 +8021,10 @@
       </p:grpSpPr>
       <p:pic>
         <p:nvPicPr>
-          <p:cNvPr id="4" name="Picture 3">
-            <a:extLst>
-              <a:ext uri="{FF2B5EF4-FFF2-40B4-BE49-F238E27FC236}">
-                <a16:creationId xmlns:a16="http://schemas.microsoft.com/office/drawing/2014/main" id="{A8CA9E4D-AA6A-82B8-C42D-1F0BAEB3E770}"/>
+          <p:cNvPr id="3" name="Picture 2">
+            <a:extLst>
+              <a:ext uri="{FF2B5EF4-FFF2-40B4-BE49-F238E27FC236}">
+                <a16:creationId xmlns:a16="http://schemas.microsoft.com/office/drawing/2014/main" id="{7A3E169F-CBBA-B518-5F2A-35456768E36E}"/>
               </a:ext>
             </a:extLst>
           </p:cNvPr>
@@ -4297,8 +8041,8 @@
         </p:blipFill>
         <p:spPr>
           <a:xfrm>
-            <a:off x="390709" y="9144"/>
-            <a:ext cx="3873381" cy="3528357"/>
+            <a:off x="283220" y="139959"/>
+            <a:ext cx="3072905" cy="2799184"/>
           </a:xfrm>
           <a:prstGeom prst="rect">
             <a:avLst/>
@@ -4307,10 +8051,10 @@
       </p:pic>
       <p:pic>
         <p:nvPicPr>
-          <p:cNvPr id="6" name="Picture 5">
-            <a:extLst>
-              <a:ext uri="{FF2B5EF4-FFF2-40B4-BE49-F238E27FC236}">
-                <a16:creationId xmlns:a16="http://schemas.microsoft.com/office/drawing/2014/main" id="{E35BC9B7-9FD3-8B16-7B87-4F564DBE3068}"/>
+          <p:cNvPr id="5" name="Picture 4">
+            <a:extLst>
+              <a:ext uri="{FF2B5EF4-FFF2-40B4-BE49-F238E27FC236}">
+                <a16:creationId xmlns:a16="http://schemas.microsoft.com/office/drawing/2014/main" id="{3E1D03DC-3211-869A-2BFC-020AD7293159}"/>
               </a:ext>
             </a:extLst>
           </p:cNvPr>
@@ -4327,8 +8071,8 @@
         </p:blipFill>
         <p:spPr>
           <a:xfrm>
-            <a:off x="4444674" y="83212"/>
-            <a:ext cx="3672959" cy="3345788"/>
+            <a:off x="3356125" y="97971"/>
+            <a:ext cx="3165092" cy="2883159"/>
           </a:xfrm>
           <a:prstGeom prst="rect">
             <a:avLst/>
@@ -4337,10 +8081,10 @@
       </p:pic>
       <p:pic>
         <p:nvPicPr>
-          <p:cNvPr id="8" name="Picture 7">
-            <a:extLst>
-              <a:ext uri="{FF2B5EF4-FFF2-40B4-BE49-F238E27FC236}">
-                <a16:creationId xmlns:a16="http://schemas.microsoft.com/office/drawing/2014/main" id="{B9A1A258-113A-6CD1-7B4E-0DABBE6FD962}"/>
+          <p:cNvPr id="7" name="Picture 6">
+            <a:extLst>
+              <a:ext uri="{FF2B5EF4-FFF2-40B4-BE49-F238E27FC236}">
+                <a16:creationId xmlns:a16="http://schemas.microsoft.com/office/drawing/2014/main" id="{EF3B2B16-58BA-2520-2368-9697113CDF78}"/>
               </a:ext>
             </a:extLst>
           </p:cNvPr>
@@ -4357,20 +8101,65 @@
         </p:blipFill>
         <p:spPr>
           <a:xfrm>
-            <a:off x="8008775" y="83212"/>
-            <a:ext cx="3873381" cy="3528357"/>
+            <a:off x="6521218" y="0"/>
+            <a:ext cx="3406554" cy="3103113"/>
           </a:xfrm>
           <a:prstGeom prst="rect">
             <a:avLst/>
           </a:prstGeom>
         </p:spPr>
       </p:pic>
+      <p:sp>
+        <p:nvSpPr>
+          <p:cNvPr id="8" name="AutoShape 8">
+            <a:extLst>
+              <a:ext uri="{FF2B5EF4-FFF2-40B4-BE49-F238E27FC236}">
+                <a16:creationId xmlns:a16="http://schemas.microsoft.com/office/drawing/2014/main" id="{CA5B3FCC-46A6-3460-EC08-48C64786F368}"/>
+              </a:ext>
+            </a:extLst>
+          </p:cNvPr>
+          <p:cNvSpPr>
+            <a:spLocks noChangeAspect="1" noChangeArrowheads="1"/>
+          </p:cNvSpPr>
+          <p:nvPr/>
+        </p:nvSpPr>
+        <p:spPr bwMode="auto">
+          <a:xfrm>
+            <a:off x="5943600" y="3276600"/>
+            <a:ext cx="304800" cy="304800"/>
+          </a:xfrm>
+          <a:prstGeom prst="rect">
+            <a:avLst/>
+          </a:prstGeom>
+          <a:noFill/>
+          <a:extLst>
+            <a:ext uri="{909E8E84-426E-40DD-AFC4-6F175D3DCCD1}">
+              <a14:hiddenFill xmlns:a14="http://schemas.microsoft.com/office/drawing/2010/main">
+                <a:solidFill>
+                  <a:srgbClr val="FFFFFF"/>
+                </a:solidFill>
+              </a14:hiddenFill>
+            </a:ext>
+          </a:extLst>
+        </p:spPr>
+        <p:txBody>
+          <a:bodyPr vert="horz" wrap="square" lIns="91440" tIns="45720" rIns="91440" bIns="45720" numCol="1" anchor="t" anchorCtr="0" compatLnSpc="1">
+            <a:prstTxWarp prst="textNoShape">
+              <a:avLst/>
+            </a:prstTxWarp>
+          </a:bodyPr>
+          <a:lstStyle/>
+          <a:p>
+            <a:endParaRPr lang="en-US"/>
+          </a:p>
+        </p:txBody>
+      </p:sp>
       <p:pic>
         <p:nvPicPr>
           <p:cNvPr id="10" name="Picture 9">
             <a:extLst>
               <a:ext uri="{FF2B5EF4-FFF2-40B4-BE49-F238E27FC236}">
-                <a16:creationId xmlns:a16="http://schemas.microsoft.com/office/drawing/2014/main" id="{FDD5D44C-764E-1568-40A6-ADEE4D0C1626}"/>
+                <a16:creationId xmlns:a16="http://schemas.microsoft.com/office/drawing/2014/main" id="{B37638B0-D714-EC0C-62B7-5EC13626666B}"/>
               </a:ext>
             </a:extLst>
           </p:cNvPr>
@@ -4387,8 +8176,8 @@
         </p:blipFill>
         <p:spPr>
           <a:xfrm>
-            <a:off x="8117633" y="3458259"/>
-            <a:ext cx="3750298" cy="3416238"/>
+            <a:off x="6620985" y="3276600"/>
+            <a:ext cx="3306787" cy="3012233"/>
           </a:xfrm>
           <a:prstGeom prst="rect">
             <a:avLst/>
@@ -4400,7 +8189,7 @@
           <p:cNvPr id="12" name="Picture 11">
             <a:extLst>
               <a:ext uri="{FF2B5EF4-FFF2-40B4-BE49-F238E27FC236}">
-                <a16:creationId xmlns:a16="http://schemas.microsoft.com/office/drawing/2014/main" id="{7D3FE1A8-9AEE-67D8-8DF1-908C5D1153AF}"/>
+                <a16:creationId xmlns:a16="http://schemas.microsoft.com/office/drawing/2014/main" id="{0AD02ADE-7C61-B36F-8973-63F8B24D76E3}"/>
               </a:ext>
             </a:extLst>
           </p:cNvPr>
@@ -4417,8 +8206,8 @@
         </p:blipFill>
         <p:spPr>
           <a:xfrm>
-            <a:off x="490919" y="3429000"/>
-            <a:ext cx="3672959" cy="3345788"/>
+            <a:off x="191033" y="3276600"/>
+            <a:ext cx="3165092" cy="2883159"/>
           </a:xfrm>
           <a:prstGeom prst="rect">
             <a:avLst/>
@@ -4430,7 +8219,7 @@
           <p:cNvPr id="14" name="Picture 13">
             <a:extLst>
               <a:ext uri="{FF2B5EF4-FFF2-40B4-BE49-F238E27FC236}">
-                <a16:creationId xmlns:a16="http://schemas.microsoft.com/office/drawing/2014/main" id="{FAE8F977-5A11-A9EF-7D3B-2FC6ED2D1669}"/>
+                <a16:creationId xmlns:a16="http://schemas.microsoft.com/office/drawing/2014/main" id="{3A7BFB42-5063-DAD0-F706-6013D44BF509}"/>
               </a:ext>
             </a:extLst>
           </p:cNvPr>
@@ -4447,8 +8236,8 @@
         </p:blipFill>
         <p:spPr>
           <a:xfrm>
-            <a:off x="4451786" y="3387570"/>
-            <a:ext cx="3672959" cy="3345788"/>
+            <a:off x="3335162" y="3212062"/>
+            <a:ext cx="3306787" cy="3012233"/>
           </a:xfrm>
           <a:prstGeom prst="rect">
             <a:avLst/>
@@ -4460,7 +8249,7 @@
           <p:cNvPr id="15" name="Picture 14">
             <a:extLst>
               <a:ext uri="{FF2B5EF4-FFF2-40B4-BE49-F238E27FC236}">
-                <a16:creationId xmlns:a16="http://schemas.microsoft.com/office/drawing/2014/main" id="{D65B86A1-DDD3-8626-AB4F-F1F2CB54F9E9}"/>
+                <a16:creationId xmlns:a16="http://schemas.microsoft.com/office/drawing/2014/main" id="{131E1586-0FAA-BBF5-7F51-E587D0AE8305}"/>
               </a:ext>
             </a:extLst>
           </p:cNvPr>
@@ -4484,10 +8273,49 @@
           </a:prstGeom>
         </p:spPr>
       </p:pic>
+      <p:sp>
+        <p:nvSpPr>
+          <p:cNvPr id="2" name="TextBox 1">
+            <a:extLst>
+              <a:ext uri="{FF2B5EF4-FFF2-40B4-BE49-F238E27FC236}">
+                <a16:creationId xmlns:a16="http://schemas.microsoft.com/office/drawing/2014/main" id="{7B01A045-775E-EEB7-FFDD-615219B1CBD1}"/>
+              </a:ext>
+            </a:extLst>
+          </p:cNvPr>
+          <p:cNvSpPr txBox="1"/>
+          <p:nvPr/>
+        </p:nvSpPr>
+        <p:spPr>
+          <a:xfrm>
+            <a:off x="1852654" y="13990"/>
+            <a:ext cx="7929478" cy="369332"/>
+          </a:xfrm>
+          <a:prstGeom prst="rect">
+            <a:avLst/>
+          </a:prstGeom>
+          <a:noFill/>
+        </p:spPr>
+        <p:txBody>
+          <a:bodyPr wrap="none" rtlCol="0">
+            <a:spAutoFit/>
+          </a:bodyPr>
+          <a:lstStyle/>
+          <a:p>
+            <a:r>
+              <a:rPr lang="en-US" dirty="0"/>
+              <a:t>output values among migration rates when simulating a </a:t>
+            </a:r>
+            <a:r>
+              <a:rPr lang="en-US" b="1" u="sng" dirty="0"/>
+              <a:t>critically endangered pop </a:t>
+            </a:r>
+          </a:p>
+        </p:txBody>
+      </p:sp>
     </p:spTree>
     <p:extLst>
       <p:ext uri="{BB962C8B-B14F-4D97-AF65-F5344CB8AC3E}">
-        <p14:creationId xmlns:p14="http://schemas.microsoft.com/office/powerpoint/2010/main" val="811707916"/>
+        <p14:creationId xmlns:p14="http://schemas.microsoft.com/office/powerpoint/2010/main" val="2609512054"/>
       </p:ext>
     </p:extLst>
   </p:cSld>
@@ -4500,14 +8328,6 @@
 <file path=ppt/slides/slide6.xml><?xml version="1.0" encoding="utf-8"?>
 <p:sld xmlns:a="http://schemas.openxmlformats.org/drawingml/2006/main" xmlns:r="http://schemas.openxmlformats.org/officeDocument/2006/relationships" xmlns:p="http://schemas.openxmlformats.org/presentationml/2006/main">
   <p:cSld>
-    <p:bg>
-      <p:bgPr>
-        <a:solidFill>
-          <a:schemeClr val="tx1"/>
-        </a:solidFill>
-        <a:effectLst/>
-      </p:bgPr>
-    </p:bg>
     <p:spTree>
       <p:nvGrpSpPr>
         <p:cNvPr id="1" name=""/>
@@ -4527,7 +8347,7 @@
           <p:cNvPr id="2" name="Title 1">
             <a:extLst>
               <a:ext uri="{FF2B5EF4-FFF2-40B4-BE49-F238E27FC236}">
-                <a16:creationId xmlns:a16="http://schemas.microsoft.com/office/drawing/2014/main" id="{A074237C-F7AA-2C80-81AF-45DCFDA542D0}"/>
+                <a16:creationId xmlns:a16="http://schemas.microsoft.com/office/drawing/2014/main" id="{84005282-AC25-ED2F-0A5C-8E3DDD076F1D}"/>
               </a:ext>
             </a:extLst>
           </p:cNvPr>
@@ -4543,7 +8363,10 @@
           <a:bodyPr/>
           <a:lstStyle/>
           <a:p>
-            <a:endParaRPr lang="en-US"/>
+            <a:r>
+              <a:rPr lang="en-US" dirty="0"/>
+              <a:t>Results</a:t>
+            </a:r>
           </a:p>
         </p:txBody>
       </p:sp>
@@ -4552,7 +8375,7 @@
           <p:cNvPr id="3" name="Content Placeholder 2">
             <a:extLst>
               <a:ext uri="{FF2B5EF4-FFF2-40B4-BE49-F238E27FC236}">
-                <a16:creationId xmlns:a16="http://schemas.microsoft.com/office/drawing/2014/main" id="{69F464DD-8DEF-8841-6A8B-326959B038FD}"/>
+                <a16:creationId xmlns:a16="http://schemas.microsoft.com/office/drawing/2014/main" id="{CE029B89-5990-0B4E-3ACC-2EC89F37A914}"/>
               </a:ext>
             </a:extLst>
           </p:cNvPr>
@@ -4568,14 +8391,129 @@
           <a:bodyPr/>
           <a:lstStyle/>
           <a:p>
-            <a:endParaRPr lang="en-US"/>
-          </a:p>
-        </p:txBody>
-      </p:sp>
+            <a:pPr marL="0" indent="0">
+              <a:buNone/>
+            </a:pPr>
+            <a:r>
+              <a:rPr lang="en-US" dirty="0"/>
+              <a:t>____ varies due to Ne but not migration rate</a:t>
+            </a:r>
+          </a:p>
+          <a:p>
+            <a:pPr marL="0" indent="0">
+              <a:buNone/>
+            </a:pPr>
+            <a:r>
+              <a:rPr lang="en-US" dirty="0"/>
+              <a:t>	- F</a:t>
+            </a:r>
+            <a:r>
+              <a:rPr lang="en-US" sz="1600" dirty="0"/>
+              <a:t>IS        *except right after migrants introduced</a:t>
+            </a:r>
+          </a:p>
+          <a:p>
+            <a:pPr marL="0" indent="0">
+              <a:buNone/>
+            </a:pPr>
+            <a:r>
+              <a:rPr lang="en-US" sz="1600" dirty="0"/>
+              <a:t>	</a:t>
+            </a:r>
+            <a:r>
+              <a:rPr lang="en-US" dirty="0"/>
+              <a:t>- sex ratio</a:t>
+            </a:r>
+          </a:p>
+          <a:p>
+            <a:pPr marL="0" indent="0">
+              <a:buNone/>
+            </a:pPr>
+            <a:r>
+              <a:rPr lang="en-US" dirty="0"/>
+              <a:t>____ varies due to Ne and migration rate</a:t>
+            </a:r>
+          </a:p>
+          <a:p>
+            <a:pPr marL="0" indent="0">
+              <a:buNone/>
+            </a:pPr>
+            <a:r>
+              <a:rPr lang="en-US" dirty="0"/>
+              <a:t>	- Ho</a:t>
+            </a:r>
+          </a:p>
+          <a:p>
+            <a:pPr marL="0" indent="0">
+              <a:buNone/>
+            </a:pPr>
+            <a:r>
+              <a:rPr lang="en-US" dirty="0"/>
+              <a:t>	- F</a:t>
+            </a:r>
+            <a:r>
+              <a:rPr lang="en-US" sz="1600" dirty="0"/>
+              <a:t>ST</a:t>
+            </a:r>
+            <a:endParaRPr lang="en-US" dirty="0"/>
+          </a:p>
+          <a:p>
+            <a:pPr marL="0" indent="0">
+              <a:buNone/>
+            </a:pPr>
+            <a:r>
+              <a:rPr lang="en-US" dirty="0"/>
+              <a:t>	- migrant SNPs </a:t>
+            </a:r>
+            <a:r>
+              <a:rPr lang="en-US" sz="1600" dirty="0"/>
+              <a:t>*mostly when 1 </a:t>
+            </a:r>
+            <a:r>
+              <a:rPr lang="en-US" sz="1600" dirty="0" err="1"/>
+              <a:t>mig</a:t>
+            </a:r>
+            <a:r>
+              <a:rPr lang="en-US" sz="1600" dirty="0"/>
+              <a:t> per gen</a:t>
+            </a:r>
+            <a:endParaRPr lang="en-US" dirty="0"/>
+          </a:p>
+        </p:txBody>
+      </p:sp>
+      <p:pic>
+        <p:nvPicPr>
+          <p:cNvPr id="5" name="Picture 4">
+            <a:extLst>
+              <a:ext uri="{FF2B5EF4-FFF2-40B4-BE49-F238E27FC236}">
+                <a16:creationId xmlns:a16="http://schemas.microsoft.com/office/drawing/2014/main" id="{8B4C2AF4-9A51-B081-1682-5B74C0B6E8F9}"/>
+              </a:ext>
+            </a:extLst>
+          </p:cNvPr>
+          <p:cNvPicPr>
+            <a:picLocks noChangeAspect="1"/>
+          </p:cNvPicPr>
+          <p:nvPr/>
+        </p:nvPicPr>
+        <p:blipFill rotWithShape="1">
+          <a:blip r:embed="rId2"/>
+          <a:srcRect l="22563" t="32944" r="14469" b="37688"/>
+          <a:stretch/>
+        </p:blipFill>
+        <p:spPr>
+          <a:xfrm>
+            <a:off x="8677469" y="1511559"/>
+            <a:ext cx="2855168" cy="1212979"/>
+          </a:xfrm>
+          <a:prstGeom prst="rect">
+            <a:avLst/>
+          </a:prstGeom>
+        </p:spPr>
+      </p:pic>
     </p:spTree>
     <p:extLst>
       <p:ext uri="{BB962C8B-B14F-4D97-AF65-F5344CB8AC3E}">
-        <p14:creationId xmlns:p14="http://schemas.microsoft.com/office/powerpoint/2010/main" val="385735145"/>
+        <p14:creationId xmlns:p14="http://schemas.microsoft.com/office/powerpoint/2010/main" val="2977935564"/>
       </p:ext>
     </p:extLst>
   </p:cSld>
@@ -4604,10 +8542,10 @@
       </p:grpSpPr>
       <p:pic>
         <p:nvPicPr>
-          <p:cNvPr id="5" name="Picture 4">
-            <a:extLst>
-              <a:ext uri="{FF2B5EF4-FFF2-40B4-BE49-F238E27FC236}">
-                <a16:creationId xmlns:a16="http://schemas.microsoft.com/office/drawing/2014/main" id="{E28453C8-0A35-A7AD-48C5-42CA02D23CBE}"/>
+          <p:cNvPr id="4" name="Picture 3">
+            <a:extLst>
+              <a:ext uri="{FF2B5EF4-FFF2-40B4-BE49-F238E27FC236}">
+                <a16:creationId xmlns:a16="http://schemas.microsoft.com/office/drawing/2014/main" id="{A8CA9E4D-AA6A-82B8-C42D-1F0BAEB3E770}"/>
               </a:ext>
             </a:extLst>
           </p:cNvPr>
@@ -4624,8 +8562,8 @@
         </p:blipFill>
         <p:spPr>
           <a:xfrm>
-            <a:off x="3019120" y="174273"/>
-            <a:ext cx="3211466" cy="2925403"/>
+            <a:off x="390709" y="9144"/>
+            <a:ext cx="3873381" cy="3528357"/>
           </a:xfrm>
           <a:prstGeom prst="rect">
             <a:avLst/>
@@ -4637,7 +8575,7 @@
           <p:cNvPr id="6" name="Picture 5">
             <a:extLst>
               <a:ext uri="{FF2B5EF4-FFF2-40B4-BE49-F238E27FC236}">
-                <a16:creationId xmlns:a16="http://schemas.microsoft.com/office/drawing/2014/main" id="{B02C091A-C1AF-D67A-34EB-5FD129FEA040}"/>
+                <a16:creationId xmlns:a16="http://schemas.microsoft.com/office/drawing/2014/main" id="{E35BC9B7-9FD3-8B16-7B87-4F564DBE3068}"/>
               </a:ext>
             </a:extLst>
           </p:cNvPr>
@@ -4654,8 +8592,8 @@
         </p:blipFill>
         <p:spPr>
           <a:xfrm>
-            <a:off x="101221" y="216944"/>
-            <a:ext cx="3085850" cy="2810976"/>
+            <a:off x="4444674" y="83212"/>
+            <a:ext cx="3672959" cy="3345788"/>
           </a:xfrm>
           <a:prstGeom prst="rect">
             <a:avLst/>
@@ -4667,7 +8605,7 @@
           <p:cNvPr id="8" name="Picture 7">
             <a:extLst>
               <a:ext uri="{FF2B5EF4-FFF2-40B4-BE49-F238E27FC236}">
-                <a16:creationId xmlns:a16="http://schemas.microsoft.com/office/drawing/2014/main" id="{E679AA16-4D14-DD56-44BA-12E9739E5EBC}"/>
+                <a16:creationId xmlns:a16="http://schemas.microsoft.com/office/drawing/2014/main" id="{B9A1A258-113A-6CD1-7B4E-0DABBE6FD962}"/>
               </a:ext>
             </a:extLst>
           </p:cNvPr>
@@ -4684,8 +8622,8 @@
         </p:blipFill>
         <p:spPr>
           <a:xfrm>
-            <a:off x="6062635" y="159850"/>
-            <a:ext cx="3085850" cy="2810976"/>
+            <a:off x="8008775" y="83212"/>
+            <a:ext cx="3873381" cy="3528357"/>
           </a:xfrm>
           <a:prstGeom prst="rect">
             <a:avLst/>
@@ -4697,7 +8635,7 @@
           <p:cNvPr id="10" name="Picture 9">
             <a:extLst>
               <a:ext uri="{FF2B5EF4-FFF2-40B4-BE49-F238E27FC236}">
-                <a16:creationId xmlns:a16="http://schemas.microsoft.com/office/drawing/2014/main" id="{76F7A0B8-D825-7708-CDF3-76E3C2E204D2}"/>
+                <a16:creationId xmlns:a16="http://schemas.microsoft.com/office/drawing/2014/main" id="{FDD5D44C-764E-1568-40A6-ADEE4D0C1626}"/>
               </a:ext>
             </a:extLst>
           </p:cNvPr>
@@ -4714,8 +8652,8 @@
         </p:blipFill>
         <p:spPr>
           <a:xfrm>
-            <a:off x="9106150" y="231487"/>
-            <a:ext cx="3085850" cy="2810976"/>
+            <a:off x="8117633" y="3458259"/>
+            <a:ext cx="3750298" cy="3416238"/>
           </a:xfrm>
           <a:prstGeom prst="rect">
             <a:avLst/>
@@ -4727,7 +8665,7 @@
           <p:cNvPr id="12" name="Picture 11">
             <a:extLst>
               <a:ext uri="{FF2B5EF4-FFF2-40B4-BE49-F238E27FC236}">
-                <a16:creationId xmlns:a16="http://schemas.microsoft.com/office/drawing/2014/main" id="{03648B68-A2BD-7D8C-3533-8E5844C448EA}"/>
+                <a16:creationId xmlns:a16="http://schemas.microsoft.com/office/drawing/2014/main" id="{7D3FE1A8-9AEE-67D8-8DF1-908C5D1153AF}"/>
               </a:ext>
             </a:extLst>
           </p:cNvPr>
@@ -4744,8 +8682,8 @@
         </p:blipFill>
         <p:spPr>
           <a:xfrm>
-            <a:off x="-24625" y="3099676"/>
-            <a:ext cx="3337542" cy="3040248"/>
+            <a:off x="490919" y="3429000"/>
+            <a:ext cx="3672959" cy="3345788"/>
           </a:xfrm>
           <a:prstGeom prst="rect">
             <a:avLst/>
@@ -4757,7 +8695,7 @@
           <p:cNvPr id="14" name="Picture 13">
             <a:extLst>
               <a:ext uri="{FF2B5EF4-FFF2-40B4-BE49-F238E27FC236}">
-                <a16:creationId xmlns:a16="http://schemas.microsoft.com/office/drawing/2014/main" id="{5EA65173-CED7-96B8-FB89-E37ABA640B82}"/>
+                <a16:creationId xmlns:a16="http://schemas.microsoft.com/office/drawing/2014/main" id="{FAE8F977-5A11-A9EF-7D3B-2FC6ED2D1669}"/>
               </a:ext>
             </a:extLst>
           </p:cNvPr>
@@ -4774,8 +8712,8 @@
         </p:blipFill>
         <p:spPr>
           <a:xfrm>
-            <a:off x="3019120" y="3171432"/>
-            <a:ext cx="3337542" cy="3040248"/>
+            <a:off x="4451786" y="3387570"/>
+            <a:ext cx="3672959" cy="3345788"/>
           </a:xfrm>
           <a:prstGeom prst="rect">
             <a:avLst/>
@@ -4784,70 +8722,10 @@
       </p:pic>
       <p:pic>
         <p:nvPicPr>
-          <p:cNvPr id="16" name="Picture 15">
-            <a:extLst>
-              <a:ext uri="{FF2B5EF4-FFF2-40B4-BE49-F238E27FC236}">
-                <a16:creationId xmlns:a16="http://schemas.microsoft.com/office/drawing/2014/main" id="{63725E5F-1A27-6B90-B945-D2098461936F}"/>
-              </a:ext>
-            </a:extLst>
-          </p:cNvPr>
-          <p:cNvPicPr>
-            <a:picLocks noChangeAspect="1"/>
-          </p:cNvPicPr>
-          <p:nvPr/>
-        </p:nvPicPr>
-        <p:blipFill>
-          <a:blip r:embed="rId8"/>
-          <a:stretch>
-            <a:fillRect/>
-          </a:stretch>
-        </p:blipFill>
-        <p:spPr>
-          <a:xfrm>
-            <a:off x="6062635" y="3254304"/>
-            <a:ext cx="2998044" cy="2730991"/>
-          </a:xfrm>
-          <a:prstGeom prst="rect">
-            <a:avLst/>
-          </a:prstGeom>
-        </p:spPr>
-      </p:pic>
-      <p:pic>
-        <p:nvPicPr>
-          <p:cNvPr id="18" name="Picture 17">
-            <a:extLst>
-              <a:ext uri="{FF2B5EF4-FFF2-40B4-BE49-F238E27FC236}">
-                <a16:creationId xmlns:a16="http://schemas.microsoft.com/office/drawing/2014/main" id="{4A034FD8-BCD7-EBD4-5DC8-9A3BD18DA721}"/>
-              </a:ext>
-            </a:extLst>
-          </p:cNvPr>
-          <p:cNvPicPr>
-            <a:picLocks noChangeAspect="1"/>
-          </p:cNvPicPr>
-          <p:nvPr/>
-        </p:nvPicPr>
-        <p:blipFill>
-          <a:blip r:embed="rId9"/>
-          <a:stretch>
-            <a:fillRect/>
-          </a:stretch>
-        </p:blipFill>
-        <p:spPr>
-          <a:xfrm>
-            <a:off x="9172880" y="3364797"/>
-            <a:ext cx="2876746" cy="2620498"/>
-          </a:xfrm>
-          <a:prstGeom prst="rect">
-            <a:avLst/>
-          </a:prstGeom>
-        </p:spPr>
-      </p:pic>
-      <p:pic>
-        <p:nvPicPr>
-          <p:cNvPr id="19" name="Picture 18">
-            <a:extLst>
-              <a:ext uri="{FF2B5EF4-FFF2-40B4-BE49-F238E27FC236}">
-                <a16:creationId xmlns:a16="http://schemas.microsoft.com/office/drawing/2014/main" id="{6BC8D311-3647-7B64-C985-B26816A36977}"/>
+          <p:cNvPr id="15" name="Picture 14">
+            <a:extLst>
+              <a:ext uri="{FF2B5EF4-FFF2-40B4-BE49-F238E27FC236}">
+                <a16:creationId xmlns:a16="http://schemas.microsoft.com/office/drawing/2014/main" id="{D65B86A1-DDD3-8626-AB4F-F1F2CB54F9E9}"/>
               </a:ext>
             </a:extLst>
           </p:cNvPr>
@@ -4857,7 +8735,7 @@
           <p:nvPr/>
         </p:nvPicPr>
         <p:blipFill rotWithShape="1">
-          <a:blip r:embed="rId10"/>
+          <a:blip r:embed="rId8"/>
           <a:srcRect l="22563" t="32944" r="14469" b="37688"/>
           <a:stretch/>
         </p:blipFill>
@@ -4871,10 +8749,45 @@
           </a:prstGeom>
         </p:spPr>
       </p:pic>
+      <p:sp>
+        <p:nvSpPr>
+          <p:cNvPr id="2" name="TextBox 1">
+            <a:extLst>
+              <a:ext uri="{FF2B5EF4-FFF2-40B4-BE49-F238E27FC236}">
+                <a16:creationId xmlns:a16="http://schemas.microsoft.com/office/drawing/2014/main" id="{999EFEE5-ACEB-F77A-8131-DDF00F126D43}"/>
+              </a:ext>
+            </a:extLst>
+          </p:cNvPr>
+          <p:cNvSpPr txBox="1"/>
+          <p:nvPr/>
+        </p:nvSpPr>
+        <p:spPr>
+          <a:xfrm>
+            <a:off x="1240848" y="81115"/>
+            <a:ext cx="10659906" cy="369332"/>
+          </a:xfrm>
+          <a:prstGeom prst="rect">
+            <a:avLst/>
+          </a:prstGeom>
+          <a:noFill/>
+        </p:spPr>
+        <p:txBody>
+          <a:bodyPr wrap="none" rtlCol="0">
+            <a:spAutoFit/>
+          </a:bodyPr>
+          <a:lstStyle/>
+          <a:p>
+            <a:r>
+              <a:rPr lang="en-US" dirty="0"/>
+              <a:t>This shows the greater variation in output values among migration rates when K starts at 500 (rather than 1000)</a:t>
+            </a:r>
+          </a:p>
+        </p:txBody>
+      </p:sp>
     </p:spTree>
     <p:extLst>
       <p:ext uri="{BB962C8B-B14F-4D97-AF65-F5344CB8AC3E}">
-        <p14:creationId xmlns:p14="http://schemas.microsoft.com/office/powerpoint/2010/main" val="1294883326"/>
+        <p14:creationId xmlns:p14="http://schemas.microsoft.com/office/powerpoint/2010/main" val="811707916"/>
       </p:ext>
     </p:extLst>
   </p:cSld>
@@ -4885,6 +8798,84 @@
 </file>
 
 <file path=ppt/slides/slide8.xml><?xml version="1.0" encoding="utf-8"?>
+<p:sld xmlns:a="http://schemas.openxmlformats.org/drawingml/2006/main" xmlns:r="http://schemas.openxmlformats.org/officeDocument/2006/relationships" xmlns:p="http://schemas.openxmlformats.org/presentationml/2006/main">
+  <p:cSld>
+    <p:bg>
+      <p:bgPr>
+        <a:solidFill>
+          <a:schemeClr val="tx1"/>
+        </a:solidFill>
+        <a:effectLst/>
+      </p:bgPr>
+    </p:bg>
+    <p:spTree>
+      <p:nvGrpSpPr>
+        <p:cNvPr id="1" name=""/>
+        <p:cNvGrpSpPr/>
+        <p:nvPr/>
+      </p:nvGrpSpPr>
+      <p:grpSpPr>
+        <a:xfrm>
+          <a:off x="0" y="0"/>
+          <a:ext cx="0" cy="0"/>
+          <a:chOff x="0" y="0"/>
+          <a:chExt cx="0" cy="0"/>
+        </a:xfrm>
+      </p:grpSpPr>
+      <p:sp>
+        <p:nvSpPr>
+          <p:cNvPr id="4" name="Title 1">
+            <a:extLst>
+              <a:ext uri="{FF2B5EF4-FFF2-40B4-BE49-F238E27FC236}">
+                <a16:creationId xmlns:a16="http://schemas.microsoft.com/office/drawing/2014/main" id="{E817718E-0680-4CE6-F3E1-AB629B5CE7F5}"/>
+              </a:ext>
+            </a:extLst>
+          </p:cNvPr>
+          <p:cNvSpPr>
+            <a:spLocks noGrp="1"/>
+          </p:cNvSpPr>
+          <p:nvPr>
+            <p:ph type="title"/>
+          </p:nvPr>
+        </p:nvSpPr>
+        <p:spPr>
+          <a:xfrm>
+            <a:off x="838200" y="1906542"/>
+            <a:ext cx="10515600" cy="1325563"/>
+          </a:xfrm>
+        </p:spPr>
+        <p:txBody>
+          <a:bodyPr>
+            <a:noAutofit/>
+          </a:bodyPr>
+          <a:lstStyle/>
+          <a:p>
+            <a:pPr algn="ctr"/>
+            <a:r>
+              <a:rPr lang="en-US" sz="5000" dirty="0">
+                <a:solidFill>
+                  <a:schemeClr val="bg1"/>
+                </a:solidFill>
+              </a:rPr>
+              <a:t>Comparison between the dropped population size (during the bottleneck) and various migration rates</a:t>
+            </a:r>
+          </a:p>
+        </p:txBody>
+      </p:sp>
+    </p:spTree>
+    <p:extLst>
+      <p:ext uri="{BB962C8B-B14F-4D97-AF65-F5344CB8AC3E}">
+        <p14:creationId xmlns:p14="http://schemas.microsoft.com/office/powerpoint/2010/main" val="385735145"/>
+      </p:ext>
+    </p:extLst>
+  </p:cSld>
+  <p:clrMapOvr>
+    <a:masterClrMapping/>
+  </p:clrMapOvr>
+</p:sld>
+</file>
+
+<file path=ppt/slides/slide9.xml><?xml version="1.0" encoding="utf-8"?>
 <p:sld xmlns:a="http://schemas.openxmlformats.org/drawingml/2006/main" xmlns:r="http://schemas.openxmlformats.org/officeDocument/2006/relationships" xmlns:p="http://schemas.openxmlformats.org/presentationml/2006/main">
   <p:cSld>
     <p:spTree>
@@ -4903,10 +8894,10 @@
       </p:grpSpPr>
       <p:pic>
         <p:nvPicPr>
-          <p:cNvPr id="5" name="Picture 4">
-            <a:extLst>
-              <a:ext uri="{FF2B5EF4-FFF2-40B4-BE49-F238E27FC236}">
-                <a16:creationId xmlns:a16="http://schemas.microsoft.com/office/drawing/2014/main" id="{0292E4DA-4BF0-AEDD-CD4B-1451D8BA1BBA}"/>
+          <p:cNvPr id="4" name="Picture 3">
+            <a:extLst>
+              <a:ext uri="{FF2B5EF4-FFF2-40B4-BE49-F238E27FC236}">
+                <a16:creationId xmlns:a16="http://schemas.microsoft.com/office/drawing/2014/main" id="{DE0DD282-6CD2-3A9A-542D-D3DFB1B3E732}"/>
               </a:ext>
             </a:extLst>
           </p:cNvPr>
@@ -4923,8 +8914,8 @@
         </p:blipFill>
         <p:spPr>
           <a:xfrm>
-            <a:off x="3174490" y="118797"/>
-            <a:ext cx="3333732" cy="3036778"/>
+            <a:off x="131072" y="0"/>
+            <a:ext cx="2969817" cy="2705279"/>
           </a:xfrm>
           <a:prstGeom prst="rect">
             <a:avLst/>
@@ -4936,7 +8927,7 @@
           <p:cNvPr id="6" name="Picture 5">
             <a:extLst>
               <a:ext uri="{FF2B5EF4-FFF2-40B4-BE49-F238E27FC236}">
-                <a16:creationId xmlns:a16="http://schemas.microsoft.com/office/drawing/2014/main" id="{5D396BE4-00AD-0BBC-2D6D-AC0DBBF520B1}"/>
+                <a16:creationId xmlns:a16="http://schemas.microsoft.com/office/drawing/2014/main" id="{85DF2F88-4DE9-C58F-0387-E91C84E3E8E4}"/>
               </a:ext>
             </a:extLst>
           </p:cNvPr>
@@ -4953,8 +8944,8 @@
         </p:blipFill>
         <p:spPr>
           <a:xfrm>
-            <a:off x="283220" y="139959"/>
-            <a:ext cx="3072905" cy="2799184"/>
+            <a:off x="3126183" y="0"/>
+            <a:ext cx="2969817" cy="2705279"/>
           </a:xfrm>
           <a:prstGeom prst="rect">
             <a:avLst/>
@@ -4966,7 +8957,7 @@
           <p:cNvPr id="8" name="Picture 7">
             <a:extLst>
               <a:ext uri="{FF2B5EF4-FFF2-40B4-BE49-F238E27FC236}">
-                <a16:creationId xmlns:a16="http://schemas.microsoft.com/office/drawing/2014/main" id="{E7C2AA32-FCA2-6D0D-03EC-F7EE63E313B5}"/>
+                <a16:creationId xmlns:a16="http://schemas.microsoft.com/office/drawing/2014/main" id="{50C2FFE5-03BF-71FE-A15F-E375690AE285}"/>
               </a:ext>
             </a:extLst>
           </p:cNvPr>
@@ -4983,8 +8974,8 @@
         </p:blipFill>
         <p:spPr>
           <a:xfrm>
-            <a:off x="6326586" y="118797"/>
-            <a:ext cx="3072905" cy="2799184"/>
+            <a:off x="6121294" y="-1"/>
+            <a:ext cx="2969817" cy="2705279"/>
           </a:xfrm>
           <a:prstGeom prst="rect">
             <a:avLst/>
@@ -4996,7 +8987,7 @@
           <p:cNvPr id="10" name="Picture 9">
             <a:extLst>
               <a:ext uri="{FF2B5EF4-FFF2-40B4-BE49-F238E27FC236}">
-                <a16:creationId xmlns:a16="http://schemas.microsoft.com/office/drawing/2014/main" id="{B5B33ACA-DD70-A2B8-A7B1-48A8E1D4AFD1}"/>
+                <a16:creationId xmlns:a16="http://schemas.microsoft.com/office/drawing/2014/main" id="{1CE7561A-C5A7-627A-01BD-162AA2E57405}"/>
               </a:ext>
             </a:extLst>
           </p:cNvPr>
@@ -5013,8 +9004,8 @@
         </p:blipFill>
         <p:spPr>
           <a:xfrm>
-            <a:off x="9203286" y="139959"/>
-            <a:ext cx="3187767" cy="2903815"/>
+            <a:off x="9091111" y="0"/>
+            <a:ext cx="2969817" cy="2705279"/>
           </a:xfrm>
           <a:prstGeom prst="rect">
             <a:avLst/>
@@ -5026,7 +9017,7 @@
           <p:cNvPr id="12" name="Picture 11">
             <a:extLst>
               <a:ext uri="{FF2B5EF4-FFF2-40B4-BE49-F238E27FC236}">
-                <a16:creationId xmlns:a16="http://schemas.microsoft.com/office/drawing/2014/main" id="{4843947D-2C0A-25D5-E38B-F6A4D616C3A6}"/>
+                <a16:creationId xmlns:a16="http://schemas.microsoft.com/office/drawing/2014/main" id="{13727E29-5488-DCA6-7AB5-4BC0FF93D92B}"/>
               </a:ext>
             </a:extLst>
           </p:cNvPr>
@@ -5043,8 +9034,8 @@
         </p:blipFill>
         <p:spPr>
           <a:xfrm>
-            <a:off x="59661" y="3261002"/>
-            <a:ext cx="3520021" cy="3206473"/>
+            <a:off x="131071" y="3049726"/>
+            <a:ext cx="2969817" cy="2705279"/>
           </a:xfrm>
           <a:prstGeom prst="rect">
             <a:avLst/>
@@ -5056,7 +9047,7 @@
           <p:cNvPr id="14" name="Picture 13">
             <a:extLst>
               <a:ext uri="{FF2B5EF4-FFF2-40B4-BE49-F238E27FC236}">
-                <a16:creationId xmlns:a16="http://schemas.microsoft.com/office/drawing/2014/main" id="{32EF84C7-E011-5179-C5DE-2132F0B65D95}"/>
+                <a16:creationId xmlns:a16="http://schemas.microsoft.com/office/drawing/2014/main" id="{F6C8BB5F-4922-E57C-5D3C-3740DF8EC516}"/>
               </a:ext>
             </a:extLst>
           </p:cNvPr>
@@ -5073,8 +9064,8 @@
         </p:blipFill>
         <p:spPr>
           <a:xfrm>
-            <a:off x="3356125" y="3384827"/>
-            <a:ext cx="3072905" cy="2799184"/>
+            <a:off x="3126182" y="3049725"/>
+            <a:ext cx="2969817" cy="2705279"/>
           </a:xfrm>
           <a:prstGeom prst="rect">
             <a:avLst/>
@@ -5086,7 +9077,7 @@
           <p:cNvPr id="16" name="Picture 15">
             <a:extLst>
               <a:ext uri="{FF2B5EF4-FFF2-40B4-BE49-F238E27FC236}">
-                <a16:creationId xmlns:a16="http://schemas.microsoft.com/office/drawing/2014/main" id="{EFF7FFAA-4E32-C01A-0698-F17D55546CD6}"/>
+                <a16:creationId xmlns:a16="http://schemas.microsoft.com/office/drawing/2014/main" id="{BC92C8B7-10BD-5CF1-6E24-CDB95B6A4511}"/>
               </a:ext>
             </a:extLst>
           </p:cNvPr>
@@ -5103,8 +9094,8 @@
         </p:blipFill>
         <p:spPr>
           <a:xfrm>
-            <a:off x="6326586" y="3266030"/>
-            <a:ext cx="3072905" cy="2799184"/>
+            <a:off x="6222004" y="3049724"/>
+            <a:ext cx="2969817" cy="2705279"/>
           </a:xfrm>
           <a:prstGeom prst="rect">
             <a:avLst/>
@@ -5116,7 +9107,7 @@
           <p:cNvPr id="18" name="Picture 17">
             <a:extLst>
               <a:ext uri="{FF2B5EF4-FFF2-40B4-BE49-F238E27FC236}">
-                <a16:creationId xmlns:a16="http://schemas.microsoft.com/office/drawing/2014/main" id="{BE878FB9-C207-8D67-0778-9678464821E3}"/>
+                <a16:creationId xmlns:a16="http://schemas.microsoft.com/office/drawing/2014/main" id="{6142B308-159A-DE6B-B539-62AEFE22B70A}"/>
               </a:ext>
             </a:extLst>
           </p:cNvPr>
@@ -5133,47 +9124,57 @@
         </p:blipFill>
         <p:spPr>
           <a:xfrm>
-            <a:off x="9314708" y="3429000"/>
-            <a:ext cx="3157688" cy="2876415"/>
+            <a:off x="9091111" y="3049723"/>
+            <a:ext cx="2969817" cy="2705279"/>
           </a:xfrm>
           <a:prstGeom prst="rect">
             <a:avLst/>
           </a:prstGeom>
         </p:spPr>
       </p:pic>
-      <p:pic>
-        <p:nvPicPr>
-          <p:cNvPr id="19" name="Picture 18">
-            <a:extLst>
-              <a:ext uri="{FF2B5EF4-FFF2-40B4-BE49-F238E27FC236}">
-                <a16:creationId xmlns:a16="http://schemas.microsoft.com/office/drawing/2014/main" id="{CC4D351B-D62C-3A23-FA21-CD4FE597A8B4}"/>
-              </a:ext>
-            </a:extLst>
-          </p:cNvPr>
-          <p:cNvPicPr>
-            <a:picLocks noChangeAspect="1"/>
-          </p:cNvPicPr>
+      <p:sp>
+        <p:nvSpPr>
+          <p:cNvPr id="19" name="TextBox 18">
+            <a:extLst>
+              <a:ext uri="{FF2B5EF4-FFF2-40B4-BE49-F238E27FC236}">
+                <a16:creationId xmlns:a16="http://schemas.microsoft.com/office/drawing/2014/main" id="{5327E73B-03C7-3845-E65B-E2963E33D6CF}"/>
+              </a:ext>
+            </a:extLst>
+          </p:cNvPr>
+          <p:cNvSpPr txBox="1"/>
           <p:nvPr/>
-        </p:nvPicPr>
-        <p:blipFill rotWithShape="1">
-          <a:blip r:embed="rId10"/>
-          <a:srcRect l="22563" t="32944" r="14469" b="37688"/>
-          <a:stretch/>
-        </p:blipFill>
-        <p:spPr>
-          <a:xfrm>
-            <a:off x="10179699" y="5940344"/>
-            <a:ext cx="1922106" cy="816580"/>
+        </p:nvSpPr>
+        <p:spPr>
+          <a:xfrm>
+            <a:off x="897807" y="0"/>
+            <a:ext cx="11163121" cy="369332"/>
           </a:xfrm>
           <a:prstGeom prst="rect">
             <a:avLst/>
           </a:prstGeom>
-        </p:spPr>
-      </p:pic>
+          <a:noFill/>
+        </p:spPr>
+        <p:txBody>
+          <a:bodyPr wrap="none" rtlCol="0">
+            <a:spAutoFit/>
+          </a:bodyPr>
+          <a:lstStyle/>
+          <a:p>
+            <a:r>
+              <a:rPr lang="en-US" dirty="0"/>
+              <a:t>Reproductive output values among migration rates when simulating a </a:t>
+            </a:r>
+            <a:r>
+              <a:rPr lang="en-US" b="1" u="sng" dirty="0"/>
+              <a:t>pop right at the cusp of becoming endangered </a:t>
+            </a:r>
+          </a:p>
+        </p:txBody>
+      </p:sp>
     </p:spTree>
     <p:extLst>
       <p:ext uri="{BB962C8B-B14F-4D97-AF65-F5344CB8AC3E}">
-        <p14:creationId xmlns:p14="http://schemas.microsoft.com/office/powerpoint/2010/main" val="1198945810"/>
+        <p14:creationId xmlns:p14="http://schemas.microsoft.com/office/powerpoint/2010/main" val="470024624"/>
       </p:ext>
     </p:extLst>
   </p:cSld>

--- a/Output_local/holding/figs/Figs_1.13.23.pptx
+++ b/Output_local/holding/figs/Figs_1.13.23.pptx
@@ -19,14 +19,18 @@
     <p:sldId id="269" r:id="rId13"/>
     <p:sldId id="264" r:id="rId14"/>
     <p:sldId id="265" r:id="rId15"/>
-    <p:sldId id="266" r:id="rId16"/>
-    <p:sldId id="271" r:id="rId17"/>
-    <p:sldId id="272" r:id="rId18"/>
-    <p:sldId id="273" r:id="rId19"/>
-    <p:sldId id="275" r:id="rId20"/>
-    <p:sldId id="276" r:id="rId21"/>
-    <p:sldId id="277" r:id="rId22"/>
-    <p:sldId id="278" r:id="rId23"/>
+    <p:sldId id="279" r:id="rId16"/>
+    <p:sldId id="266" r:id="rId17"/>
+    <p:sldId id="280" r:id="rId18"/>
+    <p:sldId id="271" r:id="rId19"/>
+    <p:sldId id="272" r:id="rId20"/>
+    <p:sldId id="273" r:id="rId21"/>
+    <p:sldId id="281" r:id="rId22"/>
+    <p:sldId id="282" r:id="rId23"/>
+    <p:sldId id="275" r:id="rId24"/>
+    <p:sldId id="276" r:id="rId25"/>
+    <p:sldId id="277" r:id="rId26"/>
+    <p:sldId id="278" r:id="rId27"/>
   </p:sldIdLst>
   <p:sldSz cx="12192000" cy="6858000"/>
   <p:notesSz cx="6858000" cy="9144000"/>
@@ -326,7 +330,7 @@
           <a:p>
             <a:fld id="{7A4046AA-27C9-44E6-A581-156BA02D08E8}" type="datetimeFigureOut">
               <a:rPr lang="en-US" smtClean="0"/>
-              <a:t>1/17/2023</a:t>
+              <a:t>1/27/2023</a:t>
             </a:fld>
             <a:endParaRPr lang="en-US"/>
           </a:p>
@@ -524,7 +528,7 @@
           <a:p>
             <a:fld id="{7A4046AA-27C9-44E6-A581-156BA02D08E8}" type="datetimeFigureOut">
               <a:rPr lang="en-US" smtClean="0"/>
-              <a:t>1/17/2023</a:t>
+              <a:t>1/27/2023</a:t>
             </a:fld>
             <a:endParaRPr lang="en-US"/>
           </a:p>
@@ -732,7 +736,7 @@
           <a:p>
             <a:fld id="{7A4046AA-27C9-44E6-A581-156BA02D08E8}" type="datetimeFigureOut">
               <a:rPr lang="en-US" smtClean="0"/>
-              <a:t>1/17/2023</a:t>
+              <a:t>1/27/2023</a:t>
             </a:fld>
             <a:endParaRPr lang="en-US"/>
           </a:p>
@@ -930,7 +934,7 @@
           <a:p>
             <a:fld id="{7A4046AA-27C9-44E6-A581-156BA02D08E8}" type="datetimeFigureOut">
               <a:rPr lang="en-US" smtClean="0"/>
-              <a:t>1/17/2023</a:t>
+              <a:t>1/27/2023</a:t>
             </a:fld>
             <a:endParaRPr lang="en-US"/>
           </a:p>
@@ -1205,7 +1209,7 @@
           <a:p>
             <a:fld id="{7A4046AA-27C9-44E6-A581-156BA02D08E8}" type="datetimeFigureOut">
               <a:rPr lang="en-US" smtClean="0"/>
-              <a:t>1/17/2023</a:t>
+              <a:t>1/27/2023</a:t>
             </a:fld>
             <a:endParaRPr lang="en-US"/>
           </a:p>
@@ -1470,7 +1474,7 @@
           <a:p>
             <a:fld id="{7A4046AA-27C9-44E6-A581-156BA02D08E8}" type="datetimeFigureOut">
               <a:rPr lang="en-US" smtClean="0"/>
-              <a:t>1/17/2023</a:t>
+              <a:t>1/27/2023</a:t>
             </a:fld>
             <a:endParaRPr lang="en-US"/>
           </a:p>
@@ -1882,7 +1886,7 @@
           <a:p>
             <a:fld id="{7A4046AA-27C9-44E6-A581-156BA02D08E8}" type="datetimeFigureOut">
               <a:rPr lang="en-US" smtClean="0"/>
-              <a:t>1/17/2023</a:t>
+              <a:t>1/27/2023</a:t>
             </a:fld>
             <a:endParaRPr lang="en-US"/>
           </a:p>
@@ -2023,7 +2027,7 @@
           <a:p>
             <a:fld id="{7A4046AA-27C9-44E6-A581-156BA02D08E8}" type="datetimeFigureOut">
               <a:rPr lang="en-US" smtClean="0"/>
-              <a:t>1/17/2023</a:t>
+              <a:t>1/27/2023</a:t>
             </a:fld>
             <a:endParaRPr lang="en-US"/>
           </a:p>
@@ -2136,7 +2140,7 @@
           <a:p>
             <a:fld id="{7A4046AA-27C9-44E6-A581-156BA02D08E8}" type="datetimeFigureOut">
               <a:rPr lang="en-US" smtClean="0"/>
-              <a:t>1/17/2023</a:t>
+              <a:t>1/27/2023</a:t>
             </a:fld>
             <a:endParaRPr lang="en-US"/>
           </a:p>
@@ -2447,7 +2451,7 @@
           <a:p>
             <a:fld id="{7A4046AA-27C9-44E6-A581-156BA02D08E8}" type="datetimeFigureOut">
               <a:rPr lang="en-US" smtClean="0"/>
-              <a:t>1/17/2023</a:t>
+              <a:t>1/27/2023</a:t>
             </a:fld>
             <a:endParaRPr lang="en-US"/>
           </a:p>
@@ -2735,7 +2739,7 @@
           <a:p>
             <a:fld id="{7A4046AA-27C9-44E6-A581-156BA02D08E8}" type="datetimeFigureOut">
               <a:rPr lang="en-US" smtClean="0"/>
-              <a:t>1/17/2023</a:t>
+              <a:t>1/27/2023</a:t>
             </a:fld>
             <a:endParaRPr lang="en-US"/>
           </a:p>
@@ -2976,7 +2980,7 @@
           <a:p>
             <a:fld id="{7A4046AA-27C9-44E6-A581-156BA02D08E8}" type="datetimeFigureOut">
               <a:rPr lang="en-US" smtClean="0"/>
-              <a:t>1/17/2023</a:t>
+              <a:t>1/27/2023</a:t>
             </a:fld>
             <a:endParaRPr lang="en-US"/>
           </a:p>
@@ -5002,6 +5006,485 @@
           <p:cNvPr id="5" name="Picture 4">
             <a:extLst>
               <a:ext uri="{FF2B5EF4-FFF2-40B4-BE49-F238E27FC236}">
+                <a16:creationId xmlns:a16="http://schemas.microsoft.com/office/drawing/2014/main" id="{7924FE77-992E-B12F-4850-4B1EA0ABF6BF}"/>
+              </a:ext>
+            </a:extLst>
+          </p:cNvPr>
+          <p:cNvPicPr>
+            <a:picLocks noChangeAspect="1"/>
+          </p:cNvPicPr>
+          <p:nvPr/>
+        </p:nvPicPr>
+        <p:blipFill>
+          <a:blip r:embed="rId2"/>
+          <a:stretch>
+            <a:fillRect/>
+          </a:stretch>
+        </p:blipFill>
+        <p:spPr>
+          <a:xfrm>
+            <a:off x="144989" y="1520345"/>
+            <a:ext cx="2694826" cy="2603785"/>
+          </a:xfrm>
+          <a:prstGeom prst="rect">
+            <a:avLst/>
+          </a:prstGeom>
+        </p:spPr>
+      </p:pic>
+      <p:sp>
+        <p:nvSpPr>
+          <p:cNvPr id="6" name="TextBox 5">
+            <a:extLst>
+              <a:ext uri="{FF2B5EF4-FFF2-40B4-BE49-F238E27FC236}">
+                <a16:creationId xmlns:a16="http://schemas.microsoft.com/office/drawing/2014/main" id="{0CE1BDE8-4C7A-90A1-2215-8CD366ED3ECD}"/>
+              </a:ext>
+            </a:extLst>
+          </p:cNvPr>
+          <p:cNvSpPr txBox="1"/>
+          <p:nvPr/>
+        </p:nvSpPr>
+        <p:spPr>
+          <a:xfrm>
+            <a:off x="1716494" y="30127"/>
+            <a:ext cx="7929478" cy="369332"/>
+          </a:xfrm>
+          <a:prstGeom prst="rect">
+            <a:avLst/>
+          </a:prstGeom>
+          <a:noFill/>
+        </p:spPr>
+        <p:txBody>
+          <a:bodyPr wrap="none" rtlCol="0">
+            <a:spAutoFit/>
+          </a:bodyPr>
+          <a:lstStyle/>
+          <a:p>
+            <a:r>
+              <a:rPr lang="en-US" dirty="0"/>
+              <a:t>output values among migration rates when simulating a </a:t>
+            </a:r>
+            <a:r>
+              <a:rPr lang="en-US" b="1" u="sng" dirty="0"/>
+              <a:t>critically endangered pop </a:t>
+            </a:r>
+          </a:p>
+        </p:txBody>
+      </p:sp>
+      <p:pic>
+        <p:nvPicPr>
+          <p:cNvPr id="8" name="Picture 7">
+            <a:extLst>
+              <a:ext uri="{FF2B5EF4-FFF2-40B4-BE49-F238E27FC236}">
+                <a16:creationId xmlns:a16="http://schemas.microsoft.com/office/drawing/2014/main" id="{041D0FD1-58EF-0B61-5F20-F55ECA50D0C0}"/>
+              </a:ext>
+            </a:extLst>
+          </p:cNvPr>
+          <p:cNvPicPr>
+            <a:picLocks noChangeAspect="1"/>
+          </p:cNvPicPr>
+          <p:nvPr/>
+        </p:nvPicPr>
+        <p:blipFill>
+          <a:blip r:embed="rId3"/>
+          <a:stretch>
+            <a:fillRect/>
+          </a:stretch>
+        </p:blipFill>
+        <p:spPr>
+          <a:xfrm>
+            <a:off x="2625930" y="3763448"/>
+            <a:ext cx="2804912" cy="2710151"/>
+          </a:xfrm>
+          <a:prstGeom prst="rect">
+            <a:avLst/>
+          </a:prstGeom>
+        </p:spPr>
+      </p:pic>
+      <p:sp>
+        <p:nvSpPr>
+          <p:cNvPr id="9" name="Rectangle 8">
+            <a:extLst>
+              <a:ext uri="{FF2B5EF4-FFF2-40B4-BE49-F238E27FC236}">
+                <a16:creationId xmlns:a16="http://schemas.microsoft.com/office/drawing/2014/main" id="{6B3B4404-7506-D6CB-7843-FA961212585B}"/>
+              </a:ext>
+            </a:extLst>
+          </p:cNvPr>
+          <p:cNvSpPr/>
+          <p:nvPr/>
+        </p:nvSpPr>
+        <p:spPr>
+          <a:xfrm>
+            <a:off x="2917202" y="3563393"/>
+            <a:ext cx="2621039" cy="400110"/>
+          </a:xfrm>
+          <a:prstGeom prst="rect">
+            <a:avLst/>
+          </a:prstGeom>
+          <a:noFill/>
+        </p:spPr>
+        <p:txBody>
+          <a:bodyPr wrap="none" lIns="91440" tIns="45720" rIns="91440" bIns="45720">
+            <a:spAutoFit/>
+          </a:bodyPr>
+          <a:lstStyle/>
+          <a:p>
+            <a:pPr algn="ctr"/>
+            <a:r>
+              <a:rPr lang="en-US" sz="2000" b="0" cap="none" spc="0" dirty="0">
+                <a:ln w="0"/>
+                <a:solidFill>
+                  <a:schemeClr val="tx1"/>
+                </a:solidFill>
+                <a:effectLst>
+                  <a:outerShdw blurRad="38100" dist="19050" dir="2700000" algn="tl" rotWithShape="0">
+                    <a:schemeClr val="dk1">
+                      <a:alpha val="40000"/>
+                    </a:schemeClr>
+                  </a:outerShdw>
+                </a:effectLst>
+              </a:rPr>
+              <a:t>Minor allel</a:t>
+            </a:r>
+            <a:r>
+              <a:rPr lang="en-US" sz="2000" dirty="0">
+                <a:ln w="0"/>
+                <a:effectLst>
+                  <a:outerShdw blurRad="38100" dist="19050" dir="2700000" algn="tl" rotWithShape="0">
+                    <a:schemeClr val="dk1">
+                      <a:alpha val="40000"/>
+                    </a:schemeClr>
+                  </a:outerShdw>
+                </a:effectLst>
+              </a:rPr>
+              <a:t>e </a:t>
+            </a:r>
+            <a:r>
+              <a:rPr lang="en-US" sz="2000" dirty="0" err="1">
+                <a:ln w="0"/>
+                <a:effectLst>
+                  <a:outerShdw blurRad="38100" dist="19050" dir="2700000" algn="tl" rotWithShape="0">
+                    <a:schemeClr val="dk1">
+                      <a:alpha val="40000"/>
+                    </a:schemeClr>
+                  </a:outerShdw>
+                </a:effectLst>
+              </a:rPr>
+              <a:t>freq</a:t>
+            </a:r>
+            <a:r>
+              <a:rPr lang="en-US" sz="2000" dirty="0">
+                <a:ln w="0"/>
+                <a:effectLst>
+                  <a:outerShdw blurRad="38100" dist="19050" dir="2700000" algn="tl" rotWithShape="0">
+                    <a:schemeClr val="dk1">
+                      <a:alpha val="40000"/>
+                    </a:schemeClr>
+                  </a:outerShdw>
+                </a:effectLst>
+              </a:rPr>
+              <a:t> = 0.45</a:t>
+            </a:r>
+            <a:endParaRPr lang="en-US" sz="2000" b="0" cap="none" spc="0" dirty="0">
+              <a:ln w="0"/>
+              <a:solidFill>
+                <a:schemeClr val="tx1"/>
+              </a:solidFill>
+              <a:effectLst>
+                <a:outerShdw blurRad="38100" dist="19050" dir="2700000" algn="tl" rotWithShape="0">
+                  <a:schemeClr val="dk1">
+                    <a:alpha val="40000"/>
+                  </a:schemeClr>
+                </a:outerShdw>
+              </a:effectLst>
+            </a:endParaRPr>
+          </a:p>
+        </p:txBody>
+      </p:sp>
+      <p:pic>
+        <p:nvPicPr>
+          <p:cNvPr id="11" name="Picture 10">
+            <a:extLst>
+              <a:ext uri="{FF2B5EF4-FFF2-40B4-BE49-F238E27FC236}">
+                <a16:creationId xmlns:a16="http://schemas.microsoft.com/office/drawing/2014/main" id="{DB7B343C-ED80-ED2B-217E-190F8A86E841}"/>
+              </a:ext>
+            </a:extLst>
+          </p:cNvPr>
+          <p:cNvPicPr>
+            <a:picLocks noChangeAspect="1"/>
+          </p:cNvPicPr>
+          <p:nvPr/>
+        </p:nvPicPr>
+        <p:blipFill>
+          <a:blip r:embed="rId4"/>
+          <a:stretch>
+            <a:fillRect/>
+          </a:stretch>
+        </p:blipFill>
+        <p:spPr>
+          <a:xfrm>
+            <a:off x="5645641" y="3892622"/>
+            <a:ext cx="2944566" cy="2451801"/>
+          </a:xfrm>
+          <a:prstGeom prst="rect">
+            <a:avLst/>
+          </a:prstGeom>
+        </p:spPr>
+      </p:pic>
+      <p:pic>
+        <p:nvPicPr>
+          <p:cNvPr id="13" name="Picture 12">
+            <a:extLst>
+              <a:ext uri="{FF2B5EF4-FFF2-40B4-BE49-F238E27FC236}">
+                <a16:creationId xmlns:a16="http://schemas.microsoft.com/office/drawing/2014/main" id="{EF9FF2F6-4CDA-7B3F-38B7-D45D348A8759}"/>
+              </a:ext>
+            </a:extLst>
+          </p:cNvPr>
+          <p:cNvPicPr>
+            <a:picLocks noChangeAspect="1"/>
+          </p:cNvPicPr>
+          <p:nvPr/>
+        </p:nvPicPr>
+        <p:blipFill>
+          <a:blip r:embed="rId5"/>
+          <a:stretch>
+            <a:fillRect/>
+          </a:stretch>
+        </p:blipFill>
+        <p:spPr>
+          <a:xfrm>
+            <a:off x="8721031" y="3763448"/>
+            <a:ext cx="2881586" cy="2784235"/>
+          </a:xfrm>
+          <a:prstGeom prst="rect">
+            <a:avLst/>
+          </a:prstGeom>
+        </p:spPr>
+      </p:pic>
+      <p:pic>
+        <p:nvPicPr>
+          <p:cNvPr id="15" name="Picture 14">
+            <a:extLst>
+              <a:ext uri="{FF2B5EF4-FFF2-40B4-BE49-F238E27FC236}">
+                <a16:creationId xmlns:a16="http://schemas.microsoft.com/office/drawing/2014/main" id="{15BF4B38-8963-8487-A869-16688E65D71E}"/>
+              </a:ext>
+            </a:extLst>
+          </p:cNvPr>
+          <p:cNvPicPr>
+            <a:picLocks noChangeAspect="1"/>
+          </p:cNvPicPr>
+          <p:nvPr/>
+        </p:nvPicPr>
+        <p:blipFill>
+          <a:blip r:embed="rId6"/>
+          <a:stretch>
+            <a:fillRect/>
+          </a:stretch>
+        </p:blipFill>
+        <p:spPr>
+          <a:xfrm>
+            <a:off x="2787916" y="686612"/>
+            <a:ext cx="2694826" cy="2603785"/>
+          </a:xfrm>
+          <a:prstGeom prst="rect">
+            <a:avLst/>
+          </a:prstGeom>
+        </p:spPr>
+      </p:pic>
+      <p:sp>
+        <p:nvSpPr>
+          <p:cNvPr id="16" name="Rectangle 15">
+            <a:extLst>
+              <a:ext uri="{FF2B5EF4-FFF2-40B4-BE49-F238E27FC236}">
+                <a16:creationId xmlns:a16="http://schemas.microsoft.com/office/drawing/2014/main" id="{AEF7291D-1EEC-405A-787B-EF43ED321BAB}"/>
+              </a:ext>
+            </a:extLst>
+          </p:cNvPr>
+          <p:cNvSpPr/>
+          <p:nvPr/>
+        </p:nvSpPr>
+        <p:spPr>
+          <a:xfrm>
+            <a:off x="3156504" y="547324"/>
+            <a:ext cx="2621038" cy="400110"/>
+          </a:xfrm>
+          <a:prstGeom prst="rect">
+            <a:avLst/>
+          </a:prstGeom>
+          <a:noFill/>
+        </p:spPr>
+        <p:txBody>
+          <a:bodyPr wrap="none" lIns="91440" tIns="45720" rIns="91440" bIns="45720">
+            <a:spAutoFit/>
+          </a:bodyPr>
+          <a:lstStyle/>
+          <a:p>
+            <a:pPr algn="ctr"/>
+            <a:r>
+              <a:rPr lang="en-US" sz="2000" b="0" cap="none" spc="0" dirty="0">
+                <a:ln w="0"/>
+                <a:solidFill>
+                  <a:schemeClr val="tx1"/>
+                </a:solidFill>
+                <a:effectLst>
+                  <a:outerShdw blurRad="38100" dist="19050" dir="2700000" algn="tl" rotWithShape="0">
+                    <a:schemeClr val="dk1">
+                      <a:alpha val="40000"/>
+                    </a:schemeClr>
+                  </a:outerShdw>
+                </a:effectLst>
+              </a:rPr>
+              <a:t>Minor allel</a:t>
+            </a:r>
+            <a:r>
+              <a:rPr lang="en-US" sz="2000" dirty="0">
+                <a:ln w="0"/>
+                <a:effectLst>
+                  <a:outerShdw blurRad="38100" dist="19050" dir="2700000" algn="tl" rotWithShape="0">
+                    <a:schemeClr val="dk1">
+                      <a:alpha val="40000"/>
+                    </a:schemeClr>
+                  </a:outerShdw>
+                </a:effectLst>
+              </a:rPr>
+              <a:t>e </a:t>
+            </a:r>
+            <a:r>
+              <a:rPr lang="en-US" sz="2000" dirty="0" err="1">
+                <a:ln w="0"/>
+                <a:effectLst>
+                  <a:outerShdw blurRad="38100" dist="19050" dir="2700000" algn="tl" rotWithShape="0">
+                    <a:schemeClr val="dk1">
+                      <a:alpha val="40000"/>
+                    </a:schemeClr>
+                  </a:outerShdw>
+                </a:effectLst>
+              </a:rPr>
+              <a:t>freq</a:t>
+            </a:r>
+            <a:r>
+              <a:rPr lang="en-US" sz="2000" dirty="0">
+                <a:ln w="0"/>
+                <a:effectLst>
+                  <a:outerShdw blurRad="38100" dist="19050" dir="2700000" algn="tl" rotWithShape="0">
+                    <a:schemeClr val="dk1">
+                      <a:alpha val="40000"/>
+                    </a:schemeClr>
+                  </a:outerShdw>
+                </a:effectLst>
+              </a:rPr>
+              <a:t> = 0.07</a:t>
+            </a:r>
+            <a:endParaRPr lang="en-US" sz="2000" b="0" cap="none" spc="0" dirty="0">
+              <a:ln w="0"/>
+              <a:solidFill>
+                <a:schemeClr val="tx1"/>
+              </a:solidFill>
+              <a:effectLst>
+                <a:outerShdw blurRad="38100" dist="19050" dir="2700000" algn="tl" rotWithShape="0">
+                  <a:schemeClr val="dk1">
+                    <a:alpha val="40000"/>
+                  </a:schemeClr>
+                </a:outerShdw>
+              </a:effectLst>
+            </a:endParaRPr>
+          </a:p>
+        </p:txBody>
+      </p:sp>
+      <p:pic>
+        <p:nvPicPr>
+          <p:cNvPr id="18" name="Picture 17">
+            <a:extLst>
+              <a:ext uri="{FF2B5EF4-FFF2-40B4-BE49-F238E27FC236}">
+                <a16:creationId xmlns:a16="http://schemas.microsoft.com/office/drawing/2014/main" id="{D17BCF0F-8AA1-BB0C-A994-EAB67F37DF20}"/>
+              </a:ext>
+            </a:extLst>
+          </p:cNvPr>
+          <p:cNvPicPr>
+            <a:picLocks noChangeAspect="1"/>
+          </p:cNvPicPr>
+          <p:nvPr/>
+        </p:nvPicPr>
+        <p:blipFill>
+          <a:blip r:embed="rId7"/>
+          <a:stretch>
+            <a:fillRect/>
+          </a:stretch>
+        </p:blipFill>
+        <p:spPr>
+          <a:xfrm>
+            <a:off x="5839445" y="753923"/>
+            <a:ext cx="2881586" cy="2784235"/>
+          </a:xfrm>
+          <a:prstGeom prst="rect">
+            <a:avLst/>
+          </a:prstGeom>
+        </p:spPr>
+      </p:pic>
+      <p:pic>
+        <p:nvPicPr>
+          <p:cNvPr id="20" name="Picture 19">
+            <a:extLst>
+              <a:ext uri="{FF2B5EF4-FFF2-40B4-BE49-F238E27FC236}">
+                <a16:creationId xmlns:a16="http://schemas.microsoft.com/office/drawing/2014/main" id="{9E70AC9B-37DD-C11C-C707-F112FF7AED62}"/>
+              </a:ext>
+            </a:extLst>
+          </p:cNvPr>
+          <p:cNvPicPr>
+            <a:picLocks noChangeAspect="1"/>
+          </p:cNvPicPr>
+          <p:nvPr/>
+        </p:nvPicPr>
+        <p:blipFill>
+          <a:blip r:embed="rId8"/>
+          <a:stretch>
+            <a:fillRect/>
+          </a:stretch>
+        </p:blipFill>
+        <p:spPr>
+          <a:xfrm>
+            <a:off x="8972955" y="779157"/>
+            <a:ext cx="2881587" cy="2784236"/>
+          </a:xfrm>
+          <a:prstGeom prst="rect">
+            <a:avLst/>
+          </a:prstGeom>
+        </p:spPr>
+      </p:pic>
+    </p:spTree>
+    <p:extLst>
+      <p:ext uri="{BB962C8B-B14F-4D97-AF65-F5344CB8AC3E}">
+        <p14:creationId xmlns:p14="http://schemas.microsoft.com/office/powerpoint/2010/main" val="772700673"/>
+      </p:ext>
+    </p:extLst>
+  </p:cSld>
+  <p:clrMapOvr>
+    <a:masterClrMapping/>
+  </p:clrMapOvr>
+</p:sld>
+</file>
+
+<file path=ppt/slides/slide16.xml><?xml version="1.0" encoding="utf-8"?>
+<p:sld xmlns:a="http://schemas.openxmlformats.org/drawingml/2006/main" xmlns:r="http://schemas.openxmlformats.org/officeDocument/2006/relationships" xmlns:p="http://schemas.openxmlformats.org/presentationml/2006/main">
+  <p:cSld>
+    <p:spTree>
+      <p:nvGrpSpPr>
+        <p:cNvPr id="1" name=""/>
+        <p:cNvGrpSpPr/>
+        <p:nvPr/>
+      </p:nvGrpSpPr>
+      <p:grpSpPr>
+        <a:xfrm>
+          <a:off x="0" y="0"/>
+          <a:ext cx="0" cy="0"/>
+          <a:chOff x="0" y="0"/>
+          <a:chExt cx="0" cy="0"/>
+        </a:xfrm>
+      </p:grpSpPr>
+      <p:pic>
+        <p:nvPicPr>
+          <p:cNvPr id="5" name="Picture 4">
+            <a:extLst>
+              <a:ext uri="{FF2B5EF4-FFF2-40B4-BE49-F238E27FC236}">
                 <a16:creationId xmlns:a16="http://schemas.microsoft.com/office/drawing/2014/main" id="{B72E790C-B4A5-4810-B686-3808058AA535}"/>
               </a:ext>
             </a:extLst>
@@ -5429,7 +5912,426 @@
 </p:sld>
 </file>
 
-<file path=ppt/slides/slide16.xml><?xml version="1.0" encoding="utf-8"?>
+<file path=ppt/slides/slide17.xml><?xml version="1.0" encoding="utf-8"?>
+<p:sld xmlns:a="http://schemas.openxmlformats.org/drawingml/2006/main" xmlns:r="http://schemas.openxmlformats.org/officeDocument/2006/relationships" xmlns:p="http://schemas.openxmlformats.org/presentationml/2006/main">
+  <p:cSld>
+    <p:spTree>
+      <p:nvGrpSpPr>
+        <p:cNvPr id="1" name=""/>
+        <p:cNvGrpSpPr/>
+        <p:nvPr/>
+      </p:nvGrpSpPr>
+      <p:grpSpPr>
+        <a:xfrm>
+          <a:off x="0" y="0"/>
+          <a:ext cx="0" cy="0"/>
+          <a:chOff x="0" y="0"/>
+          <a:chExt cx="0" cy="0"/>
+        </a:xfrm>
+      </p:grpSpPr>
+      <p:sp>
+        <p:nvSpPr>
+          <p:cNvPr id="4" name="TextBox 3">
+            <a:extLst>
+              <a:ext uri="{FF2B5EF4-FFF2-40B4-BE49-F238E27FC236}">
+                <a16:creationId xmlns:a16="http://schemas.microsoft.com/office/drawing/2014/main" id="{0F3DDA22-B8F8-2763-52CA-639471D6ED16}"/>
+              </a:ext>
+            </a:extLst>
+          </p:cNvPr>
+          <p:cNvSpPr txBox="1"/>
+          <p:nvPr/>
+        </p:nvSpPr>
+        <p:spPr>
+          <a:xfrm>
+            <a:off x="1716494" y="30127"/>
+            <a:ext cx="9174627" cy="369332"/>
+          </a:xfrm>
+          <a:prstGeom prst="rect">
+            <a:avLst/>
+          </a:prstGeom>
+          <a:noFill/>
+        </p:spPr>
+        <p:txBody>
+          <a:bodyPr wrap="none" rtlCol="0">
+            <a:spAutoFit/>
+          </a:bodyPr>
+          <a:lstStyle/>
+          <a:p>
+            <a:r>
+              <a:rPr lang="en-US" dirty="0"/>
+              <a:t>Reproductive output values among migration rates when simulating a </a:t>
+            </a:r>
+            <a:r>
+              <a:rPr lang="en-US" b="1" u="sng" dirty="0"/>
+              <a:t>critically endangered pop </a:t>
+            </a:r>
+          </a:p>
+        </p:txBody>
+      </p:sp>
+      <p:sp>
+        <p:nvSpPr>
+          <p:cNvPr id="5" name="Rectangle 4">
+            <a:extLst>
+              <a:ext uri="{FF2B5EF4-FFF2-40B4-BE49-F238E27FC236}">
+                <a16:creationId xmlns:a16="http://schemas.microsoft.com/office/drawing/2014/main" id="{EE0996AF-68DB-1454-3C3A-FF8B989CA9EA}"/>
+              </a:ext>
+            </a:extLst>
+          </p:cNvPr>
+          <p:cNvSpPr/>
+          <p:nvPr/>
+        </p:nvSpPr>
+        <p:spPr>
+          <a:xfrm>
+            <a:off x="3158007" y="3236474"/>
+            <a:ext cx="2621039" cy="400110"/>
+          </a:xfrm>
+          <a:prstGeom prst="rect">
+            <a:avLst/>
+          </a:prstGeom>
+          <a:noFill/>
+        </p:spPr>
+        <p:txBody>
+          <a:bodyPr wrap="none" lIns="91440" tIns="45720" rIns="91440" bIns="45720">
+            <a:spAutoFit/>
+          </a:bodyPr>
+          <a:lstStyle/>
+          <a:p>
+            <a:pPr algn="ctr"/>
+            <a:r>
+              <a:rPr lang="en-US" sz="2000" b="0" cap="none" spc="0" dirty="0">
+                <a:ln w="0"/>
+                <a:solidFill>
+                  <a:schemeClr val="tx1"/>
+                </a:solidFill>
+                <a:effectLst>
+                  <a:outerShdw blurRad="38100" dist="19050" dir="2700000" algn="tl" rotWithShape="0">
+                    <a:schemeClr val="dk1">
+                      <a:alpha val="40000"/>
+                    </a:schemeClr>
+                  </a:outerShdw>
+                </a:effectLst>
+              </a:rPr>
+              <a:t>Minor allel</a:t>
+            </a:r>
+            <a:r>
+              <a:rPr lang="en-US" sz="2000" dirty="0">
+                <a:ln w="0"/>
+                <a:effectLst>
+                  <a:outerShdw blurRad="38100" dist="19050" dir="2700000" algn="tl" rotWithShape="0">
+                    <a:schemeClr val="dk1">
+                      <a:alpha val="40000"/>
+                    </a:schemeClr>
+                  </a:outerShdw>
+                </a:effectLst>
+              </a:rPr>
+              <a:t>e </a:t>
+            </a:r>
+            <a:r>
+              <a:rPr lang="en-US" sz="2000" dirty="0" err="1">
+                <a:ln w="0"/>
+                <a:effectLst>
+                  <a:outerShdw blurRad="38100" dist="19050" dir="2700000" algn="tl" rotWithShape="0">
+                    <a:schemeClr val="dk1">
+                      <a:alpha val="40000"/>
+                    </a:schemeClr>
+                  </a:outerShdw>
+                </a:effectLst>
+              </a:rPr>
+              <a:t>freq</a:t>
+            </a:r>
+            <a:r>
+              <a:rPr lang="en-US" sz="2000" dirty="0">
+                <a:ln w="0"/>
+                <a:effectLst>
+                  <a:outerShdw blurRad="38100" dist="19050" dir="2700000" algn="tl" rotWithShape="0">
+                    <a:schemeClr val="dk1">
+                      <a:alpha val="40000"/>
+                    </a:schemeClr>
+                  </a:outerShdw>
+                </a:effectLst>
+              </a:rPr>
+              <a:t> = 0.45</a:t>
+            </a:r>
+            <a:endParaRPr lang="en-US" sz="2000" b="0" cap="none" spc="0" dirty="0">
+              <a:ln w="0"/>
+              <a:solidFill>
+                <a:schemeClr val="tx1"/>
+              </a:solidFill>
+              <a:effectLst>
+                <a:outerShdw blurRad="38100" dist="19050" dir="2700000" algn="tl" rotWithShape="0">
+                  <a:schemeClr val="dk1">
+                    <a:alpha val="40000"/>
+                  </a:schemeClr>
+                </a:outerShdw>
+              </a:effectLst>
+            </a:endParaRPr>
+          </a:p>
+        </p:txBody>
+      </p:sp>
+      <p:pic>
+        <p:nvPicPr>
+          <p:cNvPr id="6" name="Picture 5">
+            <a:extLst>
+              <a:ext uri="{FF2B5EF4-FFF2-40B4-BE49-F238E27FC236}">
+                <a16:creationId xmlns:a16="http://schemas.microsoft.com/office/drawing/2014/main" id="{FDD4A79E-735A-CADD-B8C9-BA25F4A7B12F}"/>
+              </a:ext>
+            </a:extLst>
+          </p:cNvPr>
+          <p:cNvPicPr>
+            <a:picLocks noChangeAspect="1"/>
+          </p:cNvPicPr>
+          <p:nvPr/>
+        </p:nvPicPr>
+        <p:blipFill>
+          <a:blip r:embed="rId2"/>
+          <a:stretch>
+            <a:fillRect/>
+          </a:stretch>
+        </p:blipFill>
+        <p:spPr>
+          <a:xfrm>
+            <a:off x="144989" y="1520345"/>
+            <a:ext cx="2694826" cy="2603785"/>
+          </a:xfrm>
+          <a:prstGeom prst="rect">
+            <a:avLst/>
+          </a:prstGeom>
+        </p:spPr>
+      </p:pic>
+      <p:pic>
+        <p:nvPicPr>
+          <p:cNvPr id="8" name="Picture 7">
+            <a:extLst>
+              <a:ext uri="{FF2B5EF4-FFF2-40B4-BE49-F238E27FC236}">
+                <a16:creationId xmlns:a16="http://schemas.microsoft.com/office/drawing/2014/main" id="{3A890F60-F758-4DD1-C3F3-7276179050A1}"/>
+              </a:ext>
+            </a:extLst>
+          </p:cNvPr>
+          <p:cNvPicPr>
+            <a:picLocks noChangeAspect="1"/>
+          </p:cNvPicPr>
+          <p:nvPr/>
+        </p:nvPicPr>
+        <p:blipFill>
+          <a:blip r:embed="rId3"/>
+          <a:stretch>
+            <a:fillRect/>
+          </a:stretch>
+        </p:blipFill>
+        <p:spPr>
+          <a:xfrm>
+            <a:off x="3158007" y="3636584"/>
+            <a:ext cx="2819400" cy="2724150"/>
+          </a:xfrm>
+          <a:prstGeom prst="rect">
+            <a:avLst/>
+          </a:prstGeom>
+        </p:spPr>
+      </p:pic>
+      <p:pic>
+        <p:nvPicPr>
+          <p:cNvPr id="10" name="Picture 9">
+            <a:extLst>
+              <a:ext uri="{FF2B5EF4-FFF2-40B4-BE49-F238E27FC236}">
+                <a16:creationId xmlns:a16="http://schemas.microsoft.com/office/drawing/2014/main" id="{E89956BF-6D8C-4B76-D98E-A61033D3D4B1}"/>
+              </a:ext>
+            </a:extLst>
+          </p:cNvPr>
+          <p:cNvPicPr>
+            <a:picLocks noChangeAspect="1"/>
+          </p:cNvPicPr>
+          <p:nvPr/>
+        </p:nvPicPr>
+        <p:blipFill>
+          <a:blip r:embed="rId4"/>
+          <a:stretch>
+            <a:fillRect/>
+          </a:stretch>
+        </p:blipFill>
+        <p:spPr>
+          <a:xfrm>
+            <a:off x="6096000" y="3676239"/>
+            <a:ext cx="2737317" cy="2644840"/>
+          </a:xfrm>
+          <a:prstGeom prst="rect">
+            <a:avLst/>
+          </a:prstGeom>
+        </p:spPr>
+      </p:pic>
+      <p:sp>
+        <p:nvSpPr>
+          <p:cNvPr id="11" name="Rectangle 10">
+            <a:extLst>
+              <a:ext uri="{FF2B5EF4-FFF2-40B4-BE49-F238E27FC236}">
+                <a16:creationId xmlns:a16="http://schemas.microsoft.com/office/drawing/2014/main" id="{53A93BDB-E084-70C2-9A5E-B9B31D6213E0}"/>
+              </a:ext>
+            </a:extLst>
+          </p:cNvPr>
+          <p:cNvSpPr/>
+          <p:nvPr/>
+        </p:nvSpPr>
+        <p:spPr>
+          <a:xfrm>
+            <a:off x="3156504" y="351543"/>
+            <a:ext cx="2621038" cy="400110"/>
+          </a:xfrm>
+          <a:prstGeom prst="rect">
+            <a:avLst/>
+          </a:prstGeom>
+          <a:noFill/>
+        </p:spPr>
+        <p:txBody>
+          <a:bodyPr wrap="none" lIns="91440" tIns="45720" rIns="91440" bIns="45720">
+            <a:spAutoFit/>
+          </a:bodyPr>
+          <a:lstStyle/>
+          <a:p>
+            <a:pPr algn="ctr"/>
+            <a:r>
+              <a:rPr lang="en-US" sz="2000" b="0" cap="none" spc="0" dirty="0">
+                <a:ln w="0"/>
+                <a:solidFill>
+                  <a:schemeClr val="tx1"/>
+                </a:solidFill>
+                <a:effectLst>
+                  <a:outerShdw blurRad="38100" dist="19050" dir="2700000" algn="tl" rotWithShape="0">
+                    <a:schemeClr val="dk1">
+                      <a:alpha val="40000"/>
+                    </a:schemeClr>
+                  </a:outerShdw>
+                </a:effectLst>
+              </a:rPr>
+              <a:t>Minor allel</a:t>
+            </a:r>
+            <a:r>
+              <a:rPr lang="en-US" sz="2000" dirty="0">
+                <a:ln w="0"/>
+                <a:effectLst>
+                  <a:outerShdw blurRad="38100" dist="19050" dir="2700000" algn="tl" rotWithShape="0">
+                    <a:schemeClr val="dk1">
+                      <a:alpha val="40000"/>
+                    </a:schemeClr>
+                  </a:outerShdw>
+                </a:effectLst>
+              </a:rPr>
+              <a:t>e </a:t>
+            </a:r>
+            <a:r>
+              <a:rPr lang="en-US" sz="2000" dirty="0" err="1">
+                <a:ln w="0"/>
+                <a:effectLst>
+                  <a:outerShdw blurRad="38100" dist="19050" dir="2700000" algn="tl" rotWithShape="0">
+                    <a:schemeClr val="dk1">
+                      <a:alpha val="40000"/>
+                    </a:schemeClr>
+                  </a:outerShdw>
+                </a:effectLst>
+              </a:rPr>
+              <a:t>freq</a:t>
+            </a:r>
+            <a:r>
+              <a:rPr lang="en-US" sz="2000" dirty="0">
+                <a:ln w="0"/>
+                <a:effectLst>
+                  <a:outerShdw blurRad="38100" dist="19050" dir="2700000" algn="tl" rotWithShape="0">
+                    <a:schemeClr val="dk1">
+                      <a:alpha val="40000"/>
+                    </a:schemeClr>
+                  </a:outerShdw>
+                </a:effectLst>
+              </a:rPr>
+              <a:t> = 0.07</a:t>
+            </a:r>
+            <a:endParaRPr lang="en-US" sz="2000" b="0" cap="none" spc="0" dirty="0">
+              <a:ln w="0"/>
+              <a:solidFill>
+                <a:schemeClr val="tx1"/>
+              </a:solidFill>
+              <a:effectLst>
+                <a:outerShdw blurRad="38100" dist="19050" dir="2700000" algn="tl" rotWithShape="0">
+                  <a:schemeClr val="dk1">
+                    <a:alpha val="40000"/>
+                  </a:schemeClr>
+                </a:outerShdw>
+              </a:effectLst>
+            </a:endParaRPr>
+          </a:p>
+        </p:txBody>
+      </p:sp>
+      <p:pic>
+        <p:nvPicPr>
+          <p:cNvPr id="17" name="Picture 16">
+            <a:extLst>
+              <a:ext uri="{FF2B5EF4-FFF2-40B4-BE49-F238E27FC236}">
+                <a16:creationId xmlns:a16="http://schemas.microsoft.com/office/drawing/2014/main" id="{32A31CB5-4E9B-6BAB-6EAC-980501D7C34D}"/>
+              </a:ext>
+            </a:extLst>
+          </p:cNvPr>
+          <p:cNvPicPr>
+            <a:picLocks noChangeAspect="1"/>
+          </p:cNvPicPr>
+          <p:nvPr/>
+        </p:nvPicPr>
+        <p:blipFill>
+          <a:blip r:embed="rId5"/>
+          <a:stretch>
+            <a:fillRect/>
+          </a:stretch>
+        </p:blipFill>
+        <p:spPr>
+          <a:xfrm>
+            <a:off x="3199048" y="671643"/>
+            <a:ext cx="2737318" cy="2644841"/>
+          </a:xfrm>
+          <a:prstGeom prst="rect">
+            <a:avLst/>
+          </a:prstGeom>
+        </p:spPr>
+      </p:pic>
+      <p:pic>
+        <p:nvPicPr>
+          <p:cNvPr id="19" name="Picture 18">
+            <a:extLst>
+              <a:ext uri="{FF2B5EF4-FFF2-40B4-BE49-F238E27FC236}">
+                <a16:creationId xmlns:a16="http://schemas.microsoft.com/office/drawing/2014/main" id="{2EDE4BAD-3CB7-F178-B84E-A61E317CEC4E}"/>
+              </a:ext>
+            </a:extLst>
+          </p:cNvPr>
+          <p:cNvPicPr>
+            <a:picLocks noChangeAspect="1"/>
+          </p:cNvPicPr>
+          <p:nvPr/>
+        </p:nvPicPr>
+        <p:blipFill>
+          <a:blip r:embed="rId6"/>
+          <a:stretch>
+            <a:fillRect/>
+          </a:stretch>
+        </p:blipFill>
+        <p:spPr>
+          <a:xfrm>
+            <a:off x="6136775" y="631988"/>
+            <a:ext cx="2819400" cy="2724150"/>
+          </a:xfrm>
+          <a:prstGeom prst="rect">
+            <a:avLst/>
+          </a:prstGeom>
+        </p:spPr>
+      </p:pic>
+    </p:spTree>
+    <p:extLst>
+      <p:ext uri="{BB962C8B-B14F-4D97-AF65-F5344CB8AC3E}">
+        <p14:creationId xmlns:p14="http://schemas.microsoft.com/office/powerpoint/2010/main" val="4255001086"/>
+      </p:ext>
+    </p:extLst>
+  </p:cSld>
+  <p:clrMapOvr>
+    <a:masterClrMapping/>
+  </p:clrMapOvr>
+</p:sld>
+</file>
+
+<file path=ppt/slides/slide18.xml><?xml version="1.0" encoding="utf-8"?>
 <p:sld xmlns:a="http://schemas.openxmlformats.org/drawingml/2006/main" xmlns:r="http://schemas.openxmlformats.org/officeDocument/2006/relationships" xmlns:p="http://schemas.openxmlformats.org/presentationml/2006/main">
   <p:cSld>
     <p:spTree>
@@ -5649,7 +6551,7 @@
 </p:sld>
 </file>
 
-<file path=ppt/slides/slide17.xml><?xml version="1.0" encoding="utf-8"?>
+<file path=ppt/slides/slide19.xml><?xml version="1.0" encoding="utf-8"?>
 <p:sld xmlns:a="http://schemas.openxmlformats.org/drawingml/2006/main" xmlns:r="http://schemas.openxmlformats.org/officeDocument/2006/relationships" xmlns:p="http://schemas.openxmlformats.org/presentationml/2006/main">
   <p:cSld>
     <p:bg>
@@ -5768,7 +6670,114 @@
 </p:sld>
 </file>
 
-<file path=ppt/slides/slide18.xml><?xml version="1.0" encoding="utf-8"?>
+<file path=ppt/slides/slide2.xml><?xml version="1.0" encoding="utf-8"?>
+<p:sld xmlns:a="http://schemas.openxmlformats.org/drawingml/2006/main" xmlns:r="http://schemas.openxmlformats.org/officeDocument/2006/relationships" xmlns:p="http://schemas.openxmlformats.org/presentationml/2006/main">
+  <p:cSld>
+    <p:bg>
+      <p:bgPr>
+        <a:solidFill>
+          <a:schemeClr val="tx1"/>
+        </a:solidFill>
+        <a:effectLst/>
+      </p:bgPr>
+    </p:bg>
+    <p:spTree>
+      <p:nvGrpSpPr>
+        <p:cNvPr id="1" name=""/>
+        <p:cNvGrpSpPr/>
+        <p:nvPr/>
+      </p:nvGrpSpPr>
+      <p:grpSpPr>
+        <a:xfrm>
+          <a:off x="0" y="0"/>
+          <a:ext cx="0" cy="0"/>
+          <a:chOff x="0" y="0"/>
+          <a:chExt cx="0" cy="0"/>
+        </a:xfrm>
+      </p:grpSpPr>
+      <p:sp>
+        <p:nvSpPr>
+          <p:cNvPr id="2" name="Title 1">
+            <a:extLst>
+              <a:ext uri="{FF2B5EF4-FFF2-40B4-BE49-F238E27FC236}">
+                <a16:creationId xmlns:a16="http://schemas.microsoft.com/office/drawing/2014/main" id="{4262B07B-7B80-E718-3ED5-A237AD031900}"/>
+              </a:ext>
+            </a:extLst>
+          </p:cNvPr>
+          <p:cNvSpPr>
+            <a:spLocks noGrp="1"/>
+          </p:cNvSpPr>
+          <p:nvPr>
+            <p:ph type="title"/>
+          </p:nvPr>
+        </p:nvSpPr>
+        <p:spPr>
+          <a:xfrm>
+            <a:off x="838200" y="1906542"/>
+            <a:ext cx="10515600" cy="1325563"/>
+          </a:xfrm>
+        </p:spPr>
+        <p:txBody>
+          <a:bodyPr>
+            <a:noAutofit/>
+          </a:bodyPr>
+          <a:lstStyle/>
+          <a:p>
+            <a:pPr algn="ctr"/>
+            <a:r>
+              <a:rPr lang="en-US" sz="5000" dirty="0">
+                <a:solidFill>
+                  <a:schemeClr val="bg1"/>
+                </a:solidFill>
+              </a:rPr>
+              <a:t>Comparison between the dropped population size (during the bottleneck) and various migration rates</a:t>
+            </a:r>
+          </a:p>
+        </p:txBody>
+      </p:sp>
+      <p:pic>
+        <p:nvPicPr>
+          <p:cNvPr id="4" name="Picture 3">
+            <a:extLst>
+              <a:ext uri="{FF2B5EF4-FFF2-40B4-BE49-F238E27FC236}">
+                <a16:creationId xmlns:a16="http://schemas.microsoft.com/office/drawing/2014/main" id="{A4A9A888-89C6-20D3-29A3-328855473207}"/>
+              </a:ext>
+            </a:extLst>
+          </p:cNvPr>
+          <p:cNvPicPr>
+            <a:picLocks noChangeAspect="1"/>
+          </p:cNvPicPr>
+          <p:nvPr/>
+        </p:nvPicPr>
+        <p:blipFill rotWithShape="1">
+          <a:blip r:embed="rId2"/>
+          <a:srcRect l="22563" t="32944" r="14469" b="37688"/>
+          <a:stretch/>
+        </p:blipFill>
+        <p:spPr>
+          <a:xfrm>
+            <a:off x="8045252" y="5033554"/>
+            <a:ext cx="4056553" cy="1723370"/>
+          </a:xfrm>
+          <a:prstGeom prst="rect">
+            <a:avLst/>
+          </a:prstGeom>
+        </p:spPr>
+      </p:pic>
+    </p:spTree>
+    <p:extLst>
+      <p:ext uri="{BB962C8B-B14F-4D97-AF65-F5344CB8AC3E}">
+        <p14:creationId xmlns:p14="http://schemas.microsoft.com/office/powerpoint/2010/main" val="473485054"/>
+      </p:ext>
+    </p:extLst>
+  </p:cSld>
+  <p:clrMapOvr>
+    <a:masterClrMapping/>
+  </p:clrMapOvr>
+</p:sld>
+</file>
+
+<file path=ppt/slides/slide20.xml><?xml version="1.0" encoding="utf-8"?>
 <p:sld xmlns:a="http://schemas.openxmlformats.org/drawingml/2006/main" xmlns:r="http://schemas.openxmlformats.org/officeDocument/2006/relationships" xmlns:p="http://schemas.openxmlformats.org/presentationml/2006/main">
   <p:cSld>
     <p:spTree>
@@ -6925,320 +7934,6 @@
 </p:sld>
 </file>
 
-<file path=ppt/slides/slide19.xml><?xml version="1.0" encoding="utf-8"?>
-<p:sld xmlns:a="http://schemas.openxmlformats.org/drawingml/2006/main" xmlns:r="http://schemas.openxmlformats.org/officeDocument/2006/relationships" xmlns:p="http://schemas.openxmlformats.org/presentationml/2006/main">
-  <p:cSld>
-    <p:spTree>
-      <p:nvGrpSpPr>
-        <p:cNvPr id="1" name=""/>
-        <p:cNvGrpSpPr/>
-        <p:nvPr/>
-      </p:nvGrpSpPr>
-      <p:grpSpPr>
-        <a:xfrm>
-          <a:off x="0" y="0"/>
-          <a:ext cx="0" cy="0"/>
-          <a:chOff x="0" y="0"/>
-          <a:chExt cx="0" cy="0"/>
-        </a:xfrm>
-      </p:grpSpPr>
-      <p:sp>
-        <p:nvSpPr>
-          <p:cNvPr id="2" name="Title 1">
-            <a:extLst>
-              <a:ext uri="{FF2B5EF4-FFF2-40B4-BE49-F238E27FC236}">
-                <a16:creationId xmlns:a16="http://schemas.microsoft.com/office/drawing/2014/main" id="{4541B357-1BED-5B88-4B07-7558E7DE3EDF}"/>
-              </a:ext>
-            </a:extLst>
-          </p:cNvPr>
-          <p:cNvSpPr>
-            <a:spLocks noGrp="1"/>
-          </p:cNvSpPr>
-          <p:nvPr>
-            <p:ph type="title"/>
-          </p:nvPr>
-        </p:nvSpPr>
-        <p:spPr/>
-        <p:txBody>
-          <a:bodyPr/>
-          <a:lstStyle/>
-          <a:p>
-            <a:r>
-              <a:rPr lang="en-US" dirty="0"/>
-              <a:t>Conclusions</a:t>
-            </a:r>
-          </a:p>
-        </p:txBody>
-      </p:sp>
-      <p:sp>
-        <p:nvSpPr>
-          <p:cNvPr id="3" name="Content Placeholder 2">
-            <a:extLst>
-              <a:ext uri="{FF2B5EF4-FFF2-40B4-BE49-F238E27FC236}">
-                <a16:creationId xmlns:a16="http://schemas.microsoft.com/office/drawing/2014/main" id="{86D14108-4042-8CBE-543E-ABB4388565F5}"/>
-              </a:ext>
-            </a:extLst>
-          </p:cNvPr>
-          <p:cNvSpPr>
-            <a:spLocks noGrp="1"/>
-          </p:cNvSpPr>
-          <p:nvPr>
-            <p:ph idx="1"/>
-          </p:nvPr>
-        </p:nvSpPr>
-        <p:spPr/>
-        <p:txBody>
-          <a:bodyPr>
-            <a:normAutofit fontScale="92500" lnSpcReduction="10000"/>
-          </a:bodyPr>
-          <a:lstStyle/>
-          <a:p>
-            <a:r>
-              <a:rPr lang="en-US" b="1" dirty="0"/>
-              <a:t>1. Does the increase in genetic variants provided to a population via  migration provide a long term influence on individual and population fitness?</a:t>
-            </a:r>
-            <a:r>
-              <a:rPr lang="en-US" dirty="0"/>
-              <a:t> We hypothesized that extremely small populations will retain more of the migrant-related genetic variants than populations with more moderate population crashes due to the population growth potential in extremely small populations.</a:t>
-            </a:r>
-          </a:p>
-          <a:p>
-            <a:endParaRPr lang="en-US" dirty="0"/>
-          </a:p>
-          <a:p>
-            <a:r>
-              <a:rPr lang="en-US" dirty="0">
-                <a:solidFill>
-                  <a:srgbClr val="FF0000"/>
-                </a:solidFill>
-              </a:rPr>
-              <a:t>The proportion of migrant SNPs retained in the population was greater in smaller populations when there was one migrant per generation. Additionally, small populations diverged from the original population and lost heterozygosity at a faster rate than larger populations at all migration rates.</a:t>
-            </a:r>
-          </a:p>
-        </p:txBody>
-      </p:sp>
-    </p:spTree>
-    <p:extLst>
-      <p:ext uri="{BB962C8B-B14F-4D97-AF65-F5344CB8AC3E}">
-        <p14:creationId xmlns:p14="http://schemas.microsoft.com/office/powerpoint/2010/main" val="4080773754"/>
-      </p:ext>
-    </p:extLst>
-  </p:cSld>
-  <p:clrMapOvr>
-    <a:masterClrMapping/>
-  </p:clrMapOvr>
-</p:sld>
-</file>
-
-<file path=ppt/slides/slide2.xml><?xml version="1.0" encoding="utf-8"?>
-<p:sld xmlns:a="http://schemas.openxmlformats.org/drawingml/2006/main" xmlns:r="http://schemas.openxmlformats.org/officeDocument/2006/relationships" xmlns:p="http://schemas.openxmlformats.org/presentationml/2006/main">
-  <p:cSld>
-    <p:bg>
-      <p:bgPr>
-        <a:solidFill>
-          <a:schemeClr val="tx1"/>
-        </a:solidFill>
-        <a:effectLst/>
-      </p:bgPr>
-    </p:bg>
-    <p:spTree>
-      <p:nvGrpSpPr>
-        <p:cNvPr id="1" name=""/>
-        <p:cNvGrpSpPr/>
-        <p:nvPr/>
-      </p:nvGrpSpPr>
-      <p:grpSpPr>
-        <a:xfrm>
-          <a:off x="0" y="0"/>
-          <a:ext cx="0" cy="0"/>
-          <a:chOff x="0" y="0"/>
-          <a:chExt cx="0" cy="0"/>
-        </a:xfrm>
-      </p:grpSpPr>
-      <p:sp>
-        <p:nvSpPr>
-          <p:cNvPr id="2" name="Title 1">
-            <a:extLst>
-              <a:ext uri="{FF2B5EF4-FFF2-40B4-BE49-F238E27FC236}">
-                <a16:creationId xmlns:a16="http://schemas.microsoft.com/office/drawing/2014/main" id="{4262B07B-7B80-E718-3ED5-A237AD031900}"/>
-              </a:ext>
-            </a:extLst>
-          </p:cNvPr>
-          <p:cNvSpPr>
-            <a:spLocks noGrp="1"/>
-          </p:cNvSpPr>
-          <p:nvPr>
-            <p:ph type="title"/>
-          </p:nvPr>
-        </p:nvSpPr>
-        <p:spPr>
-          <a:xfrm>
-            <a:off x="838200" y="1906542"/>
-            <a:ext cx="10515600" cy="1325563"/>
-          </a:xfrm>
-        </p:spPr>
-        <p:txBody>
-          <a:bodyPr>
-            <a:noAutofit/>
-          </a:bodyPr>
-          <a:lstStyle/>
-          <a:p>
-            <a:pPr algn="ctr"/>
-            <a:r>
-              <a:rPr lang="en-US" sz="5000" dirty="0">
-                <a:solidFill>
-                  <a:schemeClr val="bg1"/>
-                </a:solidFill>
-              </a:rPr>
-              <a:t>Comparison between the dropped population size (during the bottleneck) and various migration rates</a:t>
-            </a:r>
-          </a:p>
-        </p:txBody>
-      </p:sp>
-      <p:pic>
-        <p:nvPicPr>
-          <p:cNvPr id="4" name="Picture 3">
-            <a:extLst>
-              <a:ext uri="{FF2B5EF4-FFF2-40B4-BE49-F238E27FC236}">
-                <a16:creationId xmlns:a16="http://schemas.microsoft.com/office/drawing/2014/main" id="{A4A9A888-89C6-20D3-29A3-328855473207}"/>
-              </a:ext>
-            </a:extLst>
-          </p:cNvPr>
-          <p:cNvPicPr>
-            <a:picLocks noChangeAspect="1"/>
-          </p:cNvPicPr>
-          <p:nvPr/>
-        </p:nvPicPr>
-        <p:blipFill rotWithShape="1">
-          <a:blip r:embed="rId2"/>
-          <a:srcRect l="22563" t="32944" r="14469" b="37688"/>
-          <a:stretch/>
-        </p:blipFill>
-        <p:spPr>
-          <a:xfrm>
-            <a:off x="8045252" y="5033554"/>
-            <a:ext cx="4056553" cy="1723370"/>
-          </a:xfrm>
-          <a:prstGeom prst="rect">
-            <a:avLst/>
-          </a:prstGeom>
-        </p:spPr>
-      </p:pic>
-    </p:spTree>
-    <p:extLst>
-      <p:ext uri="{BB962C8B-B14F-4D97-AF65-F5344CB8AC3E}">
-        <p14:creationId xmlns:p14="http://schemas.microsoft.com/office/powerpoint/2010/main" val="473485054"/>
-      </p:ext>
-    </p:extLst>
-  </p:cSld>
-  <p:clrMapOvr>
-    <a:masterClrMapping/>
-  </p:clrMapOvr>
-</p:sld>
-</file>
-
-<file path=ppt/slides/slide20.xml><?xml version="1.0" encoding="utf-8"?>
-<p:sld xmlns:a="http://schemas.openxmlformats.org/drawingml/2006/main" xmlns:r="http://schemas.openxmlformats.org/officeDocument/2006/relationships" xmlns:p="http://schemas.openxmlformats.org/presentationml/2006/main">
-  <p:cSld>
-    <p:spTree>
-      <p:nvGrpSpPr>
-        <p:cNvPr id="1" name=""/>
-        <p:cNvGrpSpPr/>
-        <p:nvPr/>
-      </p:nvGrpSpPr>
-      <p:grpSpPr>
-        <a:xfrm>
-          <a:off x="0" y="0"/>
-          <a:ext cx="0" cy="0"/>
-          <a:chOff x="0" y="0"/>
-          <a:chExt cx="0" cy="0"/>
-        </a:xfrm>
-      </p:grpSpPr>
-      <p:sp>
-        <p:nvSpPr>
-          <p:cNvPr id="2" name="Title 1">
-            <a:extLst>
-              <a:ext uri="{FF2B5EF4-FFF2-40B4-BE49-F238E27FC236}">
-                <a16:creationId xmlns:a16="http://schemas.microsoft.com/office/drawing/2014/main" id="{4541B357-1BED-5B88-4B07-7558E7DE3EDF}"/>
-              </a:ext>
-            </a:extLst>
-          </p:cNvPr>
-          <p:cNvSpPr>
-            <a:spLocks noGrp="1"/>
-          </p:cNvSpPr>
-          <p:nvPr>
-            <p:ph type="title"/>
-          </p:nvPr>
-        </p:nvSpPr>
-        <p:spPr/>
-        <p:txBody>
-          <a:bodyPr/>
-          <a:lstStyle/>
-          <a:p>
-            <a:r>
-              <a:rPr lang="en-US" dirty="0"/>
-              <a:t>Conclusions</a:t>
-            </a:r>
-          </a:p>
-        </p:txBody>
-      </p:sp>
-      <p:sp>
-        <p:nvSpPr>
-          <p:cNvPr id="3" name="Content Placeholder 2">
-            <a:extLst>
-              <a:ext uri="{FF2B5EF4-FFF2-40B4-BE49-F238E27FC236}">
-                <a16:creationId xmlns:a16="http://schemas.microsoft.com/office/drawing/2014/main" id="{86D14108-4042-8CBE-543E-ABB4388565F5}"/>
-              </a:ext>
-            </a:extLst>
-          </p:cNvPr>
-          <p:cNvSpPr>
-            <a:spLocks noGrp="1"/>
-          </p:cNvSpPr>
-          <p:nvPr>
-            <p:ph idx="1"/>
-          </p:nvPr>
-        </p:nvSpPr>
-        <p:spPr/>
-        <p:txBody>
-          <a:bodyPr>
-            <a:normAutofit/>
-          </a:bodyPr>
-          <a:lstStyle/>
-          <a:p>
-            <a:r>
-              <a:rPr lang="en-US" b="1" dirty="0"/>
-              <a:t>2. Do migrants with particularly high fitness affect the receiving population’s long-term stability more so than migrants with moderate or low lifetime fitness? </a:t>
-            </a:r>
-            <a:r>
-              <a:rPr lang="en-US" dirty="0"/>
-              <a:t>We hypothesize that migrants with high fitness may result in more unstable populations long-term than migrants with lower fitness, since high fitness individuals may cause inbreeding to increase as offspring from high fitness individuals reproduce.</a:t>
-            </a:r>
-          </a:p>
-          <a:p>
-            <a:r>
-              <a:rPr lang="en-US" dirty="0">
-                <a:solidFill>
-                  <a:srgbClr val="FF0000"/>
-                </a:solidFill>
-              </a:rPr>
-              <a:t>LRS and RRS were higher in populations where migrants had a lower minor allele frequency (aka lower heterozygosity) with no change in inbreeding values.</a:t>
-            </a:r>
-          </a:p>
-        </p:txBody>
-      </p:sp>
-    </p:spTree>
-    <p:extLst>
-      <p:ext uri="{BB962C8B-B14F-4D97-AF65-F5344CB8AC3E}">
-        <p14:creationId xmlns:p14="http://schemas.microsoft.com/office/powerpoint/2010/main" val="3320240485"/>
-      </p:ext>
-    </p:extLst>
-  </p:cSld>
-  <p:clrMapOvr>
-    <a:masterClrMapping/>
-  </p:clrMapOvr>
-</p:sld>
-</file>
-
 <file path=ppt/slides/slide21.xml><?xml version="1.0" encoding="utf-8"?>
 <p:sld xmlns:a="http://schemas.openxmlformats.org/drawingml/2006/main" xmlns:r="http://schemas.openxmlformats.org/officeDocument/2006/relationships" xmlns:p="http://schemas.openxmlformats.org/presentationml/2006/main">
   <p:cSld>
@@ -7261,6 +7956,3374 @@
           <p:cNvPr id="2" name="Title 1">
             <a:extLst>
               <a:ext uri="{FF2B5EF4-FFF2-40B4-BE49-F238E27FC236}">
+                <a16:creationId xmlns:a16="http://schemas.microsoft.com/office/drawing/2014/main" id="{1626DB6B-6699-B3C4-66E1-E4755C15C94C}"/>
+              </a:ext>
+            </a:extLst>
+          </p:cNvPr>
+          <p:cNvSpPr>
+            <a:spLocks noGrp="1"/>
+          </p:cNvSpPr>
+          <p:nvPr>
+            <p:ph type="title"/>
+          </p:nvPr>
+        </p:nvSpPr>
+        <p:spPr>
+          <a:xfrm>
+            <a:off x="838194" y="19431"/>
+            <a:ext cx="10515600" cy="585851"/>
+          </a:xfrm>
+        </p:spPr>
+        <p:txBody>
+          <a:bodyPr>
+            <a:normAutofit/>
+          </a:bodyPr>
+          <a:lstStyle/>
+          <a:p>
+            <a:r>
+              <a:rPr lang="en-US" sz="3200" dirty="0" err="1"/>
+              <a:t>RepSucc</a:t>
+            </a:r>
+            <a:r>
+              <a:rPr lang="en-US" sz="3200" dirty="0"/>
+              <a:t> Table (complete)</a:t>
+            </a:r>
+          </a:p>
+        </p:txBody>
+      </p:sp>
+      <p:graphicFrame>
+        <p:nvGraphicFramePr>
+          <p:cNvPr id="7" name="Table 7">
+            <a:extLst>
+              <a:ext uri="{FF2B5EF4-FFF2-40B4-BE49-F238E27FC236}">
+                <a16:creationId xmlns:a16="http://schemas.microsoft.com/office/drawing/2014/main" id="{5E1AAC85-5C8F-AE02-7341-09673470E4DE}"/>
+              </a:ext>
+            </a:extLst>
+          </p:cNvPr>
+          <p:cNvGraphicFramePr>
+            <a:graphicFrameLocks noGrp="1"/>
+          </p:cNvGraphicFramePr>
+          <p:nvPr>
+            <p:ph idx="1"/>
+            <p:extLst>
+              <p:ext uri="{D42A27DB-BD31-4B8C-83A1-F6EECF244321}">
+                <p14:modId xmlns:p14="http://schemas.microsoft.com/office/powerpoint/2010/main" val="2206427471"/>
+              </p:ext>
+            </p:extLst>
+          </p:nvPr>
+        </p:nvGraphicFramePr>
+        <p:xfrm>
+          <a:off x="838194" y="819785"/>
+          <a:ext cx="10515603" cy="5191760"/>
+        </p:xfrm>
+        <a:graphic>
+          <a:graphicData uri="http://schemas.openxmlformats.org/drawingml/2006/table">
+            <a:tbl>
+              <a:tblPr firstRow="1" bandRow="1">
+                <a:tableStyleId>{5C22544A-7EE6-4342-B048-85BDC9FD1C3A}</a:tableStyleId>
+              </a:tblPr>
+              <a:tblGrid>
+                <a:gridCol w="1502229">
+                  <a:extLst>
+                    <a:ext uri="{9D8B030D-6E8A-4147-A177-3AD203B41FA5}">
+                      <a16:colId xmlns:a16="http://schemas.microsoft.com/office/drawing/2014/main" val="36796140"/>
+                    </a:ext>
+                  </a:extLst>
+                </a:gridCol>
+                <a:gridCol w="1502229">
+                  <a:extLst>
+                    <a:ext uri="{9D8B030D-6E8A-4147-A177-3AD203B41FA5}">
+                      <a16:colId xmlns:a16="http://schemas.microsoft.com/office/drawing/2014/main" val="465893353"/>
+                    </a:ext>
+                  </a:extLst>
+                </a:gridCol>
+                <a:gridCol w="1502229">
+                  <a:extLst>
+                    <a:ext uri="{9D8B030D-6E8A-4147-A177-3AD203B41FA5}">
+                      <a16:colId xmlns:a16="http://schemas.microsoft.com/office/drawing/2014/main" val="2153789574"/>
+                    </a:ext>
+                  </a:extLst>
+                </a:gridCol>
+                <a:gridCol w="1502229">
+                  <a:extLst>
+                    <a:ext uri="{9D8B030D-6E8A-4147-A177-3AD203B41FA5}">
+                      <a16:colId xmlns:a16="http://schemas.microsoft.com/office/drawing/2014/main" val="84697164"/>
+                    </a:ext>
+                  </a:extLst>
+                </a:gridCol>
+                <a:gridCol w="1502229">
+                  <a:extLst>
+                    <a:ext uri="{9D8B030D-6E8A-4147-A177-3AD203B41FA5}">
+                      <a16:colId xmlns:a16="http://schemas.microsoft.com/office/drawing/2014/main" val="735214634"/>
+                    </a:ext>
+                  </a:extLst>
+                </a:gridCol>
+                <a:gridCol w="1502229">
+                  <a:extLst>
+                    <a:ext uri="{9D8B030D-6E8A-4147-A177-3AD203B41FA5}">
+                      <a16:colId xmlns:a16="http://schemas.microsoft.com/office/drawing/2014/main" val="2877017212"/>
+                    </a:ext>
+                  </a:extLst>
+                </a:gridCol>
+                <a:gridCol w="1502229">
+                  <a:extLst>
+                    <a:ext uri="{9D8B030D-6E8A-4147-A177-3AD203B41FA5}">
+                      <a16:colId xmlns:a16="http://schemas.microsoft.com/office/drawing/2014/main" val="4172139166"/>
+                    </a:ext>
+                  </a:extLst>
+                </a:gridCol>
+              </a:tblGrid>
+              <a:tr h="370840">
+                <a:tc>
+                  <a:txBody>
+                    <a:bodyPr/>
+                    <a:lstStyle/>
+                    <a:p>
+                      <a:endParaRPr lang="en-US" dirty="0"/>
+                    </a:p>
+                  </a:txBody>
+                  <a:tcPr/>
+                </a:tc>
+                <a:tc>
+                  <a:txBody>
+                    <a:bodyPr/>
+                    <a:lstStyle/>
+                    <a:p>
+                      <a:r>
+                        <a:rPr lang="en-US" dirty="0"/>
+                        <a:t>Ne</a:t>
+                      </a:r>
+                    </a:p>
+                  </a:txBody>
+                  <a:tcPr/>
+                </a:tc>
+                <a:tc>
+                  <a:txBody>
+                    <a:bodyPr/>
+                    <a:lstStyle/>
+                    <a:p>
+                      <a:r>
+                        <a:rPr lang="en-US" dirty="0"/>
+                        <a:t>Migration rate</a:t>
+                      </a:r>
+                    </a:p>
+                  </a:txBody>
+                  <a:tcPr/>
+                </a:tc>
+                <a:tc>
+                  <a:txBody>
+                    <a:bodyPr/>
+                    <a:lstStyle/>
+                    <a:p>
+                      <a:r>
+                        <a:rPr lang="en-US" sz="1600" dirty="0"/>
+                        <a:t>Minor allele </a:t>
+                      </a:r>
+                      <a:r>
+                        <a:rPr lang="en-US" sz="1600" dirty="0" err="1"/>
+                        <a:t>freq</a:t>
+                      </a:r>
+                      <a:endParaRPr lang="en-US" sz="1600" dirty="0"/>
+                    </a:p>
+                  </a:txBody>
+                  <a:tcPr/>
+                </a:tc>
+                <a:tc>
+                  <a:txBody>
+                    <a:bodyPr/>
+                    <a:lstStyle/>
+                    <a:p>
+                      <a:r>
+                        <a:rPr lang="en-US" dirty="0"/>
+                        <a:t>Growth rate (r0)</a:t>
+                      </a:r>
+                    </a:p>
+                  </a:txBody>
+                  <a:tcPr/>
+                </a:tc>
+                <a:tc>
+                  <a:txBody>
+                    <a:bodyPr/>
+                    <a:lstStyle/>
+                    <a:p>
+                      <a:r>
+                        <a:rPr lang="en-US" dirty="0"/>
+                        <a:t>Lifespan</a:t>
+                      </a:r>
+                    </a:p>
+                  </a:txBody>
+                  <a:tcPr/>
+                </a:tc>
+                <a:tc>
+                  <a:txBody>
+                    <a:bodyPr/>
+                    <a:lstStyle/>
+                    <a:p>
+                      <a:r>
+                        <a:rPr lang="en-US" dirty="0"/>
+                        <a:t>Fecundity</a:t>
+                      </a:r>
+                    </a:p>
+                  </a:txBody>
+                  <a:tcPr/>
+                </a:tc>
+                <a:extLst>
+                  <a:ext uri="{0D108BD9-81ED-4DB2-BD59-A6C34878D82A}">
+                    <a16:rowId xmlns:a16="http://schemas.microsoft.com/office/drawing/2014/main" val="640327661"/>
+                  </a:ext>
+                </a:extLst>
+              </a:tr>
+              <a:tr h="370840">
+                <a:tc>
+                  <a:txBody>
+                    <a:bodyPr/>
+                    <a:lstStyle/>
+                    <a:p>
+                      <a:endParaRPr lang="en-US" sz="1400" dirty="0"/>
+                    </a:p>
+                  </a:txBody>
+                  <a:tcPr>
+                    <a:solidFill>
+                      <a:schemeClr val="accent6">
+                        <a:lumMod val="40000"/>
+                        <a:lumOff val="60000"/>
+                      </a:schemeClr>
+                    </a:solidFill>
+                  </a:tcPr>
+                </a:tc>
+                <a:tc>
+                  <a:txBody>
+                    <a:bodyPr/>
+                    <a:lstStyle/>
+                    <a:p>
+                      <a:r>
+                        <a:rPr lang="en-US" sz="1400" dirty="0"/>
+                        <a:t>75, 100, 300, 500, 700</a:t>
+                      </a:r>
+                    </a:p>
+                  </a:txBody>
+                  <a:tcPr>
+                    <a:solidFill>
+                      <a:schemeClr val="accent6">
+                        <a:lumMod val="40000"/>
+                        <a:lumOff val="60000"/>
+                      </a:schemeClr>
+                    </a:solidFill>
+                  </a:tcPr>
+                </a:tc>
+                <a:tc>
+                  <a:txBody>
+                    <a:bodyPr/>
+                    <a:lstStyle/>
+                    <a:p>
+                      <a:r>
+                        <a:rPr lang="en-US" sz="1400" dirty="0"/>
+                        <a:t>0, "a"=one </a:t>
+                      </a:r>
+                      <a:r>
+                        <a:rPr lang="en-US" sz="1400" dirty="0" err="1"/>
+                        <a:t>mig</a:t>
+                      </a:r>
+                      <a:r>
+                        <a:rPr lang="en-US" sz="1400" dirty="0"/>
+                        <a:t> per gen, "b"=1xof50@175, "c"=3xpf25@175|201|225</a:t>
+                      </a:r>
+                    </a:p>
+                  </a:txBody>
+                  <a:tcPr>
+                    <a:solidFill>
+                      <a:schemeClr val="accent6">
+                        <a:lumMod val="40000"/>
+                        <a:lumOff val="60000"/>
+                      </a:schemeClr>
+                    </a:solidFill>
+                  </a:tcPr>
+                </a:tc>
+                <a:tc>
+                  <a:txBody>
+                    <a:bodyPr/>
+                    <a:lstStyle/>
+                    <a:p>
+                      <a:r>
+                        <a:rPr lang="en-US" sz="1400" dirty="0"/>
+                        <a:t>0.45, 0.07</a:t>
+                      </a:r>
+                    </a:p>
+                  </a:txBody>
+                  <a:tcPr>
+                    <a:solidFill>
+                      <a:schemeClr val="accent6">
+                        <a:lumMod val="40000"/>
+                        <a:lumOff val="60000"/>
+                      </a:schemeClr>
+                    </a:solidFill>
+                  </a:tcPr>
+                </a:tc>
+                <a:tc>
+                  <a:txBody>
+                    <a:bodyPr/>
+                    <a:lstStyle/>
+                    <a:p>
+                      <a:r>
+                        <a:rPr lang="en-US" sz="1400" dirty="0"/>
+                        <a:t>1, 0.5, 0.1</a:t>
+                      </a:r>
+                    </a:p>
+                  </a:txBody>
+                  <a:tcPr>
+                    <a:solidFill>
+                      <a:schemeClr val="accent6">
+                        <a:lumMod val="40000"/>
+                        <a:lumOff val="60000"/>
+                      </a:schemeClr>
+                    </a:solidFill>
+                  </a:tcPr>
+                </a:tc>
+                <a:tc>
+                  <a:txBody>
+                    <a:bodyPr/>
+                    <a:lstStyle/>
+                    <a:p>
+                      <a:r>
+                        <a:rPr lang="en-US" sz="1400" dirty="0"/>
+                        <a:t>3, 9, 15</a:t>
+                      </a:r>
+                    </a:p>
+                  </a:txBody>
+                  <a:tcPr>
+                    <a:solidFill>
+                      <a:schemeClr val="accent6">
+                        <a:lumMod val="40000"/>
+                        <a:lumOff val="60000"/>
+                      </a:schemeClr>
+                    </a:solidFill>
+                  </a:tcPr>
+                </a:tc>
+                <a:tc>
+                  <a:txBody>
+                    <a:bodyPr/>
+                    <a:lstStyle/>
+                    <a:p>
+                      <a:r>
+                        <a:rPr lang="en-US" sz="1400" dirty="0"/>
+                        <a:t>2, 4, 6</a:t>
+                      </a:r>
+                    </a:p>
+                  </a:txBody>
+                  <a:tcPr>
+                    <a:solidFill>
+                      <a:schemeClr val="accent6">
+                        <a:lumMod val="40000"/>
+                        <a:lumOff val="60000"/>
+                      </a:schemeClr>
+                    </a:solidFill>
+                  </a:tcPr>
+                </a:tc>
+                <a:extLst>
+                  <a:ext uri="{0D108BD9-81ED-4DB2-BD59-A6C34878D82A}">
+                    <a16:rowId xmlns:a16="http://schemas.microsoft.com/office/drawing/2014/main" val="724898931"/>
+                  </a:ext>
+                </a:extLst>
+              </a:tr>
+              <a:tr h="370840">
+                <a:tc>
+                  <a:txBody>
+                    <a:bodyPr/>
+                    <a:lstStyle/>
+                    <a:p>
+                      <a:pPr algn="l" fontAlgn="b"/>
+                      <a:r>
+                        <a:rPr lang="en-US" sz="1100" b="0" i="0" u="none" strike="noStrike" dirty="0">
+                          <a:solidFill>
+                            <a:srgbClr val="000000"/>
+                          </a:solidFill>
+                          <a:effectLst/>
+                          <a:latin typeface="Calibri" panose="020F0502020204030204" pitchFamily="34" charset="0"/>
+                        </a:rPr>
+                        <a:t>ABM_run.1.5.23_A</a:t>
+                      </a:r>
+                    </a:p>
+                  </a:txBody>
+                  <a:tcPr marL="0" marR="0" marT="0" marB="0" anchor="b"/>
+                </a:tc>
+                <a:tc>
+                  <a:txBody>
+                    <a:bodyPr/>
+                    <a:lstStyle/>
+                    <a:p>
+                      <a:pPr algn="r" fontAlgn="b"/>
+                      <a:r>
+                        <a:rPr lang="en-US" sz="1100" b="0" i="0" u="none" strike="noStrike" dirty="0">
+                          <a:solidFill>
+                            <a:srgbClr val="7030A0"/>
+                          </a:solidFill>
+                          <a:effectLst/>
+                          <a:latin typeface="Calibri" panose="020F0502020204030204" pitchFamily="34" charset="0"/>
+                        </a:rPr>
+                        <a:t>300</a:t>
+                      </a:r>
+                    </a:p>
+                  </a:txBody>
+                  <a:tcPr marL="0" marR="0" marT="0" marB="0" anchor="b"/>
+                </a:tc>
+                <a:tc>
+                  <a:txBody>
+                    <a:bodyPr/>
+                    <a:lstStyle/>
+                    <a:p>
+                      <a:r>
+                        <a:rPr lang="en-US" sz="1100" dirty="0"/>
+                        <a:t>0</a:t>
+                      </a:r>
+                    </a:p>
+                  </a:txBody>
+                  <a:tcPr/>
+                </a:tc>
+                <a:tc>
+                  <a:txBody>
+                    <a:bodyPr/>
+                    <a:lstStyle/>
+                    <a:p>
+                      <a:pPr marL="0" marR="0" lvl="0" indent="0" algn="l" defTabSz="914400" rtl="0" eaLnBrk="1" fontAlgn="auto" latinLnBrk="0" hangingPunct="1">
+                        <a:lnSpc>
+                          <a:spcPct val="100000"/>
+                        </a:lnSpc>
+                        <a:spcBef>
+                          <a:spcPts val="0"/>
+                        </a:spcBef>
+                        <a:spcAft>
+                          <a:spcPts val="0"/>
+                        </a:spcAft>
+                        <a:buClrTx/>
+                        <a:buSzTx/>
+                        <a:buFontTx/>
+                        <a:buNone/>
+                        <a:tabLst/>
+                        <a:defRPr/>
+                      </a:pPr>
+                      <a:r>
+                        <a:rPr lang="en-US" sz="1100" dirty="0"/>
+                        <a:t>0.45</a:t>
+                      </a:r>
+                    </a:p>
+                  </a:txBody>
+                  <a:tcPr/>
+                </a:tc>
+                <a:tc>
+                  <a:txBody>
+                    <a:bodyPr/>
+                    <a:lstStyle/>
+                    <a:p>
+                      <a:pPr algn="r" fontAlgn="b"/>
+                      <a:r>
+                        <a:rPr lang="en-US" sz="1100" b="0" i="0" u="none" strike="noStrike" dirty="0">
+                          <a:solidFill>
+                            <a:srgbClr val="000000"/>
+                          </a:solidFill>
+                          <a:effectLst/>
+                          <a:latin typeface="Calibri" panose="020F0502020204030204" pitchFamily="34" charset="0"/>
+                        </a:rPr>
+                        <a:t>1</a:t>
+                      </a:r>
+                    </a:p>
+                  </a:txBody>
+                  <a:tcPr marL="0" marR="0" marT="0" marB="0" anchor="b"/>
+                </a:tc>
+                <a:tc>
+                  <a:txBody>
+                    <a:bodyPr/>
+                    <a:lstStyle/>
+                    <a:p>
+                      <a:r>
+                        <a:rPr lang="en-US" sz="1100" dirty="0"/>
+                        <a:t>9</a:t>
+                      </a:r>
+                    </a:p>
+                  </a:txBody>
+                  <a:tcPr/>
+                </a:tc>
+                <a:tc>
+                  <a:txBody>
+                    <a:bodyPr/>
+                    <a:lstStyle/>
+                    <a:p>
+                      <a:r>
+                        <a:rPr lang="en-US" sz="1100" dirty="0"/>
+                        <a:t>2</a:t>
+                      </a:r>
+                    </a:p>
+                  </a:txBody>
+                  <a:tcPr/>
+                </a:tc>
+                <a:extLst>
+                  <a:ext uri="{0D108BD9-81ED-4DB2-BD59-A6C34878D82A}">
+                    <a16:rowId xmlns:a16="http://schemas.microsoft.com/office/drawing/2014/main" val="1849552592"/>
+                  </a:ext>
+                </a:extLst>
+              </a:tr>
+              <a:tr h="370840">
+                <a:tc>
+                  <a:txBody>
+                    <a:bodyPr/>
+                    <a:lstStyle/>
+                    <a:p>
+                      <a:pPr algn="l" fontAlgn="b"/>
+                      <a:r>
+                        <a:rPr lang="en-US" sz="1100" b="0" i="0" u="none" strike="noStrike">
+                          <a:solidFill>
+                            <a:srgbClr val="000000"/>
+                          </a:solidFill>
+                          <a:effectLst/>
+                          <a:latin typeface="Calibri" panose="020F0502020204030204" pitchFamily="34" charset="0"/>
+                        </a:rPr>
+                        <a:t>ABM_run.1.11.23_B</a:t>
+                      </a:r>
+                    </a:p>
+                  </a:txBody>
+                  <a:tcPr marL="0" marR="0" marT="0" marB="0" anchor="b"/>
+                </a:tc>
+                <a:tc>
+                  <a:txBody>
+                    <a:bodyPr/>
+                    <a:lstStyle/>
+                    <a:p>
+                      <a:pPr algn="r" fontAlgn="b"/>
+                      <a:r>
+                        <a:rPr lang="en-US" sz="1100" b="0" i="0" u="none" strike="noStrike">
+                          <a:solidFill>
+                            <a:srgbClr val="7030A0"/>
+                          </a:solidFill>
+                          <a:effectLst/>
+                          <a:latin typeface="Calibri" panose="020F0502020204030204" pitchFamily="34" charset="0"/>
+                        </a:rPr>
+                        <a:t>500</a:t>
+                      </a:r>
+                    </a:p>
+                  </a:txBody>
+                  <a:tcPr marL="0" marR="0" marT="0" marB="0" anchor="b"/>
+                </a:tc>
+                <a:tc>
+                  <a:txBody>
+                    <a:bodyPr/>
+                    <a:lstStyle/>
+                    <a:p>
+                      <a:r>
+                        <a:rPr lang="en-US" sz="1100" dirty="0"/>
+                        <a:t>0</a:t>
+                      </a:r>
+                    </a:p>
+                  </a:txBody>
+                  <a:tcPr/>
+                </a:tc>
+                <a:tc>
+                  <a:txBody>
+                    <a:bodyPr/>
+                    <a:lstStyle/>
+                    <a:p>
+                      <a:pPr marL="0" marR="0" lvl="0" indent="0" algn="l" defTabSz="914400" rtl="0" eaLnBrk="1" fontAlgn="auto" latinLnBrk="0" hangingPunct="1">
+                        <a:lnSpc>
+                          <a:spcPct val="100000"/>
+                        </a:lnSpc>
+                        <a:spcBef>
+                          <a:spcPts val="0"/>
+                        </a:spcBef>
+                        <a:spcAft>
+                          <a:spcPts val="0"/>
+                        </a:spcAft>
+                        <a:buClrTx/>
+                        <a:buSzTx/>
+                        <a:buFontTx/>
+                        <a:buNone/>
+                        <a:tabLst/>
+                        <a:defRPr/>
+                      </a:pPr>
+                      <a:r>
+                        <a:rPr kumimoji="0" lang="en-US" sz="1100" b="0" i="0" u="none" strike="noStrike" kern="1200" cap="none" spc="0" normalizeH="0" baseline="0" noProof="0" dirty="0">
+                          <a:ln>
+                            <a:noFill/>
+                          </a:ln>
+                          <a:solidFill>
+                            <a:prstClr val="black"/>
+                          </a:solidFill>
+                          <a:effectLst/>
+                          <a:uLnTx/>
+                          <a:uFillTx/>
+                          <a:latin typeface="+mn-lt"/>
+                          <a:ea typeface="+mn-ea"/>
+                          <a:cs typeface="+mn-cs"/>
+                        </a:rPr>
+                        <a:t>0.45</a:t>
+                      </a:r>
+                    </a:p>
+                  </a:txBody>
+                  <a:tcPr/>
+                </a:tc>
+                <a:tc>
+                  <a:txBody>
+                    <a:bodyPr/>
+                    <a:lstStyle/>
+                    <a:p>
+                      <a:pPr algn="r" fontAlgn="b"/>
+                      <a:r>
+                        <a:rPr lang="en-US" sz="1100" b="0" i="0" u="none" strike="noStrike">
+                          <a:solidFill>
+                            <a:srgbClr val="000000"/>
+                          </a:solidFill>
+                          <a:effectLst/>
+                          <a:latin typeface="Calibri" panose="020F0502020204030204" pitchFamily="34" charset="0"/>
+                        </a:rPr>
+                        <a:t>1</a:t>
+                      </a:r>
+                    </a:p>
+                  </a:txBody>
+                  <a:tcPr marL="0" marR="0" marT="0" marB="0" anchor="b"/>
+                </a:tc>
+                <a:tc>
+                  <a:txBody>
+                    <a:bodyPr/>
+                    <a:lstStyle/>
+                    <a:p>
+                      <a:r>
+                        <a:rPr lang="en-US" sz="1100" dirty="0"/>
+                        <a:t>9</a:t>
+                      </a:r>
+                    </a:p>
+                  </a:txBody>
+                  <a:tcPr/>
+                </a:tc>
+                <a:tc>
+                  <a:txBody>
+                    <a:bodyPr/>
+                    <a:lstStyle/>
+                    <a:p>
+                      <a:r>
+                        <a:rPr lang="en-US" sz="1100" dirty="0"/>
+                        <a:t>2</a:t>
+                      </a:r>
+                    </a:p>
+                  </a:txBody>
+                  <a:tcPr/>
+                </a:tc>
+                <a:extLst>
+                  <a:ext uri="{0D108BD9-81ED-4DB2-BD59-A6C34878D82A}">
+                    <a16:rowId xmlns:a16="http://schemas.microsoft.com/office/drawing/2014/main" val="1092630376"/>
+                  </a:ext>
+                </a:extLst>
+              </a:tr>
+              <a:tr h="370840">
+                <a:tc>
+                  <a:txBody>
+                    <a:bodyPr/>
+                    <a:lstStyle/>
+                    <a:p>
+                      <a:pPr algn="l" fontAlgn="b"/>
+                      <a:r>
+                        <a:rPr lang="en-US" sz="1100" b="0" i="0" u="none" strike="noStrike">
+                          <a:solidFill>
+                            <a:srgbClr val="000000"/>
+                          </a:solidFill>
+                          <a:effectLst/>
+                          <a:latin typeface="Calibri" panose="020F0502020204030204" pitchFamily="34" charset="0"/>
+                        </a:rPr>
+                        <a:t>ABM_run.1.11.23_C</a:t>
+                      </a:r>
+                    </a:p>
+                  </a:txBody>
+                  <a:tcPr marL="0" marR="0" marT="0" marB="0" anchor="b"/>
+                </a:tc>
+                <a:tc>
+                  <a:txBody>
+                    <a:bodyPr/>
+                    <a:lstStyle/>
+                    <a:p>
+                      <a:pPr algn="r" fontAlgn="b"/>
+                      <a:r>
+                        <a:rPr lang="en-US" sz="1100" b="0" i="0" u="none" strike="noStrike">
+                          <a:solidFill>
+                            <a:srgbClr val="7030A0"/>
+                          </a:solidFill>
+                          <a:effectLst/>
+                          <a:latin typeface="Calibri" panose="020F0502020204030204" pitchFamily="34" charset="0"/>
+                        </a:rPr>
+                        <a:t>700</a:t>
+                      </a:r>
+                    </a:p>
+                  </a:txBody>
+                  <a:tcPr marL="0" marR="0" marT="0" marB="0" anchor="b"/>
+                </a:tc>
+                <a:tc>
+                  <a:txBody>
+                    <a:bodyPr/>
+                    <a:lstStyle/>
+                    <a:p>
+                      <a:r>
+                        <a:rPr lang="en-US" sz="1100" dirty="0"/>
+                        <a:t>0</a:t>
+                      </a:r>
+                    </a:p>
+                  </a:txBody>
+                  <a:tcPr/>
+                </a:tc>
+                <a:tc>
+                  <a:txBody>
+                    <a:bodyPr/>
+                    <a:lstStyle/>
+                    <a:p>
+                      <a:pPr marL="0" marR="0" lvl="0" indent="0" algn="l" defTabSz="914400" rtl="0" eaLnBrk="1" fontAlgn="auto" latinLnBrk="0" hangingPunct="1">
+                        <a:lnSpc>
+                          <a:spcPct val="100000"/>
+                        </a:lnSpc>
+                        <a:spcBef>
+                          <a:spcPts val="0"/>
+                        </a:spcBef>
+                        <a:spcAft>
+                          <a:spcPts val="0"/>
+                        </a:spcAft>
+                        <a:buClrTx/>
+                        <a:buSzTx/>
+                        <a:buFontTx/>
+                        <a:buNone/>
+                        <a:tabLst/>
+                        <a:defRPr/>
+                      </a:pPr>
+                      <a:r>
+                        <a:rPr lang="en-US" sz="1100" dirty="0"/>
+                        <a:t>0.45</a:t>
+                      </a:r>
+                    </a:p>
+                  </a:txBody>
+                  <a:tcPr/>
+                </a:tc>
+                <a:tc>
+                  <a:txBody>
+                    <a:bodyPr/>
+                    <a:lstStyle/>
+                    <a:p>
+                      <a:pPr algn="r" fontAlgn="b"/>
+                      <a:r>
+                        <a:rPr lang="en-US" sz="1100" b="0" i="0" u="none" strike="noStrike">
+                          <a:solidFill>
+                            <a:srgbClr val="000000"/>
+                          </a:solidFill>
+                          <a:effectLst/>
+                          <a:latin typeface="Calibri" panose="020F0502020204030204" pitchFamily="34" charset="0"/>
+                        </a:rPr>
+                        <a:t>1</a:t>
+                      </a:r>
+                    </a:p>
+                  </a:txBody>
+                  <a:tcPr marL="0" marR="0" marT="0" marB="0" anchor="b"/>
+                </a:tc>
+                <a:tc>
+                  <a:txBody>
+                    <a:bodyPr/>
+                    <a:lstStyle/>
+                    <a:p>
+                      <a:r>
+                        <a:rPr lang="en-US" sz="1100" dirty="0"/>
+                        <a:t>9</a:t>
+                      </a:r>
+                    </a:p>
+                  </a:txBody>
+                  <a:tcPr/>
+                </a:tc>
+                <a:tc>
+                  <a:txBody>
+                    <a:bodyPr/>
+                    <a:lstStyle/>
+                    <a:p>
+                      <a:r>
+                        <a:rPr lang="en-US" sz="1100" dirty="0"/>
+                        <a:t>2</a:t>
+                      </a:r>
+                    </a:p>
+                  </a:txBody>
+                  <a:tcPr/>
+                </a:tc>
+                <a:extLst>
+                  <a:ext uri="{0D108BD9-81ED-4DB2-BD59-A6C34878D82A}">
+                    <a16:rowId xmlns:a16="http://schemas.microsoft.com/office/drawing/2014/main" val="1487313018"/>
+                  </a:ext>
+                </a:extLst>
+              </a:tr>
+              <a:tr h="370840">
+                <a:tc>
+                  <a:txBody>
+                    <a:bodyPr/>
+                    <a:lstStyle/>
+                    <a:p>
+                      <a:pPr algn="l" fontAlgn="b"/>
+                      <a:r>
+                        <a:rPr lang="en-US" sz="1100" b="0" i="0" u="none" strike="noStrike">
+                          <a:solidFill>
+                            <a:srgbClr val="000000"/>
+                          </a:solidFill>
+                          <a:effectLst/>
+                          <a:latin typeface="Calibri" panose="020F0502020204030204" pitchFamily="34" charset="0"/>
+                        </a:rPr>
+                        <a:t>ABM_run.1.9.23_D</a:t>
+                      </a:r>
+                    </a:p>
+                  </a:txBody>
+                  <a:tcPr marL="0" marR="0" marT="0" marB="0" anchor="b"/>
+                </a:tc>
+                <a:tc>
+                  <a:txBody>
+                    <a:bodyPr/>
+                    <a:lstStyle/>
+                    <a:p>
+                      <a:pPr algn="r" fontAlgn="b"/>
+                      <a:r>
+                        <a:rPr lang="en-US" sz="1100" b="0" i="0" u="none" strike="noStrike">
+                          <a:solidFill>
+                            <a:srgbClr val="7030A0"/>
+                          </a:solidFill>
+                          <a:effectLst/>
+                          <a:latin typeface="Calibri" panose="020F0502020204030204" pitchFamily="34" charset="0"/>
+                        </a:rPr>
+                        <a:t>100</a:t>
+                      </a:r>
+                    </a:p>
+                  </a:txBody>
+                  <a:tcPr marL="0" marR="0" marT="0" marB="0" anchor="b"/>
+                </a:tc>
+                <a:tc>
+                  <a:txBody>
+                    <a:bodyPr/>
+                    <a:lstStyle/>
+                    <a:p>
+                      <a:r>
+                        <a:rPr lang="en-US" sz="1100" dirty="0"/>
+                        <a:t>0</a:t>
+                      </a:r>
+                    </a:p>
+                  </a:txBody>
+                  <a:tcPr/>
+                </a:tc>
+                <a:tc>
+                  <a:txBody>
+                    <a:bodyPr/>
+                    <a:lstStyle/>
+                    <a:p>
+                      <a:pPr marL="0" marR="0" lvl="0" indent="0" algn="l" defTabSz="914400" rtl="0" eaLnBrk="1" fontAlgn="auto" latinLnBrk="0" hangingPunct="1">
+                        <a:lnSpc>
+                          <a:spcPct val="100000"/>
+                        </a:lnSpc>
+                        <a:spcBef>
+                          <a:spcPts val="0"/>
+                        </a:spcBef>
+                        <a:spcAft>
+                          <a:spcPts val="0"/>
+                        </a:spcAft>
+                        <a:buClrTx/>
+                        <a:buSzTx/>
+                        <a:buFontTx/>
+                        <a:buNone/>
+                        <a:tabLst/>
+                        <a:defRPr/>
+                      </a:pPr>
+                      <a:r>
+                        <a:rPr kumimoji="0" lang="en-US" sz="1100" b="0" i="0" u="none" strike="noStrike" kern="1200" cap="none" spc="0" normalizeH="0" baseline="0" noProof="0" dirty="0">
+                          <a:ln>
+                            <a:noFill/>
+                          </a:ln>
+                          <a:solidFill>
+                            <a:prstClr val="black"/>
+                          </a:solidFill>
+                          <a:effectLst/>
+                          <a:uLnTx/>
+                          <a:uFillTx/>
+                          <a:latin typeface="+mn-lt"/>
+                          <a:ea typeface="+mn-ea"/>
+                          <a:cs typeface="+mn-cs"/>
+                        </a:rPr>
+                        <a:t>0.45</a:t>
+                      </a:r>
+                    </a:p>
+                  </a:txBody>
+                  <a:tcPr/>
+                </a:tc>
+                <a:tc>
+                  <a:txBody>
+                    <a:bodyPr/>
+                    <a:lstStyle/>
+                    <a:p>
+                      <a:pPr algn="r" fontAlgn="b"/>
+                      <a:r>
+                        <a:rPr lang="en-US" sz="1100" b="0" i="0" u="none" strike="noStrike">
+                          <a:solidFill>
+                            <a:srgbClr val="000000"/>
+                          </a:solidFill>
+                          <a:effectLst/>
+                          <a:latin typeface="Calibri" panose="020F0502020204030204" pitchFamily="34" charset="0"/>
+                        </a:rPr>
+                        <a:t>1</a:t>
+                      </a:r>
+                    </a:p>
+                  </a:txBody>
+                  <a:tcPr marL="0" marR="0" marT="0" marB="0" anchor="b"/>
+                </a:tc>
+                <a:tc>
+                  <a:txBody>
+                    <a:bodyPr/>
+                    <a:lstStyle/>
+                    <a:p>
+                      <a:r>
+                        <a:rPr lang="en-US" sz="1100" dirty="0"/>
+                        <a:t>9</a:t>
+                      </a:r>
+                    </a:p>
+                  </a:txBody>
+                  <a:tcPr/>
+                </a:tc>
+                <a:tc>
+                  <a:txBody>
+                    <a:bodyPr/>
+                    <a:lstStyle/>
+                    <a:p>
+                      <a:r>
+                        <a:rPr lang="en-US" sz="1100" dirty="0"/>
+                        <a:t>2</a:t>
+                      </a:r>
+                    </a:p>
+                  </a:txBody>
+                  <a:tcPr/>
+                </a:tc>
+                <a:extLst>
+                  <a:ext uri="{0D108BD9-81ED-4DB2-BD59-A6C34878D82A}">
+                    <a16:rowId xmlns:a16="http://schemas.microsoft.com/office/drawing/2014/main" val="695656984"/>
+                  </a:ext>
+                </a:extLst>
+              </a:tr>
+              <a:tr h="370840">
+                <a:tc>
+                  <a:txBody>
+                    <a:bodyPr/>
+                    <a:lstStyle/>
+                    <a:p>
+                      <a:pPr algn="l" fontAlgn="b"/>
+                      <a:r>
+                        <a:rPr lang="en-US" sz="1100" b="0" i="0" u="none" strike="noStrike" dirty="0">
+                          <a:solidFill>
+                            <a:srgbClr val="000000"/>
+                          </a:solidFill>
+                          <a:effectLst/>
+                          <a:latin typeface="Calibri" panose="020F0502020204030204" pitchFamily="34" charset="0"/>
+                        </a:rPr>
+                        <a:t>ABM_run.1.11.23_E</a:t>
+                      </a:r>
+                    </a:p>
+                  </a:txBody>
+                  <a:tcPr marL="0" marR="0" marT="0" marB="0" anchor="b"/>
+                </a:tc>
+                <a:tc>
+                  <a:txBody>
+                    <a:bodyPr/>
+                    <a:lstStyle/>
+                    <a:p>
+                      <a:pPr algn="r" fontAlgn="b"/>
+                      <a:r>
+                        <a:rPr lang="en-US" sz="1100" b="0" i="0" u="none" strike="noStrike" dirty="0">
+                          <a:solidFill>
+                            <a:srgbClr val="7030A0"/>
+                          </a:solidFill>
+                          <a:effectLst/>
+                          <a:latin typeface="Calibri" panose="020F0502020204030204" pitchFamily="34" charset="0"/>
+                        </a:rPr>
+                        <a:t>75</a:t>
+                      </a:r>
+                    </a:p>
+                  </a:txBody>
+                  <a:tcPr marL="0" marR="0" marT="0" marB="0" anchor="b"/>
+                </a:tc>
+                <a:tc>
+                  <a:txBody>
+                    <a:bodyPr/>
+                    <a:lstStyle/>
+                    <a:p>
+                      <a:r>
+                        <a:rPr lang="en-US" sz="1100" dirty="0"/>
+                        <a:t>0</a:t>
+                      </a:r>
+                    </a:p>
+                  </a:txBody>
+                  <a:tcPr/>
+                </a:tc>
+                <a:tc>
+                  <a:txBody>
+                    <a:bodyPr/>
+                    <a:lstStyle/>
+                    <a:p>
+                      <a:pPr marL="0" marR="0" lvl="0" indent="0" algn="l" defTabSz="914400" rtl="0" eaLnBrk="1" fontAlgn="auto" latinLnBrk="0" hangingPunct="1">
+                        <a:lnSpc>
+                          <a:spcPct val="100000"/>
+                        </a:lnSpc>
+                        <a:spcBef>
+                          <a:spcPts val="0"/>
+                        </a:spcBef>
+                        <a:spcAft>
+                          <a:spcPts val="0"/>
+                        </a:spcAft>
+                        <a:buClrTx/>
+                        <a:buSzTx/>
+                        <a:buFontTx/>
+                        <a:buNone/>
+                        <a:tabLst/>
+                        <a:defRPr/>
+                      </a:pPr>
+                      <a:r>
+                        <a:rPr lang="en-US" sz="1100" dirty="0"/>
+                        <a:t>0.45</a:t>
+                      </a:r>
+                    </a:p>
+                  </a:txBody>
+                  <a:tcPr/>
+                </a:tc>
+                <a:tc>
+                  <a:txBody>
+                    <a:bodyPr/>
+                    <a:lstStyle/>
+                    <a:p>
+                      <a:pPr algn="l" fontAlgn="b"/>
+                      <a:r>
+                        <a:rPr lang="en-US" sz="1100" b="0" i="0" u="none" strike="noStrike" dirty="0">
+                          <a:solidFill>
+                            <a:srgbClr val="000000"/>
+                          </a:solidFill>
+                          <a:effectLst/>
+                          <a:latin typeface="Calibri" panose="020F0502020204030204" pitchFamily="34" charset="0"/>
+                        </a:rPr>
+                        <a:t>1</a:t>
+                      </a:r>
+                    </a:p>
+                  </a:txBody>
+                  <a:tcPr marL="0" marR="0" marT="0" marB="0" anchor="b"/>
+                </a:tc>
+                <a:tc>
+                  <a:txBody>
+                    <a:bodyPr/>
+                    <a:lstStyle/>
+                    <a:p>
+                      <a:r>
+                        <a:rPr lang="en-US" sz="1100" dirty="0"/>
+                        <a:t>9</a:t>
+                      </a:r>
+                    </a:p>
+                  </a:txBody>
+                  <a:tcPr/>
+                </a:tc>
+                <a:tc>
+                  <a:txBody>
+                    <a:bodyPr/>
+                    <a:lstStyle/>
+                    <a:p>
+                      <a:r>
+                        <a:rPr lang="en-US" sz="1100" dirty="0"/>
+                        <a:t>2</a:t>
+                      </a:r>
+                    </a:p>
+                  </a:txBody>
+                  <a:tcPr/>
+                </a:tc>
+                <a:extLst>
+                  <a:ext uri="{0D108BD9-81ED-4DB2-BD59-A6C34878D82A}">
+                    <a16:rowId xmlns:a16="http://schemas.microsoft.com/office/drawing/2014/main" val="2937712162"/>
+                  </a:ext>
+                </a:extLst>
+              </a:tr>
+              <a:tr h="370840">
+                <a:tc>
+                  <a:txBody>
+                    <a:bodyPr/>
+                    <a:lstStyle/>
+                    <a:p>
+                      <a:pPr algn="l" fontAlgn="b"/>
+                      <a:r>
+                        <a:rPr lang="en-US" sz="1100" b="0" i="0" u="none" strike="noStrike" dirty="0">
+                          <a:solidFill>
+                            <a:srgbClr val="000000"/>
+                          </a:solidFill>
+                          <a:effectLst/>
+                          <a:latin typeface="Calibri" panose="020F0502020204030204" pitchFamily="34" charset="0"/>
+                        </a:rPr>
+                        <a:t>ABM_run.1.18.23_a</a:t>
+                      </a:r>
+                    </a:p>
+                  </a:txBody>
+                  <a:tcPr marL="0" marR="0" marT="0" marB="0" anchor="b"/>
+                </a:tc>
+                <a:tc>
+                  <a:txBody>
+                    <a:bodyPr/>
+                    <a:lstStyle/>
+                    <a:p>
+                      <a:pPr algn="r" fontAlgn="b"/>
+                      <a:r>
+                        <a:rPr lang="en-US" sz="1100" b="0" i="0" u="none" strike="noStrike" dirty="0">
+                          <a:solidFill>
+                            <a:srgbClr val="7030A0"/>
+                          </a:solidFill>
+                          <a:effectLst/>
+                          <a:latin typeface="Calibri" panose="020F0502020204030204" pitchFamily="34" charset="0"/>
+                        </a:rPr>
+                        <a:t>100</a:t>
+                      </a:r>
+                    </a:p>
+                  </a:txBody>
+                  <a:tcPr marL="0" marR="0" marT="0" marB="0" anchor="b"/>
+                </a:tc>
+                <a:tc>
+                  <a:txBody>
+                    <a:bodyPr/>
+                    <a:lstStyle/>
+                    <a:p>
+                      <a:r>
+                        <a:rPr lang="en-US" sz="1100" dirty="0"/>
+                        <a:t>0</a:t>
+                      </a:r>
+                    </a:p>
+                  </a:txBody>
+                  <a:tcPr/>
+                </a:tc>
+                <a:tc>
+                  <a:txBody>
+                    <a:bodyPr/>
+                    <a:lstStyle/>
+                    <a:p>
+                      <a:pPr marL="0" marR="0" lvl="0" indent="0" algn="l" defTabSz="914400" rtl="0" eaLnBrk="1" fontAlgn="auto" latinLnBrk="0" hangingPunct="1">
+                        <a:lnSpc>
+                          <a:spcPct val="100000"/>
+                        </a:lnSpc>
+                        <a:spcBef>
+                          <a:spcPts val="0"/>
+                        </a:spcBef>
+                        <a:spcAft>
+                          <a:spcPts val="0"/>
+                        </a:spcAft>
+                        <a:buClrTx/>
+                        <a:buSzTx/>
+                        <a:buFontTx/>
+                        <a:buNone/>
+                        <a:tabLst/>
+                        <a:defRPr/>
+                      </a:pPr>
+                      <a:r>
+                        <a:rPr kumimoji="0" lang="en-US" sz="1100" b="0" i="0" u="none" strike="noStrike" kern="1200" cap="none" spc="0" normalizeH="0" baseline="0" noProof="0" dirty="0">
+                          <a:ln>
+                            <a:noFill/>
+                          </a:ln>
+                          <a:solidFill>
+                            <a:prstClr val="black"/>
+                          </a:solidFill>
+                          <a:effectLst/>
+                          <a:uLnTx/>
+                          <a:uFillTx/>
+                          <a:latin typeface="+mn-lt"/>
+                          <a:ea typeface="+mn-ea"/>
+                          <a:cs typeface="+mn-cs"/>
+                        </a:rPr>
+                        <a:t>0.45</a:t>
+                      </a:r>
+                    </a:p>
+                  </a:txBody>
+                  <a:tcPr/>
+                </a:tc>
+                <a:tc>
+                  <a:txBody>
+                    <a:bodyPr/>
+                    <a:lstStyle/>
+                    <a:p>
+                      <a:pPr algn="r" fontAlgn="b"/>
+                      <a:r>
+                        <a:rPr lang="en-US" sz="1100" b="0" i="0" u="none" strike="noStrike" dirty="0">
+                          <a:solidFill>
+                            <a:srgbClr val="000000"/>
+                          </a:solidFill>
+                          <a:effectLst/>
+                          <a:latin typeface="Calibri" panose="020F0502020204030204" pitchFamily="34" charset="0"/>
+                        </a:rPr>
+                        <a:t>1</a:t>
+                      </a:r>
+                    </a:p>
+                  </a:txBody>
+                  <a:tcPr marL="0" marR="0" marT="0" marB="0" anchor="b"/>
+                </a:tc>
+                <a:tc>
+                  <a:txBody>
+                    <a:bodyPr/>
+                    <a:lstStyle/>
+                    <a:p>
+                      <a:r>
+                        <a:rPr lang="en-US" sz="1100" dirty="0"/>
+                        <a:t>3</a:t>
+                      </a:r>
+                    </a:p>
+                  </a:txBody>
+                  <a:tcPr/>
+                </a:tc>
+                <a:tc>
+                  <a:txBody>
+                    <a:bodyPr/>
+                    <a:lstStyle/>
+                    <a:p>
+                      <a:r>
+                        <a:rPr lang="en-US" sz="1100" dirty="0"/>
+                        <a:t>4</a:t>
+                      </a:r>
+                    </a:p>
+                  </a:txBody>
+                  <a:tcPr/>
+                </a:tc>
+                <a:extLst>
+                  <a:ext uri="{0D108BD9-81ED-4DB2-BD59-A6C34878D82A}">
+                    <a16:rowId xmlns:a16="http://schemas.microsoft.com/office/drawing/2014/main" val="3618788274"/>
+                  </a:ext>
+                </a:extLst>
+              </a:tr>
+              <a:tr h="370840">
+                <a:tc>
+                  <a:txBody>
+                    <a:bodyPr/>
+                    <a:lstStyle/>
+                    <a:p>
+                      <a:pPr algn="l" fontAlgn="b"/>
+                      <a:r>
+                        <a:rPr lang="en-US" sz="1100" b="0" i="0" u="none" strike="noStrike">
+                          <a:solidFill>
+                            <a:srgbClr val="000000"/>
+                          </a:solidFill>
+                          <a:effectLst/>
+                          <a:latin typeface="Calibri" panose="020F0502020204030204" pitchFamily="34" charset="0"/>
+                        </a:rPr>
+                        <a:t>ABM_run.1.18.23_b</a:t>
+                      </a:r>
+                    </a:p>
+                  </a:txBody>
+                  <a:tcPr marL="0" marR="0" marT="0" marB="0" anchor="b"/>
+                </a:tc>
+                <a:tc>
+                  <a:txBody>
+                    <a:bodyPr/>
+                    <a:lstStyle/>
+                    <a:p>
+                      <a:pPr algn="r" fontAlgn="b"/>
+                      <a:r>
+                        <a:rPr lang="en-US" sz="1100" b="0" i="0" u="none" strike="noStrike">
+                          <a:solidFill>
+                            <a:srgbClr val="7030A0"/>
+                          </a:solidFill>
+                          <a:effectLst/>
+                          <a:latin typeface="Calibri" panose="020F0502020204030204" pitchFamily="34" charset="0"/>
+                        </a:rPr>
+                        <a:t>500</a:t>
+                      </a:r>
+                    </a:p>
+                  </a:txBody>
+                  <a:tcPr marL="0" marR="0" marT="0" marB="0" anchor="b"/>
+                </a:tc>
+                <a:tc>
+                  <a:txBody>
+                    <a:bodyPr/>
+                    <a:lstStyle/>
+                    <a:p>
+                      <a:r>
+                        <a:rPr lang="en-US" sz="1100" dirty="0"/>
+                        <a:t>0</a:t>
+                      </a:r>
+                    </a:p>
+                  </a:txBody>
+                  <a:tcPr/>
+                </a:tc>
+                <a:tc>
+                  <a:txBody>
+                    <a:bodyPr/>
+                    <a:lstStyle/>
+                    <a:p>
+                      <a:pPr marL="0" marR="0" lvl="0" indent="0" algn="l" defTabSz="914400" rtl="0" eaLnBrk="1" fontAlgn="auto" latinLnBrk="0" hangingPunct="1">
+                        <a:lnSpc>
+                          <a:spcPct val="100000"/>
+                        </a:lnSpc>
+                        <a:spcBef>
+                          <a:spcPts val="0"/>
+                        </a:spcBef>
+                        <a:spcAft>
+                          <a:spcPts val="0"/>
+                        </a:spcAft>
+                        <a:buClrTx/>
+                        <a:buSzTx/>
+                        <a:buFontTx/>
+                        <a:buNone/>
+                        <a:tabLst/>
+                        <a:defRPr/>
+                      </a:pPr>
+                      <a:r>
+                        <a:rPr lang="en-US" sz="1100" dirty="0"/>
+                        <a:t>0.45</a:t>
+                      </a:r>
+                    </a:p>
+                  </a:txBody>
+                  <a:tcPr/>
+                </a:tc>
+                <a:tc>
+                  <a:txBody>
+                    <a:bodyPr/>
+                    <a:lstStyle/>
+                    <a:p>
+                      <a:pPr algn="r" fontAlgn="b"/>
+                      <a:r>
+                        <a:rPr lang="en-US" sz="1100" b="0" i="0" u="none" strike="noStrike" dirty="0">
+                          <a:solidFill>
+                            <a:srgbClr val="000000"/>
+                          </a:solidFill>
+                          <a:effectLst/>
+                          <a:latin typeface="Calibri" panose="020F0502020204030204" pitchFamily="34" charset="0"/>
+                        </a:rPr>
+                        <a:t>1</a:t>
+                      </a:r>
+                    </a:p>
+                  </a:txBody>
+                  <a:tcPr marL="0" marR="0" marT="0" marB="0" anchor="b"/>
+                </a:tc>
+                <a:tc>
+                  <a:txBody>
+                    <a:bodyPr/>
+                    <a:lstStyle/>
+                    <a:p>
+                      <a:r>
+                        <a:rPr lang="en-US" sz="1100" dirty="0"/>
+                        <a:t>3</a:t>
+                      </a:r>
+                    </a:p>
+                  </a:txBody>
+                  <a:tcPr/>
+                </a:tc>
+                <a:tc>
+                  <a:txBody>
+                    <a:bodyPr/>
+                    <a:lstStyle/>
+                    <a:p>
+                      <a:r>
+                        <a:rPr lang="en-US" sz="1100" dirty="0"/>
+                        <a:t>4</a:t>
+                      </a:r>
+                    </a:p>
+                  </a:txBody>
+                  <a:tcPr/>
+                </a:tc>
+                <a:extLst>
+                  <a:ext uri="{0D108BD9-81ED-4DB2-BD59-A6C34878D82A}">
+                    <a16:rowId xmlns:a16="http://schemas.microsoft.com/office/drawing/2014/main" val="3215957644"/>
+                  </a:ext>
+                </a:extLst>
+              </a:tr>
+              <a:tr h="370840">
+                <a:tc>
+                  <a:txBody>
+                    <a:bodyPr/>
+                    <a:lstStyle/>
+                    <a:p>
+                      <a:pPr algn="l" fontAlgn="b"/>
+                      <a:r>
+                        <a:rPr lang="en-US" sz="1100" b="0" i="0" u="none" strike="noStrike" dirty="0">
+                          <a:solidFill>
+                            <a:srgbClr val="000000"/>
+                          </a:solidFill>
+                          <a:effectLst/>
+                          <a:latin typeface="Calibri" panose="020F0502020204030204" pitchFamily="34" charset="0"/>
+                        </a:rPr>
+                        <a:t>ABM_run.1.18.23_c</a:t>
+                      </a:r>
+                    </a:p>
+                  </a:txBody>
+                  <a:tcPr marL="0" marR="0" marT="0" marB="0" anchor="b"/>
+                </a:tc>
+                <a:tc>
+                  <a:txBody>
+                    <a:bodyPr/>
+                    <a:lstStyle/>
+                    <a:p>
+                      <a:pPr algn="r" fontAlgn="b"/>
+                      <a:r>
+                        <a:rPr lang="en-US" sz="1100" b="0" i="0" u="none" strike="noStrike">
+                          <a:solidFill>
+                            <a:srgbClr val="7030A0"/>
+                          </a:solidFill>
+                          <a:effectLst/>
+                          <a:latin typeface="Calibri" panose="020F0502020204030204" pitchFamily="34" charset="0"/>
+                        </a:rPr>
+                        <a:t>300</a:t>
+                      </a:r>
+                    </a:p>
+                  </a:txBody>
+                  <a:tcPr marL="0" marR="0" marT="0" marB="0" anchor="b"/>
+                </a:tc>
+                <a:tc>
+                  <a:txBody>
+                    <a:bodyPr/>
+                    <a:lstStyle/>
+                    <a:p>
+                      <a:r>
+                        <a:rPr lang="en-US" sz="1100" dirty="0"/>
+                        <a:t>0</a:t>
+                      </a:r>
+                    </a:p>
+                  </a:txBody>
+                  <a:tcPr/>
+                </a:tc>
+                <a:tc>
+                  <a:txBody>
+                    <a:bodyPr/>
+                    <a:lstStyle/>
+                    <a:p>
+                      <a:pPr marL="0" marR="0" lvl="0" indent="0" algn="l" defTabSz="914400" rtl="0" eaLnBrk="1" fontAlgn="auto" latinLnBrk="0" hangingPunct="1">
+                        <a:lnSpc>
+                          <a:spcPct val="100000"/>
+                        </a:lnSpc>
+                        <a:spcBef>
+                          <a:spcPts val="0"/>
+                        </a:spcBef>
+                        <a:spcAft>
+                          <a:spcPts val="0"/>
+                        </a:spcAft>
+                        <a:buClrTx/>
+                        <a:buSzTx/>
+                        <a:buFontTx/>
+                        <a:buNone/>
+                        <a:tabLst/>
+                        <a:defRPr/>
+                      </a:pPr>
+                      <a:r>
+                        <a:rPr lang="en-US" sz="1100" dirty="0"/>
+                        <a:t>0.45</a:t>
+                      </a:r>
+                    </a:p>
+                  </a:txBody>
+                  <a:tcPr/>
+                </a:tc>
+                <a:tc>
+                  <a:txBody>
+                    <a:bodyPr/>
+                    <a:lstStyle/>
+                    <a:p>
+                      <a:pPr algn="l" fontAlgn="b"/>
+                      <a:r>
+                        <a:rPr lang="en-US" sz="1100" b="0" i="0" u="none" strike="noStrike" dirty="0">
+                          <a:solidFill>
+                            <a:srgbClr val="000000"/>
+                          </a:solidFill>
+                          <a:effectLst/>
+                          <a:latin typeface="Calibri" panose="020F0502020204030204" pitchFamily="34" charset="0"/>
+                        </a:rPr>
+                        <a:t>0.5</a:t>
+                      </a:r>
+                    </a:p>
+                  </a:txBody>
+                  <a:tcPr marL="0" marR="0" marT="0" marB="0" anchor="b"/>
+                </a:tc>
+                <a:tc>
+                  <a:txBody>
+                    <a:bodyPr/>
+                    <a:lstStyle/>
+                    <a:p>
+                      <a:r>
+                        <a:rPr lang="en-US" sz="1100" dirty="0"/>
+                        <a:t>9</a:t>
+                      </a:r>
+                    </a:p>
+                  </a:txBody>
+                  <a:tcPr/>
+                </a:tc>
+                <a:tc>
+                  <a:txBody>
+                    <a:bodyPr/>
+                    <a:lstStyle/>
+                    <a:p>
+                      <a:r>
+                        <a:rPr lang="en-US" sz="1100" dirty="0"/>
+                        <a:t>4</a:t>
+                      </a:r>
+                    </a:p>
+                  </a:txBody>
+                  <a:tcPr/>
+                </a:tc>
+                <a:extLst>
+                  <a:ext uri="{0D108BD9-81ED-4DB2-BD59-A6C34878D82A}">
+                    <a16:rowId xmlns:a16="http://schemas.microsoft.com/office/drawing/2014/main" val="111650733"/>
+                  </a:ext>
+                </a:extLst>
+              </a:tr>
+              <a:tr h="370840">
+                <a:tc>
+                  <a:txBody>
+                    <a:bodyPr/>
+                    <a:lstStyle/>
+                    <a:p>
+                      <a:pPr algn="l" fontAlgn="b"/>
+                      <a:r>
+                        <a:rPr lang="en-US" sz="1100" b="0" i="0" u="none" strike="noStrike" dirty="0">
+                          <a:solidFill>
+                            <a:srgbClr val="000000"/>
+                          </a:solidFill>
+                          <a:effectLst/>
+                          <a:latin typeface="Calibri" panose="020F0502020204030204" pitchFamily="34" charset="0"/>
+                        </a:rPr>
+                        <a:t>ABM_run.1.18.23_d</a:t>
+                      </a:r>
+                    </a:p>
+                  </a:txBody>
+                  <a:tcPr marL="0" marR="0" marT="0" marB="0" anchor="b"/>
+                </a:tc>
+                <a:tc>
+                  <a:txBody>
+                    <a:bodyPr/>
+                    <a:lstStyle/>
+                    <a:p>
+                      <a:pPr algn="r" fontAlgn="b"/>
+                      <a:r>
+                        <a:rPr lang="en-US" sz="1100" b="0" i="0" u="none" strike="noStrike" dirty="0">
+                          <a:solidFill>
+                            <a:srgbClr val="7030A0"/>
+                          </a:solidFill>
+                          <a:effectLst/>
+                          <a:latin typeface="Calibri" panose="020F0502020204030204" pitchFamily="34" charset="0"/>
+                        </a:rPr>
+                        <a:t>300</a:t>
+                      </a:r>
+                    </a:p>
+                  </a:txBody>
+                  <a:tcPr marL="0" marR="0" marT="0" marB="0" anchor="b"/>
+                </a:tc>
+                <a:tc>
+                  <a:txBody>
+                    <a:bodyPr/>
+                    <a:lstStyle/>
+                    <a:p>
+                      <a:r>
+                        <a:rPr lang="en-US" sz="1100" dirty="0"/>
+                        <a:t>0</a:t>
+                      </a:r>
+                    </a:p>
+                  </a:txBody>
+                  <a:tcPr/>
+                </a:tc>
+                <a:tc>
+                  <a:txBody>
+                    <a:bodyPr/>
+                    <a:lstStyle/>
+                    <a:p>
+                      <a:pPr marL="0" marR="0" lvl="0" indent="0" algn="l" defTabSz="914400" rtl="0" eaLnBrk="1" fontAlgn="auto" latinLnBrk="0" hangingPunct="1">
+                        <a:lnSpc>
+                          <a:spcPct val="100000"/>
+                        </a:lnSpc>
+                        <a:spcBef>
+                          <a:spcPts val="0"/>
+                        </a:spcBef>
+                        <a:spcAft>
+                          <a:spcPts val="0"/>
+                        </a:spcAft>
+                        <a:buClrTx/>
+                        <a:buSzTx/>
+                        <a:buFontTx/>
+                        <a:buNone/>
+                        <a:tabLst/>
+                        <a:defRPr/>
+                      </a:pPr>
+                      <a:r>
+                        <a:rPr kumimoji="0" lang="en-US" sz="1100" b="0" i="0" u="none" strike="noStrike" kern="1200" cap="none" spc="0" normalizeH="0" baseline="0" noProof="0" dirty="0">
+                          <a:ln>
+                            <a:noFill/>
+                          </a:ln>
+                          <a:solidFill>
+                            <a:prstClr val="black"/>
+                          </a:solidFill>
+                          <a:effectLst/>
+                          <a:uLnTx/>
+                          <a:uFillTx/>
+                          <a:latin typeface="+mn-lt"/>
+                          <a:ea typeface="+mn-ea"/>
+                          <a:cs typeface="+mn-cs"/>
+                        </a:rPr>
+                        <a:t>0.45 </a:t>
+                      </a:r>
+                      <a:r>
+                        <a:rPr kumimoji="0" lang="en-US" sz="1100" b="0" i="0" u="none" strike="noStrike" kern="1200" cap="none" spc="0" normalizeH="0" baseline="0" noProof="0" dirty="0">
+                          <a:ln>
+                            <a:noFill/>
+                          </a:ln>
+                          <a:solidFill>
+                            <a:prstClr val="black"/>
+                          </a:solidFill>
+                          <a:effectLst/>
+                          <a:highlight>
+                            <a:srgbClr val="FFFF00"/>
+                          </a:highlight>
+                          <a:uLnTx/>
+                          <a:uFillTx/>
+                          <a:latin typeface="+mn-lt"/>
+                          <a:ea typeface="+mn-ea"/>
+                          <a:cs typeface="+mn-cs"/>
+                        </a:rPr>
+                        <a:t>**0.07 in focal pop</a:t>
+                      </a:r>
+                    </a:p>
+                  </a:txBody>
+                  <a:tcPr/>
+                </a:tc>
+                <a:tc>
+                  <a:txBody>
+                    <a:bodyPr/>
+                    <a:lstStyle/>
+                    <a:p>
+                      <a:pPr algn="r" fontAlgn="b"/>
+                      <a:r>
+                        <a:rPr lang="en-US" sz="1100" b="0" i="0" u="none" strike="noStrike" dirty="0">
+                          <a:solidFill>
+                            <a:srgbClr val="000000"/>
+                          </a:solidFill>
+                          <a:effectLst/>
+                          <a:latin typeface="Calibri" panose="020F0502020204030204" pitchFamily="34" charset="0"/>
+                        </a:rPr>
+                        <a:t>1</a:t>
+                      </a:r>
+                    </a:p>
+                  </a:txBody>
+                  <a:tcPr marL="0" marR="0" marT="0" marB="0" anchor="b"/>
+                </a:tc>
+                <a:tc>
+                  <a:txBody>
+                    <a:bodyPr/>
+                    <a:lstStyle/>
+                    <a:p>
+                      <a:r>
+                        <a:rPr lang="en-US" sz="1100" dirty="0"/>
+                        <a:t>9</a:t>
+                      </a:r>
+                    </a:p>
+                  </a:txBody>
+                  <a:tcPr/>
+                </a:tc>
+                <a:tc>
+                  <a:txBody>
+                    <a:bodyPr/>
+                    <a:lstStyle/>
+                    <a:p>
+                      <a:r>
+                        <a:rPr lang="en-US" sz="1100" dirty="0"/>
+                        <a:t>2</a:t>
+                      </a:r>
+                    </a:p>
+                  </a:txBody>
+                  <a:tcPr/>
+                </a:tc>
+                <a:extLst>
+                  <a:ext uri="{0D108BD9-81ED-4DB2-BD59-A6C34878D82A}">
+                    <a16:rowId xmlns:a16="http://schemas.microsoft.com/office/drawing/2014/main" val="3326773654"/>
+                  </a:ext>
+                </a:extLst>
+              </a:tr>
+            </a:tbl>
+          </a:graphicData>
+        </a:graphic>
+      </p:graphicFrame>
+    </p:spTree>
+    <p:extLst>
+      <p:ext uri="{BB962C8B-B14F-4D97-AF65-F5344CB8AC3E}">
+        <p14:creationId xmlns:p14="http://schemas.microsoft.com/office/powerpoint/2010/main" val="2802636343"/>
+      </p:ext>
+    </p:extLst>
+  </p:cSld>
+  <p:clrMapOvr>
+    <a:masterClrMapping/>
+  </p:clrMapOvr>
+</p:sld>
+</file>
+
+<file path=ppt/slides/slide22.xml><?xml version="1.0" encoding="utf-8"?>
+<p:sld xmlns:a="http://schemas.openxmlformats.org/drawingml/2006/main" xmlns:r="http://schemas.openxmlformats.org/officeDocument/2006/relationships" xmlns:p="http://schemas.openxmlformats.org/presentationml/2006/main">
+  <p:cSld>
+    <p:spTree>
+      <p:nvGrpSpPr>
+        <p:cNvPr id="1" name=""/>
+        <p:cNvGrpSpPr/>
+        <p:nvPr/>
+      </p:nvGrpSpPr>
+      <p:grpSpPr>
+        <a:xfrm>
+          <a:off x="0" y="0"/>
+          <a:ext cx="0" cy="0"/>
+          <a:chOff x="0" y="0"/>
+          <a:chExt cx="0" cy="0"/>
+        </a:xfrm>
+      </p:grpSpPr>
+      <p:sp>
+        <p:nvSpPr>
+          <p:cNvPr id="2" name="Title 1">
+            <a:extLst>
+              <a:ext uri="{FF2B5EF4-FFF2-40B4-BE49-F238E27FC236}">
+                <a16:creationId xmlns:a16="http://schemas.microsoft.com/office/drawing/2014/main" id="{1626DB6B-6699-B3C4-66E1-E4755C15C94C}"/>
+              </a:ext>
+            </a:extLst>
+          </p:cNvPr>
+          <p:cNvSpPr>
+            <a:spLocks noGrp="1"/>
+          </p:cNvSpPr>
+          <p:nvPr>
+            <p:ph type="title"/>
+          </p:nvPr>
+        </p:nvSpPr>
+        <p:spPr>
+          <a:xfrm>
+            <a:off x="838194" y="19431"/>
+            <a:ext cx="10515600" cy="585851"/>
+          </a:xfrm>
+        </p:spPr>
+        <p:txBody>
+          <a:bodyPr>
+            <a:normAutofit/>
+          </a:bodyPr>
+          <a:lstStyle/>
+          <a:p>
+            <a:r>
+              <a:rPr lang="en-US" sz="3200" dirty="0"/>
+              <a:t>Parameter Table</a:t>
+            </a:r>
+          </a:p>
+        </p:txBody>
+      </p:sp>
+      <p:graphicFrame>
+        <p:nvGraphicFramePr>
+          <p:cNvPr id="7" name="Table 7">
+            <a:extLst>
+              <a:ext uri="{FF2B5EF4-FFF2-40B4-BE49-F238E27FC236}">
+                <a16:creationId xmlns:a16="http://schemas.microsoft.com/office/drawing/2014/main" id="{5E1AAC85-5C8F-AE02-7341-09673470E4DE}"/>
+              </a:ext>
+            </a:extLst>
+          </p:cNvPr>
+          <p:cNvGraphicFramePr>
+            <a:graphicFrameLocks noGrp="1"/>
+          </p:cNvGraphicFramePr>
+          <p:nvPr>
+            <p:ph idx="1"/>
+            <p:extLst>
+              <p:ext uri="{D42A27DB-BD31-4B8C-83A1-F6EECF244321}">
+                <p14:modId xmlns:p14="http://schemas.microsoft.com/office/powerpoint/2010/main" val="459457319"/>
+              </p:ext>
+            </p:extLst>
+          </p:nvPr>
+        </p:nvGraphicFramePr>
+        <p:xfrm>
+          <a:off x="838194" y="819785"/>
+          <a:ext cx="10515603" cy="5191760"/>
+        </p:xfrm>
+        <a:graphic>
+          <a:graphicData uri="http://schemas.openxmlformats.org/drawingml/2006/table">
+            <a:tbl>
+              <a:tblPr firstRow="1" bandRow="1">
+                <a:tableStyleId>{5C22544A-7EE6-4342-B048-85BDC9FD1C3A}</a:tableStyleId>
+              </a:tblPr>
+              <a:tblGrid>
+                <a:gridCol w="1502229">
+                  <a:extLst>
+                    <a:ext uri="{9D8B030D-6E8A-4147-A177-3AD203B41FA5}">
+                      <a16:colId xmlns:a16="http://schemas.microsoft.com/office/drawing/2014/main" val="36796140"/>
+                    </a:ext>
+                  </a:extLst>
+                </a:gridCol>
+                <a:gridCol w="1502229">
+                  <a:extLst>
+                    <a:ext uri="{9D8B030D-6E8A-4147-A177-3AD203B41FA5}">
+                      <a16:colId xmlns:a16="http://schemas.microsoft.com/office/drawing/2014/main" val="465893353"/>
+                    </a:ext>
+                  </a:extLst>
+                </a:gridCol>
+                <a:gridCol w="1502229">
+                  <a:extLst>
+                    <a:ext uri="{9D8B030D-6E8A-4147-A177-3AD203B41FA5}">
+                      <a16:colId xmlns:a16="http://schemas.microsoft.com/office/drawing/2014/main" val="2153789574"/>
+                    </a:ext>
+                  </a:extLst>
+                </a:gridCol>
+                <a:gridCol w="1502229">
+                  <a:extLst>
+                    <a:ext uri="{9D8B030D-6E8A-4147-A177-3AD203B41FA5}">
+                      <a16:colId xmlns:a16="http://schemas.microsoft.com/office/drawing/2014/main" val="84697164"/>
+                    </a:ext>
+                  </a:extLst>
+                </a:gridCol>
+                <a:gridCol w="1502229">
+                  <a:extLst>
+                    <a:ext uri="{9D8B030D-6E8A-4147-A177-3AD203B41FA5}">
+                      <a16:colId xmlns:a16="http://schemas.microsoft.com/office/drawing/2014/main" val="735214634"/>
+                    </a:ext>
+                  </a:extLst>
+                </a:gridCol>
+                <a:gridCol w="1502229">
+                  <a:extLst>
+                    <a:ext uri="{9D8B030D-6E8A-4147-A177-3AD203B41FA5}">
+                      <a16:colId xmlns:a16="http://schemas.microsoft.com/office/drawing/2014/main" val="2877017212"/>
+                    </a:ext>
+                  </a:extLst>
+                </a:gridCol>
+                <a:gridCol w="1502229">
+                  <a:extLst>
+                    <a:ext uri="{9D8B030D-6E8A-4147-A177-3AD203B41FA5}">
+                      <a16:colId xmlns:a16="http://schemas.microsoft.com/office/drawing/2014/main" val="4172139166"/>
+                    </a:ext>
+                  </a:extLst>
+                </a:gridCol>
+              </a:tblGrid>
+              <a:tr h="370840">
+                <a:tc>
+                  <a:txBody>
+                    <a:bodyPr/>
+                    <a:lstStyle/>
+                    <a:p>
+                      <a:endParaRPr lang="en-US" dirty="0"/>
+                    </a:p>
+                  </a:txBody>
+                  <a:tcPr/>
+                </a:tc>
+                <a:tc>
+                  <a:txBody>
+                    <a:bodyPr/>
+                    <a:lstStyle/>
+                    <a:p>
+                      <a:r>
+                        <a:rPr lang="en-US" dirty="0"/>
+                        <a:t>Ne</a:t>
+                      </a:r>
+                    </a:p>
+                  </a:txBody>
+                  <a:tcPr/>
+                </a:tc>
+                <a:tc>
+                  <a:txBody>
+                    <a:bodyPr/>
+                    <a:lstStyle/>
+                    <a:p>
+                      <a:r>
+                        <a:rPr lang="en-US" dirty="0"/>
+                        <a:t>Migration rate</a:t>
+                      </a:r>
+                    </a:p>
+                  </a:txBody>
+                  <a:tcPr/>
+                </a:tc>
+                <a:tc>
+                  <a:txBody>
+                    <a:bodyPr/>
+                    <a:lstStyle/>
+                    <a:p>
+                      <a:r>
+                        <a:rPr lang="en-US" sz="1600" dirty="0"/>
+                        <a:t>Minor allele </a:t>
+                      </a:r>
+                      <a:r>
+                        <a:rPr lang="en-US" sz="1600" dirty="0" err="1"/>
+                        <a:t>freq</a:t>
+                      </a:r>
+                      <a:endParaRPr lang="en-US" sz="1600" dirty="0"/>
+                    </a:p>
+                  </a:txBody>
+                  <a:tcPr/>
+                </a:tc>
+                <a:tc>
+                  <a:txBody>
+                    <a:bodyPr/>
+                    <a:lstStyle/>
+                    <a:p>
+                      <a:r>
+                        <a:rPr lang="en-US" dirty="0"/>
+                        <a:t>Growth rate (r0)</a:t>
+                      </a:r>
+                    </a:p>
+                  </a:txBody>
+                  <a:tcPr/>
+                </a:tc>
+                <a:tc>
+                  <a:txBody>
+                    <a:bodyPr/>
+                    <a:lstStyle/>
+                    <a:p>
+                      <a:r>
+                        <a:rPr lang="en-US" dirty="0"/>
+                        <a:t>Lifespan</a:t>
+                      </a:r>
+                    </a:p>
+                  </a:txBody>
+                  <a:tcPr/>
+                </a:tc>
+                <a:tc>
+                  <a:txBody>
+                    <a:bodyPr/>
+                    <a:lstStyle/>
+                    <a:p>
+                      <a:r>
+                        <a:rPr lang="en-US" dirty="0"/>
+                        <a:t>Fecundity</a:t>
+                      </a:r>
+                    </a:p>
+                  </a:txBody>
+                  <a:tcPr/>
+                </a:tc>
+                <a:extLst>
+                  <a:ext uri="{0D108BD9-81ED-4DB2-BD59-A6C34878D82A}">
+                    <a16:rowId xmlns:a16="http://schemas.microsoft.com/office/drawing/2014/main" val="640327661"/>
+                  </a:ext>
+                </a:extLst>
+              </a:tr>
+              <a:tr h="370840">
+                <a:tc>
+                  <a:txBody>
+                    <a:bodyPr/>
+                    <a:lstStyle/>
+                    <a:p>
+                      <a:endParaRPr lang="en-US" sz="1400" dirty="0"/>
+                    </a:p>
+                  </a:txBody>
+                  <a:tcPr>
+                    <a:solidFill>
+                      <a:schemeClr val="accent6">
+                        <a:lumMod val="40000"/>
+                        <a:lumOff val="60000"/>
+                      </a:schemeClr>
+                    </a:solidFill>
+                  </a:tcPr>
+                </a:tc>
+                <a:tc>
+                  <a:txBody>
+                    <a:bodyPr/>
+                    <a:lstStyle/>
+                    <a:p>
+                      <a:r>
+                        <a:rPr lang="en-US" sz="1400" dirty="0"/>
+                        <a:t>75, 100, 300, 500, 700</a:t>
+                      </a:r>
+                    </a:p>
+                  </a:txBody>
+                  <a:tcPr>
+                    <a:solidFill>
+                      <a:schemeClr val="accent6">
+                        <a:lumMod val="40000"/>
+                        <a:lumOff val="60000"/>
+                      </a:schemeClr>
+                    </a:solidFill>
+                  </a:tcPr>
+                </a:tc>
+                <a:tc>
+                  <a:txBody>
+                    <a:bodyPr/>
+                    <a:lstStyle/>
+                    <a:p>
+                      <a:r>
+                        <a:rPr lang="en-US" sz="1400" dirty="0"/>
+                        <a:t>0, "a"=one </a:t>
+                      </a:r>
+                      <a:r>
+                        <a:rPr lang="en-US" sz="1400" dirty="0" err="1"/>
+                        <a:t>mig</a:t>
+                      </a:r>
+                      <a:r>
+                        <a:rPr lang="en-US" sz="1400" dirty="0"/>
+                        <a:t> per gen, "b"=1xof50@175, "c"=3xpf25@175|201|225</a:t>
+                      </a:r>
+                    </a:p>
+                  </a:txBody>
+                  <a:tcPr>
+                    <a:solidFill>
+                      <a:schemeClr val="accent6">
+                        <a:lumMod val="40000"/>
+                        <a:lumOff val="60000"/>
+                      </a:schemeClr>
+                    </a:solidFill>
+                  </a:tcPr>
+                </a:tc>
+                <a:tc>
+                  <a:txBody>
+                    <a:bodyPr/>
+                    <a:lstStyle/>
+                    <a:p>
+                      <a:r>
+                        <a:rPr lang="en-US" sz="1400" dirty="0"/>
+                        <a:t>0.45, 0.07</a:t>
+                      </a:r>
+                    </a:p>
+                  </a:txBody>
+                  <a:tcPr>
+                    <a:solidFill>
+                      <a:schemeClr val="accent6">
+                        <a:lumMod val="40000"/>
+                        <a:lumOff val="60000"/>
+                      </a:schemeClr>
+                    </a:solidFill>
+                  </a:tcPr>
+                </a:tc>
+                <a:tc>
+                  <a:txBody>
+                    <a:bodyPr/>
+                    <a:lstStyle/>
+                    <a:p>
+                      <a:r>
+                        <a:rPr lang="en-US" sz="1400" dirty="0"/>
+                        <a:t>1, 0.5, 0.1</a:t>
+                      </a:r>
+                    </a:p>
+                  </a:txBody>
+                  <a:tcPr>
+                    <a:solidFill>
+                      <a:schemeClr val="accent6">
+                        <a:lumMod val="40000"/>
+                        <a:lumOff val="60000"/>
+                      </a:schemeClr>
+                    </a:solidFill>
+                  </a:tcPr>
+                </a:tc>
+                <a:tc>
+                  <a:txBody>
+                    <a:bodyPr/>
+                    <a:lstStyle/>
+                    <a:p>
+                      <a:r>
+                        <a:rPr lang="en-US" sz="1400" dirty="0"/>
+                        <a:t>3, 9, 15</a:t>
+                      </a:r>
+                    </a:p>
+                  </a:txBody>
+                  <a:tcPr>
+                    <a:solidFill>
+                      <a:schemeClr val="accent6">
+                        <a:lumMod val="40000"/>
+                        <a:lumOff val="60000"/>
+                      </a:schemeClr>
+                    </a:solidFill>
+                  </a:tcPr>
+                </a:tc>
+                <a:tc>
+                  <a:txBody>
+                    <a:bodyPr/>
+                    <a:lstStyle/>
+                    <a:p>
+                      <a:r>
+                        <a:rPr lang="en-US" sz="1400" dirty="0"/>
+                        <a:t>2, 4, 6</a:t>
+                      </a:r>
+                    </a:p>
+                  </a:txBody>
+                  <a:tcPr>
+                    <a:solidFill>
+                      <a:schemeClr val="accent6">
+                        <a:lumMod val="40000"/>
+                        <a:lumOff val="60000"/>
+                      </a:schemeClr>
+                    </a:solidFill>
+                  </a:tcPr>
+                </a:tc>
+                <a:extLst>
+                  <a:ext uri="{0D108BD9-81ED-4DB2-BD59-A6C34878D82A}">
+                    <a16:rowId xmlns:a16="http://schemas.microsoft.com/office/drawing/2014/main" val="724898931"/>
+                  </a:ext>
+                </a:extLst>
+              </a:tr>
+              <a:tr h="370840">
+                <a:tc>
+                  <a:txBody>
+                    <a:bodyPr/>
+                    <a:lstStyle/>
+                    <a:p>
+                      <a:r>
+                        <a:rPr lang="en-US" dirty="0" err="1"/>
+                        <a:t>Run_a</a:t>
+                      </a:r>
+                      <a:endParaRPr lang="en-US" dirty="0"/>
+                    </a:p>
+                  </a:txBody>
+                  <a:tcPr/>
+                </a:tc>
+                <a:tc>
+                  <a:txBody>
+                    <a:bodyPr/>
+                    <a:lstStyle/>
+                    <a:p>
+                      <a:r>
+                        <a:rPr lang="en-US" dirty="0"/>
+                        <a:t>300</a:t>
+                      </a:r>
+                    </a:p>
+                  </a:txBody>
+                  <a:tcPr/>
+                </a:tc>
+                <a:tc>
+                  <a:txBody>
+                    <a:bodyPr/>
+                    <a:lstStyle/>
+                    <a:p>
+                      <a:r>
+                        <a:rPr lang="en-US" dirty="0"/>
+                        <a:t>all4</a:t>
+                      </a:r>
+                    </a:p>
+                  </a:txBody>
+                  <a:tcPr/>
+                </a:tc>
+                <a:tc>
+                  <a:txBody>
+                    <a:bodyPr/>
+                    <a:lstStyle/>
+                    <a:p>
+                      <a:r>
+                        <a:rPr lang="en-US" dirty="0"/>
+                        <a:t>0.07</a:t>
+                      </a:r>
+                    </a:p>
+                  </a:txBody>
+                  <a:tcPr/>
+                </a:tc>
+                <a:tc>
+                  <a:txBody>
+                    <a:bodyPr/>
+                    <a:lstStyle/>
+                    <a:p>
+                      <a:r>
+                        <a:rPr lang="en-US" dirty="0"/>
+                        <a:t>1</a:t>
+                      </a:r>
+                    </a:p>
+                  </a:txBody>
+                  <a:tcPr/>
+                </a:tc>
+                <a:tc>
+                  <a:txBody>
+                    <a:bodyPr/>
+                    <a:lstStyle/>
+                    <a:p>
+                      <a:r>
+                        <a:rPr lang="en-US" dirty="0"/>
+                        <a:t>9</a:t>
+                      </a:r>
+                    </a:p>
+                  </a:txBody>
+                  <a:tcPr/>
+                </a:tc>
+                <a:tc>
+                  <a:txBody>
+                    <a:bodyPr/>
+                    <a:lstStyle/>
+                    <a:p>
+                      <a:r>
+                        <a:rPr lang="en-US" dirty="0"/>
+                        <a:t>2</a:t>
+                      </a:r>
+                    </a:p>
+                  </a:txBody>
+                  <a:tcPr/>
+                </a:tc>
+                <a:extLst>
+                  <a:ext uri="{0D108BD9-81ED-4DB2-BD59-A6C34878D82A}">
+                    <a16:rowId xmlns:a16="http://schemas.microsoft.com/office/drawing/2014/main" val="1849552592"/>
+                  </a:ext>
+                </a:extLst>
+              </a:tr>
+              <a:tr h="370840">
+                <a:tc>
+                  <a:txBody>
+                    <a:bodyPr/>
+                    <a:lstStyle/>
+                    <a:p>
+                      <a:r>
+                        <a:rPr lang="en-US" dirty="0" err="1"/>
+                        <a:t>Run_b</a:t>
+                      </a:r>
+                      <a:endParaRPr lang="en-US" dirty="0"/>
+                    </a:p>
+                  </a:txBody>
+                  <a:tcPr/>
+                </a:tc>
+                <a:tc>
+                  <a:txBody>
+                    <a:bodyPr/>
+                    <a:lstStyle/>
+                    <a:p>
+                      <a:r>
+                        <a:rPr lang="en-US" dirty="0"/>
+                        <a:t>300</a:t>
+                      </a:r>
+                    </a:p>
+                  </a:txBody>
+                  <a:tcPr/>
+                </a:tc>
+                <a:tc>
+                  <a:txBody>
+                    <a:bodyPr/>
+                    <a:lstStyle/>
+                    <a:p>
+                      <a:r>
+                        <a:rPr lang="en-US" dirty="0"/>
+                        <a:t>All4</a:t>
+                      </a:r>
+                    </a:p>
+                  </a:txBody>
+                  <a:tcPr/>
+                </a:tc>
+                <a:tc>
+                  <a:txBody>
+                    <a:bodyPr/>
+                    <a:lstStyle/>
+                    <a:p>
+                      <a:r>
+                        <a:rPr lang="en-US" dirty="0"/>
+                        <a:t>0.45</a:t>
+                      </a:r>
+                    </a:p>
+                  </a:txBody>
+                  <a:tcPr/>
+                </a:tc>
+                <a:tc>
+                  <a:txBody>
+                    <a:bodyPr/>
+                    <a:lstStyle/>
+                    <a:p>
+                      <a:r>
+                        <a:rPr lang="en-US" dirty="0"/>
+                        <a:t>1</a:t>
+                      </a:r>
+                    </a:p>
+                  </a:txBody>
+                  <a:tcPr/>
+                </a:tc>
+                <a:tc>
+                  <a:txBody>
+                    <a:bodyPr/>
+                    <a:lstStyle/>
+                    <a:p>
+                      <a:r>
+                        <a:rPr lang="en-US" dirty="0"/>
+                        <a:t>15, 3</a:t>
+                      </a:r>
+                    </a:p>
+                  </a:txBody>
+                  <a:tcPr/>
+                </a:tc>
+                <a:tc>
+                  <a:txBody>
+                    <a:bodyPr/>
+                    <a:lstStyle/>
+                    <a:p>
+                      <a:r>
+                        <a:rPr lang="en-US" dirty="0"/>
+                        <a:t>2</a:t>
+                      </a:r>
+                    </a:p>
+                  </a:txBody>
+                  <a:tcPr/>
+                </a:tc>
+                <a:extLst>
+                  <a:ext uri="{0D108BD9-81ED-4DB2-BD59-A6C34878D82A}">
+                    <a16:rowId xmlns:a16="http://schemas.microsoft.com/office/drawing/2014/main" val="1092630376"/>
+                  </a:ext>
+                </a:extLst>
+              </a:tr>
+              <a:tr h="370840">
+                <a:tc>
+                  <a:txBody>
+                    <a:bodyPr/>
+                    <a:lstStyle/>
+                    <a:p>
+                      <a:r>
+                        <a:rPr lang="en-US" dirty="0" err="1"/>
+                        <a:t>Run_c</a:t>
+                      </a:r>
+                      <a:endParaRPr lang="en-US" dirty="0"/>
+                    </a:p>
+                  </a:txBody>
+                  <a:tcPr/>
+                </a:tc>
+                <a:tc>
+                  <a:txBody>
+                    <a:bodyPr/>
+                    <a:lstStyle/>
+                    <a:p>
+                      <a:r>
+                        <a:rPr lang="en-US" dirty="0"/>
+                        <a:t>300</a:t>
+                      </a:r>
+                    </a:p>
+                  </a:txBody>
+                  <a:tcPr/>
+                </a:tc>
+                <a:tc>
+                  <a:txBody>
+                    <a:bodyPr/>
+                    <a:lstStyle/>
+                    <a:p>
+                      <a:r>
+                        <a:rPr lang="en-US" dirty="0"/>
+                        <a:t>all4</a:t>
+                      </a:r>
+                    </a:p>
+                  </a:txBody>
+                  <a:tcPr/>
+                </a:tc>
+                <a:tc>
+                  <a:txBody>
+                    <a:bodyPr/>
+                    <a:lstStyle/>
+                    <a:p>
+                      <a:r>
+                        <a:rPr lang="en-US" dirty="0"/>
+                        <a:t>0.45</a:t>
+                      </a:r>
+                    </a:p>
+                  </a:txBody>
+                  <a:tcPr/>
+                </a:tc>
+                <a:tc>
+                  <a:txBody>
+                    <a:bodyPr/>
+                    <a:lstStyle/>
+                    <a:p>
+                      <a:r>
+                        <a:rPr lang="en-US" dirty="0"/>
+                        <a:t>1</a:t>
+                      </a:r>
+                    </a:p>
+                  </a:txBody>
+                  <a:tcPr/>
+                </a:tc>
+                <a:tc>
+                  <a:txBody>
+                    <a:bodyPr/>
+                    <a:lstStyle/>
+                    <a:p>
+                      <a:r>
+                        <a:rPr lang="en-US" dirty="0"/>
+                        <a:t>9</a:t>
+                      </a:r>
+                    </a:p>
+                  </a:txBody>
+                  <a:tcPr/>
+                </a:tc>
+                <a:tc>
+                  <a:txBody>
+                    <a:bodyPr/>
+                    <a:lstStyle/>
+                    <a:p>
+                      <a:r>
+                        <a:rPr lang="en-US" dirty="0"/>
+                        <a:t>4, 6</a:t>
+                      </a:r>
+                    </a:p>
+                  </a:txBody>
+                  <a:tcPr/>
+                </a:tc>
+                <a:extLst>
+                  <a:ext uri="{0D108BD9-81ED-4DB2-BD59-A6C34878D82A}">
+                    <a16:rowId xmlns:a16="http://schemas.microsoft.com/office/drawing/2014/main" val="1487313018"/>
+                  </a:ext>
+                </a:extLst>
+              </a:tr>
+              <a:tr h="370840">
+                <a:tc>
+                  <a:txBody>
+                    <a:bodyPr/>
+                    <a:lstStyle/>
+                    <a:p>
+                      <a:r>
+                        <a:rPr lang="en-US" dirty="0" err="1"/>
+                        <a:t>Run_d</a:t>
+                      </a:r>
+                      <a:endParaRPr lang="en-US" dirty="0"/>
+                    </a:p>
+                  </a:txBody>
+                  <a:tcPr/>
+                </a:tc>
+                <a:tc>
+                  <a:txBody>
+                    <a:bodyPr/>
+                    <a:lstStyle/>
+                    <a:p>
+                      <a:r>
+                        <a:rPr lang="en-US" dirty="0"/>
+                        <a:t>300</a:t>
+                      </a:r>
+                    </a:p>
+                  </a:txBody>
+                  <a:tcPr/>
+                </a:tc>
+                <a:tc>
+                  <a:txBody>
+                    <a:bodyPr/>
+                    <a:lstStyle/>
+                    <a:p>
+                      <a:r>
+                        <a:rPr lang="en-US" dirty="0"/>
+                        <a:t>all4</a:t>
+                      </a:r>
+                    </a:p>
+                  </a:txBody>
+                  <a:tcPr/>
+                </a:tc>
+                <a:tc>
+                  <a:txBody>
+                    <a:bodyPr/>
+                    <a:lstStyle/>
+                    <a:p>
+                      <a:r>
+                        <a:rPr lang="en-US" dirty="0"/>
+                        <a:t>0.45</a:t>
+                      </a:r>
+                    </a:p>
+                  </a:txBody>
+                  <a:tcPr/>
+                </a:tc>
+                <a:tc>
+                  <a:txBody>
+                    <a:bodyPr/>
+                    <a:lstStyle/>
+                    <a:p>
+                      <a:r>
+                        <a:rPr lang="en-US" dirty="0"/>
+                        <a:t>0.5</a:t>
+                      </a:r>
+                    </a:p>
+                  </a:txBody>
+                  <a:tcPr/>
+                </a:tc>
+                <a:tc>
+                  <a:txBody>
+                    <a:bodyPr/>
+                    <a:lstStyle/>
+                    <a:p>
+                      <a:r>
+                        <a:rPr lang="en-US" dirty="0"/>
+                        <a:t>9</a:t>
+                      </a:r>
+                    </a:p>
+                  </a:txBody>
+                  <a:tcPr/>
+                </a:tc>
+                <a:tc>
+                  <a:txBody>
+                    <a:bodyPr/>
+                    <a:lstStyle/>
+                    <a:p>
+                      <a:r>
+                        <a:rPr lang="en-US" dirty="0"/>
+                        <a:t>2</a:t>
+                      </a:r>
+                    </a:p>
+                  </a:txBody>
+                  <a:tcPr/>
+                </a:tc>
+                <a:extLst>
+                  <a:ext uri="{0D108BD9-81ED-4DB2-BD59-A6C34878D82A}">
+                    <a16:rowId xmlns:a16="http://schemas.microsoft.com/office/drawing/2014/main" val="2937712162"/>
+                  </a:ext>
+                </a:extLst>
+              </a:tr>
+              <a:tr h="370840">
+                <a:tc>
+                  <a:txBody>
+                    <a:bodyPr/>
+                    <a:lstStyle/>
+                    <a:p>
+                      <a:r>
+                        <a:rPr lang="en-US" dirty="0" err="1"/>
+                        <a:t>Run_e</a:t>
+                      </a:r>
+                      <a:endParaRPr lang="en-US" dirty="0"/>
+                    </a:p>
+                  </a:txBody>
+                  <a:tcPr/>
+                </a:tc>
+                <a:tc>
+                  <a:txBody>
+                    <a:bodyPr/>
+                    <a:lstStyle/>
+                    <a:p>
+                      <a:r>
+                        <a:rPr lang="en-US" dirty="0"/>
+                        <a:t>300</a:t>
+                      </a:r>
+                    </a:p>
+                  </a:txBody>
+                  <a:tcPr/>
+                </a:tc>
+                <a:tc>
+                  <a:txBody>
+                    <a:bodyPr/>
+                    <a:lstStyle/>
+                    <a:p>
+                      <a:r>
+                        <a:rPr lang="en-US" dirty="0"/>
+                        <a:t>A, b, c</a:t>
+                      </a:r>
+                    </a:p>
+                  </a:txBody>
+                  <a:tcPr/>
+                </a:tc>
+                <a:tc>
+                  <a:txBody>
+                    <a:bodyPr/>
+                    <a:lstStyle/>
+                    <a:p>
+                      <a:r>
+                        <a:rPr lang="en-US" dirty="0"/>
+                        <a:t>0.45</a:t>
+                      </a:r>
+                    </a:p>
+                  </a:txBody>
+                  <a:tcPr/>
+                </a:tc>
+                <a:tc>
+                  <a:txBody>
+                    <a:bodyPr/>
+                    <a:lstStyle/>
+                    <a:p>
+                      <a:r>
+                        <a:rPr lang="en-US" dirty="0"/>
+                        <a:t>1</a:t>
+                      </a:r>
+                    </a:p>
+                  </a:txBody>
+                  <a:tcPr/>
+                </a:tc>
+                <a:tc>
+                  <a:txBody>
+                    <a:bodyPr/>
+                    <a:lstStyle/>
+                    <a:p>
+                      <a:r>
+                        <a:rPr lang="en-US" dirty="0"/>
+                        <a:t>9</a:t>
+                      </a:r>
+                    </a:p>
+                  </a:txBody>
+                  <a:tcPr/>
+                </a:tc>
+                <a:tc>
+                  <a:txBody>
+                    <a:bodyPr/>
+                    <a:lstStyle/>
+                    <a:p>
+                      <a:r>
+                        <a:rPr lang="en-US" dirty="0"/>
+                        <a:t>2</a:t>
+                      </a:r>
+                    </a:p>
+                  </a:txBody>
+                  <a:tcPr/>
+                </a:tc>
+                <a:extLst>
+                  <a:ext uri="{0D108BD9-81ED-4DB2-BD59-A6C34878D82A}">
+                    <a16:rowId xmlns:a16="http://schemas.microsoft.com/office/drawing/2014/main" val="3618788274"/>
+                  </a:ext>
+                </a:extLst>
+              </a:tr>
+              <a:tr h="370840">
+                <a:tc>
+                  <a:txBody>
+                    <a:bodyPr/>
+                    <a:lstStyle/>
+                    <a:p>
+                      <a:endParaRPr lang="en-US" sz="1600" dirty="0"/>
+                    </a:p>
+                  </a:txBody>
+                  <a:tcPr>
+                    <a:solidFill>
+                      <a:schemeClr val="bg2">
+                        <a:lumMod val="50000"/>
+                      </a:schemeClr>
+                    </a:solidFill>
+                  </a:tcPr>
+                </a:tc>
+                <a:tc>
+                  <a:txBody>
+                    <a:bodyPr/>
+                    <a:lstStyle/>
+                    <a:p>
+                      <a:endParaRPr lang="en-US" dirty="0"/>
+                    </a:p>
+                  </a:txBody>
+                  <a:tcPr>
+                    <a:solidFill>
+                      <a:schemeClr val="bg2">
+                        <a:lumMod val="50000"/>
+                      </a:schemeClr>
+                    </a:solidFill>
+                  </a:tcPr>
+                </a:tc>
+                <a:tc>
+                  <a:txBody>
+                    <a:bodyPr/>
+                    <a:lstStyle/>
+                    <a:p>
+                      <a:endParaRPr lang="en-US" dirty="0"/>
+                    </a:p>
+                  </a:txBody>
+                  <a:tcPr>
+                    <a:solidFill>
+                      <a:schemeClr val="bg2">
+                        <a:lumMod val="50000"/>
+                      </a:schemeClr>
+                    </a:solidFill>
+                  </a:tcPr>
+                </a:tc>
+                <a:tc>
+                  <a:txBody>
+                    <a:bodyPr/>
+                    <a:lstStyle/>
+                    <a:p>
+                      <a:endParaRPr lang="en-US" dirty="0"/>
+                    </a:p>
+                  </a:txBody>
+                  <a:tcPr>
+                    <a:solidFill>
+                      <a:schemeClr val="bg2">
+                        <a:lumMod val="50000"/>
+                      </a:schemeClr>
+                    </a:solidFill>
+                  </a:tcPr>
+                </a:tc>
+                <a:tc>
+                  <a:txBody>
+                    <a:bodyPr/>
+                    <a:lstStyle/>
+                    <a:p>
+                      <a:endParaRPr lang="en-US" dirty="0"/>
+                    </a:p>
+                  </a:txBody>
+                  <a:tcPr>
+                    <a:solidFill>
+                      <a:schemeClr val="bg2">
+                        <a:lumMod val="50000"/>
+                      </a:schemeClr>
+                    </a:solidFill>
+                  </a:tcPr>
+                </a:tc>
+                <a:tc>
+                  <a:txBody>
+                    <a:bodyPr/>
+                    <a:lstStyle/>
+                    <a:p>
+                      <a:endParaRPr lang="en-US" dirty="0"/>
+                    </a:p>
+                  </a:txBody>
+                  <a:tcPr>
+                    <a:solidFill>
+                      <a:schemeClr val="bg2">
+                        <a:lumMod val="50000"/>
+                      </a:schemeClr>
+                    </a:solidFill>
+                  </a:tcPr>
+                </a:tc>
+                <a:tc>
+                  <a:txBody>
+                    <a:bodyPr/>
+                    <a:lstStyle/>
+                    <a:p>
+                      <a:endParaRPr lang="en-US" dirty="0"/>
+                    </a:p>
+                  </a:txBody>
+                  <a:tcPr>
+                    <a:solidFill>
+                      <a:schemeClr val="bg2">
+                        <a:lumMod val="50000"/>
+                      </a:schemeClr>
+                    </a:solidFill>
+                  </a:tcPr>
+                </a:tc>
+                <a:extLst>
+                  <a:ext uri="{0D108BD9-81ED-4DB2-BD59-A6C34878D82A}">
+                    <a16:rowId xmlns:a16="http://schemas.microsoft.com/office/drawing/2014/main" val="3215957644"/>
+                  </a:ext>
+                </a:extLst>
+              </a:tr>
+              <a:tr h="370840">
+                <a:tc>
+                  <a:txBody>
+                    <a:bodyPr/>
+                    <a:lstStyle/>
+                    <a:p>
+                      <a:pPr algn="l" fontAlgn="b"/>
+                      <a:r>
+                        <a:rPr lang="en-US" sz="1100" b="0" i="0" u="none" strike="noStrike" dirty="0">
+                          <a:solidFill>
+                            <a:srgbClr val="000000"/>
+                          </a:solidFill>
+                          <a:effectLst/>
+                          <a:latin typeface="Calibri" panose="020F0502020204030204" pitchFamily="34" charset="0"/>
+                        </a:rPr>
+                        <a:t>ABM_run.1.18.23_d</a:t>
+                      </a:r>
+                    </a:p>
+                  </a:txBody>
+                  <a:tcPr marL="0" marR="0" marT="0" marB="0" anchor="b"/>
+                </a:tc>
+                <a:tc>
+                  <a:txBody>
+                    <a:bodyPr/>
+                    <a:lstStyle/>
+                    <a:p>
+                      <a:pPr algn="r" fontAlgn="b"/>
+                      <a:r>
+                        <a:rPr lang="en-US" sz="1100" b="0" i="0" u="none" strike="noStrike" dirty="0">
+                          <a:solidFill>
+                            <a:srgbClr val="7030A0"/>
+                          </a:solidFill>
+                          <a:effectLst/>
+                          <a:latin typeface="Calibri" panose="020F0502020204030204" pitchFamily="34" charset="0"/>
+                        </a:rPr>
+                        <a:t>300</a:t>
+                      </a:r>
+                    </a:p>
+                  </a:txBody>
+                  <a:tcPr marL="0" marR="0" marT="0" marB="0" anchor="b"/>
+                </a:tc>
+                <a:tc>
+                  <a:txBody>
+                    <a:bodyPr/>
+                    <a:lstStyle/>
+                    <a:p>
+                      <a:r>
+                        <a:rPr lang="en-US" sz="1100" dirty="0"/>
+                        <a:t>0</a:t>
+                      </a:r>
+                    </a:p>
+                  </a:txBody>
+                  <a:tcPr/>
+                </a:tc>
+                <a:tc>
+                  <a:txBody>
+                    <a:bodyPr/>
+                    <a:lstStyle/>
+                    <a:p>
+                      <a:pPr marL="0" marR="0" lvl="0" indent="0" algn="l" defTabSz="914400" rtl="0" eaLnBrk="1" fontAlgn="auto" latinLnBrk="0" hangingPunct="1">
+                        <a:lnSpc>
+                          <a:spcPct val="100000"/>
+                        </a:lnSpc>
+                        <a:spcBef>
+                          <a:spcPts val="0"/>
+                        </a:spcBef>
+                        <a:spcAft>
+                          <a:spcPts val="0"/>
+                        </a:spcAft>
+                        <a:buClrTx/>
+                        <a:buSzTx/>
+                        <a:buFontTx/>
+                        <a:buNone/>
+                        <a:tabLst/>
+                        <a:defRPr/>
+                      </a:pPr>
+                      <a:r>
+                        <a:rPr kumimoji="0" lang="en-US" sz="1100" b="0" i="0" u="none" strike="noStrike" kern="1200" cap="none" spc="0" normalizeH="0" baseline="0" noProof="0" dirty="0">
+                          <a:ln>
+                            <a:noFill/>
+                          </a:ln>
+                          <a:solidFill>
+                            <a:prstClr val="black"/>
+                          </a:solidFill>
+                          <a:effectLst/>
+                          <a:uLnTx/>
+                          <a:uFillTx/>
+                          <a:latin typeface="+mn-lt"/>
+                          <a:ea typeface="+mn-ea"/>
+                          <a:cs typeface="+mn-cs"/>
+                        </a:rPr>
+                        <a:t>0.45 </a:t>
+                      </a:r>
+                      <a:r>
+                        <a:rPr kumimoji="0" lang="en-US" sz="1100" b="0" i="0" u="none" strike="noStrike" kern="1200" cap="none" spc="0" normalizeH="0" baseline="0" noProof="0" dirty="0">
+                          <a:ln>
+                            <a:noFill/>
+                          </a:ln>
+                          <a:solidFill>
+                            <a:prstClr val="black"/>
+                          </a:solidFill>
+                          <a:effectLst/>
+                          <a:highlight>
+                            <a:srgbClr val="FFFF00"/>
+                          </a:highlight>
+                          <a:uLnTx/>
+                          <a:uFillTx/>
+                          <a:latin typeface="+mn-lt"/>
+                          <a:ea typeface="+mn-ea"/>
+                          <a:cs typeface="+mn-cs"/>
+                        </a:rPr>
+                        <a:t>**0.07 in focal pop</a:t>
+                      </a:r>
+                    </a:p>
+                  </a:txBody>
+                  <a:tcPr/>
+                </a:tc>
+                <a:tc>
+                  <a:txBody>
+                    <a:bodyPr/>
+                    <a:lstStyle/>
+                    <a:p>
+                      <a:pPr algn="r" fontAlgn="b"/>
+                      <a:r>
+                        <a:rPr lang="en-US" sz="1100" b="0" i="0" u="none" strike="noStrike" dirty="0">
+                          <a:solidFill>
+                            <a:srgbClr val="000000"/>
+                          </a:solidFill>
+                          <a:effectLst/>
+                          <a:latin typeface="Calibri" panose="020F0502020204030204" pitchFamily="34" charset="0"/>
+                        </a:rPr>
+                        <a:t>1</a:t>
+                      </a:r>
+                    </a:p>
+                  </a:txBody>
+                  <a:tcPr marL="0" marR="0" marT="0" marB="0" anchor="b"/>
+                </a:tc>
+                <a:tc>
+                  <a:txBody>
+                    <a:bodyPr/>
+                    <a:lstStyle/>
+                    <a:p>
+                      <a:r>
+                        <a:rPr lang="en-US" sz="1100" dirty="0"/>
+                        <a:t>9</a:t>
+                      </a:r>
+                    </a:p>
+                  </a:txBody>
+                  <a:tcPr/>
+                </a:tc>
+                <a:tc>
+                  <a:txBody>
+                    <a:bodyPr/>
+                    <a:lstStyle/>
+                    <a:p>
+                      <a:r>
+                        <a:rPr lang="en-US" sz="1100" dirty="0"/>
+                        <a:t>2</a:t>
+                      </a:r>
+                    </a:p>
+                  </a:txBody>
+                  <a:tcPr/>
+                </a:tc>
+                <a:extLst>
+                  <a:ext uri="{0D108BD9-81ED-4DB2-BD59-A6C34878D82A}">
+                    <a16:rowId xmlns:a16="http://schemas.microsoft.com/office/drawing/2014/main" val="111650733"/>
+                  </a:ext>
+                </a:extLst>
+              </a:tr>
+              <a:tr h="370840">
+                <a:tc>
+                  <a:txBody>
+                    <a:bodyPr/>
+                    <a:lstStyle/>
+                    <a:p>
+                      <a:pPr algn="l" fontAlgn="b"/>
+                      <a:r>
+                        <a:rPr lang="en-US" sz="1100" b="0" i="0" u="none" strike="noStrike" dirty="0">
+                          <a:solidFill>
+                            <a:srgbClr val="000000"/>
+                          </a:solidFill>
+                          <a:effectLst/>
+                          <a:latin typeface="Calibri" panose="020F0502020204030204" pitchFamily="34" charset="0"/>
+                        </a:rPr>
+                        <a:t>ABM_run.1.18.23_c</a:t>
+                      </a:r>
+                    </a:p>
+                  </a:txBody>
+                  <a:tcPr marL="0" marR="0" marT="0" marB="0" anchor="b"/>
+                </a:tc>
+                <a:tc>
+                  <a:txBody>
+                    <a:bodyPr/>
+                    <a:lstStyle/>
+                    <a:p>
+                      <a:pPr algn="r" fontAlgn="b"/>
+                      <a:r>
+                        <a:rPr lang="en-US" sz="1100" b="0" i="0" u="none" strike="noStrike">
+                          <a:solidFill>
+                            <a:srgbClr val="7030A0"/>
+                          </a:solidFill>
+                          <a:effectLst/>
+                          <a:latin typeface="Calibri" panose="020F0502020204030204" pitchFamily="34" charset="0"/>
+                        </a:rPr>
+                        <a:t>300</a:t>
+                      </a:r>
+                    </a:p>
+                  </a:txBody>
+                  <a:tcPr marL="0" marR="0" marT="0" marB="0" anchor="b"/>
+                </a:tc>
+                <a:tc>
+                  <a:txBody>
+                    <a:bodyPr/>
+                    <a:lstStyle/>
+                    <a:p>
+                      <a:r>
+                        <a:rPr lang="en-US" sz="1100" dirty="0"/>
+                        <a:t>0</a:t>
+                      </a:r>
+                    </a:p>
+                  </a:txBody>
+                  <a:tcPr/>
+                </a:tc>
+                <a:tc>
+                  <a:txBody>
+                    <a:bodyPr/>
+                    <a:lstStyle/>
+                    <a:p>
+                      <a:pPr marL="0" marR="0" lvl="0" indent="0" algn="l" defTabSz="914400" rtl="0" eaLnBrk="1" fontAlgn="auto" latinLnBrk="0" hangingPunct="1">
+                        <a:lnSpc>
+                          <a:spcPct val="100000"/>
+                        </a:lnSpc>
+                        <a:spcBef>
+                          <a:spcPts val="0"/>
+                        </a:spcBef>
+                        <a:spcAft>
+                          <a:spcPts val="0"/>
+                        </a:spcAft>
+                        <a:buClrTx/>
+                        <a:buSzTx/>
+                        <a:buFontTx/>
+                        <a:buNone/>
+                        <a:tabLst/>
+                        <a:defRPr/>
+                      </a:pPr>
+                      <a:r>
+                        <a:rPr lang="en-US" sz="1100" dirty="0"/>
+                        <a:t>0.45</a:t>
+                      </a:r>
+                    </a:p>
+                  </a:txBody>
+                  <a:tcPr/>
+                </a:tc>
+                <a:tc>
+                  <a:txBody>
+                    <a:bodyPr/>
+                    <a:lstStyle/>
+                    <a:p>
+                      <a:pPr algn="l" fontAlgn="b"/>
+                      <a:r>
+                        <a:rPr lang="en-US" sz="1100" b="0" i="0" u="none" strike="noStrike" dirty="0">
+                          <a:solidFill>
+                            <a:srgbClr val="000000"/>
+                          </a:solidFill>
+                          <a:effectLst/>
+                          <a:latin typeface="Calibri" panose="020F0502020204030204" pitchFamily="34" charset="0"/>
+                        </a:rPr>
+                        <a:t>0.5</a:t>
+                      </a:r>
+                    </a:p>
+                  </a:txBody>
+                  <a:tcPr marL="0" marR="0" marT="0" marB="0" anchor="b"/>
+                </a:tc>
+                <a:tc>
+                  <a:txBody>
+                    <a:bodyPr/>
+                    <a:lstStyle/>
+                    <a:p>
+                      <a:r>
+                        <a:rPr lang="en-US" sz="1100" dirty="0"/>
+                        <a:t>9</a:t>
+                      </a:r>
+                    </a:p>
+                  </a:txBody>
+                  <a:tcPr/>
+                </a:tc>
+                <a:tc>
+                  <a:txBody>
+                    <a:bodyPr/>
+                    <a:lstStyle/>
+                    <a:p>
+                      <a:r>
+                        <a:rPr lang="en-US" sz="1100" dirty="0"/>
+                        <a:t>4</a:t>
+                      </a:r>
+                    </a:p>
+                  </a:txBody>
+                  <a:tcPr/>
+                </a:tc>
+                <a:extLst>
+                  <a:ext uri="{0D108BD9-81ED-4DB2-BD59-A6C34878D82A}">
+                    <a16:rowId xmlns:a16="http://schemas.microsoft.com/office/drawing/2014/main" val="3326773654"/>
+                  </a:ext>
+                </a:extLst>
+              </a:tr>
+              <a:tr h="370840">
+                <a:tc>
+                  <a:txBody>
+                    <a:bodyPr/>
+                    <a:lstStyle/>
+                    <a:p>
+                      <a:pPr algn="l" fontAlgn="b"/>
+                      <a:r>
+                        <a:rPr lang="en-US" sz="1100" b="0" i="0" u="none" strike="noStrike" dirty="0">
+                          <a:solidFill>
+                            <a:srgbClr val="000000"/>
+                          </a:solidFill>
+                          <a:effectLst/>
+                          <a:latin typeface="Calibri" panose="020F0502020204030204" pitchFamily="34" charset="0"/>
+                        </a:rPr>
+                        <a:t>ABM_run.1.5.23_A</a:t>
+                      </a:r>
+                    </a:p>
+                  </a:txBody>
+                  <a:tcPr marL="0" marR="0" marT="0" marB="0" anchor="b"/>
+                </a:tc>
+                <a:tc>
+                  <a:txBody>
+                    <a:bodyPr/>
+                    <a:lstStyle/>
+                    <a:p>
+                      <a:pPr algn="r" fontAlgn="b"/>
+                      <a:r>
+                        <a:rPr lang="en-US" sz="1100" b="0" i="0" u="none" strike="noStrike" dirty="0">
+                          <a:solidFill>
+                            <a:srgbClr val="7030A0"/>
+                          </a:solidFill>
+                          <a:effectLst/>
+                          <a:latin typeface="Calibri" panose="020F0502020204030204" pitchFamily="34" charset="0"/>
+                        </a:rPr>
+                        <a:t>300</a:t>
+                      </a:r>
+                    </a:p>
+                  </a:txBody>
+                  <a:tcPr marL="0" marR="0" marT="0" marB="0" anchor="b"/>
+                </a:tc>
+                <a:tc>
+                  <a:txBody>
+                    <a:bodyPr/>
+                    <a:lstStyle/>
+                    <a:p>
+                      <a:r>
+                        <a:rPr lang="en-US" sz="1100" dirty="0"/>
+                        <a:t>0</a:t>
+                      </a:r>
+                    </a:p>
+                  </a:txBody>
+                  <a:tcPr/>
+                </a:tc>
+                <a:tc>
+                  <a:txBody>
+                    <a:bodyPr/>
+                    <a:lstStyle/>
+                    <a:p>
+                      <a:pPr marL="0" marR="0" lvl="0" indent="0" algn="l" defTabSz="914400" rtl="0" eaLnBrk="1" fontAlgn="auto" latinLnBrk="0" hangingPunct="1">
+                        <a:lnSpc>
+                          <a:spcPct val="100000"/>
+                        </a:lnSpc>
+                        <a:spcBef>
+                          <a:spcPts val="0"/>
+                        </a:spcBef>
+                        <a:spcAft>
+                          <a:spcPts val="0"/>
+                        </a:spcAft>
+                        <a:buClrTx/>
+                        <a:buSzTx/>
+                        <a:buFontTx/>
+                        <a:buNone/>
+                        <a:tabLst/>
+                        <a:defRPr/>
+                      </a:pPr>
+                      <a:r>
+                        <a:rPr lang="en-US" sz="1100" dirty="0"/>
+                        <a:t>0.45</a:t>
+                      </a:r>
+                    </a:p>
+                  </a:txBody>
+                  <a:tcPr/>
+                </a:tc>
+                <a:tc>
+                  <a:txBody>
+                    <a:bodyPr/>
+                    <a:lstStyle/>
+                    <a:p>
+                      <a:pPr algn="r" fontAlgn="b"/>
+                      <a:r>
+                        <a:rPr lang="en-US" sz="1100" b="0" i="0" u="none" strike="noStrike" dirty="0">
+                          <a:solidFill>
+                            <a:srgbClr val="000000"/>
+                          </a:solidFill>
+                          <a:effectLst/>
+                          <a:latin typeface="Calibri" panose="020F0502020204030204" pitchFamily="34" charset="0"/>
+                        </a:rPr>
+                        <a:t>1</a:t>
+                      </a:r>
+                    </a:p>
+                  </a:txBody>
+                  <a:tcPr marL="0" marR="0" marT="0" marB="0" anchor="b"/>
+                </a:tc>
+                <a:tc>
+                  <a:txBody>
+                    <a:bodyPr/>
+                    <a:lstStyle/>
+                    <a:p>
+                      <a:r>
+                        <a:rPr lang="en-US" sz="1100" dirty="0"/>
+                        <a:t>9</a:t>
+                      </a:r>
+                    </a:p>
+                  </a:txBody>
+                  <a:tcPr/>
+                </a:tc>
+                <a:tc>
+                  <a:txBody>
+                    <a:bodyPr/>
+                    <a:lstStyle/>
+                    <a:p>
+                      <a:r>
+                        <a:rPr lang="en-US" sz="1100" dirty="0"/>
+                        <a:t>2</a:t>
+                      </a:r>
+                    </a:p>
+                  </a:txBody>
+                  <a:tcPr/>
+                </a:tc>
+                <a:extLst>
+                  <a:ext uri="{0D108BD9-81ED-4DB2-BD59-A6C34878D82A}">
+                    <a16:rowId xmlns:a16="http://schemas.microsoft.com/office/drawing/2014/main" val="4034882515"/>
+                  </a:ext>
+                </a:extLst>
+              </a:tr>
+            </a:tbl>
+          </a:graphicData>
+        </a:graphic>
+      </p:graphicFrame>
+    </p:spTree>
+    <p:extLst>
+      <p:ext uri="{BB962C8B-B14F-4D97-AF65-F5344CB8AC3E}">
+        <p14:creationId xmlns:p14="http://schemas.microsoft.com/office/powerpoint/2010/main" val="1718666261"/>
+      </p:ext>
+    </p:extLst>
+  </p:cSld>
+  <p:clrMapOvr>
+    <a:masterClrMapping/>
+  </p:clrMapOvr>
+</p:sld>
+</file>
+
+<file path=ppt/slides/slide23.xml><?xml version="1.0" encoding="utf-8"?>
+<p:sld xmlns:a="http://schemas.openxmlformats.org/drawingml/2006/main" xmlns:r="http://schemas.openxmlformats.org/officeDocument/2006/relationships" xmlns:p="http://schemas.openxmlformats.org/presentationml/2006/main">
+  <p:cSld>
+    <p:spTree>
+      <p:nvGrpSpPr>
+        <p:cNvPr id="1" name=""/>
+        <p:cNvGrpSpPr/>
+        <p:nvPr/>
+      </p:nvGrpSpPr>
+      <p:grpSpPr>
+        <a:xfrm>
+          <a:off x="0" y="0"/>
+          <a:ext cx="0" cy="0"/>
+          <a:chOff x="0" y="0"/>
+          <a:chExt cx="0" cy="0"/>
+        </a:xfrm>
+      </p:grpSpPr>
+      <p:sp>
+        <p:nvSpPr>
+          <p:cNvPr id="2" name="Title 1">
+            <a:extLst>
+              <a:ext uri="{FF2B5EF4-FFF2-40B4-BE49-F238E27FC236}">
+                <a16:creationId xmlns:a16="http://schemas.microsoft.com/office/drawing/2014/main" id="{4541B357-1BED-5B88-4B07-7558E7DE3EDF}"/>
+              </a:ext>
+            </a:extLst>
+          </p:cNvPr>
+          <p:cNvSpPr>
+            <a:spLocks noGrp="1"/>
+          </p:cNvSpPr>
+          <p:nvPr>
+            <p:ph type="title"/>
+          </p:nvPr>
+        </p:nvSpPr>
+        <p:spPr/>
+        <p:txBody>
+          <a:bodyPr/>
+          <a:lstStyle/>
+          <a:p>
+            <a:r>
+              <a:rPr lang="en-US" dirty="0"/>
+              <a:t>Conclusions</a:t>
+            </a:r>
+          </a:p>
+        </p:txBody>
+      </p:sp>
+      <p:sp>
+        <p:nvSpPr>
+          <p:cNvPr id="3" name="Content Placeholder 2">
+            <a:extLst>
+              <a:ext uri="{FF2B5EF4-FFF2-40B4-BE49-F238E27FC236}">
+                <a16:creationId xmlns:a16="http://schemas.microsoft.com/office/drawing/2014/main" id="{86D14108-4042-8CBE-543E-ABB4388565F5}"/>
+              </a:ext>
+            </a:extLst>
+          </p:cNvPr>
+          <p:cNvSpPr>
+            <a:spLocks noGrp="1"/>
+          </p:cNvSpPr>
+          <p:nvPr>
+            <p:ph idx="1"/>
+          </p:nvPr>
+        </p:nvSpPr>
+        <p:spPr/>
+        <p:txBody>
+          <a:bodyPr>
+            <a:normAutofit fontScale="92500" lnSpcReduction="10000"/>
+          </a:bodyPr>
+          <a:lstStyle/>
+          <a:p>
+            <a:r>
+              <a:rPr lang="en-US" b="1" dirty="0"/>
+              <a:t>1. Does the increase in genetic variants provided to a population via  migration provide a long term influence on individual and population fitness?</a:t>
+            </a:r>
+            <a:r>
+              <a:rPr lang="en-US" dirty="0"/>
+              <a:t> We hypothesized that extremely small populations will retain more of the migrant-related genetic variants than populations with more moderate population crashes due to the population growth potential in extremely small populations.</a:t>
+            </a:r>
+          </a:p>
+          <a:p>
+            <a:endParaRPr lang="en-US" dirty="0"/>
+          </a:p>
+          <a:p>
+            <a:r>
+              <a:rPr lang="en-US" dirty="0">
+                <a:solidFill>
+                  <a:srgbClr val="FF0000"/>
+                </a:solidFill>
+              </a:rPr>
+              <a:t>The proportion of migrant SNPs retained in the population was greater in smaller populations when there was one migrant per generation. Additionally, small populations diverged from the original population and lost heterozygosity at a faster rate than larger populations at all migration rates.</a:t>
+            </a:r>
+          </a:p>
+        </p:txBody>
+      </p:sp>
+    </p:spTree>
+    <p:extLst>
+      <p:ext uri="{BB962C8B-B14F-4D97-AF65-F5344CB8AC3E}">
+        <p14:creationId xmlns:p14="http://schemas.microsoft.com/office/powerpoint/2010/main" val="4080773754"/>
+      </p:ext>
+    </p:extLst>
+  </p:cSld>
+  <p:clrMapOvr>
+    <a:masterClrMapping/>
+  </p:clrMapOvr>
+</p:sld>
+</file>
+
+<file path=ppt/slides/slide24.xml><?xml version="1.0" encoding="utf-8"?>
+<p:sld xmlns:a="http://schemas.openxmlformats.org/drawingml/2006/main" xmlns:r="http://schemas.openxmlformats.org/officeDocument/2006/relationships" xmlns:p="http://schemas.openxmlformats.org/presentationml/2006/main">
+  <p:cSld>
+    <p:spTree>
+      <p:nvGrpSpPr>
+        <p:cNvPr id="1" name=""/>
+        <p:cNvGrpSpPr/>
+        <p:nvPr/>
+      </p:nvGrpSpPr>
+      <p:grpSpPr>
+        <a:xfrm>
+          <a:off x="0" y="0"/>
+          <a:ext cx="0" cy="0"/>
+          <a:chOff x="0" y="0"/>
+          <a:chExt cx="0" cy="0"/>
+        </a:xfrm>
+      </p:grpSpPr>
+      <p:sp>
+        <p:nvSpPr>
+          <p:cNvPr id="2" name="Title 1">
+            <a:extLst>
+              <a:ext uri="{FF2B5EF4-FFF2-40B4-BE49-F238E27FC236}">
+                <a16:creationId xmlns:a16="http://schemas.microsoft.com/office/drawing/2014/main" id="{4541B357-1BED-5B88-4B07-7558E7DE3EDF}"/>
+              </a:ext>
+            </a:extLst>
+          </p:cNvPr>
+          <p:cNvSpPr>
+            <a:spLocks noGrp="1"/>
+          </p:cNvSpPr>
+          <p:nvPr>
+            <p:ph type="title"/>
+          </p:nvPr>
+        </p:nvSpPr>
+        <p:spPr/>
+        <p:txBody>
+          <a:bodyPr/>
+          <a:lstStyle/>
+          <a:p>
+            <a:r>
+              <a:rPr lang="en-US" dirty="0"/>
+              <a:t>Conclusions</a:t>
+            </a:r>
+          </a:p>
+        </p:txBody>
+      </p:sp>
+      <p:sp>
+        <p:nvSpPr>
+          <p:cNvPr id="3" name="Content Placeholder 2">
+            <a:extLst>
+              <a:ext uri="{FF2B5EF4-FFF2-40B4-BE49-F238E27FC236}">
+                <a16:creationId xmlns:a16="http://schemas.microsoft.com/office/drawing/2014/main" id="{86D14108-4042-8CBE-543E-ABB4388565F5}"/>
+              </a:ext>
+            </a:extLst>
+          </p:cNvPr>
+          <p:cNvSpPr>
+            <a:spLocks noGrp="1"/>
+          </p:cNvSpPr>
+          <p:nvPr>
+            <p:ph idx="1"/>
+          </p:nvPr>
+        </p:nvSpPr>
+        <p:spPr/>
+        <p:txBody>
+          <a:bodyPr>
+            <a:normAutofit/>
+          </a:bodyPr>
+          <a:lstStyle/>
+          <a:p>
+            <a:r>
+              <a:rPr lang="en-US" b="1" dirty="0"/>
+              <a:t>2. Do migrants with particularly high fitness affect the receiving population’s long-term stability more so than migrants with moderate or low lifetime fitness? </a:t>
+            </a:r>
+            <a:r>
+              <a:rPr lang="en-US" dirty="0"/>
+              <a:t>We hypothesize that migrants with high fitness may result in more unstable populations long-term than migrants with lower fitness, since high fitness individuals may cause inbreeding to increase as offspring from high fitness individuals reproduce.</a:t>
+            </a:r>
+          </a:p>
+          <a:p>
+            <a:r>
+              <a:rPr lang="en-US" dirty="0">
+                <a:solidFill>
+                  <a:srgbClr val="FF0000"/>
+                </a:solidFill>
+              </a:rPr>
+              <a:t>LRS and RRS were higher in populations where migrants had a lower minor allele frequency (aka lower heterozygosity) with no change in inbreeding values.</a:t>
+            </a:r>
+          </a:p>
+        </p:txBody>
+      </p:sp>
+    </p:spTree>
+    <p:extLst>
+      <p:ext uri="{BB962C8B-B14F-4D97-AF65-F5344CB8AC3E}">
+        <p14:creationId xmlns:p14="http://schemas.microsoft.com/office/powerpoint/2010/main" val="3320240485"/>
+      </p:ext>
+    </p:extLst>
+  </p:cSld>
+  <p:clrMapOvr>
+    <a:masterClrMapping/>
+  </p:clrMapOvr>
+</p:sld>
+</file>
+
+<file path=ppt/slides/slide25.xml><?xml version="1.0" encoding="utf-8"?>
+<p:sld xmlns:a="http://schemas.openxmlformats.org/drawingml/2006/main" xmlns:r="http://schemas.openxmlformats.org/officeDocument/2006/relationships" xmlns:p="http://schemas.openxmlformats.org/presentationml/2006/main">
+  <p:cSld>
+    <p:spTree>
+      <p:nvGrpSpPr>
+        <p:cNvPr id="1" name=""/>
+        <p:cNvGrpSpPr/>
+        <p:nvPr/>
+      </p:nvGrpSpPr>
+      <p:grpSpPr>
+        <a:xfrm>
+          <a:off x="0" y="0"/>
+          <a:ext cx="0" cy="0"/>
+          <a:chOff x="0" y="0"/>
+          <a:chExt cx="0" cy="0"/>
+        </a:xfrm>
+      </p:grpSpPr>
+      <p:sp>
+        <p:nvSpPr>
+          <p:cNvPr id="2" name="Title 1">
+            <a:extLst>
+              <a:ext uri="{FF2B5EF4-FFF2-40B4-BE49-F238E27FC236}">
                 <a16:creationId xmlns:a16="http://schemas.microsoft.com/office/drawing/2014/main" id="{4541B357-1BED-5B88-4B07-7558E7DE3EDF}"/>
               </a:ext>
             </a:extLst>
@@ -7341,7 +11404,7 @@
 </p:sld>
 </file>
 
-<file path=ppt/slides/slide22.xml><?xml version="1.0" encoding="utf-8"?>
+<file path=ppt/slides/slide26.xml><?xml version="1.0" encoding="utf-8"?>
 <p:sld xmlns:a="http://schemas.openxmlformats.org/drawingml/2006/main" xmlns:r="http://schemas.openxmlformats.org/officeDocument/2006/relationships" xmlns:p="http://schemas.openxmlformats.org/presentationml/2006/main">
   <p:cSld>
     <p:spTree>

--- a/Output_local/holding/figs/Figs_1.13.23.pptx
+++ b/Output_local/holding/figs/Figs_1.13.23.pptx
@@ -4,6 +4,9 @@
   <p:sldMasterIdLst>
     <p:sldMasterId id="2147483648" r:id="rId1"/>
   </p:sldMasterIdLst>
+  <p:notesMasterIdLst>
+    <p:notesMasterId r:id="rId37"/>
+  </p:notesMasterIdLst>
   <p:sldIdLst>
     <p:sldId id="274" r:id="rId2"/>
     <p:sldId id="267" r:id="rId3"/>
@@ -23,14 +26,23 @@
     <p:sldId id="266" r:id="rId17"/>
     <p:sldId id="280" r:id="rId18"/>
     <p:sldId id="271" r:id="rId19"/>
-    <p:sldId id="272" r:id="rId20"/>
-    <p:sldId id="273" r:id="rId21"/>
-    <p:sldId id="281" r:id="rId22"/>
-    <p:sldId id="282" r:id="rId23"/>
-    <p:sldId id="275" r:id="rId24"/>
-    <p:sldId id="276" r:id="rId25"/>
-    <p:sldId id="277" r:id="rId26"/>
-    <p:sldId id="278" r:id="rId27"/>
+    <p:sldId id="283" r:id="rId20"/>
+    <p:sldId id="284" r:id="rId21"/>
+    <p:sldId id="285" r:id="rId22"/>
+    <p:sldId id="286" r:id="rId23"/>
+    <p:sldId id="287" r:id="rId24"/>
+    <p:sldId id="289" r:id="rId25"/>
+    <p:sldId id="288" r:id="rId26"/>
+    <p:sldId id="290" r:id="rId27"/>
+    <p:sldId id="291" r:id="rId28"/>
+    <p:sldId id="272" r:id="rId29"/>
+    <p:sldId id="273" r:id="rId30"/>
+    <p:sldId id="281" r:id="rId31"/>
+    <p:sldId id="282" r:id="rId32"/>
+    <p:sldId id="275" r:id="rId33"/>
+    <p:sldId id="276" r:id="rId34"/>
+    <p:sldId id="277" r:id="rId35"/>
+    <p:sldId id="278" r:id="rId36"/>
   </p:sldIdLst>
   <p:sldSz cx="12192000" cy="6858000"/>
   <p:notesSz cx="6858000" cy="9144000"/>
@@ -183,6 +195,743 @@
 </p188:cmLst>
 </file>
 
+<file path=ppt/notesMasters/notesMaster1.xml><?xml version="1.0" encoding="utf-8"?>
+<p:notesMaster xmlns:a="http://schemas.openxmlformats.org/drawingml/2006/main" xmlns:r="http://schemas.openxmlformats.org/officeDocument/2006/relationships" xmlns:p="http://schemas.openxmlformats.org/presentationml/2006/main">
+  <p:cSld>
+    <p:bg>
+      <p:bgRef idx="1001">
+        <a:schemeClr val="bg1"/>
+      </p:bgRef>
+    </p:bg>
+    <p:spTree>
+      <p:nvGrpSpPr>
+        <p:cNvPr id="1" name=""/>
+        <p:cNvGrpSpPr/>
+        <p:nvPr/>
+      </p:nvGrpSpPr>
+      <p:grpSpPr>
+        <a:xfrm>
+          <a:off x="0" y="0"/>
+          <a:ext cx="0" cy="0"/>
+          <a:chOff x="0" y="0"/>
+          <a:chExt cx="0" cy="0"/>
+        </a:xfrm>
+      </p:grpSpPr>
+      <p:sp>
+        <p:nvSpPr>
+          <p:cNvPr id="2" name="Header Placeholder 1"/>
+          <p:cNvSpPr>
+            <a:spLocks noGrp="1"/>
+          </p:cNvSpPr>
+          <p:nvPr>
+            <p:ph type="hdr" sz="quarter"/>
+          </p:nvPr>
+        </p:nvSpPr>
+        <p:spPr>
+          <a:xfrm>
+            <a:off x="0" y="0"/>
+            <a:ext cx="2971800" cy="458788"/>
+          </a:xfrm>
+          <a:prstGeom prst="rect">
+            <a:avLst/>
+          </a:prstGeom>
+        </p:spPr>
+        <p:txBody>
+          <a:bodyPr vert="horz" lIns="91440" tIns="45720" rIns="91440" bIns="45720" rtlCol="0"/>
+          <a:lstStyle>
+            <a:lvl1pPr algn="l">
+              <a:defRPr sz="1200"/>
+            </a:lvl1pPr>
+          </a:lstStyle>
+          <a:p>
+            <a:endParaRPr lang="en-US"/>
+          </a:p>
+        </p:txBody>
+      </p:sp>
+      <p:sp>
+        <p:nvSpPr>
+          <p:cNvPr id="3" name="Date Placeholder 2"/>
+          <p:cNvSpPr>
+            <a:spLocks noGrp="1"/>
+          </p:cNvSpPr>
+          <p:nvPr>
+            <p:ph type="dt" idx="1"/>
+          </p:nvPr>
+        </p:nvSpPr>
+        <p:spPr>
+          <a:xfrm>
+            <a:off x="3884613" y="0"/>
+            <a:ext cx="2971800" cy="458788"/>
+          </a:xfrm>
+          <a:prstGeom prst="rect">
+            <a:avLst/>
+          </a:prstGeom>
+        </p:spPr>
+        <p:txBody>
+          <a:bodyPr vert="horz" lIns="91440" tIns="45720" rIns="91440" bIns="45720" rtlCol="0"/>
+          <a:lstStyle>
+            <a:lvl1pPr algn="r">
+              <a:defRPr sz="1200"/>
+            </a:lvl1pPr>
+          </a:lstStyle>
+          <a:p>
+            <a:fld id="{4459C96E-D3B8-4757-A93A-6EA5F328B2E5}" type="datetimeFigureOut">
+              <a:rPr lang="en-US" smtClean="0"/>
+              <a:t>1/31/2023</a:t>
+            </a:fld>
+            <a:endParaRPr lang="en-US"/>
+          </a:p>
+        </p:txBody>
+      </p:sp>
+      <p:sp>
+        <p:nvSpPr>
+          <p:cNvPr id="4" name="Slide Image Placeholder 3"/>
+          <p:cNvSpPr>
+            <a:spLocks noGrp="1" noRot="1" noChangeAspect="1"/>
+          </p:cNvSpPr>
+          <p:nvPr>
+            <p:ph type="sldImg" idx="2"/>
+          </p:nvPr>
+        </p:nvSpPr>
+        <p:spPr>
+          <a:xfrm>
+            <a:off x="685800" y="1143000"/>
+            <a:ext cx="5486400" cy="3086100"/>
+          </a:xfrm>
+          <a:prstGeom prst="rect">
+            <a:avLst/>
+          </a:prstGeom>
+          <a:noFill/>
+          <a:ln w="12700">
+            <a:solidFill>
+              <a:prstClr val="black"/>
+            </a:solidFill>
+          </a:ln>
+        </p:spPr>
+        <p:txBody>
+          <a:bodyPr vert="horz" lIns="91440" tIns="45720" rIns="91440" bIns="45720" rtlCol="0" anchor="ctr"/>
+          <a:lstStyle/>
+          <a:p>
+            <a:endParaRPr lang="en-US"/>
+          </a:p>
+        </p:txBody>
+      </p:sp>
+      <p:sp>
+        <p:nvSpPr>
+          <p:cNvPr id="5" name="Notes Placeholder 4"/>
+          <p:cNvSpPr>
+            <a:spLocks noGrp="1"/>
+          </p:cNvSpPr>
+          <p:nvPr>
+            <p:ph type="body" sz="quarter" idx="3"/>
+          </p:nvPr>
+        </p:nvSpPr>
+        <p:spPr>
+          <a:xfrm>
+            <a:off x="685800" y="4400550"/>
+            <a:ext cx="5486400" cy="3600450"/>
+          </a:xfrm>
+          <a:prstGeom prst="rect">
+            <a:avLst/>
+          </a:prstGeom>
+        </p:spPr>
+        <p:txBody>
+          <a:bodyPr vert="horz" lIns="91440" tIns="45720" rIns="91440" bIns="45720" rtlCol="0"/>
+          <a:lstStyle/>
+          <a:p>
+            <a:pPr lvl="0"/>
+            <a:r>
+              <a:rPr lang="en-US"/>
+              <a:t>Click to edit Master text styles</a:t>
+            </a:r>
+          </a:p>
+          <a:p>
+            <a:pPr lvl="1"/>
+            <a:r>
+              <a:rPr lang="en-US"/>
+              <a:t>Second level</a:t>
+            </a:r>
+          </a:p>
+          <a:p>
+            <a:pPr lvl="2"/>
+            <a:r>
+              <a:rPr lang="en-US"/>
+              <a:t>Third level</a:t>
+            </a:r>
+          </a:p>
+          <a:p>
+            <a:pPr lvl="3"/>
+            <a:r>
+              <a:rPr lang="en-US"/>
+              <a:t>Fourth level</a:t>
+            </a:r>
+          </a:p>
+          <a:p>
+            <a:pPr lvl="4"/>
+            <a:r>
+              <a:rPr lang="en-US"/>
+              <a:t>Fifth level</a:t>
+            </a:r>
+          </a:p>
+        </p:txBody>
+      </p:sp>
+      <p:sp>
+        <p:nvSpPr>
+          <p:cNvPr id="6" name="Footer Placeholder 5"/>
+          <p:cNvSpPr>
+            <a:spLocks noGrp="1"/>
+          </p:cNvSpPr>
+          <p:nvPr>
+            <p:ph type="ftr" sz="quarter" idx="4"/>
+          </p:nvPr>
+        </p:nvSpPr>
+        <p:spPr>
+          <a:xfrm>
+            <a:off x="0" y="8685213"/>
+            <a:ext cx="2971800" cy="458787"/>
+          </a:xfrm>
+          <a:prstGeom prst="rect">
+            <a:avLst/>
+          </a:prstGeom>
+        </p:spPr>
+        <p:txBody>
+          <a:bodyPr vert="horz" lIns="91440" tIns="45720" rIns="91440" bIns="45720" rtlCol="0" anchor="b"/>
+          <a:lstStyle>
+            <a:lvl1pPr algn="l">
+              <a:defRPr sz="1200"/>
+            </a:lvl1pPr>
+          </a:lstStyle>
+          <a:p>
+            <a:endParaRPr lang="en-US"/>
+          </a:p>
+        </p:txBody>
+      </p:sp>
+      <p:sp>
+        <p:nvSpPr>
+          <p:cNvPr id="7" name="Slide Number Placeholder 6"/>
+          <p:cNvSpPr>
+            <a:spLocks noGrp="1"/>
+          </p:cNvSpPr>
+          <p:nvPr>
+            <p:ph type="sldNum" sz="quarter" idx="5"/>
+          </p:nvPr>
+        </p:nvSpPr>
+        <p:spPr>
+          <a:xfrm>
+            <a:off x="3884613" y="8685213"/>
+            <a:ext cx="2971800" cy="458787"/>
+          </a:xfrm>
+          <a:prstGeom prst="rect">
+            <a:avLst/>
+          </a:prstGeom>
+        </p:spPr>
+        <p:txBody>
+          <a:bodyPr vert="horz" lIns="91440" tIns="45720" rIns="91440" bIns="45720" rtlCol="0" anchor="b"/>
+          <a:lstStyle>
+            <a:lvl1pPr algn="r">
+              <a:defRPr sz="1200"/>
+            </a:lvl1pPr>
+          </a:lstStyle>
+          <a:p>
+            <a:fld id="{DADD6E44-FBD3-4CB3-A1F6-C3BD95E6E852}" type="slidenum">
+              <a:rPr lang="en-US" smtClean="0"/>
+              <a:t>‹#›</a:t>
+            </a:fld>
+            <a:endParaRPr lang="en-US"/>
+          </a:p>
+        </p:txBody>
+      </p:sp>
+    </p:spTree>
+    <p:extLst>
+      <p:ext uri="{BB962C8B-B14F-4D97-AF65-F5344CB8AC3E}">
+        <p14:creationId xmlns:p14="http://schemas.microsoft.com/office/powerpoint/2010/main" val="518834939"/>
+      </p:ext>
+    </p:extLst>
+  </p:cSld>
+  <p:clrMap bg1="lt1" tx1="dk1" bg2="lt2" tx2="dk2" accent1="accent1" accent2="accent2" accent3="accent3" accent4="accent4" accent5="accent5" accent6="accent6" hlink="hlink" folHlink="folHlink"/>
+  <p:notesStyle>
+    <a:lvl1pPr marL="0" algn="l" defTabSz="914400" rtl="0" eaLnBrk="1" latinLnBrk="0" hangingPunct="1">
+      <a:defRPr sz="1200" kern="1200">
+        <a:solidFill>
+          <a:schemeClr val="tx1"/>
+        </a:solidFill>
+        <a:latin typeface="+mn-lt"/>
+        <a:ea typeface="+mn-ea"/>
+        <a:cs typeface="+mn-cs"/>
+      </a:defRPr>
+    </a:lvl1pPr>
+    <a:lvl2pPr marL="457200" algn="l" defTabSz="914400" rtl="0" eaLnBrk="1" latinLnBrk="0" hangingPunct="1">
+      <a:defRPr sz="1200" kern="1200">
+        <a:solidFill>
+          <a:schemeClr val="tx1"/>
+        </a:solidFill>
+        <a:latin typeface="+mn-lt"/>
+        <a:ea typeface="+mn-ea"/>
+        <a:cs typeface="+mn-cs"/>
+      </a:defRPr>
+    </a:lvl2pPr>
+    <a:lvl3pPr marL="914400" algn="l" defTabSz="914400" rtl="0" eaLnBrk="1" latinLnBrk="0" hangingPunct="1">
+      <a:defRPr sz="1200" kern="1200">
+        <a:solidFill>
+          <a:schemeClr val="tx1"/>
+        </a:solidFill>
+        <a:latin typeface="+mn-lt"/>
+        <a:ea typeface="+mn-ea"/>
+        <a:cs typeface="+mn-cs"/>
+      </a:defRPr>
+    </a:lvl3pPr>
+    <a:lvl4pPr marL="1371600" algn="l" defTabSz="914400" rtl="0" eaLnBrk="1" latinLnBrk="0" hangingPunct="1">
+      <a:defRPr sz="1200" kern="1200">
+        <a:solidFill>
+          <a:schemeClr val="tx1"/>
+        </a:solidFill>
+        <a:latin typeface="+mn-lt"/>
+        <a:ea typeface="+mn-ea"/>
+        <a:cs typeface="+mn-cs"/>
+      </a:defRPr>
+    </a:lvl4pPr>
+    <a:lvl5pPr marL="1828800" algn="l" defTabSz="914400" rtl="0" eaLnBrk="1" latinLnBrk="0" hangingPunct="1">
+      <a:defRPr sz="1200" kern="1200">
+        <a:solidFill>
+          <a:schemeClr val="tx1"/>
+        </a:solidFill>
+        <a:latin typeface="+mn-lt"/>
+        <a:ea typeface="+mn-ea"/>
+        <a:cs typeface="+mn-cs"/>
+      </a:defRPr>
+    </a:lvl5pPr>
+    <a:lvl6pPr marL="2286000" algn="l" defTabSz="914400" rtl="0" eaLnBrk="1" latinLnBrk="0" hangingPunct="1">
+      <a:defRPr sz="1200" kern="1200">
+        <a:solidFill>
+          <a:schemeClr val="tx1"/>
+        </a:solidFill>
+        <a:latin typeface="+mn-lt"/>
+        <a:ea typeface="+mn-ea"/>
+        <a:cs typeface="+mn-cs"/>
+      </a:defRPr>
+    </a:lvl6pPr>
+    <a:lvl7pPr marL="2743200" algn="l" defTabSz="914400" rtl="0" eaLnBrk="1" latinLnBrk="0" hangingPunct="1">
+      <a:defRPr sz="1200" kern="1200">
+        <a:solidFill>
+          <a:schemeClr val="tx1"/>
+        </a:solidFill>
+        <a:latin typeface="+mn-lt"/>
+        <a:ea typeface="+mn-ea"/>
+        <a:cs typeface="+mn-cs"/>
+      </a:defRPr>
+    </a:lvl7pPr>
+    <a:lvl8pPr marL="3200400" algn="l" defTabSz="914400" rtl="0" eaLnBrk="1" latinLnBrk="0" hangingPunct="1">
+      <a:defRPr sz="1200" kern="1200">
+        <a:solidFill>
+          <a:schemeClr val="tx1"/>
+        </a:solidFill>
+        <a:latin typeface="+mn-lt"/>
+        <a:ea typeface="+mn-ea"/>
+        <a:cs typeface="+mn-cs"/>
+      </a:defRPr>
+    </a:lvl8pPr>
+    <a:lvl9pPr marL="3657600" algn="l" defTabSz="914400" rtl="0" eaLnBrk="1" latinLnBrk="0" hangingPunct="1">
+      <a:defRPr sz="1200" kern="1200">
+        <a:solidFill>
+          <a:schemeClr val="tx1"/>
+        </a:solidFill>
+        <a:latin typeface="+mn-lt"/>
+        <a:ea typeface="+mn-ea"/>
+        <a:cs typeface="+mn-cs"/>
+      </a:defRPr>
+    </a:lvl9pPr>
+  </p:notesStyle>
+</p:notesMaster>
+</file>
+
+<file path=ppt/notesSlides/notesSlide1.xml><?xml version="1.0" encoding="utf-8"?>
+<p:notes xmlns:a="http://schemas.openxmlformats.org/drawingml/2006/main" xmlns:r="http://schemas.openxmlformats.org/officeDocument/2006/relationships" xmlns:p="http://schemas.openxmlformats.org/presentationml/2006/main">
+  <p:cSld>
+    <p:spTree>
+      <p:nvGrpSpPr>
+        <p:cNvPr id="1" name=""/>
+        <p:cNvGrpSpPr/>
+        <p:nvPr/>
+      </p:nvGrpSpPr>
+      <p:grpSpPr>
+        <a:xfrm>
+          <a:off x="0" y="0"/>
+          <a:ext cx="0" cy="0"/>
+          <a:chOff x="0" y="0"/>
+          <a:chExt cx="0" cy="0"/>
+        </a:xfrm>
+      </p:grpSpPr>
+      <p:sp>
+        <p:nvSpPr>
+          <p:cNvPr id="2" name="Slide Image Placeholder 1"/>
+          <p:cNvSpPr>
+            <a:spLocks noGrp="1" noRot="1" noChangeAspect="1"/>
+          </p:cNvSpPr>
+          <p:nvPr>
+            <p:ph type="sldImg"/>
+          </p:nvPr>
+        </p:nvSpPr>
+        <p:spPr/>
+      </p:sp>
+      <p:sp>
+        <p:nvSpPr>
+          <p:cNvPr id="3" name="Notes Placeholder 2"/>
+          <p:cNvSpPr>
+            <a:spLocks noGrp="1"/>
+          </p:cNvSpPr>
+          <p:nvPr>
+            <p:ph type="body" idx="1"/>
+          </p:nvPr>
+        </p:nvSpPr>
+        <p:spPr/>
+        <p:txBody>
+          <a:bodyPr/>
+          <a:lstStyle/>
+          <a:p>
+            <a:r>
+              <a:rPr lang="es-ES" sz="1800" b="0" i="0" u="none" strike="noStrike" dirty="0">
+                <a:solidFill>
+                  <a:srgbClr val="000000"/>
+                </a:solidFill>
+                <a:effectLst/>
+                <a:latin typeface="Calibri" panose="020F0502020204030204" pitchFamily="34" charset="0"/>
+              </a:rPr>
+              <a:t>ABM_run.1.18.23_c</a:t>
+            </a:r>
+            <a:r>
+              <a:rPr lang="es-ES" dirty="0"/>
+              <a:t> </a:t>
+            </a:r>
+            <a:r>
+              <a:rPr lang="es-ES" sz="1800" b="0" i="0" u="none" strike="noStrike" dirty="0">
+                <a:solidFill>
+                  <a:srgbClr val="000000"/>
+                </a:solidFill>
+                <a:effectLst/>
+                <a:latin typeface="Calibri" panose="020F0502020204030204" pitchFamily="34" charset="0"/>
+              </a:rPr>
+              <a:t>y</a:t>
+            </a:r>
+            <a:r>
+              <a:rPr lang="es-ES" dirty="0"/>
+              <a:t> </a:t>
+            </a:r>
+            <a:r>
+              <a:rPr lang="es-ES" sz="1800" b="0" i="0" u="none" strike="noStrike" dirty="0" err="1">
+                <a:solidFill>
+                  <a:srgbClr val="000000"/>
+                </a:solidFill>
+                <a:effectLst/>
+                <a:latin typeface="Calibri" panose="020F0502020204030204" pitchFamily="34" charset="0"/>
+              </a:rPr>
+              <a:t>y</a:t>
+            </a:r>
+            <a:r>
+              <a:rPr lang="es-ES" dirty="0"/>
+              <a:t> </a:t>
+            </a:r>
+            <a:r>
+              <a:rPr lang="es-ES" sz="1800" b="0" i="0" u="none" strike="noStrike" dirty="0" err="1">
+                <a:solidFill>
+                  <a:srgbClr val="000000"/>
+                </a:solidFill>
+                <a:effectLst/>
+                <a:latin typeface="Calibri" panose="020F0502020204030204" pitchFamily="34" charset="0"/>
+              </a:rPr>
+              <a:t>dead</a:t>
+            </a:r>
+            <a:r>
+              <a:rPr lang="es-ES" dirty="0"/>
+              <a:t> </a:t>
+            </a:r>
+            <a:r>
+              <a:rPr lang="es-ES" sz="1800" b="0" i="0" u="none" strike="noStrike" dirty="0">
+                <a:solidFill>
+                  <a:srgbClr val="000000"/>
+                </a:solidFill>
+                <a:effectLst/>
+                <a:latin typeface="Calibri" panose="020F0502020204030204" pitchFamily="34" charset="0"/>
+              </a:rPr>
+              <a:t>y</a:t>
+            </a:r>
+            <a:r>
+              <a:rPr lang="es-ES" dirty="0"/>
+              <a:t> </a:t>
+            </a:r>
+            <a:r>
+              <a:rPr lang="es-ES" sz="1800" b="0" i="0" u="none" strike="noStrike" dirty="0" err="1">
+                <a:solidFill>
+                  <a:srgbClr val="000000"/>
+                </a:solidFill>
+                <a:effectLst/>
+                <a:latin typeface="Calibri" panose="020F0502020204030204" pitchFamily="34" charset="0"/>
+              </a:rPr>
+              <a:t>all</a:t>
+            </a:r>
+            <a:r>
+              <a:rPr lang="es-ES" sz="1800" b="0" i="0" u="none" strike="noStrike" dirty="0">
+                <a:solidFill>
+                  <a:srgbClr val="000000"/>
+                </a:solidFill>
+                <a:effectLst/>
+                <a:latin typeface="Calibri" panose="020F0502020204030204" pitchFamily="34" charset="0"/>
+              </a:rPr>
+              <a:t> 4</a:t>
+            </a:r>
+            <a:r>
+              <a:rPr lang="es-ES" dirty="0"/>
+              <a:t> </a:t>
+            </a:r>
+            <a:r>
+              <a:rPr lang="es-ES" sz="1800" b="0" i="0" u="none" strike="noStrike" dirty="0">
+                <a:solidFill>
+                  <a:srgbClr val="000000"/>
+                </a:solidFill>
+                <a:effectLst/>
+                <a:latin typeface="Calibri" panose="020F0502020204030204" pitchFamily="34" charset="0"/>
+              </a:rPr>
+              <a:t>0.07</a:t>
+            </a:r>
+            <a:r>
+              <a:rPr lang="es-ES" dirty="0"/>
+              <a:t> </a:t>
+            </a:r>
+            <a:r>
+              <a:rPr lang="es-ES" sz="1800" b="0" i="0" u="none" strike="noStrike" dirty="0">
+                <a:solidFill>
+                  <a:srgbClr val="000000"/>
+                </a:solidFill>
+                <a:effectLst/>
+                <a:latin typeface="Calibri" panose="020F0502020204030204" pitchFamily="34" charset="0"/>
+              </a:rPr>
+              <a:t>1</a:t>
+            </a:r>
+            <a:r>
+              <a:rPr lang="es-ES" dirty="0"/>
+              <a:t> </a:t>
+            </a:r>
+            <a:r>
+              <a:rPr lang="es-ES" sz="1800" b="0" i="0" u="none" strike="noStrike" dirty="0">
+                <a:solidFill>
+                  <a:srgbClr val="7030A0"/>
+                </a:solidFill>
+                <a:effectLst/>
+                <a:latin typeface="Calibri" panose="020F0502020204030204" pitchFamily="34" charset="0"/>
+              </a:rPr>
+              <a:t>300</a:t>
+            </a:r>
+            <a:r>
+              <a:rPr lang="es-ES" dirty="0"/>
+              <a:t> </a:t>
+            </a:r>
+            <a:r>
+              <a:rPr lang="es-ES" sz="1800" b="0" i="0" u="none" strike="noStrike" dirty="0">
+                <a:solidFill>
+                  <a:srgbClr val="000000"/>
+                </a:solidFill>
+                <a:effectLst/>
+                <a:latin typeface="Calibri" panose="020F0502020204030204" pitchFamily="34" charset="0"/>
+              </a:rPr>
+              <a:t>1000</a:t>
+            </a:r>
+            <a:r>
+              <a:rPr lang="es-ES" dirty="0"/>
+              <a:t> </a:t>
+            </a:r>
+            <a:r>
+              <a:rPr lang="es-ES" sz="1800" b="0" i="0" u="none" strike="noStrike" dirty="0">
+                <a:solidFill>
+                  <a:srgbClr val="000000"/>
+                </a:solidFill>
+                <a:effectLst/>
+                <a:latin typeface="Calibri" panose="020F0502020204030204" pitchFamily="34" charset="0"/>
+              </a:rPr>
+              <a:t>1000</a:t>
+            </a:r>
+            <a:r>
+              <a:rPr lang="es-ES" dirty="0"/>
+              <a:t> </a:t>
+            </a:r>
+            <a:r>
+              <a:rPr lang="es-ES" sz="1800" b="0" i="0" u="none" strike="noStrike" dirty="0">
+                <a:solidFill>
+                  <a:srgbClr val="000000"/>
+                </a:solidFill>
+                <a:effectLst/>
+                <a:latin typeface="Calibri" panose="020F0502020204030204" pitchFamily="34" charset="0"/>
+              </a:rPr>
+              <a:t>10</a:t>
+            </a:r>
+            <a:r>
+              <a:rPr lang="es-ES" dirty="0"/>
+              <a:t> </a:t>
+            </a:r>
+            <a:r>
+              <a:rPr lang="es-ES" sz="1800" b="0" i="0" u="none" strike="noStrike" dirty="0">
+                <a:solidFill>
+                  <a:srgbClr val="000000"/>
+                </a:solidFill>
+                <a:effectLst/>
+                <a:latin typeface="Calibri" panose="020F0502020204030204" pitchFamily="34" charset="0"/>
+              </a:rPr>
+              <a:t>40</a:t>
+            </a:r>
+            <a:r>
+              <a:rPr lang="es-ES" dirty="0"/>
+              <a:t> </a:t>
+            </a:r>
+            <a:r>
+              <a:rPr lang="es-ES" sz="1800" b="0" i="0" u="none" strike="noStrike" dirty="0">
+                <a:solidFill>
+                  <a:srgbClr val="000000"/>
+                </a:solidFill>
+                <a:effectLst/>
+                <a:latin typeface="Calibri" panose="020F0502020204030204" pitchFamily="34" charset="0"/>
+              </a:rPr>
+              <a:t>9</a:t>
+            </a:r>
+            <a:r>
+              <a:rPr lang="es-ES" dirty="0"/>
+              <a:t> </a:t>
+            </a:r>
+            <a:r>
+              <a:rPr lang="es-ES" sz="1800" b="0" i="0" u="none" strike="noStrike" dirty="0">
+                <a:solidFill>
+                  <a:srgbClr val="000000"/>
+                </a:solidFill>
+                <a:effectLst/>
+                <a:latin typeface="Calibri" panose="020F0502020204030204" pitchFamily="34" charset="0"/>
+              </a:rPr>
+              <a:t>4</a:t>
+            </a:r>
+            <a:r>
+              <a:rPr lang="es-ES" dirty="0"/>
+              <a:t> </a:t>
+            </a:r>
+            <a:r>
+              <a:rPr lang="es-ES" sz="1800" b="0" i="0" u="none" strike="noStrike" dirty="0">
+                <a:solidFill>
+                  <a:srgbClr val="000000"/>
+                </a:solidFill>
+                <a:effectLst/>
+                <a:latin typeface="Calibri" panose="020F0502020204030204" pitchFamily="34" charset="0"/>
+              </a:rPr>
+              <a:t>1</a:t>
+            </a:r>
+            <a:r>
+              <a:rPr lang="es-ES" dirty="0"/>
+              <a:t> </a:t>
+            </a:r>
+            <a:r>
+              <a:rPr lang="es-ES" sz="1800" b="0" i="0" u="none" strike="noStrike" dirty="0">
+                <a:solidFill>
+                  <a:srgbClr val="000000"/>
+                </a:solidFill>
+                <a:effectLst/>
+                <a:latin typeface="Calibri" panose="020F0502020204030204" pitchFamily="34" charset="0"/>
+              </a:rPr>
+              <a:t>350</a:t>
+            </a:r>
+            <a:r>
+              <a:rPr lang="es-ES" dirty="0"/>
+              <a:t> </a:t>
+            </a:r>
+            <a:r>
+              <a:rPr lang="es-ES" sz="1800" b="0" i="0" u="none" strike="noStrike" dirty="0">
+                <a:solidFill>
+                  <a:srgbClr val="000000"/>
+                </a:solidFill>
+                <a:effectLst/>
+                <a:latin typeface="Calibri" panose="020F0502020204030204" pitchFamily="34" charset="0"/>
+              </a:rPr>
+              <a:t>0.5, 0.1</a:t>
+            </a:r>
+            <a:r>
+              <a:rPr lang="es-ES" dirty="0"/>
+              <a:t> </a:t>
+            </a:r>
+            <a:r>
+              <a:rPr lang="es-ES" sz="1800" b="0" i="0" u="none" strike="noStrike" dirty="0">
+                <a:solidFill>
+                  <a:srgbClr val="000000"/>
+                </a:solidFill>
+                <a:effectLst/>
+                <a:latin typeface="Calibri" panose="020F0502020204030204" pitchFamily="34" charset="0"/>
+              </a:rPr>
+              <a:t>0.055556</a:t>
+            </a:r>
+            <a:r>
+              <a:rPr lang="es-ES" dirty="0"/>
+              <a:t> </a:t>
+            </a:r>
+            <a:r>
+              <a:rPr lang="es-ES" sz="1800" b="0" i="0" u="none" strike="noStrike" dirty="0">
+                <a:solidFill>
+                  <a:srgbClr val="000000"/>
+                </a:solidFill>
+                <a:effectLst/>
+                <a:latin typeface="Calibri" panose="020F0502020204030204" pitchFamily="34" charset="0"/>
+              </a:rPr>
+              <a:t>100</a:t>
+            </a:r>
+            <a:r>
+              <a:rPr lang="es-ES" dirty="0"/>
+              <a:t> </a:t>
+            </a:r>
+            <a:r>
+              <a:rPr lang="es-ES" sz="1800" b="0" i="0" u="none" strike="noStrike" dirty="0">
+                <a:solidFill>
+                  <a:srgbClr val="000000"/>
+                </a:solidFill>
+                <a:effectLst/>
+                <a:latin typeface="Calibri" panose="020F0502020204030204" pitchFamily="34" charset="0"/>
+              </a:rPr>
+              <a:t>0</a:t>
+            </a:r>
+            <a:r>
+              <a:rPr lang="es-ES" dirty="0"/>
+              <a:t> </a:t>
+            </a:r>
+            <a:endParaRPr lang="en-US" dirty="0"/>
+          </a:p>
+        </p:txBody>
+      </p:sp>
+      <p:sp>
+        <p:nvSpPr>
+          <p:cNvPr id="4" name="Slide Number Placeholder 3"/>
+          <p:cNvSpPr>
+            <a:spLocks noGrp="1"/>
+          </p:cNvSpPr>
+          <p:nvPr>
+            <p:ph type="sldNum" sz="quarter" idx="5"/>
+          </p:nvPr>
+        </p:nvSpPr>
+        <p:spPr/>
+        <p:txBody>
+          <a:bodyPr/>
+          <a:lstStyle/>
+          <a:p>
+            <a:fld id="{DADD6E44-FBD3-4CB3-A1F6-C3BD95E6E852}" type="slidenum">
+              <a:rPr lang="en-US" smtClean="0"/>
+              <a:t>27</a:t>
+            </a:fld>
+            <a:endParaRPr lang="en-US"/>
+          </a:p>
+        </p:txBody>
+      </p:sp>
+    </p:spTree>
+    <p:extLst>
+      <p:ext uri="{BB962C8B-B14F-4D97-AF65-F5344CB8AC3E}">
+        <p14:creationId xmlns:p14="http://schemas.microsoft.com/office/powerpoint/2010/main" val="1187659145"/>
+      </p:ext>
+    </p:extLst>
+  </p:cSld>
+  <p:clrMapOvr>
+    <a:masterClrMapping/>
+  </p:clrMapOvr>
+</p:notes>
+</file>
+
 <file path=ppt/slideLayouts/slideLayout1.xml><?xml version="1.0" encoding="utf-8"?>
 <p:sldLayout xmlns:a="http://schemas.openxmlformats.org/drawingml/2006/main" xmlns:r="http://schemas.openxmlformats.org/officeDocument/2006/relationships" xmlns:p="http://schemas.openxmlformats.org/presentationml/2006/main" type="title" preserve="1">
   <p:cSld name="Title Slide">
@@ -330,7 +1079,7 @@
           <a:p>
             <a:fld id="{7A4046AA-27C9-44E6-A581-156BA02D08E8}" type="datetimeFigureOut">
               <a:rPr lang="en-US" smtClean="0"/>
-              <a:t>1/27/2023</a:t>
+              <a:t>1/31/2023</a:t>
             </a:fld>
             <a:endParaRPr lang="en-US"/>
           </a:p>
@@ -528,7 +1277,7 @@
           <a:p>
             <a:fld id="{7A4046AA-27C9-44E6-A581-156BA02D08E8}" type="datetimeFigureOut">
               <a:rPr lang="en-US" smtClean="0"/>
-              <a:t>1/27/2023</a:t>
+              <a:t>1/31/2023</a:t>
             </a:fld>
             <a:endParaRPr lang="en-US"/>
           </a:p>
@@ -736,7 +1485,7 @@
           <a:p>
             <a:fld id="{7A4046AA-27C9-44E6-A581-156BA02D08E8}" type="datetimeFigureOut">
               <a:rPr lang="en-US" smtClean="0"/>
-              <a:t>1/27/2023</a:t>
+              <a:t>1/31/2023</a:t>
             </a:fld>
             <a:endParaRPr lang="en-US"/>
           </a:p>
@@ -934,7 +1683,7 @@
           <a:p>
             <a:fld id="{7A4046AA-27C9-44E6-A581-156BA02D08E8}" type="datetimeFigureOut">
               <a:rPr lang="en-US" smtClean="0"/>
-              <a:t>1/27/2023</a:t>
+              <a:t>1/31/2023</a:t>
             </a:fld>
             <a:endParaRPr lang="en-US"/>
           </a:p>
@@ -1209,7 +1958,7 @@
           <a:p>
             <a:fld id="{7A4046AA-27C9-44E6-A581-156BA02D08E8}" type="datetimeFigureOut">
               <a:rPr lang="en-US" smtClean="0"/>
-              <a:t>1/27/2023</a:t>
+              <a:t>1/31/2023</a:t>
             </a:fld>
             <a:endParaRPr lang="en-US"/>
           </a:p>
@@ -1474,7 +2223,7 @@
           <a:p>
             <a:fld id="{7A4046AA-27C9-44E6-A581-156BA02D08E8}" type="datetimeFigureOut">
               <a:rPr lang="en-US" smtClean="0"/>
-              <a:t>1/27/2023</a:t>
+              <a:t>1/31/2023</a:t>
             </a:fld>
             <a:endParaRPr lang="en-US"/>
           </a:p>
@@ -1886,7 +2635,7 @@
           <a:p>
             <a:fld id="{7A4046AA-27C9-44E6-A581-156BA02D08E8}" type="datetimeFigureOut">
               <a:rPr lang="en-US" smtClean="0"/>
-              <a:t>1/27/2023</a:t>
+              <a:t>1/31/2023</a:t>
             </a:fld>
             <a:endParaRPr lang="en-US"/>
           </a:p>
@@ -2027,7 +2776,7 @@
           <a:p>
             <a:fld id="{7A4046AA-27C9-44E6-A581-156BA02D08E8}" type="datetimeFigureOut">
               <a:rPr lang="en-US" smtClean="0"/>
-              <a:t>1/27/2023</a:t>
+              <a:t>1/31/2023</a:t>
             </a:fld>
             <a:endParaRPr lang="en-US"/>
           </a:p>
@@ -2140,7 +2889,7 @@
           <a:p>
             <a:fld id="{7A4046AA-27C9-44E6-A581-156BA02D08E8}" type="datetimeFigureOut">
               <a:rPr lang="en-US" smtClean="0"/>
-              <a:t>1/27/2023</a:t>
+              <a:t>1/31/2023</a:t>
             </a:fld>
             <a:endParaRPr lang="en-US"/>
           </a:p>
@@ -2451,7 +3200,7 @@
           <a:p>
             <a:fld id="{7A4046AA-27C9-44E6-A581-156BA02D08E8}" type="datetimeFigureOut">
               <a:rPr lang="en-US" smtClean="0"/>
-              <a:t>1/27/2023</a:t>
+              <a:t>1/31/2023</a:t>
             </a:fld>
             <a:endParaRPr lang="en-US"/>
           </a:p>
@@ -2739,7 +3488,7 @@
           <a:p>
             <a:fld id="{7A4046AA-27C9-44E6-A581-156BA02D08E8}" type="datetimeFigureOut">
               <a:rPr lang="en-US" smtClean="0"/>
-              <a:t>1/27/2023</a:t>
+              <a:t>1/31/2023</a:t>
             </a:fld>
             <a:endParaRPr lang="en-US"/>
           </a:p>
@@ -2980,7 +3729,7 @@
           <a:p>
             <a:fld id="{7A4046AA-27C9-44E6-A581-156BA02D08E8}" type="datetimeFigureOut">
               <a:rPr lang="en-US" smtClean="0"/>
-              <a:t>1/27/2023</a:t>
+              <a:t>1/31/2023</a:t>
             </a:fld>
             <a:endParaRPr lang="en-US"/>
           </a:p>
@@ -6627,32 +7376,10 @@
             <a:r>
               <a:rPr lang="en-US" sz="5000" dirty="0">
                 <a:solidFill>
-                  <a:schemeClr val="accent2"/>
-                </a:solidFill>
-                <a:highlight>
-                  <a:srgbClr val="808080"/>
-                </a:highlight>
-              </a:rPr>
-              <a:t>Up Next:</a:t>
-            </a:r>
-          </a:p>
-          <a:p>
-            <a:pPr algn="ctr"/>
-            <a:endParaRPr lang="en-US" sz="5000" dirty="0">
-              <a:solidFill>
-                <a:schemeClr val="bg1"/>
-              </a:solidFill>
-            </a:endParaRPr>
-          </a:p>
-          <a:p>
-            <a:pPr algn="ctr"/>
-            <a:r>
-              <a:rPr lang="en-US" sz="5000" dirty="0">
-                <a:solidFill>
-                  <a:schemeClr val="accent2"/>
+                  <a:schemeClr val="bg1"/>
                 </a:solidFill>
               </a:rPr>
-              <a:t>Comparison between the population growth rate, maximum age and fecundity, the minor allele frequency in the source population, and various migration rates</a:t>
+              <a:t>Comparison between the minor allele frequency in the starting focal population and various migration rates</a:t>
             </a:r>
           </a:p>
         </p:txBody>
@@ -6660,7 +7387,7 @@
     </p:spTree>
     <p:extLst>
       <p:ext uri="{BB962C8B-B14F-4D97-AF65-F5344CB8AC3E}">
-        <p14:creationId xmlns:p14="http://schemas.microsoft.com/office/powerpoint/2010/main" val="3749513160"/>
+        <p14:creationId xmlns:p14="http://schemas.microsoft.com/office/powerpoint/2010/main" val="1604280873"/>
       </p:ext>
     </p:extLst>
   </p:cSld>
@@ -6794,6 +7521,4066 @@
           <a:chExt cx="0" cy="0"/>
         </a:xfrm>
       </p:grpSpPr>
+      <p:pic>
+        <p:nvPicPr>
+          <p:cNvPr id="5" name="Picture 4">
+            <a:extLst>
+              <a:ext uri="{FF2B5EF4-FFF2-40B4-BE49-F238E27FC236}">
+                <a16:creationId xmlns:a16="http://schemas.microsoft.com/office/drawing/2014/main" id="{068FE4E8-605D-9694-2E87-12FE7D2529E9}"/>
+              </a:ext>
+            </a:extLst>
+          </p:cNvPr>
+          <p:cNvPicPr>
+            <a:picLocks noChangeAspect="1"/>
+          </p:cNvPicPr>
+          <p:nvPr/>
+        </p:nvPicPr>
+        <p:blipFill>
+          <a:blip r:embed="rId2"/>
+          <a:stretch>
+            <a:fillRect/>
+          </a:stretch>
+        </p:blipFill>
+        <p:spPr>
+          <a:xfrm>
+            <a:off x="544285" y="1506893"/>
+            <a:ext cx="2809875" cy="2871788"/>
+          </a:xfrm>
+          <a:prstGeom prst="rect">
+            <a:avLst/>
+          </a:prstGeom>
+        </p:spPr>
+      </p:pic>
+      <p:sp>
+        <p:nvSpPr>
+          <p:cNvPr id="6" name="Rectangle 5">
+            <a:extLst>
+              <a:ext uri="{FF2B5EF4-FFF2-40B4-BE49-F238E27FC236}">
+                <a16:creationId xmlns:a16="http://schemas.microsoft.com/office/drawing/2014/main" id="{24DD5DEF-254F-CB3E-9934-E755D9771278}"/>
+              </a:ext>
+            </a:extLst>
+          </p:cNvPr>
+          <p:cNvSpPr/>
+          <p:nvPr/>
+        </p:nvSpPr>
+        <p:spPr>
+          <a:xfrm>
+            <a:off x="2409714" y="351438"/>
+            <a:ext cx="4613379" cy="707886"/>
+          </a:xfrm>
+          <a:prstGeom prst="rect">
+            <a:avLst/>
+          </a:prstGeom>
+          <a:noFill/>
+        </p:spPr>
+        <p:txBody>
+          <a:bodyPr wrap="none" lIns="91440" tIns="45720" rIns="91440" bIns="45720">
+            <a:spAutoFit/>
+          </a:bodyPr>
+          <a:lstStyle/>
+          <a:p>
+            <a:pPr algn="ctr"/>
+            <a:r>
+              <a:rPr lang="en-US" sz="2000" b="0" cap="none" spc="0" dirty="0">
+                <a:ln w="0"/>
+                <a:solidFill>
+                  <a:schemeClr val="tx1"/>
+                </a:solidFill>
+                <a:effectLst>
+                  <a:outerShdw blurRad="38100" dist="19050" dir="2700000" algn="tl" rotWithShape="0">
+                    <a:schemeClr val="dk1">
+                      <a:alpha val="40000"/>
+                    </a:schemeClr>
+                  </a:outerShdw>
+                </a:effectLst>
+              </a:rPr>
+              <a:t>Minor allel</a:t>
+            </a:r>
+            <a:r>
+              <a:rPr lang="en-US" sz="2000" dirty="0">
+                <a:ln w="0"/>
+                <a:effectLst>
+                  <a:outerShdw blurRad="38100" dist="19050" dir="2700000" algn="tl" rotWithShape="0">
+                    <a:schemeClr val="dk1">
+                      <a:alpha val="40000"/>
+                    </a:schemeClr>
+                  </a:outerShdw>
+                </a:effectLst>
+              </a:rPr>
+              <a:t>e </a:t>
+            </a:r>
+            <a:r>
+              <a:rPr lang="en-US" sz="2000" dirty="0" err="1">
+                <a:ln w="0"/>
+                <a:effectLst>
+                  <a:outerShdw blurRad="38100" dist="19050" dir="2700000" algn="tl" rotWithShape="0">
+                    <a:schemeClr val="dk1">
+                      <a:alpha val="40000"/>
+                    </a:schemeClr>
+                  </a:outerShdw>
+                </a:effectLst>
+              </a:rPr>
+              <a:t>freq</a:t>
+            </a:r>
+            <a:r>
+              <a:rPr lang="en-US" sz="2000" dirty="0">
+                <a:ln w="0"/>
+                <a:effectLst>
+                  <a:outerShdw blurRad="38100" dist="19050" dir="2700000" algn="tl" rotWithShape="0">
+                    <a:schemeClr val="dk1">
+                      <a:alpha val="40000"/>
+                    </a:schemeClr>
+                  </a:outerShdw>
+                </a:effectLst>
+              </a:rPr>
+              <a:t> source of migrants = 0.45</a:t>
+            </a:r>
+          </a:p>
+          <a:p>
+            <a:pPr algn="ctr"/>
+            <a:r>
+              <a:rPr lang="en-US" sz="2000" b="0" cap="none" spc="0" dirty="0">
+                <a:ln w="0"/>
+                <a:solidFill>
+                  <a:schemeClr val="tx1"/>
+                </a:solidFill>
+                <a:effectLst>
+                  <a:outerShdw blurRad="38100" dist="19050" dir="2700000" algn="tl" rotWithShape="0">
+                    <a:schemeClr val="dk1">
+                      <a:alpha val="40000"/>
+                    </a:schemeClr>
+                  </a:outerShdw>
+                </a:effectLst>
+              </a:rPr>
+              <a:t>Minor allel</a:t>
+            </a:r>
+            <a:r>
+              <a:rPr lang="en-US" sz="2000" dirty="0">
+                <a:ln w="0"/>
+                <a:effectLst>
+                  <a:outerShdw blurRad="38100" dist="19050" dir="2700000" algn="tl" rotWithShape="0">
+                    <a:schemeClr val="dk1">
+                      <a:alpha val="40000"/>
+                    </a:schemeClr>
+                  </a:outerShdw>
+                </a:effectLst>
+              </a:rPr>
+              <a:t>e </a:t>
+            </a:r>
+            <a:r>
+              <a:rPr lang="en-US" sz="2000" dirty="0" err="1">
+                <a:ln w="0"/>
+                <a:effectLst>
+                  <a:outerShdw blurRad="38100" dist="19050" dir="2700000" algn="tl" rotWithShape="0">
+                    <a:schemeClr val="dk1">
+                      <a:alpha val="40000"/>
+                    </a:schemeClr>
+                  </a:outerShdw>
+                </a:effectLst>
+              </a:rPr>
+              <a:t>freq</a:t>
+            </a:r>
+            <a:r>
+              <a:rPr lang="en-US" sz="2000" dirty="0">
+                <a:ln w="0"/>
+                <a:effectLst>
+                  <a:outerShdw blurRad="38100" dist="19050" dir="2700000" algn="tl" rotWithShape="0">
+                    <a:schemeClr val="dk1">
+                      <a:alpha val="40000"/>
+                    </a:schemeClr>
+                  </a:outerShdw>
+                </a:effectLst>
+              </a:rPr>
+              <a:t> starting focal pop= 0.07</a:t>
+            </a:r>
+          </a:p>
+        </p:txBody>
+      </p:sp>
+      <p:pic>
+        <p:nvPicPr>
+          <p:cNvPr id="9" name="Picture 8">
+            <a:extLst>
+              <a:ext uri="{FF2B5EF4-FFF2-40B4-BE49-F238E27FC236}">
+                <a16:creationId xmlns:a16="http://schemas.microsoft.com/office/drawing/2014/main" id="{EAFE71A8-C765-792A-4C1D-E52C30422314}"/>
+              </a:ext>
+            </a:extLst>
+          </p:cNvPr>
+          <p:cNvPicPr>
+            <a:picLocks noChangeAspect="1"/>
+          </p:cNvPicPr>
+          <p:nvPr/>
+        </p:nvPicPr>
+        <p:blipFill>
+          <a:blip r:embed="rId3"/>
+          <a:stretch>
+            <a:fillRect/>
+          </a:stretch>
+        </p:blipFill>
+        <p:spPr>
+          <a:xfrm>
+            <a:off x="3499445" y="1059324"/>
+            <a:ext cx="2433917" cy="2180440"/>
+          </a:xfrm>
+          <a:prstGeom prst="rect">
+            <a:avLst/>
+          </a:prstGeom>
+        </p:spPr>
+      </p:pic>
+      <p:pic>
+        <p:nvPicPr>
+          <p:cNvPr id="11" name="Picture 10">
+            <a:extLst>
+              <a:ext uri="{FF2B5EF4-FFF2-40B4-BE49-F238E27FC236}">
+                <a16:creationId xmlns:a16="http://schemas.microsoft.com/office/drawing/2014/main" id="{55127938-A8DD-CE79-9136-EFE3C3E4A302}"/>
+              </a:ext>
+            </a:extLst>
+          </p:cNvPr>
+          <p:cNvPicPr>
+            <a:picLocks noChangeAspect="1"/>
+          </p:cNvPicPr>
+          <p:nvPr/>
+        </p:nvPicPr>
+        <p:blipFill>
+          <a:blip r:embed="rId4"/>
+          <a:stretch>
+            <a:fillRect/>
+          </a:stretch>
+        </p:blipFill>
+        <p:spPr>
+          <a:xfrm>
+            <a:off x="6078647" y="1059324"/>
+            <a:ext cx="2318588" cy="2369676"/>
+          </a:xfrm>
+          <a:prstGeom prst="rect">
+            <a:avLst/>
+          </a:prstGeom>
+        </p:spPr>
+      </p:pic>
+      <p:pic>
+        <p:nvPicPr>
+          <p:cNvPr id="13" name="Picture 12">
+            <a:extLst>
+              <a:ext uri="{FF2B5EF4-FFF2-40B4-BE49-F238E27FC236}">
+                <a16:creationId xmlns:a16="http://schemas.microsoft.com/office/drawing/2014/main" id="{5B9D22AC-C545-4826-370E-CA7217374CEE}"/>
+              </a:ext>
+            </a:extLst>
+          </p:cNvPr>
+          <p:cNvPicPr>
+            <a:picLocks noChangeAspect="1"/>
+          </p:cNvPicPr>
+          <p:nvPr/>
+        </p:nvPicPr>
+        <p:blipFill>
+          <a:blip r:embed="rId5"/>
+          <a:stretch>
+            <a:fillRect/>
+          </a:stretch>
+        </p:blipFill>
+        <p:spPr>
+          <a:xfrm>
+            <a:off x="8761073" y="1059324"/>
+            <a:ext cx="2440131" cy="2493897"/>
+          </a:xfrm>
+          <a:prstGeom prst="rect">
+            <a:avLst/>
+          </a:prstGeom>
+        </p:spPr>
+      </p:pic>
+      <p:pic>
+        <p:nvPicPr>
+          <p:cNvPr id="15" name="Picture 14">
+            <a:extLst>
+              <a:ext uri="{FF2B5EF4-FFF2-40B4-BE49-F238E27FC236}">
+                <a16:creationId xmlns:a16="http://schemas.microsoft.com/office/drawing/2014/main" id="{CB6A7EF2-8669-1908-4A87-C797BB9DFBB2}"/>
+              </a:ext>
+            </a:extLst>
+          </p:cNvPr>
+          <p:cNvPicPr>
+            <a:picLocks noChangeAspect="1"/>
+          </p:cNvPicPr>
+          <p:nvPr/>
+        </p:nvPicPr>
+        <p:blipFill>
+          <a:blip r:embed="rId6"/>
+          <a:stretch>
+            <a:fillRect/>
+          </a:stretch>
+        </p:blipFill>
+        <p:spPr>
+          <a:xfrm>
+            <a:off x="3354160" y="4012665"/>
+            <a:ext cx="2440131" cy="2493897"/>
+          </a:xfrm>
+          <a:prstGeom prst="rect">
+            <a:avLst/>
+          </a:prstGeom>
+        </p:spPr>
+      </p:pic>
+      <p:sp>
+        <p:nvSpPr>
+          <p:cNvPr id="16" name="Rectangle 15">
+            <a:extLst>
+              <a:ext uri="{FF2B5EF4-FFF2-40B4-BE49-F238E27FC236}">
+                <a16:creationId xmlns:a16="http://schemas.microsoft.com/office/drawing/2014/main" id="{0B70554C-0B87-C6A2-3840-C2CCB3D4CD69}"/>
+              </a:ext>
+            </a:extLst>
+          </p:cNvPr>
+          <p:cNvSpPr/>
+          <p:nvPr/>
+        </p:nvSpPr>
+        <p:spPr>
+          <a:xfrm>
+            <a:off x="3121951" y="3429000"/>
+            <a:ext cx="4613379" cy="707886"/>
+          </a:xfrm>
+          <a:prstGeom prst="rect">
+            <a:avLst/>
+          </a:prstGeom>
+          <a:noFill/>
+        </p:spPr>
+        <p:txBody>
+          <a:bodyPr wrap="none" lIns="91440" tIns="45720" rIns="91440" bIns="45720">
+            <a:spAutoFit/>
+          </a:bodyPr>
+          <a:lstStyle/>
+          <a:p>
+            <a:pPr algn="ctr"/>
+            <a:r>
+              <a:rPr lang="en-US" sz="2000" b="0" cap="none" spc="0" dirty="0">
+                <a:ln w="0"/>
+                <a:solidFill>
+                  <a:schemeClr val="tx1"/>
+                </a:solidFill>
+                <a:effectLst>
+                  <a:outerShdw blurRad="38100" dist="19050" dir="2700000" algn="tl" rotWithShape="0">
+                    <a:schemeClr val="dk1">
+                      <a:alpha val="40000"/>
+                    </a:schemeClr>
+                  </a:outerShdw>
+                </a:effectLst>
+              </a:rPr>
+              <a:t>Minor allel</a:t>
+            </a:r>
+            <a:r>
+              <a:rPr lang="en-US" sz="2000" dirty="0">
+                <a:ln w="0"/>
+                <a:effectLst>
+                  <a:outerShdw blurRad="38100" dist="19050" dir="2700000" algn="tl" rotWithShape="0">
+                    <a:schemeClr val="dk1">
+                      <a:alpha val="40000"/>
+                    </a:schemeClr>
+                  </a:outerShdw>
+                </a:effectLst>
+              </a:rPr>
+              <a:t>e </a:t>
+            </a:r>
+            <a:r>
+              <a:rPr lang="en-US" sz="2000" dirty="0" err="1">
+                <a:ln w="0"/>
+                <a:effectLst>
+                  <a:outerShdw blurRad="38100" dist="19050" dir="2700000" algn="tl" rotWithShape="0">
+                    <a:schemeClr val="dk1">
+                      <a:alpha val="40000"/>
+                    </a:schemeClr>
+                  </a:outerShdw>
+                </a:effectLst>
+              </a:rPr>
+              <a:t>freq</a:t>
+            </a:r>
+            <a:r>
+              <a:rPr lang="en-US" sz="2000" dirty="0">
+                <a:ln w="0"/>
+                <a:effectLst>
+                  <a:outerShdw blurRad="38100" dist="19050" dir="2700000" algn="tl" rotWithShape="0">
+                    <a:schemeClr val="dk1">
+                      <a:alpha val="40000"/>
+                    </a:schemeClr>
+                  </a:outerShdw>
+                </a:effectLst>
+              </a:rPr>
+              <a:t> source of migrants = 0.07</a:t>
+            </a:r>
+          </a:p>
+          <a:p>
+            <a:pPr algn="ctr"/>
+            <a:r>
+              <a:rPr lang="en-US" sz="2000" b="0" cap="none" spc="0" dirty="0">
+                <a:ln w="0"/>
+                <a:solidFill>
+                  <a:schemeClr val="tx1"/>
+                </a:solidFill>
+                <a:effectLst>
+                  <a:outerShdw blurRad="38100" dist="19050" dir="2700000" algn="tl" rotWithShape="0">
+                    <a:schemeClr val="dk1">
+                      <a:alpha val="40000"/>
+                    </a:schemeClr>
+                  </a:outerShdw>
+                </a:effectLst>
+              </a:rPr>
+              <a:t>Minor allel</a:t>
+            </a:r>
+            <a:r>
+              <a:rPr lang="en-US" sz="2000" dirty="0">
+                <a:ln w="0"/>
+                <a:effectLst>
+                  <a:outerShdw blurRad="38100" dist="19050" dir="2700000" algn="tl" rotWithShape="0">
+                    <a:schemeClr val="dk1">
+                      <a:alpha val="40000"/>
+                    </a:schemeClr>
+                  </a:outerShdw>
+                </a:effectLst>
+              </a:rPr>
+              <a:t>e </a:t>
+            </a:r>
+            <a:r>
+              <a:rPr lang="en-US" sz="2000" dirty="0" err="1">
+                <a:ln w="0"/>
+                <a:effectLst>
+                  <a:outerShdw blurRad="38100" dist="19050" dir="2700000" algn="tl" rotWithShape="0">
+                    <a:schemeClr val="dk1">
+                      <a:alpha val="40000"/>
+                    </a:schemeClr>
+                  </a:outerShdw>
+                </a:effectLst>
+              </a:rPr>
+              <a:t>freq</a:t>
+            </a:r>
+            <a:r>
+              <a:rPr lang="en-US" sz="2000" dirty="0">
+                <a:ln w="0"/>
+                <a:effectLst>
+                  <a:outerShdw blurRad="38100" dist="19050" dir="2700000" algn="tl" rotWithShape="0">
+                    <a:schemeClr val="dk1">
+                      <a:alpha val="40000"/>
+                    </a:schemeClr>
+                  </a:outerShdw>
+                </a:effectLst>
+              </a:rPr>
+              <a:t> starting focal pop= 0.07</a:t>
+            </a:r>
+          </a:p>
+        </p:txBody>
+      </p:sp>
+      <p:pic>
+        <p:nvPicPr>
+          <p:cNvPr id="18" name="Picture 17">
+            <a:extLst>
+              <a:ext uri="{FF2B5EF4-FFF2-40B4-BE49-F238E27FC236}">
+                <a16:creationId xmlns:a16="http://schemas.microsoft.com/office/drawing/2014/main" id="{8E2BB635-5B41-7DD1-A137-07FA31D60AAC}"/>
+              </a:ext>
+            </a:extLst>
+          </p:cNvPr>
+          <p:cNvPicPr>
+            <a:picLocks noChangeAspect="1"/>
+          </p:cNvPicPr>
+          <p:nvPr/>
+        </p:nvPicPr>
+        <p:blipFill>
+          <a:blip r:embed="rId7"/>
+          <a:stretch>
+            <a:fillRect/>
+          </a:stretch>
+        </p:blipFill>
+        <p:spPr>
+          <a:xfrm>
+            <a:off x="6020982" y="4177872"/>
+            <a:ext cx="2433917" cy="2163482"/>
+          </a:xfrm>
+          <a:prstGeom prst="rect">
+            <a:avLst/>
+          </a:prstGeom>
+        </p:spPr>
+      </p:pic>
+      <p:pic>
+        <p:nvPicPr>
+          <p:cNvPr id="20" name="Picture 19">
+            <a:extLst>
+              <a:ext uri="{FF2B5EF4-FFF2-40B4-BE49-F238E27FC236}">
+                <a16:creationId xmlns:a16="http://schemas.microsoft.com/office/drawing/2014/main" id="{801C49DB-5904-3CBF-04E0-1444D46F808D}"/>
+              </a:ext>
+            </a:extLst>
+          </p:cNvPr>
+          <p:cNvPicPr>
+            <a:picLocks noChangeAspect="1"/>
+          </p:cNvPicPr>
+          <p:nvPr/>
+        </p:nvPicPr>
+        <p:blipFill>
+          <a:blip r:embed="rId8"/>
+          <a:stretch>
+            <a:fillRect/>
+          </a:stretch>
+        </p:blipFill>
+        <p:spPr>
+          <a:xfrm>
+            <a:off x="8761072" y="3847457"/>
+            <a:ext cx="2440132" cy="2493897"/>
+          </a:xfrm>
+          <a:prstGeom prst="rect">
+            <a:avLst/>
+          </a:prstGeom>
+        </p:spPr>
+      </p:pic>
+      <p:pic>
+        <p:nvPicPr>
+          <p:cNvPr id="22" name="Picture 21">
+            <a:extLst>
+              <a:ext uri="{FF2B5EF4-FFF2-40B4-BE49-F238E27FC236}">
+                <a16:creationId xmlns:a16="http://schemas.microsoft.com/office/drawing/2014/main" id="{DEDFE52E-FD3E-C18B-13EF-5D1F0B4A2B08}"/>
+              </a:ext>
+            </a:extLst>
+          </p:cNvPr>
+          <p:cNvPicPr>
+            <a:picLocks noChangeAspect="1"/>
+          </p:cNvPicPr>
+          <p:nvPr/>
+        </p:nvPicPr>
+        <p:blipFill>
+          <a:blip r:embed="rId9"/>
+          <a:stretch>
+            <a:fillRect/>
+          </a:stretch>
+        </p:blipFill>
+        <p:spPr>
+          <a:xfrm>
+            <a:off x="342204" y="4567917"/>
+            <a:ext cx="2895851" cy="1196444"/>
+          </a:xfrm>
+          <a:prstGeom prst="rect">
+            <a:avLst/>
+          </a:prstGeom>
+        </p:spPr>
+      </p:pic>
+    </p:spTree>
+    <p:extLst>
+      <p:ext uri="{BB962C8B-B14F-4D97-AF65-F5344CB8AC3E}">
+        <p14:creationId xmlns:p14="http://schemas.microsoft.com/office/powerpoint/2010/main" val="517254304"/>
+      </p:ext>
+    </p:extLst>
+  </p:cSld>
+  <p:clrMapOvr>
+    <a:masterClrMapping/>
+  </p:clrMapOvr>
+</p:sld>
+</file>
+
+<file path=ppt/slides/slide21.xml><?xml version="1.0" encoding="utf-8"?>
+<p:sld xmlns:a="http://schemas.openxmlformats.org/drawingml/2006/main" xmlns:r="http://schemas.openxmlformats.org/officeDocument/2006/relationships" xmlns:p="http://schemas.openxmlformats.org/presentationml/2006/main">
+  <p:cSld>
+    <p:spTree>
+      <p:nvGrpSpPr>
+        <p:cNvPr id="1" name=""/>
+        <p:cNvGrpSpPr/>
+        <p:nvPr/>
+      </p:nvGrpSpPr>
+      <p:grpSpPr>
+        <a:xfrm>
+          <a:off x="0" y="0"/>
+          <a:ext cx="0" cy="0"/>
+          <a:chOff x="0" y="0"/>
+          <a:chExt cx="0" cy="0"/>
+        </a:xfrm>
+      </p:grpSpPr>
+      <p:pic>
+        <p:nvPicPr>
+          <p:cNvPr id="5" name="Picture 4">
+            <a:extLst>
+              <a:ext uri="{FF2B5EF4-FFF2-40B4-BE49-F238E27FC236}">
+                <a16:creationId xmlns:a16="http://schemas.microsoft.com/office/drawing/2014/main" id="{068FE4E8-605D-9694-2E87-12FE7D2529E9}"/>
+              </a:ext>
+            </a:extLst>
+          </p:cNvPr>
+          <p:cNvPicPr>
+            <a:picLocks noChangeAspect="1"/>
+          </p:cNvPicPr>
+          <p:nvPr/>
+        </p:nvPicPr>
+        <p:blipFill>
+          <a:blip r:embed="rId2"/>
+          <a:stretch>
+            <a:fillRect/>
+          </a:stretch>
+        </p:blipFill>
+        <p:spPr>
+          <a:xfrm>
+            <a:off x="544285" y="1506893"/>
+            <a:ext cx="2809875" cy="2871788"/>
+          </a:xfrm>
+          <a:prstGeom prst="rect">
+            <a:avLst/>
+          </a:prstGeom>
+        </p:spPr>
+      </p:pic>
+      <p:sp>
+        <p:nvSpPr>
+          <p:cNvPr id="6" name="Rectangle 5">
+            <a:extLst>
+              <a:ext uri="{FF2B5EF4-FFF2-40B4-BE49-F238E27FC236}">
+                <a16:creationId xmlns:a16="http://schemas.microsoft.com/office/drawing/2014/main" id="{24DD5DEF-254F-CB3E-9934-E755D9771278}"/>
+              </a:ext>
+            </a:extLst>
+          </p:cNvPr>
+          <p:cNvSpPr/>
+          <p:nvPr/>
+        </p:nvSpPr>
+        <p:spPr>
+          <a:xfrm>
+            <a:off x="2409714" y="351438"/>
+            <a:ext cx="4613379" cy="707886"/>
+          </a:xfrm>
+          <a:prstGeom prst="rect">
+            <a:avLst/>
+          </a:prstGeom>
+          <a:noFill/>
+        </p:spPr>
+        <p:txBody>
+          <a:bodyPr wrap="none" lIns="91440" tIns="45720" rIns="91440" bIns="45720">
+            <a:spAutoFit/>
+          </a:bodyPr>
+          <a:lstStyle/>
+          <a:p>
+            <a:pPr algn="ctr"/>
+            <a:r>
+              <a:rPr lang="en-US" sz="2000" b="0" cap="none" spc="0" dirty="0">
+                <a:ln w="0"/>
+                <a:solidFill>
+                  <a:schemeClr val="tx1"/>
+                </a:solidFill>
+                <a:effectLst>
+                  <a:outerShdw blurRad="38100" dist="19050" dir="2700000" algn="tl" rotWithShape="0">
+                    <a:schemeClr val="dk1">
+                      <a:alpha val="40000"/>
+                    </a:schemeClr>
+                  </a:outerShdw>
+                </a:effectLst>
+              </a:rPr>
+              <a:t>Minor allel</a:t>
+            </a:r>
+            <a:r>
+              <a:rPr lang="en-US" sz="2000" dirty="0">
+                <a:ln w="0"/>
+                <a:effectLst>
+                  <a:outerShdw blurRad="38100" dist="19050" dir="2700000" algn="tl" rotWithShape="0">
+                    <a:schemeClr val="dk1">
+                      <a:alpha val="40000"/>
+                    </a:schemeClr>
+                  </a:outerShdw>
+                </a:effectLst>
+              </a:rPr>
+              <a:t>e </a:t>
+            </a:r>
+            <a:r>
+              <a:rPr lang="en-US" sz="2000" dirty="0" err="1">
+                <a:ln w="0"/>
+                <a:effectLst>
+                  <a:outerShdw blurRad="38100" dist="19050" dir="2700000" algn="tl" rotWithShape="0">
+                    <a:schemeClr val="dk1">
+                      <a:alpha val="40000"/>
+                    </a:schemeClr>
+                  </a:outerShdw>
+                </a:effectLst>
+              </a:rPr>
+              <a:t>freq</a:t>
+            </a:r>
+            <a:r>
+              <a:rPr lang="en-US" sz="2000" dirty="0">
+                <a:ln w="0"/>
+                <a:effectLst>
+                  <a:outerShdw blurRad="38100" dist="19050" dir="2700000" algn="tl" rotWithShape="0">
+                    <a:schemeClr val="dk1">
+                      <a:alpha val="40000"/>
+                    </a:schemeClr>
+                  </a:outerShdw>
+                </a:effectLst>
+              </a:rPr>
+              <a:t> source of migrants = 0.45</a:t>
+            </a:r>
+          </a:p>
+          <a:p>
+            <a:pPr algn="ctr"/>
+            <a:r>
+              <a:rPr lang="en-US" sz="2000" b="0" cap="none" spc="0" dirty="0">
+                <a:ln w="0"/>
+                <a:solidFill>
+                  <a:schemeClr val="tx1"/>
+                </a:solidFill>
+                <a:effectLst>
+                  <a:outerShdw blurRad="38100" dist="19050" dir="2700000" algn="tl" rotWithShape="0">
+                    <a:schemeClr val="dk1">
+                      <a:alpha val="40000"/>
+                    </a:schemeClr>
+                  </a:outerShdw>
+                </a:effectLst>
+              </a:rPr>
+              <a:t>Minor allel</a:t>
+            </a:r>
+            <a:r>
+              <a:rPr lang="en-US" sz="2000" dirty="0">
+                <a:ln w="0"/>
+                <a:effectLst>
+                  <a:outerShdw blurRad="38100" dist="19050" dir="2700000" algn="tl" rotWithShape="0">
+                    <a:schemeClr val="dk1">
+                      <a:alpha val="40000"/>
+                    </a:schemeClr>
+                  </a:outerShdw>
+                </a:effectLst>
+              </a:rPr>
+              <a:t>e </a:t>
+            </a:r>
+            <a:r>
+              <a:rPr lang="en-US" sz="2000" dirty="0" err="1">
+                <a:ln w="0"/>
+                <a:effectLst>
+                  <a:outerShdw blurRad="38100" dist="19050" dir="2700000" algn="tl" rotWithShape="0">
+                    <a:schemeClr val="dk1">
+                      <a:alpha val="40000"/>
+                    </a:schemeClr>
+                  </a:outerShdw>
+                </a:effectLst>
+              </a:rPr>
+              <a:t>freq</a:t>
+            </a:r>
+            <a:r>
+              <a:rPr lang="en-US" sz="2000" dirty="0">
+                <a:ln w="0"/>
+                <a:effectLst>
+                  <a:outerShdw blurRad="38100" dist="19050" dir="2700000" algn="tl" rotWithShape="0">
+                    <a:schemeClr val="dk1">
+                      <a:alpha val="40000"/>
+                    </a:schemeClr>
+                  </a:outerShdw>
+                </a:effectLst>
+              </a:rPr>
+              <a:t> starting focal pop= 0.07</a:t>
+            </a:r>
+          </a:p>
+        </p:txBody>
+      </p:sp>
+      <p:sp>
+        <p:nvSpPr>
+          <p:cNvPr id="16" name="Rectangle 15">
+            <a:extLst>
+              <a:ext uri="{FF2B5EF4-FFF2-40B4-BE49-F238E27FC236}">
+                <a16:creationId xmlns:a16="http://schemas.microsoft.com/office/drawing/2014/main" id="{0B70554C-0B87-C6A2-3840-C2CCB3D4CD69}"/>
+              </a:ext>
+            </a:extLst>
+          </p:cNvPr>
+          <p:cNvSpPr/>
+          <p:nvPr/>
+        </p:nvSpPr>
+        <p:spPr>
+          <a:xfrm>
+            <a:off x="3121951" y="3429000"/>
+            <a:ext cx="4613379" cy="707886"/>
+          </a:xfrm>
+          <a:prstGeom prst="rect">
+            <a:avLst/>
+          </a:prstGeom>
+          <a:noFill/>
+        </p:spPr>
+        <p:txBody>
+          <a:bodyPr wrap="none" lIns="91440" tIns="45720" rIns="91440" bIns="45720">
+            <a:spAutoFit/>
+          </a:bodyPr>
+          <a:lstStyle/>
+          <a:p>
+            <a:pPr algn="ctr"/>
+            <a:r>
+              <a:rPr lang="en-US" sz="2000" b="0" cap="none" spc="0" dirty="0">
+                <a:ln w="0"/>
+                <a:solidFill>
+                  <a:schemeClr val="tx1"/>
+                </a:solidFill>
+                <a:effectLst>
+                  <a:outerShdw blurRad="38100" dist="19050" dir="2700000" algn="tl" rotWithShape="0">
+                    <a:schemeClr val="dk1">
+                      <a:alpha val="40000"/>
+                    </a:schemeClr>
+                  </a:outerShdw>
+                </a:effectLst>
+              </a:rPr>
+              <a:t>Minor allel</a:t>
+            </a:r>
+            <a:r>
+              <a:rPr lang="en-US" sz="2000" dirty="0">
+                <a:ln w="0"/>
+                <a:effectLst>
+                  <a:outerShdw blurRad="38100" dist="19050" dir="2700000" algn="tl" rotWithShape="0">
+                    <a:schemeClr val="dk1">
+                      <a:alpha val="40000"/>
+                    </a:schemeClr>
+                  </a:outerShdw>
+                </a:effectLst>
+              </a:rPr>
+              <a:t>e </a:t>
+            </a:r>
+            <a:r>
+              <a:rPr lang="en-US" sz="2000" dirty="0" err="1">
+                <a:ln w="0"/>
+                <a:effectLst>
+                  <a:outerShdw blurRad="38100" dist="19050" dir="2700000" algn="tl" rotWithShape="0">
+                    <a:schemeClr val="dk1">
+                      <a:alpha val="40000"/>
+                    </a:schemeClr>
+                  </a:outerShdw>
+                </a:effectLst>
+              </a:rPr>
+              <a:t>freq</a:t>
+            </a:r>
+            <a:r>
+              <a:rPr lang="en-US" sz="2000" dirty="0">
+                <a:ln w="0"/>
+                <a:effectLst>
+                  <a:outerShdw blurRad="38100" dist="19050" dir="2700000" algn="tl" rotWithShape="0">
+                    <a:schemeClr val="dk1">
+                      <a:alpha val="40000"/>
+                    </a:schemeClr>
+                  </a:outerShdw>
+                </a:effectLst>
+              </a:rPr>
+              <a:t> source of migrants = 0.07</a:t>
+            </a:r>
+          </a:p>
+          <a:p>
+            <a:pPr algn="ctr"/>
+            <a:r>
+              <a:rPr lang="en-US" sz="2000" b="0" cap="none" spc="0" dirty="0">
+                <a:ln w="0"/>
+                <a:solidFill>
+                  <a:schemeClr val="tx1"/>
+                </a:solidFill>
+                <a:effectLst>
+                  <a:outerShdw blurRad="38100" dist="19050" dir="2700000" algn="tl" rotWithShape="0">
+                    <a:schemeClr val="dk1">
+                      <a:alpha val="40000"/>
+                    </a:schemeClr>
+                  </a:outerShdw>
+                </a:effectLst>
+              </a:rPr>
+              <a:t>Minor allel</a:t>
+            </a:r>
+            <a:r>
+              <a:rPr lang="en-US" sz="2000" dirty="0">
+                <a:ln w="0"/>
+                <a:effectLst>
+                  <a:outerShdw blurRad="38100" dist="19050" dir="2700000" algn="tl" rotWithShape="0">
+                    <a:schemeClr val="dk1">
+                      <a:alpha val="40000"/>
+                    </a:schemeClr>
+                  </a:outerShdw>
+                </a:effectLst>
+              </a:rPr>
+              <a:t>e </a:t>
+            </a:r>
+            <a:r>
+              <a:rPr lang="en-US" sz="2000" dirty="0" err="1">
+                <a:ln w="0"/>
+                <a:effectLst>
+                  <a:outerShdw blurRad="38100" dist="19050" dir="2700000" algn="tl" rotWithShape="0">
+                    <a:schemeClr val="dk1">
+                      <a:alpha val="40000"/>
+                    </a:schemeClr>
+                  </a:outerShdw>
+                </a:effectLst>
+              </a:rPr>
+              <a:t>freq</a:t>
+            </a:r>
+            <a:r>
+              <a:rPr lang="en-US" sz="2000" dirty="0">
+                <a:ln w="0"/>
+                <a:effectLst>
+                  <a:outerShdw blurRad="38100" dist="19050" dir="2700000" algn="tl" rotWithShape="0">
+                    <a:schemeClr val="dk1">
+                      <a:alpha val="40000"/>
+                    </a:schemeClr>
+                  </a:outerShdw>
+                </a:effectLst>
+              </a:rPr>
+              <a:t> starting focal pop= 0.07</a:t>
+            </a:r>
+          </a:p>
+        </p:txBody>
+      </p:sp>
+      <p:pic>
+        <p:nvPicPr>
+          <p:cNvPr id="3" name="Picture 2">
+            <a:extLst>
+              <a:ext uri="{FF2B5EF4-FFF2-40B4-BE49-F238E27FC236}">
+                <a16:creationId xmlns:a16="http://schemas.microsoft.com/office/drawing/2014/main" id="{D942F206-07A2-E6BF-A59E-D32B12C7CE9C}"/>
+              </a:ext>
+            </a:extLst>
+          </p:cNvPr>
+          <p:cNvPicPr>
+            <a:picLocks noChangeAspect="1"/>
+          </p:cNvPicPr>
+          <p:nvPr/>
+        </p:nvPicPr>
+        <p:blipFill>
+          <a:blip r:embed="rId3"/>
+          <a:stretch>
+            <a:fillRect/>
+          </a:stretch>
+        </p:blipFill>
+        <p:spPr>
+          <a:xfrm>
+            <a:off x="3473797" y="1059324"/>
+            <a:ext cx="2335123" cy="2386575"/>
+          </a:xfrm>
+          <a:prstGeom prst="rect">
+            <a:avLst/>
+          </a:prstGeom>
+        </p:spPr>
+      </p:pic>
+      <p:pic>
+        <p:nvPicPr>
+          <p:cNvPr id="7" name="Picture 6">
+            <a:extLst>
+              <a:ext uri="{FF2B5EF4-FFF2-40B4-BE49-F238E27FC236}">
+                <a16:creationId xmlns:a16="http://schemas.microsoft.com/office/drawing/2014/main" id="{573FEB24-2CED-C77E-68D2-9F5007AD9A3E}"/>
+              </a:ext>
+            </a:extLst>
+          </p:cNvPr>
+          <p:cNvPicPr>
+            <a:picLocks noChangeAspect="1"/>
+          </p:cNvPicPr>
+          <p:nvPr/>
+        </p:nvPicPr>
+        <p:blipFill>
+          <a:blip r:embed="rId4"/>
+          <a:stretch>
+            <a:fillRect/>
+          </a:stretch>
+        </p:blipFill>
+        <p:spPr>
+          <a:xfrm>
+            <a:off x="6217919" y="1136917"/>
+            <a:ext cx="2166747" cy="2214489"/>
+          </a:xfrm>
+          <a:prstGeom prst="rect">
+            <a:avLst/>
+          </a:prstGeom>
+        </p:spPr>
+      </p:pic>
+      <p:pic>
+        <p:nvPicPr>
+          <p:cNvPr id="19" name="Picture 18">
+            <a:extLst>
+              <a:ext uri="{FF2B5EF4-FFF2-40B4-BE49-F238E27FC236}">
+                <a16:creationId xmlns:a16="http://schemas.microsoft.com/office/drawing/2014/main" id="{B59EFE7D-7C1D-7F55-E59B-95B6396FE4B5}"/>
+              </a:ext>
+            </a:extLst>
+          </p:cNvPr>
+          <p:cNvPicPr>
+            <a:picLocks noChangeAspect="1"/>
+          </p:cNvPicPr>
+          <p:nvPr/>
+        </p:nvPicPr>
+        <p:blipFill>
+          <a:blip r:embed="rId5"/>
+          <a:stretch>
+            <a:fillRect/>
+          </a:stretch>
+        </p:blipFill>
+        <p:spPr>
+          <a:xfrm>
+            <a:off x="3473797" y="4153785"/>
+            <a:ext cx="2506435" cy="2561662"/>
+          </a:xfrm>
+          <a:prstGeom prst="rect">
+            <a:avLst/>
+          </a:prstGeom>
+        </p:spPr>
+      </p:pic>
+      <p:pic>
+        <p:nvPicPr>
+          <p:cNvPr id="22" name="Picture 21">
+            <a:extLst>
+              <a:ext uri="{FF2B5EF4-FFF2-40B4-BE49-F238E27FC236}">
+                <a16:creationId xmlns:a16="http://schemas.microsoft.com/office/drawing/2014/main" id="{639ED629-481F-8233-BCBA-77AE35B2CBCB}"/>
+              </a:ext>
+            </a:extLst>
+          </p:cNvPr>
+          <p:cNvPicPr>
+            <a:picLocks noChangeAspect="1"/>
+          </p:cNvPicPr>
+          <p:nvPr/>
+        </p:nvPicPr>
+        <p:blipFill>
+          <a:blip r:embed="rId6"/>
+          <a:stretch>
+            <a:fillRect/>
+          </a:stretch>
+        </p:blipFill>
+        <p:spPr>
+          <a:xfrm>
+            <a:off x="6211770" y="4136886"/>
+            <a:ext cx="2457523" cy="2511672"/>
+          </a:xfrm>
+          <a:prstGeom prst="rect">
+            <a:avLst/>
+          </a:prstGeom>
+        </p:spPr>
+      </p:pic>
+      <p:pic>
+        <p:nvPicPr>
+          <p:cNvPr id="23" name="Picture 22">
+            <a:extLst>
+              <a:ext uri="{FF2B5EF4-FFF2-40B4-BE49-F238E27FC236}">
+                <a16:creationId xmlns:a16="http://schemas.microsoft.com/office/drawing/2014/main" id="{42EFB39F-E4FD-EBF3-B00C-E210C32FFBE1}"/>
+              </a:ext>
+            </a:extLst>
+          </p:cNvPr>
+          <p:cNvPicPr>
+            <a:picLocks noChangeAspect="1"/>
+          </p:cNvPicPr>
+          <p:nvPr/>
+        </p:nvPicPr>
+        <p:blipFill>
+          <a:blip r:embed="rId7"/>
+          <a:stretch>
+            <a:fillRect/>
+          </a:stretch>
+        </p:blipFill>
+        <p:spPr>
+          <a:xfrm>
+            <a:off x="342204" y="4567917"/>
+            <a:ext cx="2895851" cy="1196444"/>
+          </a:xfrm>
+          <a:prstGeom prst="rect">
+            <a:avLst/>
+          </a:prstGeom>
+        </p:spPr>
+      </p:pic>
+    </p:spTree>
+    <p:extLst>
+      <p:ext uri="{BB962C8B-B14F-4D97-AF65-F5344CB8AC3E}">
+        <p14:creationId xmlns:p14="http://schemas.microsoft.com/office/powerpoint/2010/main" val="50824233"/>
+      </p:ext>
+    </p:extLst>
+  </p:cSld>
+  <p:clrMapOvr>
+    <a:masterClrMapping/>
+  </p:clrMapOvr>
+</p:sld>
+</file>
+
+<file path=ppt/slides/slide22.xml><?xml version="1.0" encoding="utf-8"?>
+<p:sld xmlns:a="http://schemas.openxmlformats.org/drawingml/2006/main" xmlns:r="http://schemas.openxmlformats.org/officeDocument/2006/relationships" xmlns:p="http://schemas.openxmlformats.org/presentationml/2006/main">
+  <p:cSld>
+    <p:bg>
+      <p:bgPr>
+        <a:solidFill>
+          <a:schemeClr val="tx1"/>
+        </a:solidFill>
+        <a:effectLst/>
+      </p:bgPr>
+    </p:bg>
+    <p:spTree>
+      <p:nvGrpSpPr>
+        <p:cNvPr id="1" name=""/>
+        <p:cNvGrpSpPr/>
+        <p:nvPr/>
+      </p:nvGrpSpPr>
+      <p:grpSpPr>
+        <a:xfrm>
+          <a:off x="0" y="0"/>
+          <a:ext cx="0" cy="0"/>
+          <a:chOff x="0" y="0"/>
+          <a:chExt cx="0" cy="0"/>
+        </a:xfrm>
+      </p:grpSpPr>
+      <p:sp>
+        <p:nvSpPr>
+          <p:cNvPr id="4" name="Title 1">
+            <a:extLst>
+              <a:ext uri="{FF2B5EF4-FFF2-40B4-BE49-F238E27FC236}">
+                <a16:creationId xmlns:a16="http://schemas.microsoft.com/office/drawing/2014/main" id="{1926D374-9667-7185-B1D3-C23E0087ABBB}"/>
+              </a:ext>
+            </a:extLst>
+          </p:cNvPr>
+          <p:cNvSpPr txBox="1">
+            <a:spLocks/>
+          </p:cNvSpPr>
+          <p:nvPr/>
+        </p:nvSpPr>
+        <p:spPr>
+          <a:xfrm>
+            <a:off x="838200" y="1906542"/>
+            <a:ext cx="10515600" cy="1325563"/>
+          </a:xfrm>
+          <a:prstGeom prst="rect">
+            <a:avLst/>
+          </a:prstGeom>
+        </p:spPr>
+        <p:txBody>
+          <a:bodyPr vert="horz" lIns="91440" tIns="45720" rIns="91440" bIns="45720" rtlCol="0" anchor="ctr">
+            <a:noAutofit/>
+          </a:bodyPr>
+          <a:lstStyle>
+            <a:lvl1pPr algn="l" defTabSz="914400" rtl="0" eaLnBrk="1" latinLnBrk="0" hangingPunct="1">
+              <a:lnSpc>
+                <a:spcPct val="90000"/>
+              </a:lnSpc>
+              <a:spcBef>
+                <a:spcPct val="0"/>
+              </a:spcBef>
+              <a:buNone/>
+              <a:defRPr sz="4400" kern="1200">
+                <a:solidFill>
+                  <a:schemeClr val="tx1"/>
+                </a:solidFill>
+                <a:latin typeface="+mj-lt"/>
+                <a:ea typeface="+mj-ea"/>
+                <a:cs typeface="+mj-cs"/>
+              </a:defRPr>
+            </a:lvl1pPr>
+          </a:lstStyle>
+          <a:p>
+            <a:pPr algn="ctr"/>
+            <a:r>
+              <a:rPr lang="en-US" sz="5000" dirty="0">
+                <a:solidFill>
+                  <a:schemeClr val="bg1"/>
+                </a:solidFill>
+              </a:rPr>
+              <a:t>Comparison between the </a:t>
+            </a:r>
+            <a:r>
+              <a:rPr lang="en-US" sz="5000" dirty="0" err="1">
+                <a:solidFill>
+                  <a:schemeClr val="bg1"/>
+                </a:solidFill>
+              </a:rPr>
+              <a:t>maxage</a:t>
+            </a:r>
+            <a:r>
+              <a:rPr lang="en-US" sz="5000" dirty="0">
+                <a:solidFill>
+                  <a:schemeClr val="bg1"/>
+                </a:solidFill>
+              </a:rPr>
+              <a:t> and </a:t>
+            </a:r>
+            <a:r>
+              <a:rPr lang="en-US" sz="5000" dirty="0" err="1">
+                <a:solidFill>
+                  <a:schemeClr val="bg1"/>
+                </a:solidFill>
+              </a:rPr>
+              <a:t>broodsize</a:t>
+            </a:r>
+            <a:endParaRPr lang="en-US" sz="5000" dirty="0">
+              <a:solidFill>
+                <a:schemeClr val="bg1"/>
+              </a:solidFill>
+            </a:endParaRPr>
+          </a:p>
+        </p:txBody>
+      </p:sp>
+    </p:spTree>
+    <p:extLst>
+      <p:ext uri="{BB962C8B-B14F-4D97-AF65-F5344CB8AC3E}">
+        <p14:creationId xmlns:p14="http://schemas.microsoft.com/office/powerpoint/2010/main" val="486117116"/>
+      </p:ext>
+    </p:extLst>
+  </p:cSld>
+  <p:clrMapOvr>
+    <a:masterClrMapping/>
+  </p:clrMapOvr>
+</p:sld>
+</file>
+
+<file path=ppt/slides/slide23.xml><?xml version="1.0" encoding="utf-8"?>
+<p:sld xmlns:a="http://schemas.openxmlformats.org/drawingml/2006/main" xmlns:r="http://schemas.openxmlformats.org/officeDocument/2006/relationships" xmlns:p="http://schemas.openxmlformats.org/presentationml/2006/main">
+  <p:cSld>
+    <p:spTree>
+      <p:nvGrpSpPr>
+        <p:cNvPr id="1" name=""/>
+        <p:cNvGrpSpPr/>
+        <p:nvPr/>
+      </p:nvGrpSpPr>
+      <p:grpSpPr>
+        <a:xfrm>
+          <a:off x="0" y="0"/>
+          <a:ext cx="0" cy="0"/>
+          <a:chOff x="0" y="0"/>
+          <a:chExt cx="0" cy="0"/>
+        </a:xfrm>
+      </p:grpSpPr>
+      <p:cxnSp>
+        <p:nvCxnSpPr>
+          <p:cNvPr id="5" name="Straight Connector 4">
+            <a:extLst>
+              <a:ext uri="{FF2B5EF4-FFF2-40B4-BE49-F238E27FC236}">
+                <a16:creationId xmlns:a16="http://schemas.microsoft.com/office/drawing/2014/main" id="{B2B61823-D874-16FB-5539-EF43B7123E67}"/>
+              </a:ext>
+            </a:extLst>
+          </p:cNvPr>
+          <p:cNvCxnSpPr/>
+          <p:nvPr/>
+        </p:nvCxnSpPr>
+        <p:spPr>
+          <a:xfrm>
+            <a:off x="5605272" y="621792"/>
+            <a:ext cx="82296" cy="5449824"/>
+          </a:xfrm>
+          <a:prstGeom prst="line">
+            <a:avLst/>
+          </a:prstGeom>
+        </p:spPr>
+        <p:style>
+          <a:lnRef idx="1">
+            <a:schemeClr val="accent1"/>
+          </a:lnRef>
+          <a:fillRef idx="0">
+            <a:schemeClr val="accent1"/>
+          </a:fillRef>
+          <a:effectRef idx="0">
+            <a:schemeClr val="accent1"/>
+          </a:effectRef>
+          <a:fontRef idx="minor">
+            <a:schemeClr val="tx1"/>
+          </a:fontRef>
+        </p:style>
+      </p:cxnSp>
+      <p:cxnSp>
+        <p:nvCxnSpPr>
+          <p:cNvPr id="6" name="Straight Connector 5">
+            <a:extLst>
+              <a:ext uri="{FF2B5EF4-FFF2-40B4-BE49-F238E27FC236}">
+                <a16:creationId xmlns:a16="http://schemas.microsoft.com/office/drawing/2014/main" id="{CF11088B-680C-9073-774B-703FA9D52681}"/>
+              </a:ext>
+            </a:extLst>
+          </p:cNvPr>
+          <p:cNvCxnSpPr>
+            <a:cxnSpLocks/>
+          </p:cNvCxnSpPr>
+          <p:nvPr/>
+        </p:nvCxnSpPr>
+        <p:spPr>
+          <a:xfrm>
+            <a:off x="1207008" y="3273552"/>
+            <a:ext cx="9445752" cy="0"/>
+          </a:xfrm>
+          <a:prstGeom prst="line">
+            <a:avLst/>
+          </a:prstGeom>
+        </p:spPr>
+        <p:style>
+          <a:lnRef idx="1">
+            <a:schemeClr val="accent1"/>
+          </a:lnRef>
+          <a:fillRef idx="0">
+            <a:schemeClr val="accent1"/>
+          </a:fillRef>
+          <a:effectRef idx="0">
+            <a:schemeClr val="accent1"/>
+          </a:effectRef>
+          <a:fontRef idx="minor">
+            <a:schemeClr val="tx1"/>
+          </a:fontRef>
+        </p:style>
+      </p:cxnSp>
+      <p:sp>
+        <p:nvSpPr>
+          <p:cNvPr id="9" name="Rectangle 8">
+            <a:extLst>
+              <a:ext uri="{FF2B5EF4-FFF2-40B4-BE49-F238E27FC236}">
+                <a16:creationId xmlns:a16="http://schemas.microsoft.com/office/drawing/2014/main" id="{F4325E6A-FB4B-17BA-24D3-76894693C519}"/>
+              </a:ext>
+            </a:extLst>
+          </p:cNvPr>
+          <p:cNvSpPr/>
+          <p:nvPr/>
+        </p:nvSpPr>
+        <p:spPr>
+          <a:xfrm>
+            <a:off x="1575728" y="351438"/>
+            <a:ext cx="3007811" cy="400110"/>
+          </a:xfrm>
+          <a:prstGeom prst="rect">
+            <a:avLst/>
+          </a:prstGeom>
+          <a:noFill/>
+        </p:spPr>
+        <p:txBody>
+          <a:bodyPr wrap="none" lIns="91440" tIns="45720" rIns="91440" bIns="45720">
+            <a:spAutoFit/>
+          </a:bodyPr>
+          <a:lstStyle/>
+          <a:p>
+            <a:pPr algn="ctr"/>
+            <a:r>
+              <a:rPr lang="en-US" sz="2000" b="0" cap="none" spc="0" dirty="0" err="1">
+                <a:ln w="0"/>
+                <a:solidFill>
+                  <a:schemeClr val="tx1"/>
+                </a:solidFill>
+                <a:effectLst>
+                  <a:outerShdw blurRad="38100" dist="19050" dir="2700000" algn="tl" rotWithShape="0">
+                    <a:schemeClr val="dk1">
+                      <a:alpha val="40000"/>
+                    </a:schemeClr>
+                  </a:outerShdw>
+                </a:effectLst>
+              </a:rPr>
+              <a:t>Maxage</a:t>
+            </a:r>
+            <a:r>
+              <a:rPr lang="en-US" sz="2000" b="0" cap="none" spc="0" dirty="0">
+                <a:ln w="0"/>
+                <a:solidFill>
+                  <a:schemeClr val="tx1"/>
+                </a:solidFill>
+                <a:effectLst>
+                  <a:outerShdw blurRad="38100" dist="19050" dir="2700000" algn="tl" rotWithShape="0">
+                    <a:schemeClr val="dk1">
+                      <a:alpha val="40000"/>
+                    </a:schemeClr>
+                  </a:outerShdw>
+                </a:effectLst>
+              </a:rPr>
+              <a:t> = 15, </a:t>
+            </a:r>
+            <a:r>
+              <a:rPr lang="en-US" sz="2000" b="0" cap="none" spc="0" dirty="0" err="1">
+                <a:ln w="0"/>
+                <a:solidFill>
+                  <a:schemeClr val="tx1"/>
+                </a:solidFill>
+                <a:effectLst>
+                  <a:outerShdw blurRad="38100" dist="19050" dir="2700000" algn="tl" rotWithShape="0">
+                    <a:schemeClr val="dk1">
+                      <a:alpha val="40000"/>
+                    </a:schemeClr>
+                  </a:outerShdw>
+                </a:effectLst>
+              </a:rPr>
+              <a:t>broodsize</a:t>
+            </a:r>
+            <a:r>
+              <a:rPr lang="en-US" sz="2000" b="0" cap="none" spc="0" dirty="0">
+                <a:ln w="0"/>
+                <a:solidFill>
+                  <a:schemeClr val="tx1"/>
+                </a:solidFill>
+                <a:effectLst>
+                  <a:outerShdw blurRad="38100" dist="19050" dir="2700000" algn="tl" rotWithShape="0">
+                    <a:schemeClr val="dk1">
+                      <a:alpha val="40000"/>
+                    </a:schemeClr>
+                  </a:outerShdw>
+                </a:effectLst>
+              </a:rPr>
+              <a:t> = 4</a:t>
+            </a:r>
+            <a:endParaRPr lang="en-US" sz="2000" dirty="0">
+              <a:ln w="0"/>
+              <a:effectLst>
+                <a:outerShdw blurRad="38100" dist="19050" dir="2700000" algn="tl" rotWithShape="0">
+                  <a:schemeClr val="dk1">
+                    <a:alpha val="40000"/>
+                  </a:schemeClr>
+                </a:outerShdw>
+              </a:effectLst>
+            </a:endParaRPr>
+          </a:p>
+        </p:txBody>
+      </p:sp>
+      <p:sp>
+        <p:nvSpPr>
+          <p:cNvPr id="10" name="Rectangle 9">
+            <a:extLst>
+              <a:ext uri="{FF2B5EF4-FFF2-40B4-BE49-F238E27FC236}">
+                <a16:creationId xmlns:a16="http://schemas.microsoft.com/office/drawing/2014/main" id="{921F7BD1-973A-18CB-0F69-B5D86586C904}"/>
+              </a:ext>
+            </a:extLst>
+          </p:cNvPr>
+          <p:cNvSpPr/>
+          <p:nvPr/>
+        </p:nvSpPr>
+        <p:spPr>
+          <a:xfrm>
+            <a:off x="7135280" y="351438"/>
+            <a:ext cx="3007811" cy="400110"/>
+          </a:xfrm>
+          <a:prstGeom prst="rect">
+            <a:avLst/>
+          </a:prstGeom>
+          <a:noFill/>
+        </p:spPr>
+        <p:txBody>
+          <a:bodyPr wrap="none" lIns="91440" tIns="45720" rIns="91440" bIns="45720">
+            <a:spAutoFit/>
+          </a:bodyPr>
+          <a:lstStyle/>
+          <a:p>
+            <a:pPr algn="ctr"/>
+            <a:r>
+              <a:rPr lang="en-US" sz="2000" b="0" cap="none" spc="0" dirty="0" err="1">
+                <a:ln w="0"/>
+                <a:solidFill>
+                  <a:schemeClr val="tx1"/>
+                </a:solidFill>
+                <a:effectLst>
+                  <a:outerShdw blurRad="38100" dist="19050" dir="2700000" algn="tl" rotWithShape="0">
+                    <a:schemeClr val="dk1">
+                      <a:alpha val="40000"/>
+                    </a:schemeClr>
+                  </a:outerShdw>
+                </a:effectLst>
+              </a:rPr>
+              <a:t>Maxage</a:t>
+            </a:r>
+            <a:r>
+              <a:rPr lang="en-US" sz="2000" b="0" cap="none" spc="0" dirty="0">
+                <a:ln w="0"/>
+                <a:solidFill>
+                  <a:schemeClr val="tx1"/>
+                </a:solidFill>
+                <a:effectLst>
+                  <a:outerShdw blurRad="38100" dist="19050" dir="2700000" algn="tl" rotWithShape="0">
+                    <a:schemeClr val="dk1">
+                      <a:alpha val="40000"/>
+                    </a:schemeClr>
+                  </a:outerShdw>
+                </a:effectLst>
+              </a:rPr>
+              <a:t> = 15, </a:t>
+            </a:r>
+            <a:r>
+              <a:rPr lang="en-US" sz="2000" b="0" cap="none" spc="0" dirty="0" err="1">
+                <a:ln w="0"/>
+                <a:solidFill>
+                  <a:schemeClr val="tx1"/>
+                </a:solidFill>
+                <a:effectLst>
+                  <a:outerShdw blurRad="38100" dist="19050" dir="2700000" algn="tl" rotWithShape="0">
+                    <a:schemeClr val="dk1">
+                      <a:alpha val="40000"/>
+                    </a:schemeClr>
+                  </a:outerShdw>
+                </a:effectLst>
+              </a:rPr>
+              <a:t>broodsize</a:t>
+            </a:r>
+            <a:r>
+              <a:rPr lang="en-US" sz="2000" b="0" cap="none" spc="0" dirty="0">
+                <a:ln w="0"/>
+                <a:solidFill>
+                  <a:schemeClr val="tx1"/>
+                </a:solidFill>
+                <a:effectLst>
+                  <a:outerShdw blurRad="38100" dist="19050" dir="2700000" algn="tl" rotWithShape="0">
+                    <a:schemeClr val="dk1">
+                      <a:alpha val="40000"/>
+                    </a:schemeClr>
+                  </a:outerShdw>
+                </a:effectLst>
+              </a:rPr>
+              <a:t> = 6</a:t>
+            </a:r>
+            <a:endParaRPr lang="en-US" sz="2000" dirty="0">
+              <a:ln w="0"/>
+              <a:effectLst>
+                <a:outerShdw blurRad="38100" dist="19050" dir="2700000" algn="tl" rotWithShape="0">
+                  <a:schemeClr val="dk1">
+                    <a:alpha val="40000"/>
+                  </a:schemeClr>
+                </a:outerShdw>
+              </a:effectLst>
+            </a:endParaRPr>
+          </a:p>
+        </p:txBody>
+      </p:sp>
+      <p:sp>
+        <p:nvSpPr>
+          <p:cNvPr id="11" name="Rectangle 10">
+            <a:extLst>
+              <a:ext uri="{FF2B5EF4-FFF2-40B4-BE49-F238E27FC236}">
+                <a16:creationId xmlns:a16="http://schemas.microsoft.com/office/drawing/2014/main" id="{1BF96273-E5DF-13BC-6111-E9CA08523BD0}"/>
+              </a:ext>
+            </a:extLst>
+          </p:cNvPr>
+          <p:cNvSpPr/>
+          <p:nvPr/>
+        </p:nvSpPr>
+        <p:spPr>
+          <a:xfrm>
+            <a:off x="0" y="1729330"/>
+            <a:ext cx="1420390" cy="400110"/>
+          </a:xfrm>
+          <a:prstGeom prst="rect">
+            <a:avLst/>
+          </a:prstGeom>
+          <a:noFill/>
+        </p:spPr>
+        <p:txBody>
+          <a:bodyPr wrap="none" lIns="91440" tIns="45720" rIns="91440" bIns="45720">
+            <a:spAutoFit/>
+          </a:bodyPr>
+          <a:lstStyle/>
+          <a:p>
+            <a:pPr algn="ctr"/>
+            <a:r>
+              <a:rPr lang="en-US" sz="2000" b="0" cap="none" spc="0" dirty="0">
+                <a:ln w="0"/>
+                <a:solidFill>
+                  <a:schemeClr val="tx1"/>
+                </a:solidFill>
+                <a:effectLst>
+                  <a:outerShdw blurRad="38100" dist="19050" dir="2700000" algn="tl" rotWithShape="0">
+                    <a:schemeClr val="dk1">
+                      <a:alpha val="40000"/>
+                    </a:schemeClr>
+                  </a:outerShdw>
+                </a:effectLst>
+              </a:rPr>
+              <a:t>Drop to 100</a:t>
+            </a:r>
+            <a:endParaRPr lang="en-US" sz="2000" dirty="0">
+              <a:ln w="0"/>
+              <a:effectLst>
+                <a:outerShdw blurRad="38100" dist="19050" dir="2700000" algn="tl" rotWithShape="0">
+                  <a:schemeClr val="dk1">
+                    <a:alpha val="40000"/>
+                  </a:schemeClr>
+                </a:outerShdw>
+              </a:effectLst>
+            </a:endParaRPr>
+          </a:p>
+        </p:txBody>
+      </p:sp>
+      <p:sp>
+        <p:nvSpPr>
+          <p:cNvPr id="12" name="Rectangle 11">
+            <a:extLst>
+              <a:ext uri="{FF2B5EF4-FFF2-40B4-BE49-F238E27FC236}">
+                <a16:creationId xmlns:a16="http://schemas.microsoft.com/office/drawing/2014/main" id="{86173773-632A-A4FB-6500-A21721A3DD68}"/>
+              </a:ext>
+            </a:extLst>
+          </p:cNvPr>
+          <p:cNvSpPr/>
+          <p:nvPr/>
+        </p:nvSpPr>
+        <p:spPr>
+          <a:xfrm>
+            <a:off x="1640649" y="3337561"/>
+            <a:ext cx="2877967" cy="400110"/>
+          </a:xfrm>
+          <a:prstGeom prst="rect">
+            <a:avLst/>
+          </a:prstGeom>
+          <a:noFill/>
+        </p:spPr>
+        <p:txBody>
+          <a:bodyPr wrap="none" lIns="91440" tIns="45720" rIns="91440" bIns="45720">
+            <a:spAutoFit/>
+          </a:bodyPr>
+          <a:lstStyle/>
+          <a:p>
+            <a:pPr algn="ctr"/>
+            <a:r>
+              <a:rPr lang="en-US" sz="2000" b="0" cap="none" spc="0" dirty="0" err="1">
+                <a:ln w="0"/>
+                <a:solidFill>
+                  <a:schemeClr val="tx1"/>
+                </a:solidFill>
+                <a:effectLst>
+                  <a:outerShdw blurRad="38100" dist="19050" dir="2700000" algn="tl" rotWithShape="0">
+                    <a:schemeClr val="dk1">
+                      <a:alpha val="40000"/>
+                    </a:schemeClr>
+                  </a:outerShdw>
+                </a:effectLst>
+              </a:rPr>
+              <a:t>Maxage</a:t>
+            </a:r>
+            <a:r>
+              <a:rPr lang="en-US" sz="2000" b="0" cap="none" spc="0" dirty="0">
+                <a:ln w="0"/>
+                <a:solidFill>
+                  <a:schemeClr val="tx1"/>
+                </a:solidFill>
+                <a:effectLst>
+                  <a:outerShdw blurRad="38100" dist="19050" dir="2700000" algn="tl" rotWithShape="0">
+                    <a:schemeClr val="dk1">
+                      <a:alpha val="40000"/>
+                    </a:schemeClr>
+                  </a:outerShdw>
+                </a:effectLst>
+              </a:rPr>
+              <a:t> = 3, </a:t>
+            </a:r>
+            <a:r>
+              <a:rPr lang="en-US" sz="2000" b="0" cap="none" spc="0" dirty="0" err="1">
+                <a:ln w="0"/>
+                <a:solidFill>
+                  <a:schemeClr val="tx1"/>
+                </a:solidFill>
+                <a:effectLst>
+                  <a:outerShdw blurRad="38100" dist="19050" dir="2700000" algn="tl" rotWithShape="0">
+                    <a:schemeClr val="dk1">
+                      <a:alpha val="40000"/>
+                    </a:schemeClr>
+                  </a:outerShdw>
+                </a:effectLst>
+              </a:rPr>
+              <a:t>broodsize</a:t>
+            </a:r>
+            <a:r>
+              <a:rPr lang="en-US" sz="2000" b="0" cap="none" spc="0" dirty="0">
+                <a:ln w="0"/>
+                <a:solidFill>
+                  <a:schemeClr val="tx1"/>
+                </a:solidFill>
+                <a:effectLst>
+                  <a:outerShdw blurRad="38100" dist="19050" dir="2700000" algn="tl" rotWithShape="0">
+                    <a:schemeClr val="dk1">
+                      <a:alpha val="40000"/>
+                    </a:schemeClr>
+                  </a:outerShdw>
+                </a:effectLst>
+              </a:rPr>
+              <a:t> = 4</a:t>
+            </a:r>
+            <a:endParaRPr lang="en-US" sz="2000" dirty="0">
+              <a:ln w="0"/>
+              <a:effectLst>
+                <a:outerShdw blurRad="38100" dist="19050" dir="2700000" algn="tl" rotWithShape="0">
+                  <a:schemeClr val="dk1">
+                    <a:alpha val="40000"/>
+                  </a:schemeClr>
+                </a:outerShdw>
+              </a:effectLst>
+            </a:endParaRPr>
+          </a:p>
+        </p:txBody>
+      </p:sp>
+      <p:sp>
+        <p:nvSpPr>
+          <p:cNvPr id="13" name="Rectangle 12">
+            <a:extLst>
+              <a:ext uri="{FF2B5EF4-FFF2-40B4-BE49-F238E27FC236}">
+                <a16:creationId xmlns:a16="http://schemas.microsoft.com/office/drawing/2014/main" id="{B34415D4-E885-2A4F-A532-2FE9542E57F9}"/>
+              </a:ext>
+            </a:extLst>
+          </p:cNvPr>
+          <p:cNvSpPr/>
+          <p:nvPr/>
+        </p:nvSpPr>
+        <p:spPr>
+          <a:xfrm>
+            <a:off x="7294951" y="3346704"/>
+            <a:ext cx="2877967" cy="400110"/>
+          </a:xfrm>
+          <a:prstGeom prst="rect">
+            <a:avLst/>
+          </a:prstGeom>
+          <a:noFill/>
+        </p:spPr>
+        <p:txBody>
+          <a:bodyPr wrap="none" lIns="91440" tIns="45720" rIns="91440" bIns="45720">
+            <a:spAutoFit/>
+          </a:bodyPr>
+          <a:lstStyle/>
+          <a:p>
+            <a:pPr algn="ctr"/>
+            <a:r>
+              <a:rPr lang="en-US" sz="2000" b="0" cap="none" spc="0" dirty="0" err="1">
+                <a:ln w="0"/>
+                <a:solidFill>
+                  <a:schemeClr val="tx1"/>
+                </a:solidFill>
+                <a:effectLst>
+                  <a:outerShdw blurRad="38100" dist="19050" dir="2700000" algn="tl" rotWithShape="0">
+                    <a:schemeClr val="dk1">
+                      <a:alpha val="40000"/>
+                    </a:schemeClr>
+                  </a:outerShdw>
+                </a:effectLst>
+              </a:rPr>
+              <a:t>Maxage</a:t>
+            </a:r>
+            <a:r>
+              <a:rPr lang="en-US" sz="2000" b="0" cap="none" spc="0" dirty="0">
+                <a:ln w="0"/>
+                <a:solidFill>
+                  <a:schemeClr val="tx1"/>
+                </a:solidFill>
+                <a:effectLst>
+                  <a:outerShdw blurRad="38100" dist="19050" dir="2700000" algn="tl" rotWithShape="0">
+                    <a:schemeClr val="dk1">
+                      <a:alpha val="40000"/>
+                    </a:schemeClr>
+                  </a:outerShdw>
+                </a:effectLst>
+              </a:rPr>
+              <a:t> = 3, </a:t>
+            </a:r>
+            <a:r>
+              <a:rPr lang="en-US" sz="2000" b="0" cap="none" spc="0" dirty="0" err="1">
+                <a:ln w="0"/>
+                <a:solidFill>
+                  <a:schemeClr val="tx1"/>
+                </a:solidFill>
+                <a:effectLst>
+                  <a:outerShdw blurRad="38100" dist="19050" dir="2700000" algn="tl" rotWithShape="0">
+                    <a:schemeClr val="dk1">
+                      <a:alpha val="40000"/>
+                    </a:schemeClr>
+                  </a:outerShdw>
+                </a:effectLst>
+              </a:rPr>
+              <a:t>broodsize</a:t>
+            </a:r>
+            <a:r>
+              <a:rPr lang="en-US" sz="2000" b="0" cap="none" spc="0" dirty="0">
+                <a:ln w="0"/>
+                <a:solidFill>
+                  <a:schemeClr val="tx1"/>
+                </a:solidFill>
+                <a:effectLst>
+                  <a:outerShdw blurRad="38100" dist="19050" dir="2700000" algn="tl" rotWithShape="0">
+                    <a:schemeClr val="dk1">
+                      <a:alpha val="40000"/>
+                    </a:schemeClr>
+                  </a:outerShdw>
+                </a:effectLst>
+              </a:rPr>
+              <a:t> = 6</a:t>
+            </a:r>
+            <a:endParaRPr lang="en-US" sz="2000" dirty="0">
+              <a:ln w="0"/>
+              <a:effectLst>
+                <a:outerShdw blurRad="38100" dist="19050" dir="2700000" algn="tl" rotWithShape="0">
+                  <a:schemeClr val="dk1">
+                    <a:alpha val="40000"/>
+                  </a:schemeClr>
+                </a:outerShdw>
+              </a:effectLst>
+            </a:endParaRPr>
+          </a:p>
+        </p:txBody>
+      </p:sp>
+      <p:pic>
+        <p:nvPicPr>
+          <p:cNvPr id="15" name="Picture 14">
+            <a:extLst>
+              <a:ext uri="{FF2B5EF4-FFF2-40B4-BE49-F238E27FC236}">
+                <a16:creationId xmlns:a16="http://schemas.microsoft.com/office/drawing/2014/main" id="{3CA53B26-ED15-0C74-A933-1581FD0C6FD7}"/>
+              </a:ext>
+            </a:extLst>
+          </p:cNvPr>
+          <p:cNvPicPr>
+            <a:picLocks noChangeAspect="1"/>
+          </p:cNvPicPr>
+          <p:nvPr/>
+        </p:nvPicPr>
+        <p:blipFill>
+          <a:blip r:embed="rId2"/>
+          <a:stretch>
+            <a:fillRect/>
+          </a:stretch>
+        </p:blipFill>
+        <p:spPr>
+          <a:xfrm>
+            <a:off x="93165" y="2070871"/>
+            <a:ext cx="1234060" cy="1261251"/>
+          </a:xfrm>
+          <a:prstGeom prst="rect">
+            <a:avLst/>
+          </a:prstGeom>
+        </p:spPr>
+      </p:pic>
+      <p:pic>
+        <p:nvPicPr>
+          <p:cNvPr id="17" name="Picture 16">
+            <a:extLst>
+              <a:ext uri="{FF2B5EF4-FFF2-40B4-BE49-F238E27FC236}">
+                <a16:creationId xmlns:a16="http://schemas.microsoft.com/office/drawing/2014/main" id="{897CB3C1-BD11-F327-8EB0-87F0C304E207}"/>
+              </a:ext>
+            </a:extLst>
+          </p:cNvPr>
+          <p:cNvPicPr>
+            <a:picLocks noChangeAspect="1"/>
+          </p:cNvPicPr>
+          <p:nvPr/>
+        </p:nvPicPr>
+        <p:blipFill>
+          <a:blip r:embed="rId3"/>
+          <a:stretch>
+            <a:fillRect/>
+          </a:stretch>
+        </p:blipFill>
+        <p:spPr>
+          <a:xfrm>
+            <a:off x="3018815" y="714972"/>
+            <a:ext cx="2431846" cy="2485429"/>
+          </a:xfrm>
+          <a:prstGeom prst="rect">
+            <a:avLst/>
+          </a:prstGeom>
+        </p:spPr>
+      </p:pic>
+      <p:pic>
+        <p:nvPicPr>
+          <p:cNvPr id="19" name="Picture 18">
+            <a:extLst>
+              <a:ext uri="{FF2B5EF4-FFF2-40B4-BE49-F238E27FC236}">
+                <a16:creationId xmlns:a16="http://schemas.microsoft.com/office/drawing/2014/main" id="{5033627F-722F-4D57-0932-C73751509133}"/>
+              </a:ext>
+            </a:extLst>
+          </p:cNvPr>
+          <p:cNvPicPr>
+            <a:picLocks noChangeAspect="1"/>
+          </p:cNvPicPr>
+          <p:nvPr/>
+        </p:nvPicPr>
+        <p:blipFill>
+          <a:blip r:embed="rId4"/>
+          <a:stretch>
+            <a:fillRect/>
+          </a:stretch>
+        </p:blipFill>
+        <p:spPr>
+          <a:xfrm>
+            <a:off x="5842179" y="666943"/>
+            <a:ext cx="2586201" cy="2643185"/>
+          </a:xfrm>
+          <a:prstGeom prst="rect">
+            <a:avLst/>
+          </a:prstGeom>
+        </p:spPr>
+      </p:pic>
+      <p:pic>
+        <p:nvPicPr>
+          <p:cNvPr id="21" name="Picture 20">
+            <a:extLst>
+              <a:ext uri="{FF2B5EF4-FFF2-40B4-BE49-F238E27FC236}">
+                <a16:creationId xmlns:a16="http://schemas.microsoft.com/office/drawing/2014/main" id="{30CE31AB-94C2-A5B9-B436-291F01FEDC4B}"/>
+              </a:ext>
+            </a:extLst>
+          </p:cNvPr>
+          <p:cNvPicPr>
+            <a:picLocks noChangeAspect="1"/>
+          </p:cNvPicPr>
+          <p:nvPr/>
+        </p:nvPicPr>
+        <p:blipFill>
+          <a:blip r:embed="rId5"/>
+          <a:stretch>
+            <a:fillRect/>
+          </a:stretch>
+        </p:blipFill>
+        <p:spPr>
+          <a:xfrm>
+            <a:off x="3018815" y="3737671"/>
+            <a:ext cx="2586202" cy="2643186"/>
+          </a:xfrm>
+          <a:prstGeom prst="rect">
+            <a:avLst/>
+          </a:prstGeom>
+        </p:spPr>
+      </p:pic>
+      <p:pic>
+        <p:nvPicPr>
+          <p:cNvPr id="23" name="Picture 22">
+            <a:extLst>
+              <a:ext uri="{FF2B5EF4-FFF2-40B4-BE49-F238E27FC236}">
+                <a16:creationId xmlns:a16="http://schemas.microsoft.com/office/drawing/2014/main" id="{F75E186E-7937-AF82-0378-04AD0C6EE5C6}"/>
+              </a:ext>
+            </a:extLst>
+          </p:cNvPr>
+          <p:cNvPicPr>
+            <a:picLocks noChangeAspect="1"/>
+          </p:cNvPicPr>
+          <p:nvPr/>
+        </p:nvPicPr>
+        <p:blipFill>
+          <a:blip r:embed="rId6"/>
+          <a:stretch>
+            <a:fillRect/>
+          </a:stretch>
+        </p:blipFill>
+        <p:spPr>
+          <a:xfrm>
+            <a:off x="6026939" y="3736703"/>
+            <a:ext cx="2401441" cy="2454354"/>
+          </a:xfrm>
+          <a:prstGeom prst="rect">
+            <a:avLst/>
+          </a:prstGeom>
+        </p:spPr>
+      </p:pic>
+    </p:spTree>
+    <p:extLst>
+      <p:ext uri="{BB962C8B-B14F-4D97-AF65-F5344CB8AC3E}">
+        <p14:creationId xmlns:p14="http://schemas.microsoft.com/office/powerpoint/2010/main" val="759679761"/>
+      </p:ext>
+    </p:extLst>
+  </p:cSld>
+  <p:clrMapOvr>
+    <a:masterClrMapping/>
+  </p:clrMapOvr>
+</p:sld>
+</file>
+
+<file path=ppt/slides/slide24.xml><?xml version="1.0" encoding="utf-8"?>
+<p:sld xmlns:a="http://schemas.openxmlformats.org/drawingml/2006/main" xmlns:r="http://schemas.openxmlformats.org/officeDocument/2006/relationships" xmlns:p="http://schemas.openxmlformats.org/presentationml/2006/main">
+  <p:cSld>
+    <p:spTree>
+      <p:nvGrpSpPr>
+        <p:cNvPr id="1" name=""/>
+        <p:cNvGrpSpPr/>
+        <p:nvPr/>
+      </p:nvGrpSpPr>
+      <p:grpSpPr>
+        <a:xfrm>
+          <a:off x="0" y="0"/>
+          <a:ext cx="0" cy="0"/>
+          <a:chOff x="0" y="0"/>
+          <a:chExt cx="0" cy="0"/>
+        </a:xfrm>
+      </p:grpSpPr>
+      <p:cxnSp>
+        <p:nvCxnSpPr>
+          <p:cNvPr id="5" name="Straight Connector 4">
+            <a:extLst>
+              <a:ext uri="{FF2B5EF4-FFF2-40B4-BE49-F238E27FC236}">
+                <a16:creationId xmlns:a16="http://schemas.microsoft.com/office/drawing/2014/main" id="{B2B61823-D874-16FB-5539-EF43B7123E67}"/>
+              </a:ext>
+            </a:extLst>
+          </p:cNvPr>
+          <p:cNvCxnSpPr/>
+          <p:nvPr/>
+        </p:nvCxnSpPr>
+        <p:spPr>
+          <a:xfrm>
+            <a:off x="5605272" y="621792"/>
+            <a:ext cx="82296" cy="5449824"/>
+          </a:xfrm>
+          <a:prstGeom prst="line">
+            <a:avLst/>
+          </a:prstGeom>
+        </p:spPr>
+        <p:style>
+          <a:lnRef idx="1">
+            <a:schemeClr val="accent1"/>
+          </a:lnRef>
+          <a:fillRef idx="0">
+            <a:schemeClr val="accent1"/>
+          </a:fillRef>
+          <a:effectRef idx="0">
+            <a:schemeClr val="accent1"/>
+          </a:effectRef>
+          <a:fontRef idx="minor">
+            <a:schemeClr val="tx1"/>
+          </a:fontRef>
+        </p:style>
+      </p:cxnSp>
+      <p:cxnSp>
+        <p:nvCxnSpPr>
+          <p:cNvPr id="6" name="Straight Connector 5">
+            <a:extLst>
+              <a:ext uri="{FF2B5EF4-FFF2-40B4-BE49-F238E27FC236}">
+                <a16:creationId xmlns:a16="http://schemas.microsoft.com/office/drawing/2014/main" id="{CF11088B-680C-9073-774B-703FA9D52681}"/>
+              </a:ext>
+            </a:extLst>
+          </p:cNvPr>
+          <p:cNvCxnSpPr>
+            <a:cxnSpLocks/>
+          </p:cNvCxnSpPr>
+          <p:nvPr/>
+        </p:nvCxnSpPr>
+        <p:spPr>
+          <a:xfrm>
+            <a:off x="1207008" y="3273552"/>
+            <a:ext cx="9445752" cy="0"/>
+          </a:xfrm>
+          <a:prstGeom prst="line">
+            <a:avLst/>
+          </a:prstGeom>
+        </p:spPr>
+        <p:style>
+          <a:lnRef idx="1">
+            <a:schemeClr val="accent1"/>
+          </a:lnRef>
+          <a:fillRef idx="0">
+            <a:schemeClr val="accent1"/>
+          </a:fillRef>
+          <a:effectRef idx="0">
+            <a:schemeClr val="accent1"/>
+          </a:effectRef>
+          <a:fontRef idx="minor">
+            <a:schemeClr val="tx1"/>
+          </a:fontRef>
+        </p:style>
+      </p:cxnSp>
+      <p:sp>
+        <p:nvSpPr>
+          <p:cNvPr id="9" name="Rectangle 8">
+            <a:extLst>
+              <a:ext uri="{FF2B5EF4-FFF2-40B4-BE49-F238E27FC236}">
+                <a16:creationId xmlns:a16="http://schemas.microsoft.com/office/drawing/2014/main" id="{F4325E6A-FB4B-17BA-24D3-76894693C519}"/>
+              </a:ext>
+            </a:extLst>
+          </p:cNvPr>
+          <p:cNvSpPr/>
+          <p:nvPr/>
+        </p:nvSpPr>
+        <p:spPr>
+          <a:xfrm>
+            <a:off x="1575728" y="351438"/>
+            <a:ext cx="3007811" cy="400110"/>
+          </a:xfrm>
+          <a:prstGeom prst="rect">
+            <a:avLst/>
+          </a:prstGeom>
+          <a:noFill/>
+        </p:spPr>
+        <p:txBody>
+          <a:bodyPr wrap="none" lIns="91440" tIns="45720" rIns="91440" bIns="45720">
+            <a:spAutoFit/>
+          </a:bodyPr>
+          <a:lstStyle/>
+          <a:p>
+            <a:pPr algn="ctr"/>
+            <a:r>
+              <a:rPr lang="en-US" sz="2000" b="0" cap="none" spc="0" dirty="0" err="1">
+                <a:ln w="0"/>
+                <a:solidFill>
+                  <a:schemeClr val="tx1"/>
+                </a:solidFill>
+                <a:effectLst>
+                  <a:outerShdw blurRad="38100" dist="19050" dir="2700000" algn="tl" rotWithShape="0">
+                    <a:schemeClr val="dk1">
+                      <a:alpha val="40000"/>
+                    </a:schemeClr>
+                  </a:outerShdw>
+                </a:effectLst>
+              </a:rPr>
+              <a:t>Maxage</a:t>
+            </a:r>
+            <a:r>
+              <a:rPr lang="en-US" sz="2000" b="0" cap="none" spc="0" dirty="0">
+                <a:ln w="0"/>
+                <a:solidFill>
+                  <a:schemeClr val="tx1"/>
+                </a:solidFill>
+                <a:effectLst>
+                  <a:outerShdw blurRad="38100" dist="19050" dir="2700000" algn="tl" rotWithShape="0">
+                    <a:schemeClr val="dk1">
+                      <a:alpha val="40000"/>
+                    </a:schemeClr>
+                  </a:outerShdw>
+                </a:effectLst>
+              </a:rPr>
+              <a:t> = 15, </a:t>
+            </a:r>
+            <a:r>
+              <a:rPr lang="en-US" sz="2000" b="0" cap="none" spc="0" dirty="0" err="1">
+                <a:ln w="0"/>
+                <a:solidFill>
+                  <a:schemeClr val="tx1"/>
+                </a:solidFill>
+                <a:effectLst>
+                  <a:outerShdw blurRad="38100" dist="19050" dir="2700000" algn="tl" rotWithShape="0">
+                    <a:schemeClr val="dk1">
+                      <a:alpha val="40000"/>
+                    </a:schemeClr>
+                  </a:outerShdw>
+                </a:effectLst>
+              </a:rPr>
+              <a:t>broodsize</a:t>
+            </a:r>
+            <a:r>
+              <a:rPr lang="en-US" sz="2000" b="0" cap="none" spc="0" dirty="0">
+                <a:ln w="0"/>
+                <a:solidFill>
+                  <a:schemeClr val="tx1"/>
+                </a:solidFill>
+                <a:effectLst>
+                  <a:outerShdw blurRad="38100" dist="19050" dir="2700000" algn="tl" rotWithShape="0">
+                    <a:schemeClr val="dk1">
+                      <a:alpha val="40000"/>
+                    </a:schemeClr>
+                  </a:outerShdw>
+                </a:effectLst>
+              </a:rPr>
+              <a:t> = 4</a:t>
+            </a:r>
+            <a:endParaRPr lang="en-US" sz="2000" dirty="0">
+              <a:ln w="0"/>
+              <a:effectLst>
+                <a:outerShdw blurRad="38100" dist="19050" dir="2700000" algn="tl" rotWithShape="0">
+                  <a:schemeClr val="dk1">
+                    <a:alpha val="40000"/>
+                  </a:schemeClr>
+                </a:outerShdw>
+              </a:effectLst>
+            </a:endParaRPr>
+          </a:p>
+        </p:txBody>
+      </p:sp>
+      <p:sp>
+        <p:nvSpPr>
+          <p:cNvPr id="10" name="Rectangle 9">
+            <a:extLst>
+              <a:ext uri="{FF2B5EF4-FFF2-40B4-BE49-F238E27FC236}">
+                <a16:creationId xmlns:a16="http://schemas.microsoft.com/office/drawing/2014/main" id="{921F7BD1-973A-18CB-0F69-B5D86586C904}"/>
+              </a:ext>
+            </a:extLst>
+          </p:cNvPr>
+          <p:cNvSpPr/>
+          <p:nvPr/>
+        </p:nvSpPr>
+        <p:spPr>
+          <a:xfrm>
+            <a:off x="7135280" y="351438"/>
+            <a:ext cx="3007811" cy="400110"/>
+          </a:xfrm>
+          <a:prstGeom prst="rect">
+            <a:avLst/>
+          </a:prstGeom>
+          <a:noFill/>
+        </p:spPr>
+        <p:txBody>
+          <a:bodyPr wrap="none" lIns="91440" tIns="45720" rIns="91440" bIns="45720">
+            <a:spAutoFit/>
+          </a:bodyPr>
+          <a:lstStyle/>
+          <a:p>
+            <a:pPr algn="ctr"/>
+            <a:r>
+              <a:rPr lang="en-US" sz="2000" b="0" cap="none" spc="0" dirty="0" err="1">
+                <a:ln w="0"/>
+                <a:solidFill>
+                  <a:schemeClr val="tx1"/>
+                </a:solidFill>
+                <a:effectLst>
+                  <a:outerShdw blurRad="38100" dist="19050" dir="2700000" algn="tl" rotWithShape="0">
+                    <a:schemeClr val="dk1">
+                      <a:alpha val="40000"/>
+                    </a:schemeClr>
+                  </a:outerShdw>
+                </a:effectLst>
+              </a:rPr>
+              <a:t>Maxage</a:t>
+            </a:r>
+            <a:r>
+              <a:rPr lang="en-US" sz="2000" b="0" cap="none" spc="0" dirty="0">
+                <a:ln w="0"/>
+                <a:solidFill>
+                  <a:schemeClr val="tx1"/>
+                </a:solidFill>
+                <a:effectLst>
+                  <a:outerShdw blurRad="38100" dist="19050" dir="2700000" algn="tl" rotWithShape="0">
+                    <a:schemeClr val="dk1">
+                      <a:alpha val="40000"/>
+                    </a:schemeClr>
+                  </a:outerShdw>
+                </a:effectLst>
+              </a:rPr>
+              <a:t> = 15, </a:t>
+            </a:r>
+            <a:r>
+              <a:rPr lang="en-US" sz="2000" b="0" cap="none" spc="0" dirty="0" err="1">
+                <a:ln w="0"/>
+                <a:solidFill>
+                  <a:schemeClr val="tx1"/>
+                </a:solidFill>
+                <a:effectLst>
+                  <a:outerShdw blurRad="38100" dist="19050" dir="2700000" algn="tl" rotWithShape="0">
+                    <a:schemeClr val="dk1">
+                      <a:alpha val="40000"/>
+                    </a:schemeClr>
+                  </a:outerShdw>
+                </a:effectLst>
+              </a:rPr>
+              <a:t>broodsize</a:t>
+            </a:r>
+            <a:r>
+              <a:rPr lang="en-US" sz="2000" b="0" cap="none" spc="0" dirty="0">
+                <a:ln w="0"/>
+                <a:solidFill>
+                  <a:schemeClr val="tx1"/>
+                </a:solidFill>
+                <a:effectLst>
+                  <a:outerShdw blurRad="38100" dist="19050" dir="2700000" algn="tl" rotWithShape="0">
+                    <a:schemeClr val="dk1">
+                      <a:alpha val="40000"/>
+                    </a:schemeClr>
+                  </a:outerShdw>
+                </a:effectLst>
+              </a:rPr>
+              <a:t> = 6</a:t>
+            </a:r>
+            <a:endParaRPr lang="en-US" sz="2000" dirty="0">
+              <a:ln w="0"/>
+              <a:effectLst>
+                <a:outerShdw blurRad="38100" dist="19050" dir="2700000" algn="tl" rotWithShape="0">
+                  <a:schemeClr val="dk1">
+                    <a:alpha val="40000"/>
+                  </a:schemeClr>
+                </a:outerShdw>
+              </a:effectLst>
+            </a:endParaRPr>
+          </a:p>
+        </p:txBody>
+      </p:sp>
+      <p:sp>
+        <p:nvSpPr>
+          <p:cNvPr id="11" name="Rectangle 10">
+            <a:extLst>
+              <a:ext uri="{FF2B5EF4-FFF2-40B4-BE49-F238E27FC236}">
+                <a16:creationId xmlns:a16="http://schemas.microsoft.com/office/drawing/2014/main" id="{1BF96273-E5DF-13BC-6111-E9CA08523BD0}"/>
+              </a:ext>
+            </a:extLst>
+          </p:cNvPr>
+          <p:cNvSpPr/>
+          <p:nvPr/>
+        </p:nvSpPr>
+        <p:spPr>
+          <a:xfrm>
+            <a:off x="0" y="1729330"/>
+            <a:ext cx="1420390" cy="400110"/>
+          </a:xfrm>
+          <a:prstGeom prst="rect">
+            <a:avLst/>
+          </a:prstGeom>
+          <a:noFill/>
+        </p:spPr>
+        <p:txBody>
+          <a:bodyPr wrap="none" lIns="91440" tIns="45720" rIns="91440" bIns="45720">
+            <a:spAutoFit/>
+          </a:bodyPr>
+          <a:lstStyle/>
+          <a:p>
+            <a:pPr algn="ctr"/>
+            <a:r>
+              <a:rPr lang="en-US" sz="2000" b="0" cap="none" spc="0" dirty="0">
+                <a:ln w="0"/>
+                <a:solidFill>
+                  <a:schemeClr val="tx1"/>
+                </a:solidFill>
+                <a:effectLst>
+                  <a:outerShdw blurRad="38100" dist="19050" dir="2700000" algn="tl" rotWithShape="0">
+                    <a:schemeClr val="dk1">
+                      <a:alpha val="40000"/>
+                    </a:schemeClr>
+                  </a:outerShdw>
+                </a:effectLst>
+              </a:rPr>
+              <a:t>Drop to 100</a:t>
+            </a:r>
+            <a:endParaRPr lang="en-US" sz="2000" dirty="0">
+              <a:ln w="0"/>
+              <a:effectLst>
+                <a:outerShdw blurRad="38100" dist="19050" dir="2700000" algn="tl" rotWithShape="0">
+                  <a:schemeClr val="dk1">
+                    <a:alpha val="40000"/>
+                  </a:schemeClr>
+                </a:outerShdw>
+              </a:effectLst>
+            </a:endParaRPr>
+          </a:p>
+        </p:txBody>
+      </p:sp>
+      <p:sp>
+        <p:nvSpPr>
+          <p:cNvPr id="12" name="Rectangle 11">
+            <a:extLst>
+              <a:ext uri="{FF2B5EF4-FFF2-40B4-BE49-F238E27FC236}">
+                <a16:creationId xmlns:a16="http://schemas.microsoft.com/office/drawing/2014/main" id="{86173773-632A-A4FB-6500-A21721A3DD68}"/>
+              </a:ext>
+            </a:extLst>
+          </p:cNvPr>
+          <p:cNvSpPr/>
+          <p:nvPr/>
+        </p:nvSpPr>
+        <p:spPr>
+          <a:xfrm>
+            <a:off x="1640649" y="3337561"/>
+            <a:ext cx="2877967" cy="400110"/>
+          </a:xfrm>
+          <a:prstGeom prst="rect">
+            <a:avLst/>
+          </a:prstGeom>
+          <a:noFill/>
+        </p:spPr>
+        <p:txBody>
+          <a:bodyPr wrap="none" lIns="91440" tIns="45720" rIns="91440" bIns="45720">
+            <a:spAutoFit/>
+          </a:bodyPr>
+          <a:lstStyle/>
+          <a:p>
+            <a:pPr algn="ctr"/>
+            <a:r>
+              <a:rPr lang="en-US" sz="2000" b="0" cap="none" spc="0" dirty="0" err="1">
+                <a:ln w="0"/>
+                <a:solidFill>
+                  <a:schemeClr val="tx1"/>
+                </a:solidFill>
+                <a:effectLst>
+                  <a:outerShdw blurRad="38100" dist="19050" dir="2700000" algn="tl" rotWithShape="0">
+                    <a:schemeClr val="dk1">
+                      <a:alpha val="40000"/>
+                    </a:schemeClr>
+                  </a:outerShdw>
+                </a:effectLst>
+              </a:rPr>
+              <a:t>Maxage</a:t>
+            </a:r>
+            <a:r>
+              <a:rPr lang="en-US" sz="2000" b="0" cap="none" spc="0" dirty="0">
+                <a:ln w="0"/>
+                <a:solidFill>
+                  <a:schemeClr val="tx1"/>
+                </a:solidFill>
+                <a:effectLst>
+                  <a:outerShdw blurRad="38100" dist="19050" dir="2700000" algn="tl" rotWithShape="0">
+                    <a:schemeClr val="dk1">
+                      <a:alpha val="40000"/>
+                    </a:schemeClr>
+                  </a:outerShdw>
+                </a:effectLst>
+              </a:rPr>
+              <a:t> = 3, </a:t>
+            </a:r>
+            <a:r>
+              <a:rPr lang="en-US" sz="2000" b="0" cap="none" spc="0" dirty="0" err="1">
+                <a:ln w="0"/>
+                <a:solidFill>
+                  <a:schemeClr val="tx1"/>
+                </a:solidFill>
+                <a:effectLst>
+                  <a:outerShdw blurRad="38100" dist="19050" dir="2700000" algn="tl" rotWithShape="0">
+                    <a:schemeClr val="dk1">
+                      <a:alpha val="40000"/>
+                    </a:schemeClr>
+                  </a:outerShdw>
+                </a:effectLst>
+              </a:rPr>
+              <a:t>broodsize</a:t>
+            </a:r>
+            <a:r>
+              <a:rPr lang="en-US" sz="2000" b="0" cap="none" spc="0" dirty="0">
+                <a:ln w="0"/>
+                <a:solidFill>
+                  <a:schemeClr val="tx1"/>
+                </a:solidFill>
+                <a:effectLst>
+                  <a:outerShdw blurRad="38100" dist="19050" dir="2700000" algn="tl" rotWithShape="0">
+                    <a:schemeClr val="dk1">
+                      <a:alpha val="40000"/>
+                    </a:schemeClr>
+                  </a:outerShdw>
+                </a:effectLst>
+              </a:rPr>
+              <a:t> = 4</a:t>
+            </a:r>
+            <a:endParaRPr lang="en-US" sz="2000" dirty="0">
+              <a:ln w="0"/>
+              <a:effectLst>
+                <a:outerShdw blurRad="38100" dist="19050" dir="2700000" algn="tl" rotWithShape="0">
+                  <a:schemeClr val="dk1">
+                    <a:alpha val="40000"/>
+                  </a:schemeClr>
+                </a:outerShdw>
+              </a:effectLst>
+            </a:endParaRPr>
+          </a:p>
+        </p:txBody>
+      </p:sp>
+      <p:sp>
+        <p:nvSpPr>
+          <p:cNvPr id="13" name="Rectangle 12">
+            <a:extLst>
+              <a:ext uri="{FF2B5EF4-FFF2-40B4-BE49-F238E27FC236}">
+                <a16:creationId xmlns:a16="http://schemas.microsoft.com/office/drawing/2014/main" id="{B34415D4-E885-2A4F-A532-2FE9542E57F9}"/>
+              </a:ext>
+            </a:extLst>
+          </p:cNvPr>
+          <p:cNvSpPr/>
+          <p:nvPr/>
+        </p:nvSpPr>
+        <p:spPr>
+          <a:xfrm>
+            <a:off x="7294951" y="3346704"/>
+            <a:ext cx="2877967" cy="400110"/>
+          </a:xfrm>
+          <a:prstGeom prst="rect">
+            <a:avLst/>
+          </a:prstGeom>
+          <a:noFill/>
+        </p:spPr>
+        <p:txBody>
+          <a:bodyPr wrap="none" lIns="91440" tIns="45720" rIns="91440" bIns="45720">
+            <a:spAutoFit/>
+          </a:bodyPr>
+          <a:lstStyle/>
+          <a:p>
+            <a:pPr algn="ctr"/>
+            <a:r>
+              <a:rPr lang="en-US" sz="2000" b="0" cap="none" spc="0" dirty="0" err="1">
+                <a:ln w="0"/>
+                <a:solidFill>
+                  <a:schemeClr val="tx1"/>
+                </a:solidFill>
+                <a:effectLst>
+                  <a:outerShdw blurRad="38100" dist="19050" dir="2700000" algn="tl" rotWithShape="0">
+                    <a:schemeClr val="dk1">
+                      <a:alpha val="40000"/>
+                    </a:schemeClr>
+                  </a:outerShdw>
+                </a:effectLst>
+              </a:rPr>
+              <a:t>Maxage</a:t>
+            </a:r>
+            <a:r>
+              <a:rPr lang="en-US" sz="2000" b="0" cap="none" spc="0" dirty="0">
+                <a:ln w="0"/>
+                <a:solidFill>
+                  <a:schemeClr val="tx1"/>
+                </a:solidFill>
+                <a:effectLst>
+                  <a:outerShdw blurRad="38100" dist="19050" dir="2700000" algn="tl" rotWithShape="0">
+                    <a:schemeClr val="dk1">
+                      <a:alpha val="40000"/>
+                    </a:schemeClr>
+                  </a:outerShdw>
+                </a:effectLst>
+              </a:rPr>
+              <a:t> = 3, </a:t>
+            </a:r>
+            <a:r>
+              <a:rPr lang="en-US" sz="2000" b="0" cap="none" spc="0" dirty="0" err="1">
+                <a:ln w="0"/>
+                <a:solidFill>
+                  <a:schemeClr val="tx1"/>
+                </a:solidFill>
+                <a:effectLst>
+                  <a:outerShdw blurRad="38100" dist="19050" dir="2700000" algn="tl" rotWithShape="0">
+                    <a:schemeClr val="dk1">
+                      <a:alpha val="40000"/>
+                    </a:schemeClr>
+                  </a:outerShdw>
+                </a:effectLst>
+              </a:rPr>
+              <a:t>broodsize</a:t>
+            </a:r>
+            <a:r>
+              <a:rPr lang="en-US" sz="2000" b="0" cap="none" spc="0" dirty="0">
+                <a:ln w="0"/>
+                <a:solidFill>
+                  <a:schemeClr val="tx1"/>
+                </a:solidFill>
+                <a:effectLst>
+                  <a:outerShdw blurRad="38100" dist="19050" dir="2700000" algn="tl" rotWithShape="0">
+                    <a:schemeClr val="dk1">
+                      <a:alpha val="40000"/>
+                    </a:schemeClr>
+                  </a:outerShdw>
+                </a:effectLst>
+              </a:rPr>
+              <a:t> = 6</a:t>
+            </a:r>
+            <a:endParaRPr lang="en-US" sz="2000" dirty="0">
+              <a:ln w="0"/>
+              <a:effectLst>
+                <a:outerShdw blurRad="38100" dist="19050" dir="2700000" algn="tl" rotWithShape="0">
+                  <a:schemeClr val="dk1">
+                    <a:alpha val="40000"/>
+                  </a:schemeClr>
+                </a:outerShdw>
+              </a:effectLst>
+            </a:endParaRPr>
+          </a:p>
+        </p:txBody>
+      </p:sp>
+      <p:pic>
+        <p:nvPicPr>
+          <p:cNvPr id="2" name="Picture 1">
+            <a:extLst>
+              <a:ext uri="{FF2B5EF4-FFF2-40B4-BE49-F238E27FC236}">
+                <a16:creationId xmlns:a16="http://schemas.microsoft.com/office/drawing/2014/main" id="{1A6A0EEB-6217-7B6D-8A95-AC4B03D6901D}"/>
+              </a:ext>
+            </a:extLst>
+          </p:cNvPr>
+          <p:cNvPicPr>
+            <a:picLocks noChangeAspect="1"/>
+          </p:cNvPicPr>
+          <p:nvPr/>
+        </p:nvPicPr>
+        <p:blipFill>
+          <a:blip r:embed="rId2"/>
+          <a:stretch>
+            <a:fillRect/>
+          </a:stretch>
+        </p:blipFill>
+        <p:spPr>
+          <a:xfrm>
+            <a:off x="93165" y="2070871"/>
+            <a:ext cx="1234060" cy="1261251"/>
+          </a:xfrm>
+          <a:prstGeom prst="rect">
+            <a:avLst/>
+          </a:prstGeom>
+        </p:spPr>
+      </p:pic>
+      <p:pic>
+        <p:nvPicPr>
+          <p:cNvPr id="4" name="Picture 3">
+            <a:extLst>
+              <a:ext uri="{FF2B5EF4-FFF2-40B4-BE49-F238E27FC236}">
+                <a16:creationId xmlns:a16="http://schemas.microsoft.com/office/drawing/2014/main" id="{CF0E0D84-0031-0091-C7A6-58F2D3D24241}"/>
+              </a:ext>
+            </a:extLst>
+          </p:cNvPr>
+          <p:cNvPicPr>
+            <a:picLocks noChangeAspect="1"/>
+          </p:cNvPicPr>
+          <p:nvPr/>
+        </p:nvPicPr>
+        <p:blipFill>
+          <a:blip r:embed="rId3"/>
+          <a:stretch>
+            <a:fillRect/>
+          </a:stretch>
+        </p:blipFill>
+        <p:spPr>
+          <a:xfrm>
+            <a:off x="3149908" y="751547"/>
+            <a:ext cx="2467630" cy="2522001"/>
+          </a:xfrm>
+          <a:prstGeom prst="rect">
+            <a:avLst/>
+          </a:prstGeom>
+        </p:spPr>
+      </p:pic>
+      <p:pic>
+        <p:nvPicPr>
+          <p:cNvPr id="8" name="Picture 7">
+            <a:extLst>
+              <a:ext uri="{FF2B5EF4-FFF2-40B4-BE49-F238E27FC236}">
+                <a16:creationId xmlns:a16="http://schemas.microsoft.com/office/drawing/2014/main" id="{94D0B051-068B-9F15-9745-46AB9DAD392A}"/>
+              </a:ext>
+            </a:extLst>
+          </p:cNvPr>
+          <p:cNvPicPr>
+            <a:picLocks noChangeAspect="1"/>
+          </p:cNvPicPr>
+          <p:nvPr/>
+        </p:nvPicPr>
+        <p:blipFill>
+          <a:blip r:embed="rId4"/>
+          <a:stretch>
+            <a:fillRect/>
+          </a:stretch>
+        </p:blipFill>
+        <p:spPr>
+          <a:xfrm>
+            <a:off x="5795956" y="819198"/>
+            <a:ext cx="2401440" cy="2454354"/>
+          </a:xfrm>
+          <a:prstGeom prst="rect">
+            <a:avLst/>
+          </a:prstGeom>
+        </p:spPr>
+      </p:pic>
+      <p:pic>
+        <p:nvPicPr>
+          <p:cNvPr id="15" name="Picture 14">
+            <a:extLst>
+              <a:ext uri="{FF2B5EF4-FFF2-40B4-BE49-F238E27FC236}">
+                <a16:creationId xmlns:a16="http://schemas.microsoft.com/office/drawing/2014/main" id="{3436A2A4-A5A7-4AC1-FE80-DC7ABBD44DF5}"/>
+              </a:ext>
+            </a:extLst>
+          </p:cNvPr>
+          <p:cNvPicPr>
+            <a:picLocks noChangeAspect="1"/>
+          </p:cNvPicPr>
+          <p:nvPr/>
+        </p:nvPicPr>
+        <p:blipFill>
+          <a:blip r:embed="rId5"/>
+          <a:stretch>
+            <a:fillRect/>
+          </a:stretch>
+        </p:blipFill>
+        <p:spPr>
+          <a:xfrm>
+            <a:off x="3174380" y="3746814"/>
+            <a:ext cx="2365532" cy="2417655"/>
+          </a:xfrm>
+          <a:prstGeom prst="rect">
+            <a:avLst/>
+          </a:prstGeom>
+        </p:spPr>
+      </p:pic>
+      <p:pic>
+        <p:nvPicPr>
+          <p:cNvPr id="17" name="Picture 16">
+            <a:extLst>
+              <a:ext uri="{FF2B5EF4-FFF2-40B4-BE49-F238E27FC236}">
+                <a16:creationId xmlns:a16="http://schemas.microsoft.com/office/drawing/2014/main" id="{FB0CE84A-2975-552F-64C1-305BBA269629}"/>
+              </a:ext>
+            </a:extLst>
+          </p:cNvPr>
+          <p:cNvPicPr>
+            <a:picLocks noChangeAspect="1"/>
+          </p:cNvPicPr>
+          <p:nvPr/>
+        </p:nvPicPr>
+        <p:blipFill>
+          <a:blip r:embed="rId6"/>
+          <a:stretch>
+            <a:fillRect/>
+          </a:stretch>
+        </p:blipFill>
+        <p:spPr>
+          <a:xfrm>
+            <a:off x="5894757" y="3675505"/>
+            <a:ext cx="2505075" cy="2560272"/>
+          </a:xfrm>
+          <a:prstGeom prst="rect">
+            <a:avLst/>
+          </a:prstGeom>
+        </p:spPr>
+      </p:pic>
+    </p:spTree>
+    <p:extLst>
+      <p:ext uri="{BB962C8B-B14F-4D97-AF65-F5344CB8AC3E}">
+        <p14:creationId xmlns:p14="http://schemas.microsoft.com/office/powerpoint/2010/main" val="3431474394"/>
+      </p:ext>
+    </p:extLst>
+  </p:cSld>
+  <p:clrMapOvr>
+    <a:masterClrMapping/>
+  </p:clrMapOvr>
+</p:sld>
+</file>
+
+<file path=ppt/slides/slide25.xml><?xml version="1.0" encoding="utf-8"?>
+<p:sld xmlns:a="http://schemas.openxmlformats.org/drawingml/2006/main" xmlns:r="http://schemas.openxmlformats.org/officeDocument/2006/relationships" xmlns:p="http://schemas.openxmlformats.org/presentationml/2006/main">
+  <p:cSld>
+    <p:spTree>
+      <p:nvGrpSpPr>
+        <p:cNvPr id="1" name=""/>
+        <p:cNvGrpSpPr/>
+        <p:nvPr/>
+      </p:nvGrpSpPr>
+      <p:grpSpPr>
+        <a:xfrm>
+          <a:off x="0" y="0"/>
+          <a:ext cx="0" cy="0"/>
+          <a:chOff x="0" y="0"/>
+          <a:chExt cx="0" cy="0"/>
+        </a:xfrm>
+      </p:grpSpPr>
+      <p:cxnSp>
+        <p:nvCxnSpPr>
+          <p:cNvPr id="5" name="Straight Connector 4">
+            <a:extLst>
+              <a:ext uri="{FF2B5EF4-FFF2-40B4-BE49-F238E27FC236}">
+                <a16:creationId xmlns:a16="http://schemas.microsoft.com/office/drawing/2014/main" id="{B2B61823-D874-16FB-5539-EF43B7123E67}"/>
+              </a:ext>
+            </a:extLst>
+          </p:cNvPr>
+          <p:cNvCxnSpPr/>
+          <p:nvPr/>
+        </p:nvCxnSpPr>
+        <p:spPr>
+          <a:xfrm>
+            <a:off x="5605272" y="621792"/>
+            <a:ext cx="82296" cy="5449824"/>
+          </a:xfrm>
+          <a:prstGeom prst="line">
+            <a:avLst/>
+          </a:prstGeom>
+        </p:spPr>
+        <p:style>
+          <a:lnRef idx="1">
+            <a:schemeClr val="accent1"/>
+          </a:lnRef>
+          <a:fillRef idx="0">
+            <a:schemeClr val="accent1"/>
+          </a:fillRef>
+          <a:effectRef idx="0">
+            <a:schemeClr val="accent1"/>
+          </a:effectRef>
+          <a:fontRef idx="minor">
+            <a:schemeClr val="tx1"/>
+          </a:fontRef>
+        </p:style>
+      </p:cxnSp>
+      <p:cxnSp>
+        <p:nvCxnSpPr>
+          <p:cNvPr id="6" name="Straight Connector 5">
+            <a:extLst>
+              <a:ext uri="{FF2B5EF4-FFF2-40B4-BE49-F238E27FC236}">
+                <a16:creationId xmlns:a16="http://schemas.microsoft.com/office/drawing/2014/main" id="{CF11088B-680C-9073-774B-703FA9D52681}"/>
+              </a:ext>
+            </a:extLst>
+          </p:cNvPr>
+          <p:cNvCxnSpPr>
+            <a:cxnSpLocks/>
+          </p:cNvCxnSpPr>
+          <p:nvPr/>
+        </p:nvCxnSpPr>
+        <p:spPr>
+          <a:xfrm>
+            <a:off x="1207008" y="3273552"/>
+            <a:ext cx="9445752" cy="0"/>
+          </a:xfrm>
+          <a:prstGeom prst="line">
+            <a:avLst/>
+          </a:prstGeom>
+        </p:spPr>
+        <p:style>
+          <a:lnRef idx="1">
+            <a:schemeClr val="accent1"/>
+          </a:lnRef>
+          <a:fillRef idx="0">
+            <a:schemeClr val="accent1"/>
+          </a:fillRef>
+          <a:effectRef idx="0">
+            <a:schemeClr val="accent1"/>
+          </a:effectRef>
+          <a:fontRef idx="minor">
+            <a:schemeClr val="tx1"/>
+          </a:fontRef>
+        </p:style>
+      </p:cxnSp>
+      <p:sp>
+        <p:nvSpPr>
+          <p:cNvPr id="9" name="Rectangle 8">
+            <a:extLst>
+              <a:ext uri="{FF2B5EF4-FFF2-40B4-BE49-F238E27FC236}">
+                <a16:creationId xmlns:a16="http://schemas.microsoft.com/office/drawing/2014/main" id="{F4325E6A-FB4B-17BA-24D3-76894693C519}"/>
+              </a:ext>
+            </a:extLst>
+          </p:cNvPr>
+          <p:cNvSpPr/>
+          <p:nvPr/>
+        </p:nvSpPr>
+        <p:spPr>
+          <a:xfrm>
+            <a:off x="1575728" y="351438"/>
+            <a:ext cx="3007811" cy="400110"/>
+          </a:xfrm>
+          <a:prstGeom prst="rect">
+            <a:avLst/>
+          </a:prstGeom>
+          <a:noFill/>
+        </p:spPr>
+        <p:txBody>
+          <a:bodyPr wrap="none" lIns="91440" tIns="45720" rIns="91440" bIns="45720">
+            <a:spAutoFit/>
+          </a:bodyPr>
+          <a:lstStyle/>
+          <a:p>
+            <a:pPr algn="ctr"/>
+            <a:r>
+              <a:rPr lang="en-US" sz="2000" b="0" cap="none" spc="0" dirty="0" err="1">
+                <a:ln w="0"/>
+                <a:solidFill>
+                  <a:schemeClr val="tx1"/>
+                </a:solidFill>
+                <a:effectLst>
+                  <a:outerShdw blurRad="38100" dist="19050" dir="2700000" algn="tl" rotWithShape="0">
+                    <a:schemeClr val="dk1">
+                      <a:alpha val="40000"/>
+                    </a:schemeClr>
+                  </a:outerShdw>
+                </a:effectLst>
+              </a:rPr>
+              <a:t>Maxage</a:t>
+            </a:r>
+            <a:r>
+              <a:rPr lang="en-US" sz="2000" b="0" cap="none" spc="0" dirty="0">
+                <a:ln w="0"/>
+                <a:solidFill>
+                  <a:schemeClr val="tx1"/>
+                </a:solidFill>
+                <a:effectLst>
+                  <a:outerShdw blurRad="38100" dist="19050" dir="2700000" algn="tl" rotWithShape="0">
+                    <a:schemeClr val="dk1">
+                      <a:alpha val="40000"/>
+                    </a:schemeClr>
+                  </a:outerShdw>
+                </a:effectLst>
+              </a:rPr>
+              <a:t> = 15, </a:t>
+            </a:r>
+            <a:r>
+              <a:rPr lang="en-US" sz="2000" b="0" cap="none" spc="0" dirty="0" err="1">
+                <a:ln w="0"/>
+                <a:solidFill>
+                  <a:schemeClr val="tx1"/>
+                </a:solidFill>
+                <a:effectLst>
+                  <a:outerShdw blurRad="38100" dist="19050" dir="2700000" algn="tl" rotWithShape="0">
+                    <a:schemeClr val="dk1">
+                      <a:alpha val="40000"/>
+                    </a:schemeClr>
+                  </a:outerShdw>
+                </a:effectLst>
+              </a:rPr>
+              <a:t>broodsize</a:t>
+            </a:r>
+            <a:r>
+              <a:rPr lang="en-US" sz="2000" b="0" cap="none" spc="0" dirty="0">
+                <a:ln w="0"/>
+                <a:solidFill>
+                  <a:schemeClr val="tx1"/>
+                </a:solidFill>
+                <a:effectLst>
+                  <a:outerShdw blurRad="38100" dist="19050" dir="2700000" algn="tl" rotWithShape="0">
+                    <a:schemeClr val="dk1">
+                      <a:alpha val="40000"/>
+                    </a:schemeClr>
+                  </a:outerShdw>
+                </a:effectLst>
+              </a:rPr>
+              <a:t> = 4</a:t>
+            </a:r>
+            <a:endParaRPr lang="en-US" sz="2000" dirty="0">
+              <a:ln w="0"/>
+              <a:effectLst>
+                <a:outerShdw blurRad="38100" dist="19050" dir="2700000" algn="tl" rotWithShape="0">
+                  <a:schemeClr val="dk1">
+                    <a:alpha val="40000"/>
+                  </a:schemeClr>
+                </a:outerShdw>
+              </a:effectLst>
+            </a:endParaRPr>
+          </a:p>
+        </p:txBody>
+      </p:sp>
+      <p:sp>
+        <p:nvSpPr>
+          <p:cNvPr id="10" name="Rectangle 9">
+            <a:extLst>
+              <a:ext uri="{FF2B5EF4-FFF2-40B4-BE49-F238E27FC236}">
+                <a16:creationId xmlns:a16="http://schemas.microsoft.com/office/drawing/2014/main" id="{921F7BD1-973A-18CB-0F69-B5D86586C904}"/>
+              </a:ext>
+            </a:extLst>
+          </p:cNvPr>
+          <p:cNvSpPr/>
+          <p:nvPr/>
+        </p:nvSpPr>
+        <p:spPr>
+          <a:xfrm>
+            <a:off x="7135280" y="351438"/>
+            <a:ext cx="3007811" cy="400110"/>
+          </a:xfrm>
+          <a:prstGeom prst="rect">
+            <a:avLst/>
+          </a:prstGeom>
+          <a:noFill/>
+        </p:spPr>
+        <p:txBody>
+          <a:bodyPr wrap="none" lIns="91440" tIns="45720" rIns="91440" bIns="45720">
+            <a:spAutoFit/>
+          </a:bodyPr>
+          <a:lstStyle/>
+          <a:p>
+            <a:pPr algn="ctr"/>
+            <a:r>
+              <a:rPr lang="en-US" sz="2000" b="0" cap="none" spc="0" dirty="0" err="1">
+                <a:ln w="0"/>
+                <a:solidFill>
+                  <a:schemeClr val="tx1"/>
+                </a:solidFill>
+                <a:effectLst>
+                  <a:outerShdw blurRad="38100" dist="19050" dir="2700000" algn="tl" rotWithShape="0">
+                    <a:schemeClr val="dk1">
+                      <a:alpha val="40000"/>
+                    </a:schemeClr>
+                  </a:outerShdw>
+                </a:effectLst>
+              </a:rPr>
+              <a:t>Maxage</a:t>
+            </a:r>
+            <a:r>
+              <a:rPr lang="en-US" sz="2000" b="0" cap="none" spc="0" dirty="0">
+                <a:ln w="0"/>
+                <a:solidFill>
+                  <a:schemeClr val="tx1"/>
+                </a:solidFill>
+                <a:effectLst>
+                  <a:outerShdw blurRad="38100" dist="19050" dir="2700000" algn="tl" rotWithShape="0">
+                    <a:schemeClr val="dk1">
+                      <a:alpha val="40000"/>
+                    </a:schemeClr>
+                  </a:outerShdw>
+                </a:effectLst>
+              </a:rPr>
+              <a:t> = 15, </a:t>
+            </a:r>
+            <a:r>
+              <a:rPr lang="en-US" sz="2000" b="0" cap="none" spc="0" dirty="0" err="1">
+                <a:ln w="0"/>
+                <a:solidFill>
+                  <a:schemeClr val="tx1"/>
+                </a:solidFill>
+                <a:effectLst>
+                  <a:outerShdw blurRad="38100" dist="19050" dir="2700000" algn="tl" rotWithShape="0">
+                    <a:schemeClr val="dk1">
+                      <a:alpha val="40000"/>
+                    </a:schemeClr>
+                  </a:outerShdw>
+                </a:effectLst>
+              </a:rPr>
+              <a:t>broodsize</a:t>
+            </a:r>
+            <a:r>
+              <a:rPr lang="en-US" sz="2000" b="0" cap="none" spc="0" dirty="0">
+                <a:ln w="0"/>
+                <a:solidFill>
+                  <a:schemeClr val="tx1"/>
+                </a:solidFill>
+                <a:effectLst>
+                  <a:outerShdw blurRad="38100" dist="19050" dir="2700000" algn="tl" rotWithShape="0">
+                    <a:schemeClr val="dk1">
+                      <a:alpha val="40000"/>
+                    </a:schemeClr>
+                  </a:outerShdw>
+                </a:effectLst>
+              </a:rPr>
+              <a:t> = 6</a:t>
+            </a:r>
+            <a:endParaRPr lang="en-US" sz="2000" dirty="0">
+              <a:ln w="0"/>
+              <a:effectLst>
+                <a:outerShdw blurRad="38100" dist="19050" dir="2700000" algn="tl" rotWithShape="0">
+                  <a:schemeClr val="dk1">
+                    <a:alpha val="40000"/>
+                  </a:schemeClr>
+                </a:outerShdw>
+              </a:effectLst>
+            </a:endParaRPr>
+          </a:p>
+        </p:txBody>
+      </p:sp>
+      <p:sp>
+        <p:nvSpPr>
+          <p:cNvPr id="11" name="Rectangle 10">
+            <a:extLst>
+              <a:ext uri="{FF2B5EF4-FFF2-40B4-BE49-F238E27FC236}">
+                <a16:creationId xmlns:a16="http://schemas.microsoft.com/office/drawing/2014/main" id="{1BF96273-E5DF-13BC-6111-E9CA08523BD0}"/>
+              </a:ext>
+            </a:extLst>
+          </p:cNvPr>
+          <p:cNvSpPr/>
+          <p:nvPr/>
+        </p:nvSpPr>
+        <p:spPr>
+          <a:xfrm>
+            <a:off x="0" y="1729330"/>
+            <a:ext cx="1420390" cy="400110"/>
+          </a:xfrm>
+          <a:prstGeom prst="rect">
+            <a:avLst/>
+          </a:prstGeom>
+          <a:noFill/>
+        </p:spPr>
+        <p:txBody>
+          <a:bodyPr wrap="none" lIns="91440" tIns="45720" rIns="91440" bIns="45720">
+            <a:spAutoFit/>
+          </a:bodyPr>
+          <a:lstStyle/>
+          <a:p>
+            <a:pPr algn="ctr"/>
+            <a:r>
+              <a:rPr lang="en-US" sz="2000" b="0" cap="none" spc="0" dirty="0">
+                <a:ln w="0"/>
+                <a:solidFill>
+                  <a:schemeClr val="tx1"/>
+                </a:solidFill>
+                <a:effectLst>
+                  <a:outerShdw blurRad="38100" dist="19050" dir="2700000" algn="tl" rotWithShape="0">
+                    <a:schemeClr val="dk1">
+                      <a:alpha val="40000"/>
+                    </a:schemeClr>
+                  </a:outerShdw>
+                </a:effectLst>
+              </a:rPr>
+              <a:t>Drop to 100</a:t>
+            </a:r>
+            <a:endParaRPr lang="en-US" sz="2000" dirty="0">
+              <a:ln w="0"/>
+              <a:effectLst>
+                <a:outerShdw blurRad="38100" dist="19050" dir="2700000" algn="tl" rotWithShape="0">
+                  <a:schemeClr val="dk1">
+                    <a:alpha val="40000"/>
+                  </a:schemeClr>
+                </a:outerShdw>
+              </a:effectLst>
+            </a:endParaRPr>
+          </a:p>
+        </p:txBody>
+      </p:sp>
+      <p:sp>
+        <p:nvSpPr>
+          <p:cNvPr id="12" name="Rectangle 11">
+            <a:extLst>
+              <a:ext uri="{FF2B5EF4-FFF2-40B4-BE49-F238E27FC236}">
+                <a16:creationId xmlns:a16="http://schemas.microsoft.com/office/drawing/2014/main" id="{86173773-632A-A4FB-6500-A21721A3DD68}"/>
+              </a:ext>
+            </a:extLst>
+          </p:cNvPr>
+          <p:cNvSpPr/>
+          <p:nvPr/>
+        </p:nvSpPr>
+        <p:spPr>
+          <a:xfrm>
+            <a:off x="1640649" y="3337561"/>
+            <a:ext cx="2877967" cy="400110"/>
+          </a:xfrm>
+          <a:prstGeom prst="rect">
+            <a:avLst/>
+          </a:prstGeom>
+          <a:noFill/>
+        </p:spPr>
+        <p:txBody>
+          <a:bodyPr wrap="none" lIns="91440" tIns="45720" rIns="91440" bIns="45720">
+            <a:spAutoFit/>
+          </a:bodyPr>
+          <a:lstStyle/>
+          <a:p>
+            <a:pPr algn="ctr"/>
+            <a:r>
+              <a:rPr lang="en-US" sz="2000" b="0" cap="none" spc="0" dirty="0" err="1">
+                <a:ln w="0"/>
+                <a:solidFill>
+                  <a:schemeClr val="tx1"/>
+                </a:solidFill>
+                <a:effectLst>
+                  <a:outerShdw blurRad="38100" dist="19050" dir="2700000" algn="tl" rotWithShape="0">
+                    <a:schemeClr val="dk1">
+                      <a:alpha val="40000"/>
+                    </a:schemeClr>
+                  </a:outerShdw>
+                </a:effectLst>
+              </a:rPr>
+              <a:t>Maxage</a:t>
+            </a:r>
+            <a:r>
+              <a:rPr lang="en-US" sz="2000" b="0" cap="none" spc="0" dirty="0">
+                <a:ln w="0"/>
+                <a:solidFill>
+                  <a:schemeClr val="tx1"/>
+                </a:solidFill>
+                <a:effectLst>
+                  <a:outerShdw blurRad="38100" dist="19050" dir="2700000" algn="tl" rotWithShape="0">
+                    <a:schemeClr val="dk1">
+                      <a:alpha val="40000"/>
+                    </a:schemeClr>
+                  </a:outerShdw>
+                </a:effectLst>
+              </a:rPr>
+              <a:t> = 3, </a:t>
+            </a:r>
+            <a:r>
+              <a:rPr lang="en-US" sz="2000" b="0" cap="none" spc="0" dirty="0" err="1">
+                <a:ln w="0"/>
+                <a:solidFill>
+                  <a:schemeClr val="tx1"/>
+                </a:solidFill>
+                <a:effectLst>
+                  <a:outerShdw blurRad="38100" dist="19050" dir="2700000" algn="tl" rotWithShape="0">
+                    <a:schemeClr val="dk1">
+                      <a:alpha val="40000"/>
+                    </a:schemeClr>
+                  </a:outerShdw>
+                </a:effectLst>
+              </a:rPr>
+              <a:t>broodsize</a:t>
+            </a:r>
+            <a:r>
+              <a:rPr lang="en-US" sz="2000" b="0" cap="none" spc="0" dirty="0">
+                <a:ln w="0"/>
+                <a:solidFill>
+                  <a:schemeClr val="tx1"/>
+                </a:solidFill>
+                <a:effectLst>
+                  <a:outerShdw blurRad="38100" dist="19050" dir="2700000" algn="tl" rotWithShape="0">
+                    <a:schemeClr val="dk1">
+                      <a:alpha val="40000"/>
+                    </a:schemeClr>
+                  </a:outerShdw>
+                </a:effectLst>
+              </a:rPr>
+              <a:t> = 4</a:t>
+            </a:r>
+            <a:endParaRPr lang="en-US" sz="2000" dirty="0">
+              <a:ln w="0"/>
+              <a:effectLst>
+                <a:outerShdw blurRad="38100" dist="19050" dir="2700000" algn="tl" rotWithShape="0">
+                  <a:schemeClr val="dk1">
+                    <a:alpha val="40000"/>
+                  </a:schemeClr>
+                </a:outerShdw>
+              </a:effectLst>
+            </a:endParaRPr>
+          </a:p>
+        </p:txBody>
+      </p:sp>
+      <p:sp>
+        <p:nvSpPr>
+          <p:cNvPr id="13" name="Rectangle 12">
+            <a:extLst>
+              <a:ext uri="{FF2B5EF4-FFF2-40B4-BE49-F238E27FC236}">
+                <a16:creationId xmlns:a16="http://schemas.microsoft.com/office/drawing/2014/main" id="{B34415D4-E885-2A4F-A532-2FE9542E57F9}"/>
+              </a:ext>
+            </a:extLst>
+          </p:cNvPr>
+          <p:cNvSpPr/>
+          <p:nvPr/>
+        </p:nvSpPr>
+        <p:spPr>
+          <a:xfrm>
+            <a:off x="7294951" y="3346704"/>
+            <a:ext cx="2877967" cy="400110"/>
+          </a:xfrm>
+          <a:prstGeom prst="rect">
+            <a:avLst/>
+          </a:prstGeom>
+          <a:noFill/>
+        </p:spPr>
+        <p:txBody>
+          <a:bodyPr wrap="none" lIns="91440" tIns="45720" rIns="91440" bIns="45720">
+            <a:spAutoFit/>
+          </a:bodyPr>
+          <a:lstStyle/>
+          <a:p>
+            <a:pPr algn="ctr"/>
+            <a:r>
+              <a:rPr lang="en-US" sz="2000" b="0" cap="none" spc="0" dirty="0" err="1">
+                <a:ln w="0"/>
+                <a:solidFill>
+                  <a:schemeClr val="tx1"/>
+                </a:solidFill>
+                <a:effectLst>
+                  <a:outerShdw blurRad="38100" dist="19050" dir="2700000" algn="tl" rotWithShape="0">
+                    <a:schemeClr val="dk1">
+                      <a:alpha val="40000"/>
+                    </a:schemeClr>
+                  </a:outerShdw>
+                </a:effectLst>
+              </a:rPr>
+              <a:t>Maxage</a:t>
+            </a:r>
+            <a:r>
+              <a:rPr lang="en-US" sz="2000" b="0" cap="none" spc="0" dirty="0">
+                <a:ln w="0"/>
+                <a:solidFill>
+                  <a:schemeClr val="tx1"/>
+                </a:solidFill>
+                <a:effectLst>
+                  <a:outerShdw blurRad="38100" dist="19050" dir="2700000" algn="tl" rotWithShape="0">
+                    <a:schemeClr val="dk1">
+                      <a:alpha val="40000"/>
+                    </a:schemeClr>
+                  </a:outerShdw>
+                </a:effectLst>
+              </a:rPr>
+              <a:t> = 3, </a:t>
+            </a:r>
+            <a:r>
+              <a:rPr lang="en-US" sz="2000" b="0" cap="none" spc="0" dirty="0" err="1">
+                <a:ln w="0"/>
+                <a:solidFill>
+                  <a:schemeClr val="tx1"/>
+                </a:solidFill>
+                <a:effectLst>
+                  <a:outerShdw blurRad="38100" dist="19050" dir="2700000" algn="tl" rotWithShape="0">
+                    <a:schemeClr val="dk1">
+                      <a:alpha val="40000"/>
+                    </a:schemeClr>
+                  </a:outerShdw>
+                </a:effectLst>
+              </a:rPr>
+              <a:t>broodsize</a:t>
+            </a:r>
+            <a:r>
+              <a:rPr lang="en-US" sz="2000" b="0" cap="none" spc="0" dirty="0">
+                <a:ln w="0"/>
+                <a:solidFill>
+                  <a:schemeClr val="tx1"/>
+                </a:solidFill>
+                <a:effectLst>
+                  <a:outerShdw blurRad="38100" dist="19050" dir="2700000" algn="tl" rotWithShape="0">
+                    <a:schemeClr val="dk1">
+                      <a:alpha val="40000"/>
+                    </a:schemeClr>
+                  </a:outerShdw>
+                </a:effectLst>
+              </a:rPr>
+              <a:t> = 6</a:t>
+            </a:r>
+            <a:endParaRPr lang="en-US" sz="2000" dirty="0">
+              <a:ln w="0"/>
+              <a:effectLst>
+                <a:outerShdw blurRad="38100" dist="19050" dir="2700000" algn="tl" rotWithShape="0">
+                  <a:schemeClr val="dk1">
+                    <a:alpha val="40000"/>
+                  </a:schemeClr>
+                </a:outerShdw>
+              </a:effectLst>
+            </a:endParaRPr>
+          </a:p>
+        </p:txBody>
+      </p:sp>
+      <p:pic>
+        <p:nvPicPr>
+          <p:cNvPr id="2" name="Picture 1">
+            <a:extLst>
+              <a:ext uri="{FF2B5EF4-FFF2-40B4-BE49-F238E27FC236}">
+                <a16:creationId xmlns:a16="http://schemas.microsoft.com/office/drawing/2014/main" id="{6B1CCF61-A662-86DC-BEEE-F6D29B6B3C3D}"/>
+              </a:ext>
+            </a:extLst>
+          </p:cNvPr>
+          <p:cNvPicPr>
+            <a:picLocks noChangeAspect="1"/>
+          </p:cNvPicPr>
+          <p:nvPr/>
+        </p:nvPicPr>
+        <p:blipFill>
+          <a:blip r:embed="rId2"/>
+          <a:stretch>
+            <a:fillRect/>
+          </a:stretch>
+        </p:blipFill>
+        <p:spPr>
+          <a:xfrm>
+            <a:off x="93165" y="2070871"/>
+            <a:ext cx="1234060" cy="1261251"/>
+          </a:xfrm>
+          <a:prstGeom prst="rect">
+            <a:avLst/>
+          </a:prstGeom>
+        </p:spPr>
+      </p:pic>
+      <p:pic>
+        <p:nvPicPr>
+          <p:cNvPr id="4" name="Picture 3">
+            <a:extLst>
+              <a:ext uri="{FF2B5EF4-FFF2-40B4-BE49-F238E27FC236}">
+                <a16:creationId xmlns:a16="http://schemas.microsoft.com/office/drawing/2014/main" id="{8B12D500-D70E-318A-DAD9-E37F9B18F0EB}"/>
+              </a:ext>
+            </a:extLst>
+          </p:cNvPr>
+          <p:cNvPicPr>
+            <a:picLocks noChangeAspect="1"/>
+          </p:cNvPicPr>
+          <p:nvPr/>
+        </p:nvPicPr>
+        <p:blipFill>
+          <a:blip r:embed="rId3"/>
+          <a:stretch>
+            <a:fillRect/>
+          </a:stretch>
+        </p:blipFill>
+        <p:spPr>
+          <a:xfrm>
+            <a:off x="3089938" y="732669"/>
+            <a:ext cx="2414530" cy="2467732"/>
+          </a:xfrm>
+          <a:prstGeom prst="rect">
+            <a:avLst/>
+          </a:prstGeom>
+        </p:spPr>
+      </p:pic>
+      <p:pic>
+        <p:nvPicPr>
+          <p:cNvPr id="8" name="Picture 7">
+            <a:extLst>
+              <a:ext uri="{FF2B5EF4-FFF2-40B4-BE49-F238E27FC236}">
+                <a16:creationId xmlns:a16="http://schemas.microsoft.com/office/drawing/2014/main" id="{0E17885C-ED8E-D952-926D-C145CA7F0A34}"/>
+              </a:ext>
+            </a:extLst>
+          </p:cNvPr>
+          <p:cNvPicPr>
+            <a:picLocks noChangeAspect="1"/>
+          </p:cNvPicPr>
+          <p:nvPr/>
+        </p:nvPicPr>
+        <p:blipFill>
+          <a:blip r:embed="rId4"/>
+          <a:stretch>
+            <a:fillRect/>
+          </a:stretch>
+        </p:blipFill>
+        <p:spPr>
+          <a:xfrm>
+            <a:off x="5730548" y="729614"/>
+            <a:ext cx="2426465" cy="2479930"/>
+          </a:xfrm>
+          <a:prstGeom prst="rect">
+            <a:avLst/>
+          </a:prstGeom>
+        </p:spPr>
+      </p:pic>
+      <p:pic>
+        <p:nvPicPr>
+          <p:cNvPr id="15" name="Picture 14">
+            <a:extLst>
+              <a:ext uri="{FF2B5EF4-FFF2-40B4-BE49-F238E27FC236}">
+                <a16:creationId xmlns:a16="http://schemas.microsoft.com/office/drawing/2014/main" id="{B7BFDCA6-7F15-6A2F-9533-FFF0B95C4A45}"/>
+              </a:ext>
+            </a:extLst>
+          </p:cNvPr>
+          <p:cNvPicPr>
+            <a:picLocks noChangeAspect="1"/>
+          </p:cNvPicPr>
+          <p:nvPr/>
+        </p:nvPicPr>
+        <p:blipFill>
+          <a:blip r:embed="rId5"/>
+          <a:stretch>
+            <a:fillRect/>
+          </a:stretch>
+        </p:blipFill>
+        <p:spPr>
+          <a:xfrm>
+            <a:off x="3119845" y="3801679"/>
+            <a:ext cx="2442447" cy="2496264"/>
+          </a:xfrm>
+          <a:prstGeom prst="rect">
+            <a:avLst/>
+          </a:prstGeom>
+        </p:spPr>
+      </p:pic>
+      <p:pic>
+        <p:nvPicPr>
+          <p:cNvPr id="17" name="Picture 16">
+            <a:extLst>
+              <a:ext uri="{FF2B5EF4-FFF2-40B4-BE49-F238E27FC236}">
+                <a16:creationId xmlns:a16="http://schemas.microsoft.com/office/drawing/2014/main" id="{431A3B17-BB3F-7B25-879F-48A2B038B490}"/>
+              </a:ext>
+            </a:extLst>
+          </p:cNvPr>
+          <p:cNvPicPr>
+            <a:picLocks noChangeAspect="1"/>
+          </p:cNvPicPr>
+          <p:nvPr/>
+        </p:nvPicPr>
+        <p:blipFill>
+          <a:blip r:embed="rId6"/>
+          <a:stretch>
+            <a:fillRect/>
+          </a:stretch>
+        </p:blipFill>
+        <p:spPr>
+          <a:xfrm>
+            <a:off x="5914056" y="3746814"/>
+            <a:ext cx="2442448" cy="2496265"/>
+          </a:xfrm>
+          <a:prstGeom prst="rect">
+            <a:avLst/>
+          </a:prstGeom>
+        </p:spPr>
+      </p:pic>
+    </p:spTree>
+    <p:extLst>
+      <p:ext uri="{BB962C8B-B14F-4D97-AF65-F5344CB8AC3E}">
+        <p14:creationId xmlns:p14="http://schemas.microsoft.com/office/powerpoint/2010/main" val="2058519166"/>
+      </p:ext>
+    </p:extLst>
+  </p:cSld>
+  <p:clrMapOvr>
+    <a:masterClrMapping/>
+  </p:clrMapOvr>
+</p:sld>
+</file>
+
+<file path=ppt/slides/slide26.xml><?xml version="1.0" encoding="utf-8"?>
+<p:sld xmlns:a="http://schemas.openxmlformats.org/drawingml/2006/main" xmlns:r="http://schemas.openxmlformats.org/officeDocument/2006/relationships" xmlns:p="http://schemas.openxmlformats.org/presentationml/2006/main">
+  <p:cSld>
+    <p:bg>
+      <p:bgPr>
+        <a:solidFill>
+          <a:schemeClr val="tx1"/>
+        </a:solidFill>
+        <a:effectLst/>
+      </p:bgPr>
+    </p:bg>
+    <p:spTree>
+      <p:nvGrpSpPr>
+        <p:cNvPr id="1" name=""/>
+        <p:cNvGrpSpPr/>
+        <p:nvPr/>
+      </p:nvGrpSpPr>
+      <p:grpSpPr>
+        <a:xfrm>
+          <a:off x="0" y="0"/>
+          <a:ext cx="0" cy="0"/>
+          <a:chOff x="0" y="0"/>
+          <a:chExt cx="0" cy="0"/>
+        </a:xfrm>
+      </p:grpSpPr>
+      <p:sp>
+        <p:nvSpPr>
+          <p:cNvPr id="4" name="Title 1">
+            <a:extLst>
+              <a:ext uri="{FF2B5EF4-FFF2-40B4-BE49-F238E27FC236}">
+                <a16:creationId xmlns:a16="http://schemas.microsoft.com/office/drawing/2014/main" id="{1926D374-9667-7185-B1D3-C23E0087ABBB}"/>
+              </a:ext>
+            </a:extLst>
+          </p:cNvPr>
+          <p:cNvSpPr txBox="1">
+            <a:spLocks/>
+          </p:cNvSpPr>
+          <p:nvPr/>
+        </p:nvSpPr>
+        <p:spPr>
+          <a:xfrm>
+            <a:off x="838200" y="1906542"/>
+            <a:ext cx="10515600" cy="1325563"/>
+          </a:xfrm>
+          <a:prstGeom prst="rect">
+            <a:avLst/>
+          </a:prstGeom>
+        </p:spPr>
+        <p:txBody>
+          <a:bodyPr vert="horz" lIns="91440" tIns="45720" rIns="91440" bIns="45720" rtlCol="0" anchor="ctr">
+            <a:noAutofit/>
+          </a:bodyPr>
+          <a:lstStyle>
+            <a:lvl1pPr algn="l" defTabSz="914400" rtl="0" eaLnBrk="1" latinLnBrk="0" hangingPunct="1">
+              <a:lnSpc>
+                <a:spcPct val="90000"/>
+              </a:lnSpc>
+              <a:spcBef>
+                <a:spcPct val="0"/>
+              </a:spcBef>
+              <a:buNone/>
+              <a:defRPr sz="4400" kern="1200">
+                <a:solidFill>
+                  <a:schemeClr val="tx1"/>
+                </a:solidFill>
+                <a:latin typeface="+mj-lt"/>
+                <a:ea typeface="+mj-ea"/>
+                <a:cs typeface="+mj-cs"/>
+              </a:defRPr>
+            </a:lvl1pPr>
+          </a:lstStyle>
+          <a:p>
+            <a:pPr algn="ctr"/>
+            <a:r>
+              <a:rPr lang="en-US" sz="5000" dirty="0">
+                <a:solidFill>
+                  <a:schemeClr val="bg1"/>
+                </a:solidFill>
+              </a:rPr>
+              <a:t>Comparison between the population growth rate</a:t>
+            </a:r>
+          </a:p>
+        </p:txBody>
+      </p:sp>
+    </p:spTree>
+    <p:extLst>
+      <p:ext uri="{BB962C8B-B14F-4D97-AF65-F5344CB8AC3E}">
+        <p14:creationId xmlns:p14="http://schemas.microsoft.com/office/powerpoint/2010/main" val="207299417"/>
+      </p:ext>
+    </p:extLst>
+  </p:cSld>
+  <p:clrMapOvr>
+    <a:masterClrMapping/>
+  </p:clrMapOvr>
+</p:sld>
+</file>
+
+<file path=ppt/slides/slide27.xml><?xml version="1.0" encoding="utf-8"?>
+<p:sld xmlns:a="http://schemas.openxmlformats.org/drawingml/2006/main" xmlns:r="http://schemas.openxmlformats.org/officeDocument/2006/relationships" xmlns:p="http://schemas.openxmlformats.org/presentationml/2006/main">
+  <p:cSld>
+    <p:spTree>
+      <p:nvGrpSpPr>
+        <p:cNvPr id="1" name=""/>
+        <p:cNvGrpSpPr/>
+        <p:nvPr/>
+      </p:nvGrpSpPr>
+      <p:grpSpPr>
+        <a:xfrm>
+          <a:off x="0" y="0"/>
+          <a:ext cx="0" cy="0"/>
+          <a:chOff x="0" y="0"/>
+          <a:chExt cx="0" cy="0"/>
+        </a:xfrm>
+      </p:grpSpPr>
+      <p:pic>
+        <p:nvPicPr>
+          <p:cNvPr id="5" name="Picture 4">
+            <a:extLst>
+              <a:ext uri="{FF2B5EF4-FFF2-40B4-BE49-F238E27FC236}">
+                <a16:creationId xmlns:a16="http://schemas.microsoft.com/office/drawing/2014/main" id="{8B801B6E-E780-A140-AE43-36B6F7EA52C0}"/>
+              </a:ext>
+            </a:extLst>
+          </p:cNvPr>
+          <p:cNvPicPr>
+            <a:picLocks noChangeAspect="1"/>
+          </p:cNvPicPr>
+          <p:nvPr/>
+        </p:nvPicPr>
+        <p:blipFill>
+          <a:blip r:embed="rId3"/>
+          <a:stretch>
+            <a:fillRect/>
+          </a:stretch>
+        </p:blipFill>
+        <p:spPr>
+          <a:xfrm>
+            <a:off x="0" y="258810"/>
+            <a:ext cx="3064912" cy="3132444"/>
+          </a:xfrm>
+          <a:prstGeom prst="rect">
+            <a:avLst/>
+          </a:prstGeom>
+        </p:spPr>
+      </p:pic>
+      <p:pic>
+        <p:nvPicPr>
+          <p:cNvPr id="7" name="Picture 6">
+            <a:extLst>
+              <a:ext uri="{FF2B5EF4-FFF2-40B4-BE49-F238E27FC236}">
+                <a16:creationId xmlns:a16="http://schemas.microsoft.com/office/drawing/2014/main" id="{3702D648-A464-371B-718F-8D17C471D12A}"/>
+              </a:ext>
+            </a:extLst>
+          </p:cNvPr>
+          <p:cNvPicPr>
+            <a:picLocks noChangeAspect="1"/>
+          </p:cNvPicPr>
+          <p:nvPr/>
+        </p:nvPicPr>
+        <p:blipFill>
+          <a:blip r:embed="rId4"/>
+          <a:stretch>
+            <a:fillRect/>
+          </a:stretch>
+        </p:blipFill>
+        <p:spPr>
+          <a:xfrm>
+            <a:off x="3031087" y="296555"/>
+            <a:ext cx="3064913" cy="3132445"/>
+          </a:xfrm>
+          <a:prstGeom prst="rect">
+            <a:avLst/>
+          </a:prstGeom>
+        </p:spPr>
+      </p:pic>
+      <p:pic>
+        <p:nvPicPr>
+          <p:cNvPr id="9" name="Picture 8">
+            <a:extLst>
+              <a:ext uri="{FF2B5EF4-FFF2-40B4-BE49-F238E27FC236}">
+                <a16:creationId xmlns:a16="http://schemas.microsoft.com/office/drawing/2014/main" id="{419FDDE2-E710-AAF2-0829-F6F1AF3E8F25}"/>
+              </a:ext>
+            </a:extLst>
+          </p:cNvPr>
+          <p:cNvPicPr>
+            <a:picLocks noChangeAspect="1"/>
+          </p:cNvPicPr>
+          <p:nvPr/>
+        </p:nvPicPr>
+        <p:blipFill>
+          <a:blip r:embed="rId5"/>
+          <a:stretch>
+            <a:fillRect/>
+          </a:stretch>
+        </p:blipFill>
+        <p:spPr>
+          <a:xfrm>
+            <a:off x="5971592" y="296555"/>
+            <a:ext cx="3155495" cy="3225023"/>
+          </a:xfrm>
+          <a:prstGeom prst="rect">
+            <a:avLst/>
+          </a:prstGeom>
+        </p:spPr>
+      </p:pic>
+      <p:pic>
+        <p:nvPicPr>
+          <p:cNvPr id="11" name="Picture 10">
+            <a:extLst>
+              <a:ext uri="{FF2B5EF4-FFF2-40B4-BE49-F238E27FC236}">
+                <a16:creationId xmlns:a16="http://schemas.microsoft.com/office/drawing/2014/main" id="{76B781BB-2FCE-30B4-6551-B38623DF0164}"/>
+              </a:ext>
+            </a:extLst>
+          </p:cNvPr>
+          <p:cNvPicPr>
+            <a:picLocks noChangeAspect="1"/>
+          </p:cNvPicPr>
+          <p:nvPr/>
+        </p:nvPicPr>
+        <p:blipFill>
+          <a:blip r:embed="rId6"/>
+          <a:stretch>
+            <a:fillRect/>
+          </a:stretch>
+        </p:blipFill>
+        <p:spPr>
+          <a:xfrm>
+            <a:off x="9036505" y="389132"/>
+            <a:ext cx="3064914" cy="3132446"/>
+          </a:xfrm>
+          <a:prstGeom prst="rect">
+            <a:avLst/>
+          </a:prstGeom>
+        </p:spPr>
+      </p:pic>
+      <p:pic>
+        <p:nvPicPr>
+          <p:cNvPr id="15" name="Picture 14">
+            <a:extLst>
+              <a:ext uri="{FF2B5EF4-FFF2-40B4-BE49-F238E27FC236}">
+                <a16:creationId xmlns:a16="http://schemas.microsoft.com/office/drawing/2014/main" id="{2E465D48-FAF8-8646-3936-1D9533C254F8}"/>
+              </a:ext>
+            </a:extLst>
+          </p:cNvPr>
+          <p:cNvPicPr>
+            <a:picLocks noChangeAspect="1"/>
+          </p:cNvPicPr>
+          <p:nvPr/>
+        </p:nvPicPr>
+        <p:blipFill>
+          <a:blip r:embed="rId7"/>
+          <a:stretch>
+            <a:fillRect/>
+          </a:stretch>
+        </p:blipFill>
+        <p:spPr>
+          <a:xfrm>
+            <a:off x="28377" y="3323788"/>
+            <a:ext cx="3064915" cy="3132447"/>
+          </a:xfrm>
+          <a:prstGeom prst="rect">
+            <a:avLst/>
+          </a:prstGeom>
+        </p:spPr>
+      </p:pic>
+      <p:sp>
+        <p:nvSpPr>
+          <p:cNvPr id="16" name="Rectangle 15">
+            <a:extLst>
+              <a:ext uri="{FF2B5EF4-FFF2-40B4-BE49-F238E27FC236}">
+                <a16:creationId xmlns:a16="http://schemas.microsoft.com/office/drawing/2014/main" id="{62155EF8-02C8-A4D7-6849-138198136474}"/>
+              </a:ext>
+            </a:extLst>
+          </p:cNvPr>
+          <p:cNvSpPr/>
+          <p:nvPr/>
+        </p:nvSpPr>
+        <p:spPr>
+          <a:xfrm>
+            <a:off x="671159" y="3323788"/>
+            <a:ext cx="827471" cy="400110"/>
+          </a:xfrm>
+          <a:prstGeom prst="rect">
+            <a:avLst/>
+          </a:prstGeom>
+          <a:noFill/>
+        </p:spPr>
+        <p:txBody>
+          <a:bodyPr wrap="none" lIns="91440" tIns="45720" rIns="91440" bIns="45720">
+            <a:spAutoFit/>
+          </a:bodyPr>
+          <a:lstStyle/>
+          <a:p>
+            <a:pPr algn="ctr"/>
+            <a:r>
+              <a:rPr lang="en-US" sz="2000" b="0" cap="none" spc="0" dirty="0">
+                <a:ln w="0"/>
+                <a:solidFill>
+                  <a:schemeClr val="tx1"/>
+                </a:solidFill>
+                <a:effectLst>
+                  <a:outerShdw blurRad="38100" dist="19050" dir="2700000" algn="tl" rotWithShape="0">
+                    <a:schemeClr val="dk1">
+                      <a:alpha val="40000"/>
+                    </a:schemeClr>
+                  </a:outerShdw>
+                </a:effectLst>
+              </a:rPr>
+              <a:t>R0 = 1</a:t>
+            </a:r>
+            <a:endParaRPr lang="en-US" sz="2000" dirty="0">
+              <a:ln w="0"/>
+              <a:effectLst>
+                <a:outerShdw blurRad="38100" dist="19050" dir="2700000" algn="tl" rotWithShape="0">
+                  <a:schemeClr val="dk1">
+                    <a:alpha val="40000"/>
+                  </a:schemeClr>
+                </a:outerShdw>
+              </a:effectLst>
+            </a:endParaRPr>
+          </a:p>
+        </p:txBody>
+      </p:sp>
+      <p:sp>
+        <p:nvSpPr>
+          <p:cNvPr id="17" name="Rectangle 16">
+            <a:extLst>
+              <a:ext uri="{FF2B5EF4-FFF2-40B4-BE49-F238E27FC236}">
+                <a16:creationId xmlns:a16="http://schemas.microsoft.com/office/drawing/2014/main" id="{5B9552A0-280D-4548-8E7D-314DC494010C}"/>
+              </a:ext>
+            </a:extLst>
+          </p:cNvPr>
+          <p:cNvSpPr/>
+          <p:nvPr/>
+        </p:nvSpPr>
+        <p:spPr>
+          <a:xfrm>
+            <a:off x="925951" y="236505"/>
+            <a:ext cx="6883551" cy="400110"/>
+          </a:xfrm>
+          <a:prstGeom prst="rect">
+            <a:avLst/>
+          </a:prstGeom>
+          <a:noFill/>
+        </p:spPr>
+        <p:txBody>
+          <a:bodyPr wrap="none" lIns="91440" tIns="45720" rIns="91440" bIns="45720">
+            <a:spAutoFit/>
+          </a:bodyPr>
+          <a:lstStyle/>
+          <a:p>
+            <a:pPr algn="ctr"/>
+            <a:r>
+              <a:rPr lang="en-US" sz="2000" b="0" cap="none" spc="0" dirty="0">
+                <a:ln w="0"/>
+                <a:solidFill>
+                  <a:schemeClr val="tx1"/>
+                </a:solidFill>
+                <a:effectLst>
+                  <a:outerShdw blurRad="38100" dist="19050" dir="2700000" algn="tl" rotWithShape="0">
+                    <a:schemeClr val="dk1">
+                      <a:alpha val="40000"/>
+                    </a:schemeClr>
+                  </a:outerShdw>
+                </a:effectLst>
+              </a:rPr>
+              <a:t>R0 = 0.5   </a:t>
+            </a:r>
+            <a:r>
+              <a:rPr lang="en-US" sz="1200" b="0" cap="none" spc="0" dirty="0">
+                <a:ln w="0"/>
+                <a:solidFill>
+                  <a:schemeClr val="tx1"/>
+                </a:solidFill>
+                <a:effectLst>
+                  <a:outerShdw blurRad="38100" dist="19050" dir="2700000" algn="tl" rotWithShape="0">
+                    <a:schemeClr val="dk1">
+                      <a:alpha val="40000"/>
+                    </a:schemeClr>
+                  </a:outerShdw>
+                </a:effectLst>
+              </a:rPr>
+              <a:t>*note the </a:t>
+            </a:r>
+            <a:r>
+              <a:rPr lang="en-US" sz="1200" b="0" cap="none" spc="0" dirty="0" err="1">
+                <a:ln w="0"/>
+                <a:solidFill>
+                  <a:schemeClr val="tx1"/>
+                </a:solidFill>
+                <a:effectLst>
+                  <a:outerShdw blurRad="38100" dist="19050" dir="2700000" algn="tl" rotWithShape="0">
+                    <a:schemeClr val="dk1">
+                      <a:alpha val="40000"/>
+                    </a:schemeClr>
+                  </a:outerShdw>
+                </a:effectLst>
+              </a:rPr>
+              <a:t>broodsize</a:t>
+            </a:r>
+            <a:r>
+              <a:rPr lang="en-US" sz="1200" b="0" cap="none" spc="0" dirty="0">
+                <a:ln w="0"/>
+                <a:solidFill>
+                  <a:schemeClr val="tx1"/>
+                </a:solidFill>
+                <a:effectLst>
+                  <a:outerShdw blurRad="38100" dist="19050" dir="2700000" algn="tl" rotWithShape="0">
+                    <a:schemeClr val="dk1">
+                      <a:alpha val="40000"/>
+                    </a:schemeClr>
+                  </a:outerShdw>
+                </a:effectLst>
+              </a:rPr>
+              <a:t> is slightly different but I believe differences are due to r0 not </a:t>
+            </a:r>
+            <a:r>
+              <a:rPr lang="en-US" sz="1200" b="0" cap="none" spc="0" dirty="0" err="1">
+                <a:ln w="0"/>
+                <a:solidFill>
+                  <a:schemeClr val="tx1"/>
+                </a:solidFill>
+                <a:effectLst>
+                  <a:outerShdw blurRad="38100" dist="19050" dir="2700000" algn="tl" rotWithShape="0">
+                    <a:schemeClr val="dk1">
+                      <a:alpha val="40000"/>
+                    </a:schemeClr>
+                  </a:outerShdw>
+                </a:effectLst>
+              </a:rPr>
+              <a:t>broodsize</a:t>
+            </a:r>
+            <a:endParaRPr lang="en-US" sz="2000" dirty="0">
+              <a:ln w="0"/>
+              <a:effectLst>
+                <a:outerShdw blurRad="38100" dist="19050" dir="2700000" algn="tl" rotWithShape="0">
+                  <a:schemeClr val="dk1">
+                    <a:alpha val="40000"/>
+                  </a:schemeClr>
+                </a:outerShdw>
+              </a:effectLst>
+            </a:endParaRPr>
+          </a:p>
+        </p:txBody>
+      </p:sp>
+      <p:pic>
+        <p:nvPicPr>
+          <p:cNvPr id="19" name="Picture 18">
+            <a:extLst>
+              <a:ext uri="{FF2B5EF4-FFF2-40B4-BE49-F238E27FC236}">
+                <a16:creationId xmlns:a16="http://schemas.microsoft.com/office/drawing/2014/main" id="{DD1D0763-5411-D61E-B035-C2FE6888456F}"/>
+              </a:ext>
+            </a:extLst>
+          </p:cNvPr>
+          <p:cNvPicPr>
+            <a:picLocks noChangeAspect="1"/>
+          </p:cNvPicPr>
+          <p:nvPr/>
+        </p:nvPicPr>
+        <p:blipFill>
+          <a:blip r:embed="rId8"/>
+          <a:stretch>
+            <a:fillRect/>
+          </a:stretch>
+        </p:blipFill>
+        <p:spPr>
+          <a:xfrm>
+            <a:off x="3002709" y="3277499"/>
+            <a:ext cx="3155496" cy="3225024"/>
+          </a:xfrm>
+          <a:prstGeom prst="rect">
+            <a:avLst/>
+          </a:prstGeom>
+        </p:spPr>
+      </p:pic>
+      <p:pic>
+        <p:nvPicPr>
+          <p:cNvPr id="21" name="Picture 20">
+            <a:extLst>
+              <a:ext uri="{FF2B5EF4-FFF2-40B4-BE49-F238E27FC236}">
+                <a16:creationId xmlns:a16="http://schemas.microsoft.com/office/drawing/2014/main" id="{ABEAADBC-6E48-F74E-F776-C87D0376EA3E}"/>
+              </a:ext>
+            </a:extLst>
+          </p:cNvPr>
+          <p:cNvPicPr>
+            <a:picLocks noChangeAspect="1"/>
+          </p:cNvPicPr>
+          <p:nvPr/>
+        </p:nvPicPr>
+        <p:blipFill>
+          <a:blip r:embed="rId9"/>
+          <a:stretch>
+            <a:fillRect/>
+          </a:stretch>
+        </p:blipFill>
+        <p:spPr>
+          <a:xfrm>
+            <a:off x="6040017" y="3277499"/>
+            <a:ext cx="3064914" cy="3132446"/>
+          </a:xfrm>
+          <a:prstGeom prst="rect">
+            <a:avLst/>
+          </a:prstGeom>
+        </p:spPr>
+      </p:pic>
+      <p:pic>
+        <p:nvPicPr>
+          <p:cNvPr id="23" name="Picture 22">
+            <a:extLst>
+              <a:ext uri="{FF2B5EF4-FFF2-40B4-BE49-F238E27FC236}">
+                <a16:creationId xmlns:a16="http://schemas.microsoft.com/office/drawing/2014/main" id="{63EDC963-1644-FDE7-E4C5-3396F14443FB}"/>
+              </a:ext>
+            </a:extLst>
+          </p:cNvPr>
+          <p:cNvPicPr>
+            <a:picLocks noChangeAspect="1"/>
+          </p:cNvPicPr>
+          <p:nvPr/>
+        </p:nvPicPr>
+        <p:blipFill>
+          <a:blip r:embed="rId10"/>
+          <a:stretch>
+            <a:fillRect/>
+          </a:stretch>
+        </p:blipFill>
+        <p:spPr>
+          <a:xfrm>
+            <a:off x="9064885" y="3277499"/>
+            <a:ext cx="3064914" cy="3132446"/>
+          </a:xfrm>
+          <a:prstGeom prst="rect">
+            <a:avLst/>
+          </a:prstGeom>
+        </p:spPr>
+      </p:pic>
+    </p:spTree>
+    <p:extLst>
+      <p:ext uri="{BB962C8B-B14F-4D97-AF65-F5344CB8AC3E}">
+        <p14:creationId xmlns:p14="http://schemas.microsoft.com/office/powerpoint/2010/main" val="3398478381"/>
+      </p:ext>
+    </p:extLst>
+  </p:cSld>
+  <p:clrMapOvr>
+    <a:masterClrMapping/>
+  </p:clrMapOvr>
+</p:sld>
+</file>
+
+<file path=ppt/slides/slide28.xml><?xml version="1.0" encoding="utf-8"?>
+<p:sld xmlns:a="http://schemas.openxmlformats.org/drawingml/2006/main" xmlns:r="http://schemas.openxmlformats.org/officeDocument/2006/relationships" xmlns:p="http://schemas.openxmlformats.org/presentationml/2006/main">
+  <p:cSld>
+    <p:bg>
+      <p:bgPr>
+        <a:solidFill>
+          <a:schemeClr val="tx1"/>
+        </a:solidFill>
+        <a:effectLst/>
+      </p:bgPr>
+    </p:bg>
+    <p:spTree>
+      <p:nvGrpSpPr>
+        <p:cNvPr id="1" name=""/>
+        <p:cNvGrpSpPr/>
+        <p:nvPr/>
+      </p:nvGrpSpPr>
+      <p:grpSpPr>
+        <a:xfrm>
+          <a:off x="0" y="0"/>
+          <a:ext cx="0" cy="0"/>
+          <a:chOff x="0" y="0"/>
+          <a:chExt cx="0" cy="0"/>
+        </a:xfrm>
+      </p:grpSpPr>
+      <p:sp>
+        <p:nvSpPr>
+          <p:cNvPr id="4" name="Title 1">
+            <a:extLst>
+              <a:ext uri="{FF2B5EF4-FFF2-40B4-BE49-F238E27FC236}">
+                <a16:creationId xmlns:a16="http://schemas.microsoft.com/office/drawing/2014/main" id="{1926D374-9667-7185-B1D3-C23E0087ABBB}"/>
+              </a:ext>
+            </a:extLst>
+          </p:cNvPr>
+          <p:cNvSpPr txBox="1">
+            <a:spLocks/>
+          </p:cNvSpPr>
+          <p:nvPr/>
+        </p:nvSpPr>
+        <p:spPr>
+          <a:xfrm>
+            <a:off x="838200" y="1906542"/>
+            <a:ext cx="10515600" cy="1325563"/>
+          </a:xfrm>
+          <a:prstGeom prst="rect">
+            <a:avLst/>
+          </a:prstGeom>
+        </p:spPr>
+        <p:txBody>
+          <a:bodyPr vert="horz" lIns="91440" tIns="45720" rIns="91440" bIns="45720" rtlCol="0" anchor="ctr">
+            <a:noAutofit/>
+          </a:bodyPr>
+          <a:lstStyle>
+            <a:lvl1pPr algn="l" defTabSz="914400" rtl="0" eaLnBrk="1" latinLnBrk="0" hangingPunct="1">
+              <a:lnSpc>
+                <a:spcPct val="90000"/>
+              </a:lnSpc>
+              <a:spcBef>
+                <a:spcPct val="0"/>
+              </a:spcBef>
+              <a:buNone/>
+              <a:defRPr sz="4400" kern="1200">
+                <a:solidFill>
+                  <a:schemeClr val="tx1"/>
+                </a:solidFill>
+                <a:latin typeface="+mj-lt"/>
+                <a:ea typeface="+mj-ea"/>
+                <a:cs typeface="+mj-cs"/>
+              </a:defRPr>
+            </a:lvl1pPr>
+          </a:lstStyle>
+          <a:p>
+            <a:pPr algn="ctr"/>
+            <a:r>
+              <a:rPr lang="en-US" sz="5000" dirty="0">
+                <a:solidFill>
+                  <a:schemeClr val="accent2"/>
+                </a:solidFill>
+                <a:highlight>
+                  <a:srgbClr val="808080"/>
+                </a:highlight>
+              </a:rPr>
+              <a:t>Up Next:</a:t>
+            </a:r>
+          </a:p>
+          <a:p>
+            <a:pPr algn="ctr"/>
+            <a:endParaRPr lang="en-US" sz="5000" dirty="0">
+              <a:solidFill>
+                <a:schemeClr val="bg1"/>
+              </a:solidFill>
+            </a:endParaRPr>
+          </a:p>
+          <a:p>
+            <a:pPr algn="ctr"/>
+            <a:r>
+              <a:rPr lang="en-US" sz="5000" dirty="0">
+                <a:solidFill>
+                  <a:schemeClr val="accent2"/>
+                </a:solidFill>
+              </a:rPr>
+              <a:t>Comparison between the population growth rate, maximum age and fecundity, the minor allele frequency in the source population, and various migration rates</a:t>
+            </a:r>
+          </a:p>
+        </p:txBody>
+      </p:sp>
+    </p:spTree>
+    <p:extLst>
+      <p:ext uri="{BB962C8B-B14F-4D97-AF65-F5344CB8AC3E}">
+        <p14:creationId xmlns:p14="http://schemas.microsoft.com/office/powerpoint/2010/main" val="3749513160"/>
+      </p:ext>
+    </p:extLst>
+  </p:cSld>
+  <p:clrMapOvr>
+    <a:masterClrMapping/>
+  </p:clrMapOvr>
+</p:sld>
+</file>
+
+<file path=ppt/slides/slide29.xml><?xml version="1.0" encoding="utf-8"?>
+<p:sld xmlns:a="http://schemas.openxmlformats.org/drawingml/2006/main" xmlns:r="http://schemas.openxmlformats.org/officeDocument/2006/relationships" xmlns:p="http://schemas.openxmlformats.org/presentationml/2006/main">
+  <p:cSld>
+    <p:spTree>
+      <p:nvGrpSpPr>
+        <p:cNvPr id="1" name=""/>
+        <p:cNvGrpSpPr/>
+        <p:nvPr/>
+      </p:nvGrpSpPr>
+      <p:grpSpPr>
+        <a:xfrm>
+          <a:off x="0" y="0"/>
+          <a:ext cx="0" cy="0"/>
+          <a:chOff x="0" y="0"/>
+          <a:chExt cx="0" cy="0"/>
+        </a:xfrm>
+      </p:grpSpPr>
       <p:sp>
         <p:nvSpPr>
           <p:cNvPr id="2" name="Title 1">
@@ -6838,7 +11625,7 @@
             <p:ph idx="1"/>
             <p:extLst>
               <p:ext uri="{D42A27DB-BD31-4B8C-83A1-F6EECF244321}">
-                <p14:modId xmlns:p14="http://schemas.microsoft.com/office/powerpoint/2010/main" val="1771332541"/>
+                <p14:modId xmlns:p14="http://schemas.microsoft.com/office/powerpoint/2010/main" val="430336475"/>
               </p:ext>
             </p:extLst>
           </p:nvPr>
@@ -7059,7 +11846,10 @@
                     <a:bodyPr/>
                     <a:lstStyle/>
                     <a:p>
-                      <a:endParaRPr lang="en-US"/>
+                      <a:r>
+                        <a:rPr lang="en-US" dirty="0"/>
+                        <a:t>X</a:t>
+                      </a:r>
                     </a:p>
                   </a:txBody>
                   <a:tcPr/>
@@ -7069,7 +11859,10 @@
                     <a:bodyPr/>
                     <a:lstStyle/>
                     <a:p>
-                      <a:endParaRPr lang="en-US"/>
+                      <a:r>
+                        <a:rPr lang="en-US" dirty="0"/>
+                        <a:t>X</a:t>
+                      </a:r>
                     </a:p>
                   </a:txBody>
                   <a:tcPr/>
@@ -7079,7 +11872,10 @@
                     <a:bodyPr/>
                     <a:lstStyle/>
                     <a:p>
-                      <a:endParaRPr lang="en-US"/>
+                      <a:r>
+                        <a:rPr lang="en-US" sz="800" dirty="0"/>
+                        <a:t>Eh</a:t>
+                      </a:r>
                     </a:p>
                   </a:txBody>
                   <a:tcPr/>
@@ -7146,7 +11942,10 @@
                     <a:bodyPr/>
                     <a:lstStyle/>
                     <a:p>
-                      <a:endParaRPr lang="en-US"/>
+                      <a:r>
+                        <a:rPr lang="en-US" dirty="0"/>
+                        <a:t>X</a:t>
+                      </a:r>
                     </a:p>
                   </a:txBody>
                   <a:tcPr/>
@@ -7156,7 +11955,10 @@
                     <a:bodyPr/>
                     <a:lstStyle/>
                     <a:p>
-                      <a:endParaRPr lang="en-US"/>
+                      <a:r>
+                        <a:rPr lang="en-US" dirty="0"/>
+                        <a:t>X</a:t>
+                      </a:r>
                     </a:p>
                   </a:txBody>
                   <a:tcPr/>
@@ -7166,7 +11968,10 @@
                     <a:bodyPr/>
                     <a:lstStyle/>
                     <a:p>
-                      <a:endParaRPr lang="en-US"/>
+                      <a:r>
+                        <a:rPr lang="en-US" sz="800" dirty="0"/>
+                        <a:t>Eh</a:t>
+                      </a:r>
                     </a:p>
                   </a:txBody>
                   <a:tcPr/>
@@ -7235,7 +12040,7 @@
                     <a:bodyPr/>
                     <a:lstStyle/>
                     <a:p>
-                      <a:endParaRPr lang="en-US"/>
+                      <a:endParaRPr lang="en-US" dirty="0"/>
                     </a:p>
                   </a:txBody>
                   <a:tcPr/>
@@ -7245,7 +12050,7 @@
                     <a:bodyPr/>
                     <a:lstStyle/>
                     <a:p>
-                      <a:endParaRPr lang="en-US"/>
+                      <a:endParaRPr lang="en-US" dirty="0"/>
                     </a:p>
                   </a:txBody>
                   <a:tcPr/>
@@ -7255,7 +12060,7 @@
                     <a:bodyPr/>
                     <a:lstStyle/>
                     <a:p>
-                      <a:endParaRPr lang="en-US"/>
+                      <a:endParaRPr lang="en-US" sz="800" dirty="0"/>
                     </a:p>
                   </a:txBody>
                   <a:tcPr/>
@@ -7467,7 +12272,10 @@
                     <a:bodyPr/>
                     <a:lstStyle/>
                     <a:p>
-                      <a:endParaRPr lang="en-US"/>
+                      <a:r>
+                        <a:rPr lang="en-US" dirty="0"/>
+                        <a:t>X</a:t>
+                      </a:r>
                     </a:p>
                   </a:txBody>
                   <a:tcPr/>
@@ -7477,7 +12285,10 @@
                     <a:bodyPr/>
                     <a:lstStyle/>
                     <a:p>
-                      <a:endParaRPr lang="en-US"/>
+                      <a:r>
+                        <a:rPr lang="en-US" dirty="0"/>
+                        <a:t>X</a:t>
+                      </a:r>
                     </a:p>
                   </a:txBody>
                   <a:tcPr/>
@@ -7487,7 +12298,40 @@
                     <a:bodyPr/>
                     <a:lstStyle/>
                     <a:p>
-                      <a:endParaRPr lang="en-US"/>
+                      <a:pPr marL="0" marR="0" lvl="0" indent="0" algn="l" defTabSz="914400" rtl="0" eaLnBrk="1" fontAlgn="auto" latinLnBrk="0" hangingPunct="1">
+                        <a:lnSpc>
+                          <a:spcPct val="100000"/>
+                        </a:lnSpc>
+                        <a:spcBef>
+                          <a:spcPts val="0"/>
+                        </a:spcBef>
+                        <a:spcAft>
+                          <a:spcPts val="0"/>
+                        </a:spcAft>
+                        <a:buClrTx/>
+                        <a:buSzTx/>
+                        <a:buFontTx/>
+                        <a:buNone/>
+                        <a:tabLst/>
+                        <a:defRPr/>
+                      </a:pPr>
+                      <a:r>
+                        <a:rPr kumimoji="0" lang="en-US" sz="800" b="0" i="0" u="none" strike="noStrike" kern="1200" cap="none" spc="0" normalizeH="0" baseline="0" noProof="0" dirty="0">
+                          <a:ln>
+                            <a:noFill/>
+                          </a:ln>
+                          <a:solidFill>
+                            <a:prstClr val="black"/>
+                          </a:solidFill>
+                          <a:effectLst/>
+                          <a:uLnTx/>
+                          <a:uFillTx/>
+                          <a:latin typeface="+mn-lt"/>
+                          <a:ea typeface="+mn-ea"/>
+                          <a:cs typeface="+mn-cs"/>
+                        </a:rPr>
+                        <a:t>eh</a:t>
+                      </a:r>
                     </a:p>
                   </a:txBody>
                   <a:tcPr/>
@@ -7518,7 +12362,13 @@
                     <a:lstStyle/>
                     <a:p>
                       <a:r>
-                        <a:rPr lang="en-US" dirty="0"/>
+                        <a:rPr lang="en-US" dirty="0">
+                          <a:solidFill>
+                            <a:schemeClr val="bg1">
+                              <a:lumMod val="65000"/>
+                            </a:schemeClr>
+                          </a:solidFill>
+                        </a:rPr>
                         <a:t>X</a:t>
                       </a:r>
                     </a:p>
@@ -7531,7 +12381,13 @@
                     <a:lstStyle/>
                     <a:p>
                       <a:r>
-                        <a:rPr lang="en-US" dirty="0"/>
+                        <a:rPr lang="en-US" dirty="0">
+                          <a:solidFill>
+                            <a:schemeClr val="bg1">
+                              <a:lumMod val="65000"/>
+                            </a:schemeClr>
+                          </a:solidFill>
+                        </a:rPr>
                         <a:t>X</a:t>
                       </a:r>
                     </a:p>
@@ -7544,7 +12400,13 @@
                     <a:lstStyle/>
                     <a:p>
                       <a:r>
-                        <a:rPr lang="en-US" dirty="0"/>
+                        <a:rPr lang="en-US" dirty="0">
+                          <a:solidFill>
+                            <a:schemeClr val="bg1">
+                              <a:lumMod val="65000"/>
+                            </a:schemeClr>
+                          </a:solidFill>
+                        </a:rPr>
                         <a:t>X</a:t>
                       </a:r>
                     </a:p>
@@ -7607,7 +12469,13 @@
                     <a:lstStyle/>
                     <a:p>
                       <a:r>
-                        <a:rPr lang="en-US" dirty="0"/>
+                        <a:rPr lang="en-US" dirty="0">
+                          <a:solidFill>
+                            <a:schemeClr val="bg1">
+                              <a:lumMod val="65000"/>
+                            </a:schemeClr>
+                          </a:solidFill>
+                        </a:rPr>
                         <a:t>X</a:t>
                       </a:r>
                     </a:p>
@@ -7620,10 +12488,22 @@
                     <a:lstStyle/>
                     <a:p>
                       <a:r>
-                        <a:rPr lang="en-US" sz="800" dirty="0"/>
+                        <a:rPr lang="en-US" sz="800" dirty="0">
+                          <a:solidFill>
+                            <a:schemeClr val="bg1">
+                              <a:lumMod val="65000"/>
+                            </a:schemeClr>
+                          </a:solidFill>
+                        </a:rPr>
                         <a:t>*maybe* not migration rate</a:t>
                       </a:r>
-                      <a:endParaRPr lang="en-US" dirty="0"/>
+                      <a:endParaRPr lang="en-US" dirty="0">
+                        <a:solidFill>
+                          <a:schemeClr val="bg1">
+                            <a:lumMod val="65000"/>
+                          </a:schemeClr>
+                        </a:solidFill>
+                      </a:endParaRPr>
                     </a:p>
                   </a:txBody>
                   <a:tcPr/>
@@ -7633,7 +12513,13 @@
                     <a:bodyPr/>
                     <a:lstStyle/>
                     <a:p>
-                      <a:endParaRPr lang="en-US"/>
+                      <a:endParaRPr lang="en-US">
+                        <a:solidFill>
+                          <a:schemeClr val="bg1">
+                            <a:lumMod val="65000"/>
+                          </a:schemeClr>
+                        </a:solidFill>
+                      </a:endParaRPr>
                     </a:p>
                   </a:txBody>
                   <a:tcPr/>
@@ -7694,7 +12580,13 @@
                     <a:lstStyle/>
                     <a:p>
                       <a:r>
-                        <a:rPr lang="en-US" dirty="0"/>
+                        <a:rPr lang="en-US" dirty="0">
+                          <a:solidFill>
+                            <a:schemeClr val="bg1">
+                              <a:lumMod val="65000"/>
+                            </a:schemeClr>
+                          </a:solidFill>
+                        </a:rPr>
                         <a:t>X</a:t>
                       </a:r>
                     </a:p>
@@ -7707,7 +12599,13 @@
                     <a:lstStyle/>
                     <a:p>
                       <a:r>
-                        <a:rPr lang="en-US" dirty="0"/>
+                        <a:rPr lang="en-US" dirty="0">
+                          <a:solidFill>
+                            <a:schemeClr val="bg1">
+                              <a:lumMod val="65000"/>
+                            </a:schemeClr>
+                          </a:solidFill>
+                        </a:rPr>
                         <a:t>X</a:t>
                       </a:r>
                     </a:p>
@@ -7720,7 +12618,13 @@
                     <a:lstStyle/>
                     <a:p>
                       <a:r>
-                        <a:rPr lang="en-US" dirty="0"/>
+                        <a:rPr lang="en-US" dirty="0">
+                          <a:solidFill>
+                            <a:schemeClr val="bg1">
+                              <a:lumMod val="65000"/>
+                            </a:schemeClr>
+                          </a:solidFill>
+                        </a:rPr>
                         <a:t>X</a:t>
                       </a:r>
                     </a:p>
@@ -7934,7 +12838,285 @@
 </p:sld>
 </file>
 
-<file path=ppt/slides/slide21.xml><?xml version="1.0" encoding="utf-8"?>
+<file path=ppt/slides/slide3.xml><?xml version="1.0" encoding="utf-8"?>
+<p:sld xmlns:a="http://schemas.openxmlformats.org/drawingml/2006/main" xmlns:r="http://schemas.openxmlformats.org/officeDocument/2006/relationships" xmlns:p="http://schemas.openxmlformats.org/presentationml/2006/main">
+  <p:cSld>
+    <p:spTree>
+      <p:nvGrpSpPr>
+        <p:cNvPr id="1" name=""/>
+        <p:cNvGrpSpPr/>
+        <p:nvPr/>
+      </p:nvGrpSpPr>
+      <p:grpSpPr>
+        <a:xfrm>
+          <a:off x="0" y="0"/>
+          <a:ext cx="0" cy="0"/>
+          <a:chOff x="0" y="0"/>
+          <a:chExt cx="0" cy="0"/>
+        </a:xfrm>
+      </p:grpSpPr>
+      <p:pic>
+        <p:nvPicPr>
+          <p:cNvPr id="5" name="Picture 4">
+            <a:extLst>
+              <a:ext uri="{FF2B5EF4-FFF2-40B4-BE49-F238E27FC236}">
+                <a16:creationId xmlns:a16="http://schemas.microsoft.com/office/drawing/2014/main" id="{173C8D7F-B12A-D5E9-9AAB-BC7A4BE88998}"/>
+              </a:ext>
+            </a:extLst>
+          </p:cNvPr>
+          <p:cNvPicPr>
+            <a:picLocks noChangeAspect="1"/>
+          </p:cNvPicPr>
+          <p:nvPr/>
+        </p:nvPicPr>
+        <p:blipFill>
+          <a:blip r:embed="rId2"/>
+          <a:stretch>
+            <a:fillRect/>
+          </a:stretch>
+        </p:blipFill>
+        <p:spPr>
+          <a:xfrm>
+            <a:off x="399854" y="0"/>
+            <a:ext cx="3040084" cy="2769287"/>
+          </a:xfrm>
+          <a:prstGeom prst="rect">
+            <a:avLst/>
+          </a:prstGeom>
+        </p:spPr>
+      </p:pic>
+      <p:pic>
+        <p:nvPicPr>
+          <p:cNvPr id="7" name="Picture 6">
+            <a:extLst>
+              <a:ext uri="{FF2B5EF4-FFF2-40B4-BE49-F238E27FC236}">
+                <a16:creationId xmlns:a16="http://schemas.microsoft.com/office/drawing/2014/main" id="{2DB353C8-23B8-EB76-FC15-3340F47B886B}"/>
+              </a:ext>
+            </a:extLst>
+          </p:cNvPr>
+          <p:cNvPicPr>
+            <a:picLocks noChangeAspect="1"/>
+          </p:cNvPicPr>
+          <p:nvPr/>
+        </p:nvPicPr>
+        <p:blipFill>
+          <a:blip r:embed="rId3"/>
+          <a:stretch>
+            <a:fillRect/>
+          </a:stretch>
+        </p:blipFill>
+        <p:spPr>
+          <a:xfrm>
+            <a:off x="3439938" y="0"/>
+            <a:ext cx="3173653" cy="2890958"/>
+          </a:xfrm>
+          <a:prstGeom prst="rect">
+            <a:avLst/>
+          </a:prstGeom>
+        </p:spPr>
+      </p:pic>
+      <p:pic>
+        <p:nvPicPr>
+          <p:cNvPr id="9" name="Picture 8">
+            <a:extLst>
+              <a:ext uri="{FF2B5EF4-FFF2-40B4-BE49-F238E27FC236}">
+                <a16:creationId xmlns:a16="http://schemas.microsoft.com/office/drawing/2014/main" id="{02978D2B-6FF3-CEF7-8139-636E824F864A}"/>
+              </a:ext>
+            </a:extLst>
+          </p:cNvPr>
+          <p:cNvPicPr>
+            <a:picLocks noChangeAspect="1"/>
+          </p:cNvPicPr>
+          <p:nvPr/>
+        </p:nvPicPr>
+        <p:blipFill>
+          <a:blip r:embed="rId4"/>
+          <a:stretch>
+            <a:fillRect/>
+          </a:stretch>
+        </p:blipFill>
+        <p:spPr>
+          <a:xfrm>
+            <a:off x="6613591" y="0"/>
+            <a:ext cx="3045980" cy="2774658"/>
+          </a:xfrm>
+          <a:prstGeom prst="rect">
+            <a:avLst/>
+          </a:prstGeom>
+        </p:spPr>
+      </p:pic>
+      <p:pic>
+        <p:nvPicPr>
+          <p:cNvPr id="11" name="Picture 10">
+            <a:extLst>
+              <a:ext uri="{FF2B5EF4-FFF2-40B4-BE49-F238E27FC236}">
+                <a16:creationId xmlns:a16="http://schemas.microsoft.com/office/drawing/2014/main" id="{90C49A02-36C8-8FA7-E2A7-9CA6C8E47EAC}"/>
+              </a:ext>
+            </a:extLst>
+          </p:cNvPr>
+          <p:cNvPicPr>
+            <a:picLocks noChangeAspect="1"/>
+          </p:cNvPicPr>
+          <p:nvPr/>
+        </p:nvPicPr>
+        <p:blipFill>
+          <a:blip r:embed="rId5"/>
+          <a:stretch>
+            <a:fillRect/>
+          </a:stretch>
+        </p:blipFill>
+        <p:spPr>
+          <a:xfrm>
+            <a:off x="6741264" y="2890958"/>
+            <a:ext cx="2912411" cy="2652987"/>
+          </a:xfrm>
+          <a:prstGeom prst="rect">
+            <a:avLst/>
+          </a:prstGeom>
+        </p:spPr>
+      </p:pic>
+      <p:pic>
+        <p:nvPicPr>
+          <p:cNvPr id="13" name="Picture 12">
+            <a:extLst>
+              <a:ext uri="{FF2B5EF4-FFF2-40B4-BE49-F238E27FC236}">
+                <a16:creationId xmlns:a16="http://schemas.microsoft.com/office/drawing/2014/main" id="{B9B46CF7-4055-1363-5ECB-58550ECE98DD}"/>
+              </a:ext>
+            </a:extLst>
+          </p:cNvPr>
+          <p:cNvPicPr>
+            <a:picLocks noChangeAspect="1"/>
+          </p:cNvPicPr>
+          <p:nvPr/>
+        </p:nvPicPr>
+        <p:blipFill>
+          <a:blip r:embed="rId6"/>
+          <a:stretch>
+            <a:fillRect/>
+          </a:stretch>
+        </p:blipFill>
+        <p:spPr>
+          <a:xfrm>
+            <a:off x="471351" y="2769287"/>
+            <a:ext cx="2897091" cy="2639031"/>
+          </a:xfrm>
+          <a:prstGeom prst="rect">
+            <a:avLst/>
+          </a:prstGeom>
+        </p:spPr>
+      </p:pic>
+      <p:pic>
+        <p:nvPicPr>
+          <p:cNvPr id="15" name="Picture 14">
+            <a:extLst>
+              <a:ext uri="{FF2B5EF4-FFF2-40B4-BE49-F238E27FC236}">
+                <a16:creationId xmlns:a16="http://schemas.microsoft.com/office/drawing/2014/main" id="{212CA119-9165-0234-9CE6-4E66832E23A9}"/>
+              </a:ext>
+            </a:extLst>
+          </p:cNvPr>
+          <p:cNvPicPr>
+            <a:picLocks noChangeAspect="1"/>
+          </p:cNvPicPr>
+          <p:nvPr/>
+        </p:nvPicPr>
+        <p:blipFill>
+          <a:blip r:embed="rId7"/>
+          <a:stretch>
+            <a:fillRect/>
+          </a:stretch>
+        </p:blipFill>
+        <p:spPr>
+          <a:xfrm>
+            <a:off x="3496115" y="2769287"/>
+            <a:ext cx="3045980" cy="2774657"/>
+          </a:xfrm>
+          <a:prstGeom prst="rect">
+            <a:avLst/>
+          </a:prstGeom>
+        </p:spPr>
+      </p:pic>
+      <p:pic>
+        <p:nvPicPr>
+          <p:cNvPr id="16" name="Picture 15">
+            <a:extLst>
+              <a:ext uri="{FF2B5EF4-FFF2-40B4-BE49-F238E27FC236}">
+                <a16:creationId xmlns:a16="http://schemas.microsoft.com/office/drawing/2014/main" id="{18871582-34A8-2955-0009-9D90CDD922A7}"/>
+              </a:ext>
+            </a:extLst>
+          </p:cNvPr>
+          <p:cNvPicPr>
+            <a:picLocks noChangeAspect="1"/>
+          </p:cNvPicPr>
+          <p:nvPr/>
+        </p:nvPicPr>
+        <p:blipFill rotWithShape="1">
+          <a:blip r:embed="rId8"/>
+          <a:srcRect l="22563" t="32944" r="14469" b="37688"/>
+          <a:stretch/>
+        </p:blipFill>
+        <p:spPr>
+          <a:xfrm>
+            <a:off x="10179699" y="5940344"/>
+            <a:ext cx="1922106" cy="816580"/>
+          </a:xfrm>
+          <a:prstGeom prst="rect">
+            <a:avLst/>
+          </a:prstGeom>
+        </p:spPr>
+      </p:pic>
+      <p:sp>
+        <p:nvSpPr>
+          <p:cNvPr id="2" name="TextBox 1">
+            <a:extLst>
+              <a:ext uri="{FF2B5EF4-FFF2-40B4-BE49-F238E27FC236}">
+                <a16:creationId xmlns:a16="http://schemas.microsoft.com/office/drawing/2014/main" id="{E155A4AE-8EA6-C1A4-7588-E2570998C61E}"/>
+              </a:ext>
+            </a:extLst>
+          </p:cNvPr>
+          <p:cNvSpPr txBox="1"/>
+          <p:nvPr/>
+        </p:nvSpPr>
+        <p:spPr>
+          <a:xfrm>
+            <a:off x="1852654" y="13990"/>
+            <a:ext cx="6924460" cy="369332"/>
+          </a:xfrm>
+          <a:prstGeom prst="rect">
+            <a:avLst/>
+          </a:prstGeom>
+          <a:noFill/>
+        </p:spPr>
+        <p:txBody>
+          <a:bodyPr wrap="none" rtlCol="0">
+            <a:spAutoFit/>
+          </a:bodyPr>
+          <a:lstStyle/>
+          <a:p>
+            <a:r>
+              <a:rPr lang="en-US" dirty="0"/>
+              <a:t>output values among migration rates when simulating a </a:t>
+            </a:r>
+            <a:r>
+              <a:rPr lang="en-US" b="1" u="sng" dirty="0"/>
+              <a:t>vulnerable pop </a:t>
+            </a:r>
+          </a:p>
+        </p:txBody>
+      </p:sp>
+    </p:spTree>
+    <p:extLst>
+      <p:ext uri="{BB962C8B-B14F-4D97-AF65-F5344CB8AC3E}">
+        <p14:creationId xmlns:p14="http://schemas.microsoft.com/office/powerpoint/2010/main" val="2353459140"/>
+      </p:ext>
+    </p:extLst>
+  </p:cSld>
+  <p:clrMapOvr>
+    <a:masterClrMapping/>
+  </p:clrMapOvr>
+</p:sld>
+</file>
+
+<file path=ppt/slides/slide30.xml><?xml version="1.0" encoding="utf-8"?>
 <p:sld xmlns:a="http://schemas.openxmlformats.org/drawingml/2006/main" xmlns:r="http://schemas.openxmlformats.org/officeDocument/2006/relationships" xmlns:p="http://schemas.openxmlformats.org/presentationml/2006/main">
   <p:cSld>
     <p:spTree>
@@ -9637,7 +14819,7 @@
 </p:sld>
 </file>
 
-<file path=ppt/slides/slide22.xml><?xml version="1.0" encoding="utf-8"?>
+<file path=ppt/slides/slide31.xml><?xml version="1.0" encoding="utf-8"?>
 <p:sld xmlns:a="http://schemas.openxmlformats.org/drawingml/2006/main" xmlns:r="http://schemas.openxmlformats.org/officeDocument/2006/relationships" xmlns:p="http://schemas.openxmlformats.org/presentationml/2006/main">
   <p:cSld>
     <p:spTree>
@@ -9705,14 +14887,14 @@
             <p:ph idx="1"/>
             <p:extLst>
               <p:ext uri="{D42A27DB-BD31-4B8C-83A1-F6EECF244321}">
-                <p14:modId xmlns:p14="http://schemas.microsoft.com/office/powerpoint/2010/main" val="459457319"/>
+                <p14:modId xmlns:p14="http://schemas.microsoft.com/office/powerpoint/2010/main" val="1220434432"/>
               </p:ext>
             </p:extLst>
           </p:nvPr>
         </p:nvGraphicFramePr>
         <p:xfrm>
           <a:off x="838194" y="819785"/>
-          <a:ext cx="10515603" cy="5191760"/>
+          <a:ext cx="10515603" cy="6197600"/>
         </p:xfrm>
         <a:graphic>
           <a:graphicData uri="http://schemas.openxmlformats.org/drawingml/2006/table">
@@ -10524,6 +15706,217 @@
                     <a:bodyPr/>
                     <a:lstStyle/>
                     <a:p>
+                      <a:r>
+                        <a:rPr lang="en-US" dirty="0" err="1"/>
+                        <a:t>Run_f</a:t>
+                      </a:r>
+                      <a:endParaRPr lang="en-US" dirty="0"/>
+                    </a:p>
+                  </a:txBody>
+                  <a:tcPr/>
+                </a:tc>
+                <a:tc>
+                  <a:txBody>
+                    <a:bodyPr/>
+                    <a:lstStyle/>
+                    <a:p>
+                      <a:r>
+                        <a:rPr lang="en-US" dirty="0"/>
+                        <a:t>300</a:t>
+                      </a:r>
+                    </a:p>
+                  </a:txBody>
+                  <a:tcPr/>
+                </a:tc>
+                <a:tc>
+                  <a:txBody>
+                    <a:bodyPr/>
+                    <a:lstStyle/>
+                    <a:p>
+                      <a:r>
+                        <a:rPr lang="en-US" dirty="0"/>
+                        <a:t>all4</a:t>
+                      </a:r>
+                    </a:p>
+                  </a:txBody>
+                  <a:tcPr/>
+                </a:tc>
+                <a:tc>
+                  <a:txBody>
+                    <a:bodyPr/>
+                    <a:lstStyle/>
+                    <a:p>
+                      <a:r>
+                        <a:rPr lang="en-US" dirty="0"/>
+                        <a:t>0.45 </a:t>
+                      </a:r>
+                      <a:r>
+                        <a:rPr lang="en-US" sz="900" dirty="0"/>
+                        <a:t>*.07 in starting focal pop</a:t>
+                      </a:r>
+                      <a:endParaRPr lang="en-US" dirty="0"/>
+                    </a:p>
+                  </a:txBody>
+                  <a:tcPr/>
+                </a:tc>
+                <a:tc>
+                  <a:txBody>
+                    <a:bodyPr/>
+                    <a:lstStyle/>
+                    <a:p>
+                      <a:r>
+                        <a:rPr lang="en-US" dirty="0"/>
+                        <a:t>1</a:t>
+                      </a:r>
+                    </a:p>
+                  </a:txBody>
+                  <a:tcPr/>
+                </a:tc>
+                <a:tc>
+                  <a:txBody>
+                    <a:bodyPr/>
+                    <a:lstStyle/>
+                    <a:p>
+                      <a:r>
+                        <a:rPr lang="en-US" dirty="0"/>
+                        <a:t>9</a:t>
+                      </a:r>
+                    </a:p>
+                  </a:txBody>
+                  <a:tcPr/>
+                </a:tc>
+                <a:tc>
+                  <a:txBody>
+                    <a:bodyPr/>
+                    <a:lstStyle/>
+                    <a:p>
+                      <a:r>
+                        <a:rPr lang="en-US" dirty="0"/>
+                        <a:t>2</a:t>
+                      </a:r>
+                    </a:p>
+                  </a:txBody>
+                  <a:tcPr/>
+                </a:tc>
+                <a:extLst>
+                  <a:ext uri="{0D108BD9-81ED-4DB2-BD59-A6C34878D82A}">
+                    <a16:rowId xmlns:a16="http://schemas.microsoft.com/office/drawing/2014/main" val="1875190034"/>
+                  </a:ext>
+                </a:extLst>
+              </a:tr>
+              <a:tr h="370840">
+                <a:tc>
+                  <a:txBody>
+                    <a:bodyPr/>
+                    <a:lstStyle/>
+                    <a:p>
+                      <a:r>
+                        <a:rPr lang="en-US" dirty="0" err="1"/>
+                        <a:t>Run_g</a:t>
+                      </a:r>
+                      <a:endParaRPr lang="en-US" dirty="0"/>
+                    </a:p>
+                  </a:txBody>
+                  <a:tcPr/>
+                </a:tc>
+                <a:tc>
+                  <a:txBody>
+                    <a:bodyPr/>
+                    <a:lstStyle/>
+                    <a:p>
+                      <a:r>
+                        <a:rPr lang="en-US" dirty="0"/>
+                        <a:t>300</a:t>
+                      </a:r>
+                    </a:p>
+                  </a:txBody>
+                  <a:tcPr/>
+                </a:tc>
+                <a:tc>
+                  <a:txBody>
+                    <a:bodyPr/>
+                    <a:lstStyle/>
+                    <a:p>
+                      <a:r>
+                        <a:rPr lang="en-US" dirty="0"/>
+                        <a:t>all4</a:t>
+                      </a:r>
+                    </a:p>
+                  </a:txBody>
+                  <a:tcPr/>
+                </a:tc>
+                <a:tc>
+                  <a:txBody>
+                    <a:bodyPr/>
+                    <a:lstStyle/>
+                    <a:p>
+                      <a:r>
+                        <a:rPr lang="en-US" dirty="0"/>
+                        <a:t>0.07</a:t>
+                      </a:r>
+                      <a:r>
+                        <a:rPr lang="en-US" sz="1800" dirty="0"/>
+                        <a:t> </a:t>
+                      </a:r>
+                      <a:r>
+                        <a:rPr lang="en-US" sz="900" dirty="0"/>
+                        <a:t>*.07 in starting focal pop</a:t>
+                      </a:r>
+                    </a:p>
+                  </a:txBody>
+                  <a:tcPr/>
+                </a:tc>
+                <a:tc>
+                  <a:txBody>
+                    <a:bodyPr/>
+                    <a:lstStyle/>
+                    <a:p>
+                      <a:r>
+                        <a:rPr lang="en-US" dirty="0"/>
+                        <a:t>1</a:t>
+                      </a:r>
+                    </a:p>
+                  </a:txBody>
+                  <a:tcPr/>
+                </a:tc>
+                <a:tc>
+                  <a:txBody>
+                    <a:bodyPr/>
+                    <a:lstStyle/>
+                    <a:p>
+                      <a:r>
+                        <a:rPr lang="en-US" dirty="0"/>
+                        <a:t>9</a:t>
+                      </a:r>
+                    </a:p>
+                  </a:txBody>
+                  <a:tcPr/>
+                </a:tc>
+                <a:tc>
+                  <a:txBody>
+                    <a:bodyPr/>
+                    <a:lstStyle/>
+                    <a:p>
+                      <a:r>
+                        <a:rPr lang="en-US" dirty="0"/>
+                        <a:t>2</a:t>
+                      </a:r>
+                    </a:p>
+                  </a:txBody>
+                  <a:tcPr/>
+                </a:tc>
+                <a:extLst>
+                  <a:ext uri="{0D108BD9-81ED-4DB2-BD59-A6C34878D82A}">
+                    <a16:rowId xmlns:a16="http://schemas.microsoft.com/office/drawing/2014/main" val="1514029326"/>
+                  </a:ext>
+                </a:extLst>
+              </a:tr>
+              <a:tr h="370840">
+                <a:tc>
+                  <a:txBody>
+                    <a:bodyPr/>
+                    <a:lstStyle/>
+                    <a:p>
                       <a:endParaRPr lang="en-US" sz="1600" dirty="0"/>
                     </a:p>
                   </a:txBody>
@@ -11095,7 +16488,7 @@
 </p:sld>
 </file>
 
-<file path=ppt/slides/slide23.xml><?xml version="1.0" encoding="utf-8"?>
+<file path=ppt/slides/slide32.xml><?xml version="1.0" encoding="utf-8"?>
 <p:sld xmlns:a="http://schemas.openxmlformats.org/drawingml/2006/main" xmlns:r="http://schemas.openxmlformats.org/officeDocument/2006/relationships" xmlns:p="http://schemas.openxmlformats.org/presentationml/2006/main">
   <p:cSld>
     <p:spTree>
@@ -11200,7 +16593,7 @@
 </p:sld>
 </file>
 
-<file path=ppt/slides/slide24.xml><?xml version="1.0" encoding="utf-8"?>
+<file path=ppt/slides/slide33.xml><?xml version="1.0" encoding="utf-8"?>
 <p:sld xmlns:a="http://schemas.openxmlformats.org/drawingml/2006/main" xmlns:r="http://schemas.openxmlformats.org/officeDocument/2006/relationships" xmlns:p="http://schemas.openxmlformats.org/presentationml/2006/main">
   <p:cSld>
     <p:spTree>
@@ -11302,7 +16695,7 @@
 </p:sld>
 </file>
 
-<file path=ppt/slides/slide25.xml><?xml version="1.0" encoding="utf-8"?>
+<file path=ppt/slides/slide34.xml><?xml version="1.0" encoding="utf-8"?>
 <p:sld xmlns:a="http://schemas.openxmlformats.org/drawingml/2006/main" xmlns:r="http://schemas.openxmlformats.org/officeDocument/2006/relationships" xmlns:p="http://schemas.openxmlformats.org/presentationml/2006/main">
   <p:cSld>
     <p:spTree>
@@ -11404,7 +16797,7 @@
 </p:sld>
 </file>
 
-<file path=ppt/slides/slide26.xml><?xml version="1.0" encoding="utf-8"?>
+<file path=ppt/slides/slide35.xml><?xml version="1.0" encoding="utf-8"?>
 <p:sld xmlns:a="http://schemas.openxmlformats.org/drawingml/2006/main" xmlns:r="http://schemas.openxmlformats.org/officeDocument/2006/relationships" xmlns:p="http://schemas.openxmlformats.org/presentationml/2006/main">
   <p:cSld>
     <p:spTree>
@@ -11500,284 +16893,6 @@
     <p:extLst>
       <p:ext uri="{BB962C8B-B14F-4D97-AF65-F5344CB8AC3E}">
         <p14:creationId xmlns:p14="http://schemas.microsoft.com/office/powerpoint/2010/main" val="1461967429"/>
-      </p:ext>
-    </p:extLst>
-  </p:cSld>
-  <p:clrMapOvr>
-    <a:masterClrMapping/>
-  </p:clrMapOvr>
-</p:sld>
-</file>
-
-<file path=ppt/slides/slide3.xml><?xml version="1.0" encoding="utf-8"?>
-<p:sld xmlns:a="http://schemas.openxmlformats.org/drawingml/2006/main" xmlns:r="http://schemas.openxmlformats.org/officeDocument/2006/relationships" xmlns:p="http://schemas.openxmlformats.org/presentationml/2006/main">
-  <p:cSld>
-    <p:spTree>
-      <p:nvGrpSpPr>
-        <p:cNvPr id="1" name=""/>
-        <p:cNvGrpSpPr/>
-        <p:nvPr/>
-      </p:nvGrpSpPr>
-      <p:grpSpPr>
-        <a:xfrm>
-          <a:off x="0" y="0"/>
-          <a:ext cx="0" cy="0"/>
-          <a:chOff x="0" y="0"/>
-          <a:chExt cx="0" cy="0"/>
-        </a:xfrm>
-      </p:grpSpPr>
-      <p:pic>
-        <p:nvPicPr>
-          <p:cNvPr id="5" name="Picture 4">
-            <a:extLst>
-              <a:ext uri="{FF2B5EF4-FFF2-40B4-BE49-F238E27FC236}">
-                <a16:creationId xmlns:a16="http://schemas.microsoft.com/office/drawing/2014/main" id="{173C8D7F-B12A-D5E9-9AAB-BC7A4BE88998}"/>
-              </a:ext>
-            </a:extLst>
-          </p:cNvPr>
-          <p:cNvPicPr>
-            <a:picLocks noChangeAspect="1"/>
-          </p:cNvPicPr>
-          <p:nvPr/>
-        </p:nvPicPr>
-        <p:blipFill>
-          <a:blip r:embed="rId2"/>
-          <a:stretch>
-            <a:fillRect/>
-          </a:stretch>
-        </p:blipFill>
-        <p:spPr>
-          <a:xfrm>
-            <a:off x="399854" y="0"/>
-            <a:ext cx="3040084" cy="2769287"/>
-          </a:xfrm>
-          <a:prstGeom prst="rect">
-            <a:avLst/>
-          </a:prstGeom>
-        </p:spPr>
-      </p:pic>
-      <p:pic>
-        <p:nvPicPr>
-          <p:cNvPr id="7" name="Picture 6">
-            <a:extLst>
-              <a:ext uri="{FF2B5EF4-FFF2-40B4-BE49-F238E27FC236}">
-                <a16:creationId xmlns:a16="http://schemas.microsoft.com/office/drawing/2014/main" id="{2DB353C8-23B8-EB76-FC15-3340F47B886B}"/>
-              </a:ext>
-            </a:extLst>
-          </p:cNvPr>
-          <p:cNvPicPr>
-            <a:picLocks noChangeAspect="1"/>
-          </p:cNvPicPr>
-          <p:nvPr/>
-        </p:nvPicPr>
-        <p:blipFill>
-          <a:blip r:embed="rId3"/>
-          <a:stretch>
-            <a:fillRect/>
-          </a:stretch>
-        </p:blipFill>
-        <p:spPr>
-          <a:xfrm>
-            <a:off x="3439938" y="0"/>
-            <a:ext cx="3173653" cy="2890958"/>
-          </a:xfrm>
-          <a:prstGeom prst="rect">
-            <a:avLst/>
-          </a:prstGeom>
-        </p:spPr>
-      </p:pic>
-      <p:pic>
-        <p:nvPicPr>
-          <p:cNvPr id="9" name="Picture 8">
-            <a:extLst>
-              <a:ext uri="{FF2B5EF4-FFF2-40B4-BE49-F238E27FC236}">
-                <a16:creationId xmlns:a16="http://schemas.microsoft.com/office/drawing/2014/main" id="{02978D2B-6FF3-CEF7-8139-636E824F864A}"/>
-              </a:ext>
-            </a:extLst>
-          </p:cNvPr>
-          <p:cNvPicPr>
-            <a:picLocks noChangeAspect="1"/>
-          </p:cNvPicPr>
-          <p:nvPr/>
-        </p:nvPicPr>
-        <p:blipFill>
-          <a:blip r:embed="rId4"/>
-          <a:stretch>
-            <a:fillRect/>
-          </a:stretch>
-        </p:blipFill>
-        <p:spPr>
-          <a:xfrm>
-            <a:off x="6613591" y="0"/>
-            <a:ext cx="3045980" cy="2774658"/>
-          </a:xfrm>
-          <a:prstGeom prst="rect">
-            <a:avLst/>
-          </a:prstGeom>
-        </p:spPr>
-      </p:pic>
-      <p:pic>
-        <p:nvPicPr>
-          <p:cNvPr id="11" name="Picture 10">
-            <a:extLst>
-              <a:ext uri="{FF2B5EF4-FFF2-40B4-BE49-F238E27FC236}">
-                <a16:creationId xmlns:a16="http://schemas.microsoft.com/office/drawing/2014/main" id="{90C49A02-36C8-8FA7-E2A7-9CA6C8E47EAC}"/>
-              </a:ext>
-            </a:extLst>
-          </p:cNvPr>
-          <p:cNvPicPr>
-            <a:picLocks noChangeAspect="1"/>
-          </p:cNvPicPr>
-          <p:nvPr/>
-        </p:nvPicPr>
-        <p:blipFill>
-          <a:blip r:embed="rId5"/>
-          <a:stretch>
-            <a:fillRect/>
-          </a:stretch>
-        </p:blipFill>
-        <p:spPr>
-          <a:xfrm>
-            <a:off x="6741264" y="2890958"/>
-            <a:ext cx="2912411" cy="2652987"/>
-          </a:xfrm>
-          <a:prstGeom prst="rect">
-            <a:avLst/>
-          </a:prstGeom>
-        </p:spPr>
-      </p:pic>
-      <p:pic>
-        <p:nvPicPr>
-          <p:cNvPr id="13" name="Picture 12">
-            <a:extLst>
-              <a:ext uri="{FF2B5EF4-FFF2-40B4-BE49-F238E27FC236}">
-                <a16:creationId xmlns:a16="http://schemas.microsoft.com/office/drawing/2014/main" id="{B9B46CF7-4055-1363-5ECB-58550ECE98DD}"/>
-              </a:ext>
-            </a:extLst>
-          </p:cNvPr>
-          <p:cNvPicPr>
-            <a:picLocks noChangeAspect="1"/>
-          </p:cNvPicPr>
-          <p:nvPr/>
-        </p:nvPicPr>
-        <p:blipFill>
-          <a:blip r:embed="rId6"/>
-          <a:stretch>
-            <a:fillRect/>
-          </a:stretch>
-        </p:blipFill>
-        <p:spPr>
-          <a:xfrm>
-            <a:off x="471351" y="2769287"/>
-            <a:ext cx="2897091" cy="2639031"/>
-          </a:xfrm>
-          <a:prstGeom prst="rect">
-            <a:avLst/>
-          </a:prstGeom>
-        </p:spPr>
-      </p:pic>
-      <p:pic>
-        <p:nvPicPr>
-          <p:cNvPr id="15" name="Picture 14">
-            <a:extLst>
-              <a:ext uri="{FF2B5EF4-FFF2-40B4-BE49-F238E27FC236}">
-                <a16:creationId xmlns:a16="http://schemas.microsoft.com/office/drawing/2014/main" id="{212CA119-9165-0234-9CE6-4E66832E23A9}"/>
-              </a:ext>
-            </a:extLst>
-          </p:cNvPr>
-          <p:cNvPicPr>
-            <a:picLocks noChangeAspect="1"/>
-          </p:cNvPicPr>
-          <p:nvPr/>
-        </p:nvPicPr>
-        <p:blipFill>
-          <a:blip r:embed="rId7"/>
-          <a:stretch>
-            <a:fillRect/>
-          </a:stretch>
-        </p:blipFill>
-        <p:spPr>
-          <a:xfrm>
-            <a:off x="3496115" y="2769287"/>
-            <a:ext cx="3045980" cy="2774657"/>
-          </a:xfrm>
-          <a:prstGeom prst="rect">
-            <a:avLst/>
-          </a:prstGeom>
-        </p:spPr>
-      </p:pic>
-      <p:pic>
-        <p:nvPicPr>
-          <p:cNvPr id="16" name="Picture 15">
-            <a:extLst>
-              <a:ext uri="{FF2B5EF4-FFF2-40B4-BE49-F238E27FC236}">
-                <a16:creationId xmlns:a16="http://schemas.microsoft.com/office/drawing/2014/main" id="{18871582-34A8-2955-0009-9D90CDD922A7}"/>
-              </a:ext>
-            </a:extLst>
-          </p:cNvPr>
-          <p:cNvPicPr>
-            <a:picLocks noChangeAspect="1"/>
-          </p:cNvPicPr>
-          <p:nvPr/>
-        </p:nvPicPr>
-        <p:blipFill rotWithShape="1">
-          <a:blip r:embed="rId8"/>
-          <a:srcRect l="22563" t="32944" r="14469" b="37688"/>
-          <a:stretch/>
-        </p:blipFill>
-        <p:spPr>
-          <a:xfrm>
-            <a:off x="10179699" y="5940344"/>
-            <a:ext cx="1922106" cy="816580"/>
-          </a:xfrm>
-          <a:prstGeom prst="rect">
-            <a:avLst/>
-          </a:prstGeom>
-        </p:spPr>
-      </p:pic>
-      <p:sp>
-        <p:nvSpPr>
-          <p:cNvPr id="2" name="TextBox 1">
-            <a:extLst>
-              <a:ext uri="{FF2B5EF4-FFF2-40B4-BE49-F238E27FC236}">
-                <a16:creationId xmlns:a16="http://schemas.microsoft.com/office/drawing/2014/main" id="{E155A4AE-8EA6-C1A4-7588-E2570998C61E}"/>
-              </a:ext>
-            </a:extLst>
-          </p:cNvPr>
-          <p:cNvSpPr txBox="1"/>
-          <p:nvPr/>
-        </p:nvSpPr>
-        <p:spPr>
-          <a:xfrm>
-            <a:off x="1852654" y="13990"/>
-            <a:ext cx="6924460" cy="369332"/>
-          </a:xfrm>
-          <a:prstGeom prst="rect">
-            <a:avLst/>
-          </a:prstGeom>
-          <a:noFill/>
-        </p:spPr>
-        <p:txBody>
-          <a:bodyPr wrap="none" rtlCol="0">
-            <a:spAutoFit/>
-          </a:bodyPr>
-          <a:lstStyle/>
-          <a:p>
-            <a:r>
-              <a:rPr lang="en-US" dirty="0"/>
-              <a:t>output values among migration rates when simulating a </a:t>
-            </a:r>
-            <a:r>
-              <a:rPr lang="en-US" b="1" u="sng" dirty="0"/>
-              <a:t>vulnerable pop </a:t>
-            </a:r>
-          </a:p>
-        </p:txBody>
-      </p:sp>
-    </p:spTree>
-    <p:extLst>
-      <p:ext uri="{BB962C8B-B14F-4D97-AF65-F5344CB8AC3E}">
-        <p14:creationId xmlns:p14="http://schemas.microsoft.com/office/powerpoint/2010/main" val="2353459140"/>
       </p:ext>
     </p:extLst>
   </p:cSld>
@@ -13540,4 +18655,299 @@
     </a:ext>
   </a:extLst>
 </a:theme>
+</file>
+
+<file path=ppt/theme/theme2.xml><?xml version="1.0" encoding="utf-8"?>
+<a:theme xmlns:a="http://schemas.openxmlformats.org/drawingml/2006/main" name="Office Theme">
+  <a:themeElements>
+    <a:clrScheme name="Office">
+      <a:dk1>
+        <a:sysClr val="windowText" lastClr="000000"/>
+      </a:dk1>
+      <a:lt1>
+        <a:sysClr val="window" lastClr="FFFFFF"/>
+      </a:lt1>
+      <a:dk2>
+        <a:srgbClr val="44546A"/>
+      </a:dk2>
+      <a:lt2>
+        <a:srgbClr val="E7E6E6"/>
+      </a:lt2>
+      <a:accent1>
+        <a:srgbClr val="4472C4"/>
+      </a:accent1>
+      <a:accent2>
+        <a:srgbClr val="ED7D31"/>
+      </a:accent2>
+      <a:accent3>
+        <a:srgbClr val="A5A5A5"/>
+      </a:accent3>
+      <a:accent4>
+        <a:srgbClr val="FFC000"/>
+      </a:accent4>
+      <a:accent5>
+        <a:srgbClr val="5B9BD5"/>
+      </a:accent5>
+      <a:accent6>
+        <a:srgbClr val="70AD47"/>
+      </a:accent6>
+      <a:hlink>
+        <a:srgbClr val="0563C1"/>
+      </a:hlink>
+      <a:folHlink>
+        <a:srgbClr val="954F72"/>
+      </a:folHlink>
+    </a:clrScheme>
+    <a:fontScheme name="Office">
+      <a:majorFont>
+        <a:latin typeface="Calibri Light" panose="020F0302020204030204"/>
+        <a:ea typeface=""/>
+        <a:cs typeface=""/>
+        <a:font script="Jpan" typeface="游ゴシック Light"/>
+        <a:font script="Hang" typeface="맑은 고딕"/>
+        <a:font script="Hans" typeface="等线 Light"/>
+        <a:font script="Hant" typeface="新細明體"/>
+        <a:font script="Arab" typeface="Times New Roman"/>
+        <a:font script="Hebr" typeface="Times New Roman"/>
+        <a:font script="Thai" typeface="Angsana New"/>
+        <a:font script="Ethi" typeface="Nyala"/>
+        <a:font script="Beng" typeface="Vrinda"/>
+        <a:font script="Gujr" typeface="Shruti"/>
+        <a:font script="Khmr" typeface="MoolBoran"/>
+        <a:font script="Knda" typeface="Tunga"/>
+        <a:font script="Guru" typeface="Raavi"/>
+        <a:font script="Cans" typeface="Euphemia"/>
+        <a:font script="Cher" typeface="Plantagenet Cherokee"/>
+        <a:font script="Yiii" typeface="Microsoft Yi Baiti"/>
+        <a:font script="Tibt" typeface="Microsoft Himalaya"/>
+        <a:font script="Thaa" typeface="MV Boli"/>
+        <a:font script="Deva" typeface="Mangal"/>
+        <a:font script="Telu" typeface="Gautami"/>
+        <a:font script="Taml" typeface="Latha"/>
+        <a:font script="Syrc" typeface="Estrangelo Edessa"/>
+        <a:font script="Orya" typeface="Kalinga"/>
+        <a:font script="Mlym" typeface="Kartika"/>
+        <a:font script="Laoo" typeface="DokChampa"/>
+        <a:font script="Sinh" typeface="Iskoola Pota"/>
+        <a:font script="Mong" typeface="Mongolian Baiti"/>
+        <a:font script="Viet" typeface="Times New Roman"/>
+        <a:font script="Uigh" typeface="Microsoft Uighur"/>
+        <a:font script="Geor" typeface="Sylfaen"/>
+        <a:font script="Armn" typeface="Arial"/>
+        <a:font script="Bugi" typeface="Leelawadee UI"/>
+        <a:font script="Bopo" typeface="Microsoft JhengHei"/>
+        <a:font script="Java" typeface="Javanese Text"/>
+        <a:font script="Lisu" typeface="Segoe UI"/>
+        <a:font script="Mymr" typeface="Myanmar Text"/>
+        <a:font script="Nkoo" typeface="Ebrima"/>
+        <a:font script="Olck" typeface="Nirmala UI"/>
+        <a:font script="Osma" typeface="Ebrima"/>
+        <a:font script="Phag" typeface="Phagspa"/>
+        <a:font script="Syrn" typeface="Estrangelo Edessa"/>
+        <a:font script="Syrj" typeface="Estrangelo Edessa"/>
+        <a:font script="Syre" typeface="Estrangelo Edessa"/>
+        <a:font script="Sora" typeface="Nirmala UI"/>
+        <a:font script="Tale" typeface="Microsoft Tai Le"/>
+        <a:font script="Talu" typeface="Microsoft New Tai Lue"/>
+        <a:font script="Tfng" typeface="Ebrima"/>
+      </a:majorFont>
+      <a:minorFont>
+        <a:latin typeface="Calibri" panose="020F0502020204030204"/>
+        <a:ea typeface=""/>
+        <a:cs typeface=""/>
+        <a:font script="Jpan" typeface="游ゴシック"/>
+        <a:font script="Hang" typeface="맑은 고딕"/>
+        <a:font script="Hans" typeface="等线"/>
+        <a:font script="Hant" typeface="新細明體"/>
+        <a:font script="Arab" typeface="Arial"/>
+        <a:font script="Hebr" typeface="Arial"/>
+        <a:font script="Thai" typeface="Cordia New"/>
+        <a:font script="Ethi" typeface="Nyala"/>
+        <a:font script="Beng" typeface="Vrinda"/>
+        <a:font script="Gujr" typeface="Shruti"/>
+        <a:font script="Khmr" typeface="DaunPenh"/>
+        <a:font script="Knda" typeface="Tunga"/>
+        <a:font script="Guru" typeface="Raavi"/>
+        <a:font script="Cans" typeface="Euphemia"/>
+        <a:font script="Cher" typeface="Plantagenet Cherokee"/>
+        <a:font script="Yiii" typeface="Microsoft Yi Baiti"/>
+        <a:font script="Tibt" typeface="Microsoft Himalaya"/>
+        <a:font script="Thaa" typeface="MV Boli"/>
+        <a:font script="Deva" typeface="Mangal"/>
+        <a:font script="Telu" typeface="Gautami"/>
+        <a:font script="Taml" typeface="Latha"/>
+        <a:font script="Syrc" typeface="Estrangelo Edessa"/>
+        <a:font script="Orya" typeface="Kalinga"/>
+        <a:font script="Mlym" typeface="Kartika"/>
+        <a:font script="Laoo" typeface="DokChampa"/>
+        <a:font script="Sinh" typeface="Iskoola Pota"/>
+        <a:font script="Mong" typeface="Mongolian Baiti"/>
+        <a:font script="Viet" typeface="Arial"/>
+        <a:font script="Uigh" typeface="Microsoft Uighur"/>
+        <a:font script="Geor" typeface="Sylfaen"/>
+        <a:font script="Armn" typeface="Arial"/>
+        <a:font script="Bugi" typeface="Leelawadee UI"/>
+        <a:font script="Bopo" typeface="Microsoft JhengHei"/>
+        <a:font script="Java" typeface="Javanese Text"/>
+        <a:font script="Lisu" typeface="Segoe UI"/>
+        <a:font script="Mymr" typeface="Myanmar Text"/>
+        <a:font script="Nkoo" typeface="Ebrima"/>
+        <a:font script="Olck" typeface="Nirmala UI"/>
+        <a:font script="Osma" typeface="Ebrima"/>
+        <a:font script="Phag" typeface="Phagspa"/>
+        <a:font script="Syrn" typeface="Estrangelo Edessa"/>
+        <a:font script="Syrj" typeface="Estrangelo Edessa"/>
+        <a:font script="Syre" typeface="Estrangelo Edessa"/>
+        <a:font script="Sora" typeface="Nirmala UI"/>
+        <a:font script="Tale" typeface="Microsoft Tai Le"/>
+        <a:font script="Talu" typeface="Microsoft New Tai Lue"/>
+        <a:font script="Tfng" typeface="Ebrima"/>
+      </a:minorFont>
+    </a:fontScheme>
+    <a:fmtScheme name="Office">
+      <a:fillStyleLst>
+        <a:solidFill>
+          <a:schemeClr val="phClr"/>
+        </a:solidFill>
+        <a:gradFill rotWithShape="1">
+          <a:gsLst>
+            <a:gs pos="0">
+              <a:schemeClr val="phClr">
+                <a:lumMod val="110000"/>
+                <a:satMod val="105000"/>
+                <a:tint val="67000"/>
+              </a:schemeClr>
+            </a:gs>
+            <a:gs pos="50000">
+              <a:schemeClr val="phClr">
+                <a:lumMod val="105000"/>
+                <a:satMod val="103000"/>
+                <a:tint val="73000"/>
+              </a:schemeClr>
+            </a:gs>
+            <a:gs pos="100000">
+              <a:schemeClr val="phClr">
+                <a:lumMod val="105000"/>
+                <a:satMod val="109000"/>
+                <a:tint val="81000"/>
+              </a:schemeClr>
+            </a:gs>
+          </a:gsLst>
+          <a:lin ang="5400000" scaled="0"/>
+        </a:gradFill>
+        <a:gradFill rotWithShape="1">
+          <a:gsLst>
+            <a:gs pos="0">
+              <a:schemeClr val="phClr">
+                <a:satMod val="103000"/>
+                <a:lumMod val="102000"/>
+                <a:tint val="94000"/>
+              </a:schemeClr>
+            </a:gs>
+            <a:gs pos="50000">
+              <a:schemeClr val="phClr">
+                <a:satMod val="110000"/>
+                <a:lumMod val="100000"/>
+                <a:shade val="100000"/>
+              </a:schemeClr>
+            </a:gs>
+            <a:gs pos="100000">
+              <a:schemeClr val="phClr">
+                <a:lumMod val="99000"/>
+                <a:satMod val="120000"/>
+                <a:shade val="78000"/>
+              </a:schemeClr>
+            </a:gs>
+          </a:gsLst>
+          <a:lin ang="5400000" scaled="0"/>
+        </a:gradFill>
+      </a:fillStyleLst>
+      <a:lnStyleLst>
+        <a:ln w="6350" cap="flat" cmpd="sng" algn="ctr">
+          <a:solidFill>
+            <a:schemeClr val="phClr"/>
+          </a:solidFill>
+          <a:prstDash val="solid"/>
+          <a:miter lim="800000"/>
+        </a:ln>
+        <a:ln w="12700" cap="flat" cmpd="sng" algn="ctr">
+          <a:solidFill>
+            <a:schemeClr val="phClr"/>
+          </a:solidFill>
+          <a:prstDash val="solid"/>
+          <a:miter lim="800000"/>
+        </a:ln>
+        <a:ln w="19050" cap="flat" cmpd="sng" algn="ctr">
+          <a:solidFill>
+            <a:schemeClr val="phClr"/>
+          </a:solidFill>
+          <a:prstDash val="solid"/>
+          <a:miter lim="800000"/>
+        </a:ln>
+      </a:lnStyleLst>
+      <a:effectStyleLst>
+        <a:effectStyle>
+          <a:effectLst/>
+        </a:effectStyle>
+        <a:effectStyle>
+          <a:effectLst/>
+        </a:effectStyle>
+        <a:effectStyle>
+          <a:effectLst>
+            <a:outerShdw blurRad="57150" dist="19050" dir="5400000" algn="ctr" rotWithShape="0">
+              <a:srgbClr val="000000">
+                <a:alpha val="63000"/>
+              </a:srgbClr>
+            </a:outerShdw>
+          </a:effectLst>
+        </a:effectStyle>
+      </a:effectStyleLst>
+      <a:bgFillStyleLst>
+        <a:solidFill>
+          <a:schemeClr val="phClr"/>
+        </a:solidFill>
+        <a:solidFill>
+          <a:schemeClr val="phClr">
+            <a:tint val="95000"/>
+            <a:satMod val="170000"/>
+          </a:schemeClr>
+        </a:solidFill>
+        <a:gradFill rotWithShape="1">
+          <a:gsLst>
+            <a:gs pos="0">
+              <a:schemeClr val="phClr">
+                <a:tint val="93000"/>
+                <a:satMod val="150000"/>
+                <a:shade val="98000"/>
+                <a:lumMod val="102000"/>
+              </a:schemeClr>
+            </a:gs>
+            <a:gs pos="50000">
+              <a:schemeClr val="phClr">
+                <a:tint val="98000"/>
+                <a:satMod val="130000"/>
+                <a:shade val="90000"/>
+                <a:lumMod val="103000"/>
+              </a:schemeClr>
+            </a:gs>
+            <a:gs pos="100000">
+              <a:schemeClr val="phClr">
+                <a:shade val="63000"/>
+                <a:satMod val="120000"/>
+              </a:schemeClr>
+            </a:gs>
+          </a:gsLst>
+          <a:lin ang="5400000" scaled="0"/>
+        </a:gradFill>
+      </a:bgFillStyleLst>
+    </a:fmtScheme>
+  </a:themeElements>
+  <a:objectDefaults/>
+  <a:extraClrSchemeLst/>
+  <a:extLst>
+    <a:ext uri="{05A4C25C-085E-4340-85A3-A5531E510DB2}">
+      <thm15:themeFamily xmlns:thm15="http://schemas.microsoft.com/office/thememl/2012/main" name="Office Theme 2013 - 2022" id="{62F939B6-93AF-4DB8-9C6B-D6C7DFDC589F}" vid="{4A3C46E8-61CC-4603-A589-7422A47A8E4A}"/>
+    </a:ext>
+  </a:extLst>
+</a:theme>
 </file>